--- a/assets/ppt/cfg/cfg1-intro.pptx
+++ b/assets/ppt/cfg/cfg1-intro.pptx
@@ -5,10 +5,10 @@
     <p:sldMasterId id="2147483648" r:id="rId1"/>
   </p:sldMasterIdLst>
   <p:notesMasterIdLst>
-    <p:notesMasterId r:id="rId20"/>
+    <p:notesMasterId r:id="rId19"/>
   </p:notesMasterIdLst>
   <p:handoutMasterIdLst>
-    <p:handoutMasterId r:id="rId21"/>
+    <p:handoutMasterId r:id="rId20"/>
   </p:handoutMasterIdLst>
   <p:sldIdLst>
     <p:sldId id="328" r:id="rId2"/>
@@ -25,10 +25,9 @@
     <p:sldId id="318" r:id="rId13"/>
     <p:sldId id="319" r:id="rId14"/>
     <p:sldId id="324" r:id="rId15"/>
-    <p:sldId id="308" r:id="rId16"/>
-    <p:sldId id="325" r:id="rId17"/>
-    <p:sldId id="326" r:id="rId18"/>
-    <p:sldId id="327" r:id="rId19"/>
+    <p:sldId id="325" r:id="rId16"/>
+    <p:sldId id="326" r:id="rId17"/>
+    <p:sldId id="327" r:id="rId18"/>
   </p:sldIdLst>
   <p:sldSz cx="9144000" cy="6858000" type="screen4x3"/>
   <p:notesSz cx="6858000" cy="9144000"/>
@@ -157,6 +156,22 @@
       </a:defRPr>
     </a:lvl9pPr>
   </p:defaultTextStyle>
+  <p:extLst>
+    <p:ext uri="{EFAFB233-063F-42B5-8137-9DF3F51BA10A}">
+      <p15:sldGuideLst xmlns:p15="http://schemas.microsoft.com/office/powerpoint/2012/main">
+        <p15:guide id="1" orient="horz" pos="2160">
+          <p15:clr>
+            <a:srgbClr val="A4A3A4"/>
+          </p15:clr>
+        </p15:guide>
+        <p15:guide id="2" pos="2880">
+          <p15:clr>
+            <a:srgbClr val="A4A3A4"/>
+          </p15:clr>
+        </p15:guide>
+      </p15:sldGuideLst>
+    </p:ext>
+  </p:extLst>
 </p:presentation>
 </file>
 
@@ -1407,7 +1422,7 @@
             <a:fld id="{5EB415FA-3C37-834A-A1E6-2A4C5B46A4CD}" type="slidenum">
               <a:rPr lang="en-US"/>
               <a:pPr/>
-              <a:t>16</a:t>
+              <a:t>15</a:t>
             </a:fld>
             <a:endParaRPr lang="en-US"/>
           </a:p>
@@ -1491,7 +1506,7 @@
             <a:fld id="{6F9787EC-BAFE-294A-8E90-66F7022EC2DD}" type="slidenum">
               <a:rPr lang="en-US"/>
               <a:pPr/>
-              <a:t>17</a:t>
+              <a:t>16</a:t>
             </a:fld>
             <a:endParaRPr lang="en-US"/>
           </a:p>
@@ -1575,7 +1590,7 @@
             <a:fld id="{396E42E6-9B4D-EC4C-A832-87241DDF3C93}" type="slidenum">
               <a:rPr lang="en-US"/>
               <a:pPr/>
-              <a:t>18</a:t>
+              <a:t>17</a:t>
             </a:fld>
             <a:endParaRPr lang="en-US"/>
           </a:p>
@@ -1660,7 +1675,7 @@
           <a:lstStyle/>
           <a:p>
             <a:r>
-              <a:rPr lang="en-CA" smtClean="0"/>
+              <a:rPr lang="en-CA"/>
               <a:t>Click to edit Master title style</a:t>
             </a:r>
             <a:endParaRPr lang="en-US"/>
@@ -1725,7 +1740,7 @@
           </a:lstStyle>
           <a:p>
             <a:r>
-              <a:rPr lang="en-CA" smtClean="0"/>
+              <a:rPr lang="en-CA"/>
               <a:t>Click to edit Master subtitle style</a:t>
             </a:r>
             <a:endParaRPr lang="en-US"/>
@@ -1742,7 +1757,15 @@
             <p:ph type="dt" sz="half" idx="10"/>
           </p:nvPr>
         </p:nvSpPr>
-        <p:spPr/>
+        <p:spPr>
+          <a:xfrm>
+            <a:off x="685800" y="6248400"/>
+            <a:ext cx="1905000" cy="457200"/>
+          </a:xfrm>
+          <a:prstGeom prst="rect">
+            <a:avLst/>
+          </a:prstGeom>
+        </p:spPr>
         <p:txBody>
           <a:bodyPr/>
           <a:lstStyle>
@@ -1754,7 +1777,7 @@
             <a:fld id="{BB10D2A1-AA16-124C-8724-E871FC52E9A7}" type="datetime1">
               <a:rPr lang="en-US"/>
               <a:pPr/>
-              <a:t>16-06-14</a:t>
+              <a:t>5/29/19</a:t>
             </a:fld>
             <a:endParaRPr lang="en-US"/>
           </a:p>
@@ -1770,7 +1793,15 @@
             <p:ph type="ftr" sz="quarter" idx="11"/>
           </p:nvPr>
         </p:nvSpPr>
-        <p:spPr/>
+        <p:spPr>
+          <a:xfrm>
+            <a:off x="3124200" y="6248400"/>
+            <a:ext cx="2895600" cy="457200"/>
+          </a:xfrm>
+          <a:prstGeom prst="rect">
+            <a:avLst/>
+          </a:prstGeom>
+        </p:spPr>
         <p:txBody>
           <a:bodyPr/>
           <a:lstStyle>
@@ -1852,7 +1883,7 @@
           <a:lstStyle/>
           <a:p>
             <a:r>
-              <a:rPr lang="en-CA" smtClean="0"/>
+              <a:rPr lang="en-CA"/>
               <a:t>Click to edit Master title style</a:t>
             </a:r>
             <a:endParaRPr lang="en-US"/>
@@ -1876,35 +1907,35 @@
           <a:p>
             <a:pPr lvl="0"/>
             <a:r>
-              <a:rPr lang="en-CA" smtClean="0"/>
+              <a:rPr lang="en-CA"/>
               <a:t>Click to edit Master text styles</a:t>
             </a:r>
           </a:p>
           <a:p>
             <a:pPr lvl="1"/>
             <a:r>
-              <a:rPr lang="en-CA" smtClean="0"/>
+              <a:rPr lang="en-CA"/>
               <a:t>Second level</a:t>
             </a:r>
           </a:p>
           <a:p>
             <a:pPr lvl="2"/>
             <a:r>
-              <a:rPr lang="en-CA" smtClean="0"/>
+              <a:rPr lang="en-CA"/>
               <a:t>Third level</a:t>
             </a:r>
           </a:p>
           <a:p>
             <a:pPr lvl="3"/>
             <a:r>
-              <a:rPr lang="en-CA" smtClean="0"/>
+              <a:rPr lang="en-CA"/>
               <a:t>Fourth level</a:t>
             </a:r>
           </a:p>
           <a:p>
             <a:pPr lvl="4"/>
             <a:r>
-              <a:rPr lang="en-CA" smtClean="0"/>
+              <a:rPr lang="en-CA"/>
               <a:t>Fifth level</a:t>
             </a:r>
             <a:endParaRPr lang="en-US"/>
@@ -1921,7 +1952,15 @@
             <p:ph type="dt" sz="half" idx="10"/>
           </p:nvPr>
         </p:nvSpPr>
-        <p:spPr/>
+        <p:spPr>
+          <a:xfrm>
+            <a:off x="685800" y="6248400"/>
+            <a:ext cx="1905000" cy="457200"/>
+          </a:xfrm>
+          <a:prstGeom prst="rect">
+            <a:avLst/>
+          </a:prstGeom>
+        </p:spPr>
         <p:txBody>
           <a:bodyPr/>
           <a:lstStyle>
@@ -1933,7 +1972,7 @@
             <a:fld id="{1785DF61-96F8-3448-B30E-7E61CA41DDB4}" type="datetime1">
               <a:rPr lang="en-US"/>
               <a:pPr/>
-              <a:t>16-06-14</a:t>
+              <a:t>5/29/19</a:t>
             </a:fld>
             <a:endParaRPr lang="en-US"/>
           </a:p>
@@ -1949,7 +1988,15 @@
             <p:ph type="ftr" sz="quarter" idx="11"/>
           </p:nvPr>
         </p:nvSpPr>
-        <p:spPr/>
+        <p:spPr>
+          <a:xfrm>
+            <a:off x="3124200" y="6248400"/>
+            <a:ext cx="2895600" cy="457200"/>
+          </a:xfrm>
+          <a:prstGeom prst="rect">
+            <a:avLst/>
+          </a:prstGeom>
+        </p:spPr>
         <p:txBody>
           <a:bodyPr/>
           <a:lstStyle>
@@ -2036,7 +2083,7 @@
           <a:lstStyle/>
           <a:p>
             <a:r>
-              <a:rPr lang="en-CA" smtClean="0"/>
+              <a:rPr lang="en-CA"/>
               <a:t>Click to edit Master title style</a:t>
             </a:r>
             <a:endParaRPr lang="en-US"/>
@@ -2065,35 +2112,35 @@
           <a:p>
             <a:pPr lvl="0"/>
             <a:r>
-              <a:rPr lang="en-CA" smtClean="0"/>
+              <a:rPr lang="en-CA"/>
               <a:t>Click to edit Master text styles</a:t>
             </a:r>
           </a:p>
           <a:p>
             <a:pPr lvl="1"/>
             <a:r>
-              <a:rPr lang="en-CA" smtClean="0"/>
+              <a:rPr lang="en-CA"/>
               <a:t>Second level</a:t>
             </a:r>
           </a:p>
           <a:p>
             <a:pPr lvl="2"/>
             <a:r>
-              <a:rPr lang="en-CA" smtClean="0"/>
+              <a:rPr lang="en-CA"/>
               <a:t>Third level</a:t>
             </a:r>
           </a:p>
           <a:p>
             <a:pPr lvl="3"/>
             <a:r>
-              <a:rPr lang="en-CA" smtClean="0"/>
+              <a:rPr lang="en-CA"/>
               <a:t>Fourth level</a:t>
             </a:r>
           </a:p>
           <a:p>
             <a:pPr lvl="4"/>
             <a:r>
-              <a:rPr lang="en-CA" smtClean="0"/>
+              <a:rPr lang="en-CA"/>
               <a:t>Fifth level</a:t>
             </a:r>
             <a:endParaRPr lang="en-US"/>
@@ -2110,7 +2157,15 @@
             <p:ph type="dt" sz="half" idx="10"/>
           </p:nvPr>
         </p:nvSpPr>
-        <p:spPr/>
+        <p:spPr>
+          <a:xfrm>
+            <a:off x="685800" y="6248400"/>
+            <a:ext cx="1905000" cy="457200"/>
+          </a:xfrm>
+          <a:prstGeom prst="rect">
+            <a:avLst/>
+          </a:prstGeom>
+        </p:spPr>
         <p:txBody>
           <a:bodyPr/>
           <a:lstStyle>
@@ -2122,7 +2177,7 @@
             <a:fld id="{B00C37A4-5AA0-6C4C-B4C1-05BACFD89896}" type="datetime1">
               <a:rPr lang="en-US"/>
               <a:pPr/>
-              <a:t>16-06-14</a:t>
+              <a:t>5/29/19</a:t>
             </a:fld>
             <a:endParaRPr lang="en-US"/>
           </a:p>
@@ -2138,7 +2193,15 @@
             <p:ph type="ftr" sz="quarter" idx="11"/>
           </p:nvPr>
         </p:nvSpPr>
-        <p:spPr/>
+        <p:spPr>
+          <a:xfrm>
+            <a:off x="3124200" y="6248400"/>
+            <a:ext cx="2895600" cy="457200"/>
+          </a:xfrm>
+          <a:prstGeom prst="rect">
+            <a:avLst/>
+          </a:prstGeom>
+        </p:spPr>
         <p:txBody>
           <a:bodyPr/>
           <a:lstStyle>
@@ -2220,7 +2283,7 @@
           <a:lstStyle/>
           <a:p>
             <a:r>
-              <a:rPr lang="en-CA" smtClean="0"/>
+              <a:rPr lang="en-CA"/>
               <a:t>Click to edit Master title style</a:t>
             </a:r>
             <a:endParaRPr lang="en-US"/>
@@ -2244,65 +2307,37 @@
           <a:p>
             <a:pPr lvl="0"/>
             <a:r>
-              <a:rPr lang="en-CA" smtClean="0"/>
+              <a:rPr lang="en-CA"/>
               <a:t>Click to edit Master text styles</a:t>
             </a:r>
           </a:p>
           <a:p>
             <a:pPr lvl="1"/>
             <a:r>
-              <a:rPr lang="en-CA" smtClean="0"/>
+              <a:rPr lang="en-CA"/>
               <a:t>Second level</a:t>
             </a:r>
           </a:p>
           <a:p>
             <a:pPr lvl="2"/>
             <a:r>
-              <a:rPr lang="en-CA" smtClean="0"/>
+              <a:rPr lang="en-CA"/>
               <a:t>Third level</a:t>
             </a:r>
           </a:p>
           <a:p>
             <a:pPr lvl="3"/>
             <a:r>
-              <a:rPr lang="en-CA" smtClean="0"/>
+              <a:rPr lang="en-CA"/>
               <a:t>Fourth level</a:t>
             </a:r>
           </a:p>
           <a:p>
             <a:pPr lvl="4"/>
             <a:r>
-              <a:rPr lang="en-CA" smtClean="0"/>
+              <a:rPr lang="en-CA"/>
               <a:t>Fifth level</a:t>
             </a:r>
-            <a:endParaRPr lang="en-US"/>
-          </a:p>
-        </p:txBody>
-      </p:sp>
-      <p:sp>
-        <p:nvSpPr>
-          <p:cNvPr id="4" name="Date Placeholder 3"/>
-          <p:cNvSpPr>
-            <a:spLocks noGrp="1"/>
-          </p:cNvSpPr>
-          <p:nvPr>
-            <p:ph type="dt" sz="half" idx="10"/>
-          </p:nvPr>
-        </p:nvSpPr>
-        <p:spPr/>
-        <p:txBody>
-          <a:bodyPr/>
-          <a:lstStyle>
-            <a:lvl1pPr>
-              <a:defRPr smtClean="0"/>
-            </a:lvl1pPr>
-          </a:lstStyle>
-          <a:p>
-            <a:fld id="{F668E4B5-49D5-B048-B5A5-3831D6A375F6}" type="datetime1">
-              <a:rPr lang="en-US"/>
-              <a:pPr/>
-              <a:t>16-06-14</a:t>
-            </a:fld>
             <a:endParaRPr lang="en-US"/>
           </a:p>
         </p:txBody>
@@ -2317,7 +2352,15 @@
             <p:ph type="ftr" sz="quarter" idx="11"/>
           </p:nvPr>
         </p:nvSpPr>
-        <p:spPr/>
+        <p:spPr>
+          <a:xfrm>
+            <a:off x="3124200" y="6248400"/>
+            <a:ext cx="2895600" cy="457200"/>
+          </a:xfrm>
+          <a:prstGeom prst="rect">
+            <a:avLst/>
+          </a:prstGeom>
+        </p:spPr>
         <p:txBody>
           <a:bodyPr/>
           <a:lstStyle>
@@ -2408,7 +2451,7 @@
           </a:lstStyle>
           <a:p>
             <a:r>
-              <a:rPr lang="en-CA" smtClean="0"/>
+              <a:rPr lang="en-CA"/>
               <a:t>Click to edit Master title style</a:t>
             </a:r>
             <a:endParaRPr lang="en-US"/>
@@ -2474,7 +2517,7 @@
           <a:p>
             <a:pPr lvl="0"/>
             <a:r>
-              <a:rPr lang="en-CA" smtClean="0"/>
+              <a:rPr lang="en-CA"/>
               <a:t>Click to edit Master text styles</a:t>
             </a:r>
           </a:p>
@@ -2490,7 +2533,15 @@
             <p:ph type="dt" sz="half" idx="10"/>
           </p:nvPr>
         </p:nvSpPr>
-        <p:spPr/>
+        <p:spPr>
+          <a:xfrm>
+            <a:off x="685800" y="6248400"/>
+            <a:ext cx="1905000" cy="457200"/>
+          </a:xfrm>
+          <a:prstGeom prst="rect">
+            <a:avLst/>
+          </a:prstGeom>
+        </p:spPr>
         <p:txBody>
           <a:bodyPr/>
           <a:lstStyle>
@@ -2502,7 +2553,7 @@
             <a:fld id="{7ACDE087-5547-9146-A44C-F12479CD90F2}" type="datetime1">
               <a:rPr lang="en-US"/>
               <a:pPr/>
-              <a:t>16-06-14</a:t>
+              <a:t>5/29/19</a:t>
             </a:fld>
             <a:endParaRPr lang="en-US"/>
           </a:p>
@@ -2518,7 +2569,15 @@
             <p:ph type="ftr" sz="quarter" idx="11"/>
           </p:nvPr>
         </p:nvSpPr>
-        <p:spPr/>
+        <p:spPr>
+          <a:xfrm>
+            <a:off x="3124200" y="6248400"/>
+            <a:ext cx="2895600" cy="457200"/>
+          </a:xfrm>
+          <a:prstGeom prst="rect">
+            <a:avLst/>
+          </a:prstGeom>
+        </p:spPr>
         <p:txBody>
           <a:bodyPr/>
           <a:lstStyle>
@@ -2600,7 +2659,7 @@
           <a:lstStyle/>
           <a:p>
             <a:r>
-              <a:rPr lang="en-CA" smtClean="0"/>
+              <a:rPr lang="en-CA"/>
               <a:t>Click to edit Master title style</a:t>
             </a:r>
             <a:endParaRPr lang="en-US"/>
@@ -2657,35 +2716,35 @@
           <a:p>
             <a:pPr lvl="0"/>
             <a:r>
-              <a:rPr lang="en-CA" smtClean="0"/>
+              <a:rPr lang="en-CA"/>
               <a:t>Click to edit Master text styles</a:t>
             </a:r>
           </a:p>
           <a:p>
             <a:pPr lvl="1"/>
             <a:r>
-              <a:rPr lang="en-CA" smtClean="0"/>
+              <a:rPr lang="en-CA"/>
               <a:t>Second level</a:t>
             </a:r>
           </a:p>
           <a:p>
             <a:pPr lvl="2"/>
             <a:r>
-              <a:rPr lang="en-CA" smtClean="0"/>
+              <a:rPr lang="en-CA"/>
               <a:t>Third level</a:t>
             </a:r>
           </a:p>
           <a:p>
             <a:pPr lvl="3"/>
             <a:r>
-              <a:rPr lang="en-CA" smtClean="0"/>
+              <a:rPr lang="en-CA"/>
               <a:t>Fourth level</a:t>
             </a:r>
           </a:p>
           <a:p>
             <a:pPr lvl="4"/>
             <a:r>
-              <a:rPr lang="en-CA" smtClean="0"/>
+              <a:rPr lang="en-CA"/>
               <a:t>Fifth level</a:t>
             </a:r>
             <a:endParaRPr lang="en-US"/>
@@ -2742,35 +2801,35 @@
           <a:p>
             <a:pPr lvl="0"/>
             <a:r>
-              <a:rPr lang="en-CA" smtClean="0"/>
+              <a:rPr lang="en-CA"/>
               <a:t>Click to edit Master text styles</a:t>
             </a:r>
           </a:p>
           <a:p>
             <a:pPr lvl="1"/>
             <a:r>
-              <a:rPr lang="en-CA" smtClean="0"/>
+              <a:rPr lang="en-CA"/>
               <a:t>Second level</a:t>
             </a:r>
           </a:p>
           <a:p>
             <a:pPr lvl="2"/>
             <a:r>
-              <a:rPr lang="en-CA" smtClean="0"/>
+              <a:rPr lang="en-CA"/>
               <a:t>Third level</a:t>
             </a:r>
           </a:p>
           <a:p>
             <a:pPr lvl="3"/>
             <a:r>
-              <a:rPr lang="en-CA" smtClean="0"/>
+              <a:rPr lang="en-CA"/>
               <a:t>Fourth level</a:t>
             </a:r>
           </a:p>
           <a:p>
             <a:pPr lvl="4"/>
             <a:r>
-              <a:rPr lang="en-CA" smtClean="0"/>
+              <a:rPr lang="en-CA"/>
               <a:t>Fifth level</a:t>
             </a:r>
             <a:endParaRPr lang="en-US"/>
@@ -2787,7 +2846,15 @@
             <p:ph type="dt" sz="half" idx="10"/>
           </p:nvPr>
         </p:nvSpPr>
-        <p:spPr/>
+        <p:spPr>
+          <a:xfrm>
+            <a:off x="685800" y="6248400"/>
+            <a:ext cx="1905000" cy="457200"/>
+          </a:xfrm>
+          <a:prstGeom prst="rect">
+            <a:avLst/>
+          </a:prstGeom>
+        </p:spPr>
         <p:txBody>
           <a:bodyPr/>
           <a:lstStyle>
@@ -2799,7 +2866,7 @@
             <a:fld id="{ABC23590-A601-0D4E-8E81-4963D950E64C}" type="datetime1">
               <a:rPr lang="en-US"/>
               <a:pPr/>
-              <a:t>16-06-14</a:t>
+              <a:t>5/29/19</a:t>
             </a:fld>
             <a:endParaRPr lang="en-US"/>
           </a:p>
@@ -2815,7 +2882,15 @@
             <p:ph type="ftr" sz="quarter" idx="11"/>
           </p:nvPr>
         </p:nvSpPr>
-        <p:spPr/>
+        <p:spPr>
+          <a:xfrm>
+            <a:off x="3124200" y="6248400"/>
+            <a:ext cx="2895600" cy="457200"/>
+          </a:xfrm>
+          <a:prstGeom prst="rect">
+            <a:avLst/>
+          </a:prstGeom>
+        </p:spPr>
         <p:txBody>
           <a:bodyPr/>
           <a:lstStyle>
@@ -2906,7 +2981,7 @@
           </a:lstStyle>
           <a:p>
             <a:r>
-              <a:rPr lang="en-CA" smtClean="0"/>
+              <a:rPr lang="en-CA"/>
               <a:t>Click to edit Master title style</a:t>
             </a:r>
             <a:endParaRPr lang="en-US"/>
@@ -2972,7 +3047,7 @@
           <a:p>
             <a:pPr lvl="0"/>
             <a:r>
-              <a:rPr lang="en-CA" smtClean="0"/>
+              <a:rPr lang="en-CA"/>
               <a:t>Click to edit Master text styles</a:t>
             </a:r>
           </a:p>
@@ -3028,35 +3103,35 @@
           <a:p>
             <a:pPr lvl="0"/>
             <a:r>
-              <a:rPr lang="en-CA" smtClean="0"/>
+              <a:rPr lang="en-CA"/>
               <a:t>Click to edit Master text styles</a:t>
             </a:r>
           </a:p>
           <a:p>
             <a:pPr lvl="1"/>
             <a:r>
-              <a:rPr lang="en-CA" smtClean="0"/>
+              <a:rPr lang="en-CA"/>
               <a:t>Second level</a:t>
             </a:r>
           </a:p>
           <a:p>
             <a:pPr lvl="2"/>
             <a:r>
-              <a:rPr lang="en-CA" smtClean="0"/>
+              <a:rPr lang="en-CA"/>
               <a:t>Third level</a:t>
             </a:r>
           </a:p>
           <a:p>
             <a:pPr lvl="3"/>
             <a:r>
-              <a:rPr lang="en-CA" smtClean="0"/>
+              <a:rPr lang="en-CA"/>
               <a:t>Fourth level</a:t>
             </a:r>
           </a:p>
           <a:p>
             <a:pPr lvl="4"/>
             <a:r>
-              <a:rPr lang="en-CA" smtClean="0"/>
+              <a:rPr lang="en-CA"/>
               <a:t>Fifth level</a:t>
             </a:r>
             <a:endParaRPr lang="en-US"/>
@@ -3122,7 +3197,7 @@
           <a:p>
             <a:pPr lvl="0"/>
             <a:r>
-              <a:rPr lang="en-CA" smtClean="0"/>
+              <a:rPr lang="en-CA"/>
               <a:t>Click to edit Master text styles</a:t>
             </a:r>
           </a:p>
@@ -3178,35 +3253,35 @@
           <a:p>
             <a:pPr lvl="0"/>
             <a:r>
-              <a:rPr lang="en-CA" smtClean="0"/>
+              <a:rPr lang="en-CA"/>
               <a:t>Click to edit Master text styles</a:t>
             </a:r>
           </a:p>
           <a:p>
             <a:pPr lvl="1"/>
             <a:r>
-              <a:rPr lang="en-CA" smtClean="0"/>
+              <a:rPr lang="en-CA"/>
               <a:t>Second level</a:t>
             </a:r>
           </a:p>
           <a:p>
             <a:pPr lvl="2"/>
             <a:r>
-              <a:rPr lang="en-CA" smtClean="0"/>
+              <a:rPr lang="en-CA"/>
               <a:t>Third level</a:t>
             </a:r>
           </a:p>
           <a:p>
             <a:pPr lvl="3"/>
             <a:r>
-              <a:rPr lang="en-CA" smtClean="0"/>
+              <a:rPr lang="en-CA"/>
               <a:t>Fourth level</a:t>
             </a:r>
           </a:p>
           <a:p>
             <a:pPr lvl="4"/>
             <a:r>
-              <a:rPr lang="en-CA" smtClean="0"/>
+              <a:rPr lang="en-CA"/>
               <a:t>Fifth level</a:t>
             </a:r>
             <a:endParaRPr lang="en-US"/>
@@ -3223,7 +3298,15 @@
             <p:ph type="dt" sz="half" idx="10"/>
           </p:nvPr>
         </p:nvSpPr>
-        <p:spPr/>
+        <p:spPr>
+          <a:xfrm>
+            <a:off x="685800" y="6248400"/>
+            <a:ext cx="1905000" cy="457200"/>
+          </a:xfrm>
+          <a:prstGeom prst="rect">
+            <a:avLst/>
+          </a:prstGeom>
+        </p:spPr>
         <p:txBody>
           <a:bodyPr/>
           <a:lstStyle>
@@ -3235,7 +3318,7 @@
             <a:fld id="{F80D6EEA-C880-B74F-9033-821B2613D0DA}" type="datetime1">
               <a:rPr lang="en-US"/>
               <a:pPr/>
-              <a:t>16-06-14</a:t>
+              <a:t>5/29/19</a:t>
             </a:fld>
             <a:endParaRPr lang="en-US"/>
           </a:p>
@@ -3251,7 +3334,15 @@
             <p:ph type="ftr" sz="quarter" idx="11"/>
           </p:nvPr>
         </p:nvSpPr>
-        <p:spPr/>
+        <p:spPr>
+          <a:xfrm>
+            <a:off x="3124200" y="6248400"/>
+            <a:ext cx="2895600" cy="457200"/>
+          </a:xfrm>
+          <a:prstGeom prst="rect">
+            <a:avLst/>
+          </a:prstGeom>
+        </p:spPr>
         <p:txBody>
           <a:bodyPr/>
           <a:lstStyle>
@@ -3333,7 +3424,7 @@
           <a:lstStyle/>
           <a:p>
             <a:r>
-              <a:rPr lang="en-CA" smtClean="0"/>
+              <a:rPr lang="en-CA"/>
               <a:t>Click to edit Master title style</a:t>
             </a:r>
             <a:endParaRPr lang="en-US"/>
@@ -3350,7 +3441,15 @@
             <p:ph type="dt" sz="half" idx="10"/>
           </p:nvPr>
         </p:nvSpPr>
-        <p:spPr/>
+        <p:spPr>
+          <a:xfrm>
+            <a:off x="685800" y="6248400"/>
+            <a:ext cx="1905000" cy="457200"/>
+          </a:xfrm>
+          <a:prstGeom prst="rect">
+            <a:avLst/>
+          </a:prstGeom>
+        </p:spPr>
         <p:txBody>
           <a:bodyPr/>
           <a:lstStyle>
@@ -3362,7 +3461,7 @@
             <a:fld id="{D67FB90A-5A86-AA47-9DF5-D4B51CBF5733}" type="datetime1">
               <a:rPr lang="en-US"/>
               <a:pPr/>
-              <a:t>16-06-14</a:t>
+              <a:t>5/29/19</a:t>
             </a:fld>
             <a:endParaRPr lang="en-US"/>
           </a:p>
@@ -3378,7 +3477,15 @@
             <p:ph type="ftr" sz="quarter" idx="11"/>
           </p:nvPr>
         </p:nvSpPr>
-        <p:spPr/>
+        <p:spPr>
+          <a:xfrm>
+            <a:off x="3124200" y="6248400"/>
+            <a:ext cx="2895600" cy="457200"/>
+          </a:xfrm>
+          <a:prstGeom prst="rect">
+            <a:avLst/>
+          </a:prstGeom>
+        </p:spPr>
         <p:txBody>
           <a:bodyPr/>
           <a:lstStyle>
@@ -3454,7 +3561,15 @@
             <p:ph type="dt" sz="half" idx="10"/>
           </p:nvPr>
         </p:nvSpPr>
-        <p:spPr/>
+        <p:spPr>
+          <a:xfrm>
+            <a:off x="685800" y="6248400"/>
+            <a:ext cx="1905000" cy="457200"/>
+          </a:xfrm>
+          <a:prstGeom prst="rect">
+            <a:avLst/>
+          </a:prstGeom>
+        </p:spPr>
         <p:txBody>
           <a:bodyPr/>
           <a:lstStyle>
@@ -3466,7 +3581,7 @@
             <a:fld id="{19D5CE67-D7FF-1A43-B8C8-8AC2D455325E}" type="datetime1">
               <a:rPr lang="en-US"/>
               <a:pPr/>
-              <a:t>16-06-14</a:t>
+              <a:t>5/29/19</a:t>
             </a:fld>
             <a:endParaRPr lang="en-US"/>
           </a:p>
@@ -3482,7 +3597,15 @@
             <p:ph type="ftr" sz="quarter" idx="11"/>
           </p:nvPr>
         </p:nvSpPr>
-        <p:spPr/>
+        <p:spPr>
+          <a:xfrm>
+            <a:off x="3124200" y="6248400"/>
+            <a:ext cx="2895600" cy="457200"/>
+          </a:xfrm>
+          <a:prstGeom prst="rect">
+            <a:avLst/>
+          </a:prstGeom>
+        </p:spPr>
         <p:txBody>
           <a:bodyPr/>
           <a:lstStyle>
@@ -3573,7 +3696,7 @@
           </a:lstStyle>
           <a:p>
             <a:r>
-              <a:rPr lang="en-CA" smtClean="0"/>
+              <a:rPr lang="en-CA"/>
               <a:t>Click to edit Master title style</a:t>
             </a:r>
             <a:endParaRPr lang="en-US"/>
@@ -3630,35 +3753,35 @@
           <a:p>
             <a:pPr lvl="0"/>
             <a:r>
-              <a:rPr lang="en-CA" smtClean="0"/>
+              <a:rPr lang="en-CA"/>
               <a:t>Click to edit Master text styles</a:t>
             </a:r>
           </a:p>
           <a:p>
             <a:pPr lvl="1"/>
             <a:r>
-              <a:rPr lang="en-CA" smtClean="0"/>
+              <a:rPr lang="en-CA"/>
               <a:t>Second level</a:t>
             </a:r>
           </a:p>
           <a:p>
             <a:pPr lvl="2"/>
             <a:r>
-              <a:rPr lang="en-CA" smtClean="0"/>
+              <a:rPr lang="en-CA"/>
               <a:t>Third level</a:t>
             </a:r>
           </a:p>
           <a:p>
             <a:pPr lvl="3"/>
             <a:r>
-              <a:rPr lang="en-CA" smtClean="0"/>
+              <a:rPr lang="en-CA"/>
               <a:t>Fourth level</a:t>
             </a:r>
           </a:p>
           <a:p>
             <a:pPr lvl="4"/>
             <a:r>
-              <a:rPr lang="en-CA" smtClean="0"/>
+              <a:rPr lang="en-CA"/>
               <a:t>Fifth level</a:t>
             </a:r>
             <a:endParaRPr lang="en-US"/>
@@ -3724,7 +3847,7 @@
           <a:p>
             <a:pPr lvl="0"/>
             <a:r>
-              <a:rPr lang="en-CA" smtClean="0"/>
+              <a:rPr lang="en-CA"/>
               <a:t>Click to edit Master text styles</a:t>
             </a:r>
           </a:p>
@@ -3740,7 +3863,15 @@
             <p:ph type="dt" sz="half" idx="10"/>
           </p:nvPr>
         </p:nvSpPr>
-        <p:spPr/>
+        <p:spPr>
+          <a:xfrm>
+            <a:off x="685800" y="6248400"/>
+            <a:ext cx="1905000" cy="457200"/>
+          </a:xfrm>
+          <a:prstGeom prst="rect">
+            <a:avLst/>
+          </a:prstGeom>
+        </p:spPr>
         <p:txBody>
           <a:bodyPr/>
           <a:lstStyle>
@@ -3752,7 +3883,7 @@
             <a:fld id="{8FB6C99C-CAE9-4A46-8B93-5F7F7EFB4D77}" type="datetime1">
               <a:rPr lang="en-US"/>
               <a:pPr/>
-              <a:t>16-06-14</a:t>
+              <a:t>5/29/19</a:t>
             </a:fld>
             <a:endParaRPr lang="en-US"/>
           </a:p>
@@ -3768,7 +3899,15 @@
             <p:ph type="ftr" sz="quarter" idx="11"/>
           </p:nvPr>
         </p:nvSpPr>
-        <p:spPr/>
+        <p:spPr>
+          <a:xfrm>
+            <a:off x="3124200" y="6248400"/>
+            <a:ext cx="2895600" cy="457200"/>
+          </a:xfrm>
+          <a:prstGeom prst="rect">
+            <a:avLst/>
+          </a:prstGeom>
+        </p:spPr>
         <p:txBody>
           <a:bodyPr/>
           <a:lstStyle>
@@ -3859,7 +3998,7 @@
           </a:lstStyle>
           <a:p>
             <a:r>
-              <a:rPr lang="en-CA" smtClean="0"/>
+              <a:rPr lang="en-CA"/>
               <a:t>Click to edit Master title style</a:t>
             </a:r>
             <a:endParaRPr lang="en-US"/>
@@ -3986,7 +4125,7 @@
           <a:p>
             <a:pPr lvl="0"/>
             <a:r>
-              <a:rPr lang="en-CA" smtClean="0"/>
+              <a:rPr lang="en-CA"/>
               <a:t>Click to edit Master text styles</a:t>
             </a:r>
           </a:p>
@@ -4002,7 +4141,15 @@
             <p:ph type="dt" sz="half" idx="10"/>
           </p:nvPr>
         </p:nvSpPr>
-        <p:spPr/>
+        <p:spPr>
+          <a:xfrm>
+            <a:off x="685800" y="6248400"/>
+            <a:ext cx="1905000" cy="457200"/>
+          </a:xfrm>
+          <a:prstGeom prst="rect">
+            <a:avLst/>
+          </a:prstGeom>
+        </p:spPr>
         <p:txBody>
           <a:bodyPr/>
           <a:lstStyle>
@@ -4014,7 +4161,7 @@
             <a:fld id="{E16CD525-494F-8149-9830-A66ADF4FE65A}" type="datetime1">
               <a:rPr lang="en-US"/>
               <a:pPr/>
-              <a:t>16-06-14</a:t>
+              <a:t>5/29/19</a:t>
             </a:fld>
             <a:endParaRPr lang="en-US"/>
           </a:p>
@@ -4030,7 +4177,15 @@
             <p:ph type="ftr" sz="quarter" idx="11"/>
           </p:nvPr>
         </p:nvSpPr>
-        <p:spPr/>
+        <p:spPr>
+          <a:xfrm>
+            <a:off x="3124200" y="6248400"/>
+            <a:ext cx="2895600" cy="457200"/>
+          </a:xfrm>
+          <a:prstGeom prst="rect">
+            <a:avLst/>
+          </a:prstGeom>
+        </p:spPr>
         <p:txBody>
           <a:bodyPr/>
           <a:lstStyle>
@@ -4220,100 +4375,6 @@
       </p:sp>
       <p:sp>
         <p:nvSpPr>
-          <p:cNvPr id="1028" name="Rectangle 4"/>
-          <p:cNvSpPr>
-            <a:spLocks noGrp="1" noChangeArrowheads="1"/>
-          </p:cNvSpPr>
-          <p:nvPr>
-            <p:ph type="dt" sz="half" idx="2"/>
-          </p:nvPr>
-        </p:nvSpPr>
-        <p:spPr bwMode="auto">
-          <a:xfrm>
-            <a:off x="685800" y="6248400"/>
-            <a:ext cx="1905000" cy="457200"/>
-          </a:xfrm>
-          <a:prstGeom prst="rect">
-            <a:avLst/>
-          </a:prstGeom>
-          <a:noFill/>
-          <a:ln w="9525">
-            <a:noFill/>
-            <a:miter lim="800000"/>
-            <a:headEnd/>
-            <a:tailEnd/>
-          </a:ln>
-          <a:effectLst/>
-        </p:spPr>
-        <p:txBody>
-          <a:bodyPr vert="horz" wrap="square" lIns="91440" tIns="45720" rIns="91440" bIns="45720" numCol="1" anchor="t" anchorCtr="0" compatLnSpc="1">
-            <a:prstTxWarp prst="textNoShape">
-              <a:avLst/>
-            </a:prstTxWarp>
-          </a:bodyPr>
-          <a:lstStyle>
-            <a:lvl1pPr>
-              <a:defRPr sz="1400">
-                <a:latin typeface="Candara"/>
-                <a:cs typeface="Candara"/>
-              </a:defRPr>
-            </a:lvl1pPr>
-          </a:lstStyle>
-          <a:p>
-            <a:fld id="{6780C54A-2D28-A949-AD94-8E7C2BB17BBF}" type="datetime1">
-              <a:rPr lang="en-US" smtClean="0"/>
-              <a:pPr/>
-              <a:t>16-06-14</a:t>
-            </a:fld>
-            <a:endParaRPr lang="en-US" dirty="0"/>
-          </a:p>
-        </p:txBody>
-      </p:sp>
-      <p:sp>
-        <p:nvSpPr>
-          <p:cNvPr id="1029" name="Rectangle 5"/>
-          <p:cNvSpPr>
-            <a:spLocks noGrp="1" noChangeArrowheads="1"/>
-          </p:cNvSpPr>
-          <p:nvPr>
-            <p:ph type="ftr" sz="quarter" idx="3"/>
-          </p:nvPr>
-        </p:nvSpPr>
-        <p:spPr bwMode="auto">
-          <a:xfrm>
-            <a:off x="3124200" y="6248400"/>
-            <a:ext cx="2895600" cy="457200"/>
-          </a:xfrm>
-          <a:prstGeom prst="rect">
-            <a:avLst/>
-          </a:prstGeom>
-          <a:noFill/>
-          <a:ln w="9525">
-            <a:noFill/>
-            <a:miter lim="800000"/>
-            <a:headEnd/>
-            <a:tailEnd/>
-          </a:ln>
-          <a:effectLst/>
-        </p:spPr>
-        <p:txBody>
-          <a:bodyPr vert="horz" wrap="square" lIns="91440" tIns="45720" rIns="91440" bIns="45720" numCol="1" anchor="t" anchorCtr="0" compatLnSpc="1">
-            <a:prstTxWarp prst="textNoShape">
-              <a:avLst/>
-            </a:prstTxWarp>
-          </a:bodyPr>
-          <a:lstStyle>
-            <a:lvl1pPr algn="ctr">
-              <a:defRPr sz="1400"/>
-            </a:lvl1pPr>
-          </a:lstStyle>
-          <a:p>
-            <a:endParaRPr lang="en-US" dirty="0"/>
-          </a:p>
-        </p:txBody>
-      </p:sp>
-      <p:sp>
-        <p:nvSpPr>
           <p:cNvPr id="1030" name="Rectangle 6"/>
           <p:cNvSpPr>
             <a:spLocks noGrp="1" noChangeArrowheads="1"/>
@@ -4360,6 +4421,49 @@
               <a:t>‹#›</a:t>
             </a:fld>
             <a:endParaRPr lang="en-US" dirty="0"/>
+          </a:p>
+        </p:txBody>
+      </p:sp>
+      <p:sp>
+        <p:nvSpPr>
+          <p:cNvPr id="2" name="Footer Placeholder 1">
+            <a:extLst>
+              <a:ext uri="{FF2B5EF4-FFF2-40B4-BE49-F238E27FC236}">
+                <a16:creationId xmlns:a16="http://schemas.microsoft.com/office/drawing/2014/main" id="{20CEA516-DB0A-A54B-8590-B485BCFD422E}"/>
+              </a:ext>
+            </a:extLst>
+          </p:cNvPr>
+          <p:cNvSpPr>
+            <a:spLocks noGrp="1"/>
+          </p:cNvSpPr>
+          <p:nvPr>
+            <p:ph type="ftr" sz="quarter" idx="3"/>
+          </p:nvPr>
+        </p:nvSpPr>
+        <p:spPr>
+          <a:xfrm>
+            <a:off x="3028950" y="6356350"/>
+            <a:ext cx="3086100" cy="365125"/>
+          </a:xfrm>
+          <a:prstGeom prst="rect">
+            <a:avLst/>
+          </a:prstGeom>
+        </p:spPr>
+        <p:txBody>
+          <a:bodyPr vert="horz" lIns="91440" tIns="45720" rIns="91440" bIns="45720" rtlCol="0" anchor="ctr"/>
+          <a:lstStyle>
+            <a:lvl1pPr algn="ctr">
+              <a:defRPr sz="1200">
+                <a:solidFill>
+                  <a:schemeClr val="tx1">
+                    <a:tint val="75000"/>
+                  </a:schemeClr>
+                </a:solidFill>
+              </a:defRPr>
+            </a:lvl1pPr>
+          </a:lstStyle>
+          <a:p>
+            <a:endParaRPr lang="en-US"/>
           </a:p>
         </p:txBody>
       </p:sp>
@@ -5031,30 +5135,6 @@
       </p:grpSpPr>
       <p:sp>
         <p:nvSpPr>
-          <p:cNvPr id="4" name="Date Placeholder 3"/>
-          <p:cNvSpPr>
-            <a:spLocks noGrp="1"/>
-          </p:cNvSpPr>
-          <p:nvPr>
-            <p:ph type="dt" sz="half" idx="10"/>
-          </p:nvPr>
-        </p:nvSpPr>
-        <p:spPr/>
-        <p:txBody>
-          <a:bodyPr/>
-          <a:lstStyle/>
-          <a:p>
-            <a:fld id="{A42E8446-64F2-7448-834B-909F20334693}" type="datetime1">
-              <a:rPr lang="en-US"/>
-              <a:pPr/>
-              <a:t>16-06-14</a:t>
-            </a:fld>
-            <a:endParaRPr lang="en-US"/>
-          </a:p>
-        </p:txBody>
-      </p:sp>
-      <p:sp>
-        <p:nvSpPr>
           <p:cNvPr id="5" name="Slide Number Placeholder 5"/>
           <p:cNvSpPr>
             <a:spLocks noGrp="1"/>
@@ -5221,13 +5301,6 @@
   <p:clrMapOvr>
     <a:masterClrMapping/>
   </p:clrMapOvr>
-  <p:timing>
-    <p:tnLst>
-      <p:par>
-        <p:cTn xmlns:p14="http://schemas.microsoft.com/office/powerpoint/2010/main" id="1" dur="indefinite" restart="never" nodeType="tmRoot"/>
-      </p:par>
-    </p:tnLst>
-  </p:timing>
 </p:sld>
 </file>
 
@@ -5250,30 +5323,6 @@
       </p:grpSpPr>
       <p:sp>
         <p:nvSpPr>
-          <p:cNvPr id="25" name="Date Placeholder 3"/>
-          <p:cNvSpPr>
-            <a:spLocks noGrp="1"/>
-          </p:cNvSpPr>
-          <p:nvPr>
-            <p:ph type="dt" sz="half" idx="10"/>
-          </p:nvPr>
-        </p:nvSpPr>
-        <p:spPr/>
-        <p:txBody>
-          <a:bodyPr/>
-          <a:lstStyle/>
-          <a:p>
-            <a:fld id="{47BAA21C-CFC8-D244-8DB8-282A2FE64CEF}" type="datetime1">
-              <a:rPr lang="en-US"/>
-              <a:pPr/>
-              <a:t>16-06-14</a:t>
-            </a:fld>
-            <a:endParaRPr lang="en-US"/>
-          </a:p>
-        </p:txBody>
-      </p:sp>
-      <p:sp>
-        <p:nvSpPr>
           <p:cNvPr id="26" name="Slide Number Placeholder 5"/>
           <p:cNvSpPr>
             <a:spLocks noGrp="1"/>
@@ -5312,16 +5361,8 @@
           <a:lstStyle/>
           <a:p>
             <a:r>
-              <a:rPr lang="en-US" dirty="0" smtClean="0"/>
-              <a:t>Derivation </a:t>
-            </a:r>
-            <a:r>
               <a:rPr lang="en-US" dirty="0"/>
-              <a:t>for</a:t>
-            </a:r>
-            <a:r>
-              <a:rPr lang="en-US" b="1" dirty="0"/>
-              <a:t/>
+              <a:t>Derivation for</a:t>
             </a:r>
             <a:br>
               <a:rPr lang="en-US" b="1" dirty="0"/>
@@ -6599,7 +6640,7 @@
               <a:buNone/>
             </a:pPr>
             <a:r>
-              <a:rPr lang="en-US" sz="2400" b="1" kern="0" dirty="0" smtClean="0">
+              <a:rPr lang="en-US" sz="2400" b="1" kern="0" dirty="0">
                 <a:solidFill>
                   <a:schemeClr val="accent2"/>
                 </a:solidFill>
@@ -6608,7 +6649,7 @@
               <a:t>Leaves nodes: </a:t>
             </a:r>
             <a:r>
-              <a:rPr lang="en-US" sz="2400" kern="0" dirty="0" smtClean="0">
+              <a:rPr lang="en-US" sz="2400" kern="0" dirty="0">
                 <a:solidFill>
                   <a:schemeClr val="accent2"/>
                 </a:solidFill>
@@ -6622,7 +6663,7 @@
               <a:buNone/>
             </a:pPr>
             <a:r>
-              <a:rPr lang="en-US" sz="2400" b="1" kern="0" dirty="0" smtClean="0">
+              <a:rPr lang="en-US" sz="2400" b="1" kern="0" dirty="0">
                 <a:solidFill>
                   <a:schemeClr val="accent2"/>
                 </a:solidFill>
@@ -6631,7 +6672,7 @@
               <a:t>Interior nodes:</a:t>
             </a:r>
             <a:r>
-              <a:rPr lang="en-US" sz="2400" kern="0" dirty="0" smtClean="0">
+              <a:rPr lang="en-US" sz="2400" kern="0" dirty="0">
                 <a:solidFill>
                   <a:schemeClr val="accent2"/>
                 </a:solidFill>
@@ -6645,7 +6686,7 @@
               <a:buNone/>
             </a:pPr>
             <a:r>
-              <a:rPr lang="en-US" sz="2400" kern="0" dirty="0" smtClean="0">
+              <a:rPr lang="en-US" sz="2400" kern="0" dirty="0">
                 <a:solidFill>
                   <a:schemeClr val="accent2"/>
                 </a:solidFill>
@@ -6653,12 +6694,6 @@
               </a:rPr>
               <a:t>non-terminals</a:t>
             </a:r>
-            <a:endParaRPr lang="en-US" sz="2400" kern="0" dirty="0">
-              <a:solidFill>
-                <a:schemeClr val="accent2"/>
-              </a:solidFill>
-              <a:sym typeface="Symbol" charset="2"/>
-            </a:endParaRPr>
           </a:p>
         </p:txBody>
       </p:sp>
@@ -6675,7 +6710,7 @@
   <p:timing>
     <p:tnLst>
       <p:par>
-        <p:cTn xmlns:p14="http://schemas.microsoft.com/office/powerpoint/2010/main" id="1" dur="indefinite" restart="never" nodeType="tmRoot">
+        <p:cTn id="1" dur="indefinite" restart="never" nodeType="tmRoot">
           <p:childTnLst>
             <p:seq concurrent="1" nextAc="seek">
               <p:cTn id="2" dur="indefinite" nodeType="mainSeq">
@@ -7147,30 +7182,6 @@
       </p:grpSpPr>
       <p:sp>
         <p:nvSpPr>
-          <p:cNvPr id="25" name="Date Placeholder 3"/>
-          <p:cNvSpPr>
-            <a:spLocks noGrp="1"/>
-          </p:cNvSpPr>
-          <p:nvPr>
-            <p:ph type="dt" sz="half" idx="10"/>
-          </p:nvPr>
-        </p:nvSpPr>
-        <p:spPr/>
-        <p:txBody>
-          <a:bodyPr/>
-          <a:lstStyle/>
-          <a:p>
-            <a:fld id="{7200853E-8451-1047-9681-7EA43BA43225}" type="datetime1">
-              <a:rPr lang="en-US"/>
-              <a:pPr/>
-              <a:t>16-06-14</a:t>
-            </a:fld>
-            <a:endParaRPr lang="en-US"/>
-          </a:p>
-        </p:txBody>
-      </p:sp>
-      <p:sp>
-        <p:nvSpPr>
           <p:cNvPr id="26" name="Slide Number Placeholder 5"/>
           <p:cNvSpPr>
             <a:spLocks noGrp="1"/>
@@ -7210,19 +7221,7 @@
           <a:p>
             <a:r>
               <a:rPr lang="en-US" dirty="0"/>
-              <a:t>Leftmost </a:t>
-            </a:r>
-            <a:r>
-              <a:rPr lang="en-US" dirty="0" smtClean="0"/>
-              <a:t>derivation </a:t>
-            </a:r>
-            <a:r>
-              <a:rPr lang="en-US" dirty="0"/>
-              <a:t>for</a:t>
-            </a:r>
-            <a:r>
-              <a:rPr lang="en-US" b="1" dirty="0"/>
-              <a:t/>
+              <a:t>Leftmost derivation for</a:t>
             </a:r>
             <a:br>
               <a:rPr lang="en-US" b="1" dirty="0"/>
@@ -8521,7 +8520,7 @@
               <a:buNone/>
             </a:pPr>
             <a:r>
-              <a:rPr lang="en-US" sz="2400" b="1" kern="0" dirty="0" smtClean="0">
+              <a:rPr lang="en-US" sz="2400" b="1" kern="0" dirty="0">
                 <a:solidFill>
                   <a:schemeClr val="accent2"/>
                 </a:solidFill>
@@ -8535,7 +8534,7 @@
               <a:buNone/>
             </a:pPr>
             <a:r>
-              <a:rPr lang="en-US" sz="2400" b="1" kern="0" dirty="0" smtClean="0">
+              <a:rPr lang="en-US" sz="2400" b="1" kern="0" dirty="0">
                 <a:solidFill>
                   <a:schemeClr val="accent2"/>
                 </a:solidFill>
@@ -8555,19 +8554,10 @@
                 </a:solidFill>
                 <a:sym typeface="Symbol" charset="2"/>
               </a:rPr>
-              <a:t> </a:t>
-            </a:r>
-            <a:r>
-              <a:rPr lang="en-US" sz="2400" b="1" kern="0" dirty="0" smtClean="0">
-                <a:solidFill>
-                  <a:schemeClr val="accent2"/>
-                </a:solidFill>
-                <a:sym typeface="Symbol" charset="2"/>
-              </a:rPr>
-              <a:t>           (</a:t>
-            </a:r>
-            <a:r>
-              <a:rPr lang="en-US" sz="2400" b="1" kern="0" dirty="0" err="1" smtClean="0">
+              <a:t>            (</a:t>
+            </a:r>
+            <a:r>
+              <a:rPr lang="en-US" sz="2400" b="1" kern="0" dirty="0" err="1">
                 <a:solidFill>
                   <a:schemeClr val="accent2"/>
                 </a:solidFill>
@@ -8576,7 +8566,7 @@
               <a:t>id+id</a:t>
             </a:r>
             <a:r>
-              <a:rPr lang="en-US" sz="2400" b="1" kern="0" dirty="0" smtClean="0">
+              <a:rPr lang="en-US" sz="2400" b="1" kern="0" dirty="0">
                 <a:solidFill>
                   <a:schemeClr val="accent2"/>
                 </a:solidFill>
@@ -8585,7 +8575,7 @@
               <a:t>)*id      </a:t>
             </a:r>
             <a:r>
-              <a:rPr lang="en-US" sz="2400" b="1" kern="0" dirty="0" err="1" smtClean="0">
+              <a:rPr lang="en-US" sz="2400" b="1" kern="0" dirty="0" err="1">
                 <a:solidFill>
                   <a:schemeClr val="accent2"/>
                 </a:solidFill>
@@ -8594,7 +8584,7 @@
               <a:t>vs</a:t>
             </a:r>
             <a:r>
-              <a:rPr lang="en-US" sz="2400" b="1" kern="0" dirty="0" smtClean="0">
+              <a:rPr lang="en-US" sz="2400" b="1" kern="0" dirty="0">
                 <a:solidFill>
                   <a:schemeClr val="accent2"/>
                 </a:solidFill>
@@ -8602,12 +8592,6 @@
               </a:rPr>
               <a:t>      id+(id*id)</a:t>
             </a:r>
-            <a:endParaRPr lang="en-US" sz="2400" b="1" kern="0" dirty="0">
-              <a:solidFill>
-                <a:schemeClr val="accent2"/>
-              </a:solidFill>
-              <a:sym typeface="Symbol" charset="2"/>
-            </a:endParaRPr>
           </a:p>
         </p:txBody>
       </p:sp>
@@ -8624,7 +8608,7 @@
   <p:timing>
     <p:tnLst>
       <p:par>
-        <p:cTn xmlns:p14="http://schemas.microsoft.com/office/powerpoint/2010/main" id="1" dur="indefinite" restart="never" nodeType="tmRoot">
+        <p:cTn id="1" dur="indefinite" restart="never" nodeType="tmRoot">
           <p:childTnLst>
             <p:seq concurrent="1" nextAc="seek">
               <p:cTn id="2" dur="indefinite" nodeType="mainSeq">
@@ -9096,30 +9080,6 @@
       </p:grpSpPr>
       <p:sp>
         <p:nvSpPr>
-          <p:cNvPr id="25" name="Date Placeholder 3"/>
-          <p:cNvSpPr>
-            <a:spLocks noGrp="1"/>
-          </p:cNvSpPr>
-          <p:nvPr>
-            <p:ph type="dt" sz="half" idx="10"/>
-          </p:nvPr>
-        </p:nvSpPr>
-        <p:spPr/>
-        <p:txBody>
-          <a:bodyPr/>
-          <a:lstStyle/>
-          <a:p>
-            <a:fld id="{716C9AD9-19EA-094E-9CA1-9034183DDBF4}" type="datetime1">
-              <a:rPr lang="en-US"/>
-              <a:pPr/>
-              <a:t>16-06-14</a:t>
-            </a:fld>
-            <a:endParaRPr lang="en-US"/>
-          </a:p>
-        </p:txBody>
-      </p:sp>
-      <p:sp>
-        <p:nvSpPr>
           <p:cNvPr id="26" name="Slide Number Placeholder 5"/>
           <p:cNvSpPr>
             <a:spLocks noGrp="1"/>
@@ -9160,10 +9120,6 @@
             <a:r>
               <a:rPr lang="en-US"/>
               <a:t>Rightmost derivation for</a:t>
-            </a:r>
-            <a:r>
-              <a:rPr lang="en-US" b="1"/>
-              <a:t/>
             </a:r>
             <a:br>
               <a:rPr lang="en-US" b="1"/>
@@ -10274,7 +10230,7 @@
   <p:timing>
     <p:tnLst>
       <p:par>
-        <p:cTn xmlns:p14="http://schemas.microsoft.com/office/powerpoint/2010/main" id="1" dur="indefinite" restart="never" nodeType="tmRoot">
+        <p:cTn id="1" dur="indefinite" restart="never" nodeType="tmRoot">
           <p:childTnLst>
             <p:seq concurrent="1" nextAc="seek">
               <p:cTn id="2" dur="indefinite" nodeType="mainSeq">
@@ -10630,10 +10586,9 @@
           <a:lstStyle/>
           <a:p>
             <a:r>
-              <a:rPr lang="en-CA" dirty="0" smtClean="0"/>
+              <a:rPr lang="en-CA" dirty="0"/>
               <a:t>Rightmost vs. Leftmost Derivation</a:t>
             </a:r>
-            <a:endParaRPr lang="en-CA" dirty="0"/>
           </a:p>
         </p:txBody>
       </p:sp>
@@ -10658,51 +10613,27 @@
           <a:lstStyle/>
           <a:p>
             <a:r>
-              <a:rPr lang="en-CA" dirty="0" smtClean="0"/>
+              <a:rPr lang="en-CA" dirty="0"/>
               <a:t>Note that rightmost and leftmost derivations have the same parse tree</a:t>
             </a:r>
           </a:p>
           <a:p>
             <a:pPr lvl="1"/>
             <a:r>
-              <a:rPr lang="en-CA" dirty="0" smtClean="0"/>
+              <a:rPr lang="en-CA" dirty="0"/>
               <a:t>Every parse tree has a rightmost and a leftmost derivation</a:t>
             </a:r>
           </a:p>
           <a:p>
             <a:pPr lvl="1"/>
             <a:r>
-              <a:rPr lang="en-CA" dirty="0" smtClean="0"/>
+              <a:rPr lang="en-CA" dirty="0"/>
               <a:t>Important in resolving ambiguity</a:t>
             </a:r>
           </a:p>
           <a:p>
             <a:pPr lvl="1"/>
             <a:endParaRPr lang="en-CA" dirty="0"/>
-          </a:p>
-        </p:txBody>
-      </p:sp>
-      <p:sp>
-        <p:nvSpPr>
-          <p:cNvPr id="4" name="Date Placeholder 3"/>
-          <p:cNvSpPr>
-            <a:spLocks noGrp="1"/>
-          </p:cNvSpPr>
-          <p:nvPr>
-            <p:ph type="dt" sz="half" idx="10"/>
-          </p:nvPr>
-        </p:nvSpPr>
-        <p:spPr/>
-        <p:txBody>
-          <a:bodyPr/>
-          <a:lstStyle/>
-          <a:p>
-            <a:fld id="{F668E4B5-49D5-B048-B5A5-3831D6A375F6}" type="datetime1">
-              <a:rPr lang="en-US" smtClean="0"/>
-              <a:pPr/>
-              <a:t>16-06-14</a:t>
-            </a:fld>
-            <a:endParaRPr lang="en-US"/>
           </a:p>
         </p:txBody>
       </p:sp>
@@ -10740,140 +10671,10 @@
   <p:clrMapOvr>
     <a:masterClrMapping/>
   </p:clrMapOvr>
-  <p:timing>
-    <p:tnLst>
-      <p:par>
-        <p:cTn xmlns:p14="http://schemas.microsoft.com/office/powerpoint/2010/main" id="1" dur="indefinite" restart="never" nodeType="tmRoot"/>
-      </p:par>
-    </p:tnLst>
-  </p:timing>
 </p:sld>
 </file>
 
 <file path=ppt/slides/slide15.xml><?xml version="1.0" encoding="utf-8"?>
-<p:sld xmlns:a="http://schemas.openxmlformats.org/drawingml/2006/main" xmlns:r="http://schemas.openxmlformats.org/officeDocument/2006/relationships" xmlns:p="http://schemas.openxmlformats.org/presentationml/2006/main">
-  <p:cSld>
-    <p:spTree>
-      <p:nvGrpSpPr>
-        <p:cNvPr id="1" name=""/>
-        <p:cNvGrpSpPr/>
-        <p:nvPr/>
-      </p:nvGrpSpPr>
-      <p:grpSpPr>
-        <a:xfrm>
-          <a:off x="0" y="0"/>
-          <a:ext cx="0" cy="0"/>
-          <a:chOff x="0" y="0"/>
-          <a:chExt cx="0" cy="0"/>
-        </a:xfrm>
-      </p:grpSpPr>
-      <p:sp>
-        <p:nvSpPr>
-          <p:cNvPr id="4" name="Date Placeholder 3"/>
-          <p:cNvSpPr>
-            <a:spLocks noGrp="1"/>
-          </p:cNvSpPr>
-          <p:nvPr>
-            <p:ph type="dt" sz="half" idx="10"/>
-          </p:nvPr>
-        </p:nvSpPr>
-        <p:spPr/>
-        <p:txBody>
-          <a:bodyPr/>
-          <a:lstStyle/>
-          <a:p>
-            <a:fld id="{F668E4B5-49D5-B048-B5A5-3831D6A375F6}" type="datetime1">
-              <a:rPr lang="en-US" smtClean="0"/>
-              <a:pPr/>
-              <a:t>16-06-14</a:t>
-            </a:fld>
-            <a:endParaRPr lang="en-US"/>
-          </a:p>
-        </p:txBody>
-      </p:sp>
-      <p:sp>
-        <p:nvSpPr>
-          <p:cNvPr id="5" name="Slide Number Placeholder 4"/>
-          <p:cNvSpPr>
-            <a:spLocks noGrp="1"/>
-          </p:cNvSpPr>
-          <p:nvPr>
-            <p:ph type="sldNum" sz="quarter" idx="12"/>
-          </p:nvPr>
-        </p:nvSpPr>
-        <p:spPr/>
-        <p:txBody>
-          <a:bodyPr/>
-          <a:lstStyle/>
-          <a:p>
-            <a:fld id="{D94201BD-6681-B946-ACD9-A8F6D28AC38D}" type="slidenum">
-              <a:rPr lang="en-US" smtClean="0"/>
-              <a:pPr/>
-              <a:t>15</a:t>
-            </a:fld>
-            <a:endParaRPr lang="en-US"/>
-          </a:p>
-        </p:txBody>
-      </p:sp>
-      <p:sp>
-        <p:nvSpPr>
-          <p:cNvPr id="6" name="TextBox 5"/>
-          <p:cNvSpPr txBox="1"/>
-          <p:nvPr/>
-        </p:nvSpPr>
-        <p:spPr>
-          <a:xfrm>
-            <a:off x="3203848" y="2780928"/>
-            <a:ext cx="2677836" cy="707886"/>
-          </a:xfrm>
-          <a:prstGeom prst="rect">
-            <a:avLst/>
-          </a:prstGeom>
-          <a:noFill/>
-        </p:spPr>
-        <p:txBody>
-          <a:bodyPr wrap="none" rtlCol="0">
-            <a:spAutoFit/>
-          </a:bodyPr>
-          <a:lstStyle/>
-          <a:p>
-            <a:r>
-              <a:rPr lang="en-US" sz="4000" dirty="0" smtClean="0">
-                <a:solidFill>
-                  <a:schemeClr val="accent2"/>
-                </a:solidFill>
-              </a:rPr>
-              <a:t>Extra Slides</a:t>
-            </a:r>
-            <a:endParaRPr lang="en-US" sz="4000" dirty="0">
-              <a:solidFill>
-                <a:schemeClr val="accent2"/>
-              </a:solidFill>
-            </a:endParaRPr>
-          </a:p>
-        </p:txBody>
-      </p:sp>
-    </p:spTree>
-    <p:extLst>
-      <p:ext uri="{BB962C8B-B14F-4D97-AF65-F5344CB8AC3E}">
-        <p14:creationId xmlns:p14="http://schemas.microsoft.com/office/powerpoint/2010/main" val="1781978119"/>
-      </p:ext>
-    </p:extLst>
-  </p:cSld>
-  <p:clrMapOvr>
-    <a:masterClrMapping/>
-  </p:clrMapOvr>
-  <p:timing>
-    <p:tnLst>
-      <p:par>
-        <p:cTn xmlns:p14="http://schemas.microsoft.com/office/powerpoint/2010/main" id="1" dur="indefinite" restart="never" nodeType="tmRoot"/>
-      </p:par>
-    </p:tnLst>
-  </p:timing>
-</p:sld>
-</file>
-
-<file path=ppt/slides/slide16.xml><?xml version="1.0" encoding="utf-8"?>
 <p:sld xmlns:a="http://schemas.openxmlformats.org/drawingml/2006/main" xmlns:r="http://schemas.openxmlformats.org/officeDocument/2006/relationships" xmlns:p="http://schemas.openxmlformats.org/presentationml/2006/main" showMasterPhAnim="0">
   <p:cSld>
     <p:spTree>
@@ -10892,30 +10693,6 @@
       </p:grpSpPr>
       <p:sp>
         <p:nvSpPr>
-          <p:cNvPr id="4" name="Date Placeholder 3"/>
-          <p:cNvSpPr>
-            <a:spLocks noGrp="1"/>
-          </p:cNvSpPr>
-          <p:nvPr>
-            <p:ph type="dt" sz="half" idx="10"/>
-          </p:nvPr>
-        </p:nvSpPr>
-        <p:spPr/>
-        <p:txBody>
-          <a:bodyPr/>
-          <a:lstStyle/>
-          <a:p>
-            <a:fld id="{15A16572-8914-3841-9763-309C94F2DB54}" type="datetime1">
-              <a:rPr lang="en-US"/>
-              <a:pPr/>
-              <a:t>16-06-14</a:t>
-            </a:fld>
-            <a:endParaRPr lang="en-US"/>
-          </a:p>
-        </p:txBody>
-      </p:sp>
-      <p:sp>
-        <p:nvSpPr>
           <p:cNvPr id="5" name="Slide Number Placeholder 5"/>
           <p:cNvSpPr>
             <a:spLocks noGrp="1"/>
@@ -10932,7 +10709,7 @@
             <a:fld id="{919C7423-FF06-534F-899C-C4A0E6D40CF8}" type="slidenum">
               <a:rPr lang="en-US"/>
               <a:pPr/>
-              <a:t>16</a:t>
+              <a:t>15</a:t>
             </a:fld>
             <a:endParaRPr lang="en-US"/>
           </a:p>
@@ -10981,7 +10758,7 @@
               </a:lnSpc>
             </a:pPr>
             <a:r>
-              <a:rPr lang="en-US" sz="2800"/>
+              <a:rPr lang="en-US" sz="2800" dirty="0"/>
               <a:t>First write (or read) a reference grammar of what you want to be valid programs</a:t>
             </a:r>
           </a:p>
@@ -10992,17 +10769,17 @@
               </a:lnSpc>
             </a:pPr>
             <a:r>
-              <a:rPr lang="en-US" sz="2800"/>
+              <a:rPr lang="en-US" sz="2800" dirty="0"/>
               <a:t>For now, we only worry about the structure, so the reference grammar might choose to over-generate in certain cases (e.g. </a:t>
             </a:r>
             <a:r>
-              <a:rPr lang="en-US" sz="2400">
+              <a:rPr lang="en-US" sz="2400" dirty="0">
                 <a:latin typeface="Courier" charset="0"/>
               </a:rPr>
               <a:t>bool x = 20;</a:t>
             </a:r>
             <a:r>
-              <a:rPr lang="en-US" sz="2800"/>
+              <a:rPr lang="en-US" sz="2800" dirty="0"/>
               <a:t> )</a:t>
             </a:r>
           </a:p>
@@ -11013,27 +10790,8 @@
               </a:lnSpc>
             </a:pPr>
             <a:r>
-              <a:rPr lang="en-US" sz="2800"/>
+              <a:rPr lang="en-US" sz="2800" dirty="0"/>
               <a:t>Convert the reference grammar to a CFG</a:t>
-            </a:r>
-          </a:p>
-          <a:p>
-            <a:pPr>
-              <a:lnSpc>
-                <a:spcPct val="90000"/>
-              </a:lnSpc>
-            </a:pPr>
-            <a:r>
-              <a:rPr lang="en-US" sz="2800"/>
-              <a:t>Certain CFGs might be easier to work with than others (this is the </a:t>
-            </a:r>
-            <a:r>
-              <a:rPr lang="en-US" sz="2800" b="1"/>
-              <a:t>essence</a:t>
-            </a:r>
-            <a:r>
-              <a:rPr lang="en-US" sz="2800"/>
-              <a:t> of the study of CFGs and their parsing algorithms for compilers)</a:t>
             </a:r>
           </a:p>
         </p:txBody>
@@ -11051,7 +10809,7 @@
   <p:timing>
     <p:tnLst>
       <p:par>
-        <p:cTn xmlns:p14="http://schemas.microsoft.com/office/powerpoint/2010/main" id="1" dur="indefinite" restart="never" nodeType="tmRoot">
+        <p:cTn id="1" dur="indefinite" restart="never" nodeType="tmRoot">
           <p:childTnLst>
             <p:seq concurrent="1" nextAc="seek">
               <p:cTn id="2" dur="indefinite" nodeType="mainSeq">
@@ -11203,55 +10961,6 @@
                       </p:childTnLst>
                     </p:cTn>
                   </p:par>
-                  <p:par>
-                    <p:cTn id="15" fill="hold">
-                      <p:stCondLst>
-                        <p:cond delay="indefinite"/>
-                      </p:stCondLst>
-                      <p:childTnLst>
-                        <p:par>
-                          <p:cTn id="16" fill="hold">
-                            <p:stCondLst>
-                              <p:cond delay="0"/>
-                            </p:stCondLst>
-                            <p:childTnLst>
-                              <p:par>
-                                <p:cTn id="17" presetID="1" presetClass="entr" presetSubtype="0" fill="hold" grpId="0" nodeType="clickEffect">
-                                  <p:stCondLst>
-                                    <p:cond delay="0"/>
-                                  </p:stCondLst>
-                                  <p:childTnLst>
-                                    <p:set>
-                                      <p:cBhvr>
-                                        <p:cTn id="18" dur="1" fill="hold">
-                                          <p:stCondLst>
-                                            <p:cond delay="499"/>
-                                          </p:stCondLst>
-                                        </p:cTn>
-                                        <p:tgtEl>
-                                          <p:spTgt spid="68611">
-                                            <p:txEl>
-                                              <p:pRg st="3" end="3"/>
-                                            </p:txEl>
-                                          </p:spTgt>
-                                        </p:tgtEl>
-                                        <p:attrNameLst>
-                                          <p:attrName>style.visibility</p:attrName>
-                                        </p:attrNameLst>
-                                      </p:cBhvr>
-                                      <p:to>
-                                        <p:strVal val="visible"/>
-                                      </p:to>
-                                    </p:set>
-                                  </p:childTnLst>
-                                </p:cTn>
-                              </p:par>
-                            </p:childTnLst>
-                          </p:cTn>
-                        </p:par>
-                      </p:childTnLst>
-                    </p:cTn>
-                  </p:par>
                 </p:childTnLst>
               </p:cTn>
               <p:prevCondLst>
@@ -11280,7 +10989,7 @@
 </p:sld>
 </file>
 
-<file path=ppt/slides/slide17.xml><?xml version="1.0" encoding="utf-8"?>
+<file path=ppt/slides/slide16.xml><?xml version="1.0" encoding="utf-8"?>
 <p:sld xmlns:a="http://schemas.openxmlformats.org/drawingml/2006/main" xmlns:r="http://schemas.openxmlformats.org/officeDocument/2006/relationships" xmlns:p="http://schemas.openxmlformats.org/presentationml/2006/main">
   <p:cSld>
     <p:spTree>
@@ -11299,30 +11008,6 @@
       </p:grpSpPr>
       <p:sp>
         <p:nvSpPr>
-          <p:cNvPr id="4" name="Date Placeholder 3"/>
-          <p:cNvSpPr>
-            <a:spLocks noGrp="1"/>
-          </p:cNvSpPr>
-          <p:nvPr>
-            <p:ph type="dt" sz="half" idx="10"/>
-          </p:nvPr>
-        </p:nvSpPr>
-        <p:spPr/>
-        <p:txBody>
-          <a:bodyPr/>
-          <a:lstStyle/>
-          <a:p>
-            <a:fld id="{A42E8446-64F2-7448-834B-909F20334693}" type="datetime1">
-              <a:rPr lang="en-US"/>
-              <a:pPr/>
-              <a:t>16-06-14</a:t>
-            </a:fld>
-            <a:endParaRPr lang="en-US"/>
-          </a:p>
-        </p:txBody>
-      </p:sp>
-      <p:sp>
-        <p:nvSpPr>
           <p:cNvPr id="5" name="Slide Number Placeholder 5"/>
           <p:cNvSpPr>
             <a:spLocks noGrp="1"/>
@@ -11339,7 +11024,7 @@
             <a:fld id="{63A95B6C-2605-6C4D-B8BD-DB2C569D7F0E}" type="slidenum">
               <a:rPr lang="en-US"/>
               <a:pPr/>
-              <a:t>17</a:t>
+              <a:t>16</a:t>
             </a:fld>
             <a:endParaRPr lang="en-US"/>
           </a:p>
@@ -11396,17 +11081,8 @@
               <a:rPr lang="en-US" dirty="0">
                 <a:sym typeface="Symbol" charset="2"/>
               </a:rPr>
-              <a:t>E + </a:t>
-            </a:r>
-            <a:r>
-              <a:rPr lang="en-US" dirty="0" smtClean="0">
-                <a:sym typeface="Symbol" charset="2"/>
-              </a:rPr>
-              <a:t>E { $$ = $1 + $3 }</a:t>
-            </a:r>
-            <a:endParaRPr lang="en-US" dirty="0">
-              <a:sym typeface="Symbol" charset="2"/>
-            </a:endParaRPr>
+              <a:t>E + E { $$ = $1 + $3 }</a:t>
+            </a:r>
           </a:p>
           <a:p>
             <a:r>
@@ -11425,29 +11101,8 @@
               <a:rPr lang="en-US" dirty="0">
                 <a:sym typeface="Symbol" charset="2"/>
               </a:rPr>
-              <a:t>E * E { $$ = $1 </a:t>
-            </a:r>
-            <a:r>
-              <a:rPr lang="en-US" dirty="0" smtClean="0">
-                <a:sym typeface="Symbol" charset="2"/>
-              </a:rPr>
-              <a:t>* </a:t>
-            </a:r>
-            <a:r>
-              <a:rPr lang="en-US" dirty="0">
-                <a:sym typeface="Symbol" charset="2"/>
-              </a:rPr>
-              <a:t>$3 </a:t>
-            </a:r>
-            <a:r>
-              <a:rPr lang="en-US" dirty="0" smtClean="0">
-                <a:sym typeface="Symbol" charset="2"/>
-              </a:rPr>
-              <a:t>}</a:t>
-            </a:r>
-            <a:endParaRPr lang="en-US" dirty="0">
-              <a:sym typeface="Symbol" charset="2"/>
-            </a:endParaRPr>
+              <a:t>E * E { $$ = $1 * $3 }</a:t>
+            </a:r>
           </a:p>
           <a:p>
             <a:r>
@@ -11466,17 +11121,8 @@
               <a:rPr lang="en-US" dirty="0">
                 <a:sym typeface="Symbol" charset="2"/>
               </a:rPr>
-              <a:t>( E ) { $$ = </a:t>
-            </a:r>
-            <a:r>
-              <a:rPr lang="en-US" dirty="0" smtClean="0">
-                <a:sym typeface="Symbol" charset="2"/>
-              </a:rPr>
-              <a:t>$2 }</a:t>
-            </a:r>
-            <a:endParaRPr lang="en-US" dirty="0">
-              <a:sym typeface="Symbol" charset="2"/>
-            </a:endParaRPr>
+              <a:t>( E ) { $$ = $2 }</a:t>
+            </a:r>
           </a:p>
           <a:p>
             <a:r>
@@ -11495,29 +11141,8 @@
               <a:rPr lang="en-US" dirty="0">
                 <a:sym typeface="Symbol" charset="2"/>
               </a:rPr>
-              <a:t>- E { $$ = </a:t>
-            </a:r>
-            <a:r>
-              <a:rPr lang="en-US" dirty="0" smtClean="0">
-                <a:sym typeface="Symbol" charset="2"/>
-              </a:rPr>
-              <a:t>-1 * $</a:t>
-            </a:r>
-            <a:r>
-              <a:rPr lang="en-US" dirty="0">
-                <a:sym typeface="Symbol" charset="2"/>
-              </a:rPr>
-              <a:t>2 </a:t>
-            </a:r>
-            <a:r>
-              <a:rPr lang="en-US" dirty="0" smtClean="0">
-                <a:sym typeface="Symbol" charset="2"/>
-              </a:rPr>
-              <a:t>}</a:t>
-            </a:r>
-            <a:endParaRPr lang="en-US" dirty="0">
-              <a:sym typeface="Symbol" charset="2"/>
-            </a:endParaRPr>
+              <a:t>- E { $$ = -1 * $2 }</a:t>
+            </a:r>
           </a:p>
           <a:p>
             <a:r>
@@ -11540,13 +11165,7 @@
               <a:rPr lang="en-US" dirty="0">
                 <a:sym typeface="Symbol" charset="2"/>
               </a:rPr>
-              <a:t>{ $$ = </a:t>
-            </a:r>
-            <a:r>
-              <a:rPr lang="en-US" dirty="0" smtClean="0">
-                <a:sym typeface="Symbol" charset="2"/>
-              </a:rPr>
-              <a:t>$1 }</a:t>
+              <a:t>{ $$ = $1 }</a:t>
             </a:r>
             <a:endParaRPr lang="en-US" dirty="0"/>
           </a:p>
@@ -11890,7 +11509,7 @@
             <a:lstStyle/>
             <a:p>
               <a:r>
-                <a:rPr lang="en-US" b="1" dirty="0" smtClean="0"/>
+                <a:rPr lang="en-US" b="1" dirty="0"/>
                 <a:t>id(5)</a:t>
               </a:r>
               <a:endParaRPr lang="en-US" dirty="0"/>
@@ -11932,7 +11551,7 @@
             <a:lstStyle/>
             <a:p>
               <a:r>
-                <a:rPr lang="en-US" b="1" dirty="0" smtClean="0"/>
+                <a:rPr lang="en-US" b="1" dirty="0"/>
                 <a:t>id(2)</a:t>
               </a:r>
               <a:endParaRPr lang="en-US" dirty="0"/>
@@ -11974,7 +11593,7 @@
             <a:lstStyle/>
             <a:p>
               <a:r>
-                <a:rPr lang="en-US" b="1" dirty="0" smtClean="0"/>
+                <a:rPr lang="en-US" b="1" dirty="0"/>
                 <a:t>id(3)</a:t>
               </a:r>
               <a:endParaRPr lang="en-US" dirty="0"/>
@@ -12275,10 +11894,9 @@
           <a:lstStyle/>
           <a:p>
             <a:r>
-              <a:rPr lang="en-US" dirty="0" smtClean="0"/>
+              <a:rPr lang="en-US" dirty="0"/>
               <a:t>2</a:t>
             </a:r>
-            <a:endParaRPr lang="en-US" dirty="0"/>
           </a:p>
         </p:txBody>
       </p:sp>
@@ -12305,10 +11923,9 @@
           <a:lstStyle/>
           <a:p>
             <a:r>
-              <a:rPr lang="en-US" dirty="0" smtClean="0"/>
+              <a:rPr lang="en-US" dirty="0"/>
               <a:t>3</a:t>
             </a:r>
-            <a:endParaRPr lang="en-US" dirty="0"/>
           </a:p>
         </p:txBody>
       </p:sp>
@@ -12335,10 +11952,9 @@
           <a:lstStyle/>
           <a:p>
             <a:r>
-              <a:rPr lang="en-US" dirty="0" smtClean="0"/>
+              <a:rPr lang="en-US" dirty="0"/>
               <a:t>5</a:t>
             </a:r>
-            <a:endParaRPr lang="en-US" dirty="0"/>
           </a:p>
         </p:txBody>
       </p:sp>
@@ -12365,10 +11981,9 @@
           <a:lstStyle/>
           <a:p>
             <a:r>
-              <a:rPr lang="en-US" dirty="0" smtClean="0"/>
+              <a:rPr lang="en-US" dirty="0"/>
               <a:t>5</a:t>
             </a:r>
-            <a:endParaRPr lang="en-US" dirty="0"/>
           </a:p>
         </p:txBody>
       </p:sp>
@@ -12395,10 +12010,9 @@
           <a:lstStyle/>
           <a:p>
             <a:r>
-              <a:rPr lang="en-US" dirty="0" smtClean="0"/>
+              <a:rPr lang="en-US" dirty="0"/>
               <a:t>25</a:t>
             </a:r>
-            <a:endParaRPr lang="en-US" dirty="0"/>
           </a:p>
         </p:txBody>
       </p:sp>
@@ -12415,7 +12029,7 @@
   <p:timing>
     <p:tnLst>
       <p:par>
-        <p:cTn xmlns:p14="http://schemas.microsoft.com/office/powerpoint/2010/main" id="1" dur="indefinite" restart="never" nodeType="tmRoot">
+        <p:cTn id="1" dur="indefinite" restart="never" nodeType="tmRoot">
           <p:childTnLst>
             <p:seq concurrent="1" nextAc="seek">
               <p:cTn id="2" dur="indefinite" nodeType="mainSeq">
@@ -12722,7 +12336,7 @@
 </p:sld>
 </file>
 
-<file path=ppt/slides/slide18.xml><?xml version="1.0" encoding="utf-8"?>
+<file path=ppt/slides/slide17.xml><?xml version="1.0" encoding="utf-8"?>
 <p:sld xmlns:a="http://schemas.openxmlformats.org/drawingml/2006/main" xmlns:r="http://schemas.openxmlformats.org/officeDocument/2006/relationships" xmlns:p="http://schemas.openxmlformats.org/presentationml/2006/main" showMasterPhAnim="0">
   <p:cSld>
     <p:spTree>
@@ -12741,30 +12355,6 @@
       </p:grpSpPr>
       <p:sp>
         <p:nvSpPr>
-          <p:cNvPr id="4" name="Date Placeholder 3"/>
-          <p:cNvSpPr>
-            <a:spLocks noGrp="1"/>
-          </p:cNvSpPr>
-          <p:nvPr>
-            <p:ph type="dt" sz="half" idx="10"/>
-          </p:nvPr>
-        </p:nvSpPr>
-        <p:spPr/>
-        <p:txBody>
-          <a:bodyPr/>
-          <a:lstStyle/>
-          <a:p>
-            <a:fld id="{0CA6A978-31C3-2143-9620-1EDAE19B8FA1}" type="datetime1">
-              <a:rPr lang="en-US"/>
-              <a:pPr/>
-              <a:t>16-06-14</a:t>
-            </a:fld>
-            <a:endParaRPr lang="en-US"/>
-          </a:p>
-        </p:txBody>
-      </p:sp>
-      <p:sp>
-        <p:nvSpPr>
           <p:cNvPr id="5" name="Slide Number Placeholder 5"/>
           <p:cNvSpPr>
             <a:spLocks noGrp="1"/>
@@ -12781,7 +12371,7 @@
             <a:fld id="{D9E9B752-E4C8-0445-8824-90025461059E}" type="slidenum">
               <a:rPr lang="en-US"/>
               <a:pPr/>
-              <a:t>18</a:t>
+              <a:t>17</a:t>
             </a:fld>
             <a:endParaRPr lang="en-US"/>
           </a:p>
@@ -12914,7 +12504,7 @@
   <p:timing>
     <p:tnLst>
       <p:par>
-        <p:cTn xmlns:p14="http://schemas.microsoft.com/office/powerpoint/2010/main" id="1" dur="indefinite" restart="never" nodeType="tmRoot">
+        <p:cTn id="1" dur="indefinite" restart="never" nodeType="tmRoot">
           <p:childTnLst>
             <p:seq concurrent="1" nextAc="seek">
               <p:cTn id="2" dur="indefinite" nodeType="mainSeq">
@@ -13186,30 +12776,6 @@
           <a:chExt cx="0" cy="0"/>
         </a:xfrm>
       </p:grpSpPr>
-      <p:sp>
-        <p:nvSpPr>
-          <p:cNvPr id="19" name="Date Placeholder 3"/>
-          <p:cNvSpPr>
-            <a:spLocks noGrp="1"/>
-          </p:cNvSpPr>
-          <p:nvPr>
-            <p:ph type="dt" sz="half" idx="10"/>
-          </p:nvPr>
-        </p:nvSpPr>
-        <p:spPr/>
-        <p:txBody>
-          <a:bodyPr/>
-          <a:lstStyle/>
-          <a:p>
-            <a:fld id="{741967F8-A4E8-8646-8771-B712DB0BA3AF}" type="datetime1">
-              <a:rPr lang="en-US"/>
-              <a:pPr/>
-              <a:t>16-06-14</a:t>
-            </a:fld>
-            <a:endParaRPr lang="en-US"/>
-          </a:p>
-        </p:txBody>
-      </p:sp>
       <p:sp>
         <p:nvSpPr>
           <p:cNvPr id="20" name="Slide Number Placeholder 5"/>
@@ -13960,18 +13526,13 @@
           <a:lstStyle/>
           <a:p>
             <a:r>
-              <a:rPr lang="en-CA" sz="1800" b="1" dirty="0" smtClean="0">
+              <a:rPr lang="en-CA" sz="1800" b="1" dirty="0">
                 <a:solidFill>
                   <a:srgbClr val="FF0000"/>
                 </a:solidFill>
               </a:rPr>
               <a:t>String of characters</a:t>
             </a:r>
-            <a:endParaRPr lang="en-CA" sz="1800" b="1" dirty="0">
-              <a:solidFill>
-                <a:srgbClr val="FF0000"/>
-              </a:solidFill>
-            </a:endParaRPr>
           </a:p>
         </p:txBody>
       </p:sp>
@@ -14003,18 +13564,10 @@
                   <a:srgbClr val="FF0000"/>
                 </a:solidFill>
               </a:rPr>
-              <a:t>f</a:t>
-            </a:r>
-            <a:r>
-              <a:rPr lang="en-CA" sz="1800" b="1" dirty="0" smtClean="0">
-                <a:solidFill>
-                  <a:srgbClr val="FF0000"/>
-                </a:solidFill>
-              </a:rPr>
-              <a:t>lex: </a:t>
-            </a:r>
-            <a:r>
-              <a:rPr lang="en-CA" sz="1800" b="1" dirty="0" err="1" smtClean="0">
+              <a:t>flex: </a:t>
+            </a:r>
+            <a:r>
+              <a:rPr lang="en-CA" sz="1800" b="1" dirty="0" err="1">
                 <a:solidFill>
                   <a:srgbClr val="FF0000"/>
                 </a:solidFill>
@@ -14022,18 +13575,13 @@
               <a:t>yylex</a:t>
             </a:r>
             <a:r>
-              <a:rPr lang="en-CA" sz="1800" b="1" dirty="0" smtClean="0">
+              <a:rPr lang="en-CA" sz="1800" b="1" dirty="0">
                 <a:solidFill>
                   <a:srgbClr val="FF0000"/>
                 </a:solidFill>
               </a:rPr>
               <a:t>()</a:t>
             </a:r>
-            <a:endParaRPr lang="en-CA" sz="1800" b="1" dirty="0">
-              <a:solidFill>
-                <a:srgbClr val="FF0000"/>
-              </a:solidFill>
-            </a:endParaRPr>
           </a:p>
         </p:txBody>
       </p:sp>
@@ -14042,13 +13590,6 @@
   <p:clrMapOvr>
     <a:masterClrMapping/>
   </p:clrMapOvr>
-  <p:timing>
-    <p:tnLst>
-      <p:par>
-        <p:cTn xmlns:p14="http://schemas.microsoft.com/office/powerpoint/2010/main" id="1" dur="indefinite" restart="never" nodeType="tmRoot"/>
-      </p:par>
-    </p:tnLst>
-  </p:timing>
 </p:sld>
 </file>
 
@@ -14085,10 +13626,9 @@
           <a:lstStyle/>
           <a:p>
             <a:r>
-              <a:rPr lang="en-CA" dirty="0" smtClean="0"/>
+              <a:rPr lang="en-CA" dirty="0"/>
               <a:t>Parsing</a:t>
             </a:r>
-            <a:endParaRPr lang="en-CA" dirty="0"/>
           </a:p>
         </p:txBody>
       </p:sp>
@@ -14113,67 +13653,35 @@
           <a:lstStyle/>
           <a:p>
             <a:r>
-              <a:rPr lang="en-CA" dirty="0" smtClean="0"/>
+              <a:rPr lang="en-CA" dirty="0"/>
               <a:t>Not all string of tokens are valid programs</a:t>
             </a:r>
           </a:p>
           <a:p>
             <a:r>
-              <a:rPr lang="en-CA" dirty="0" smtClean="0"/>
+              <a:rPr lang="en-CA" dirty="0"/>
               <a:t>Parser distinguishes between valid and invalid programs</a:t>
             </a:r>
           </a:p>
           <a:p>
             <a:r>
-              <a:rPr lang="en-CA" dirty="0" smtClean="0"/>
+              <a:rPr lang="en-CA" dirty="0"/>
               <a:t>We need </a:t>
             </a:r>
           </a:p>
           <a:p>
             <a:pPr lvl="1"/>
             <a:r>
-              <a:rPr lang="en-CA" dirty="0" smtClean="0"/>
+              <a:rPr lang="en-CA" dirty="0"/>
               <a:t>A language for describing valid string of tokens</a:t>
             </a:r>
           </a:p>
           <a:p>
             <a:pPr lvl="1"/>
             <a:r>
-              <a:rPr lang="en-CA" dirty="0" smtClean="0"/>
-              <a:t>A method for distinguishing valid from invalid</a:t>
-            </a:r>
-            <a:r>
               <a:rPr lang="en-CA" dirty="0"/>
-              <a:t> </a:t>
-            </a:r>
-            <a:r>
-              <a:rPr lang="en-CA" dirty="0" smtClean="0"/>
-              <a:t>programs</a:t>
-            </a:r>
-          </a:p>
-        </p:txBody>
-      </p:sp>
-      <p:sp>
-        <p:nvSpPr>
-          <p:cNvPr id="4" name="Date Placeholder 3"/>
-          <p:cNvSpPr>
-            <a:spLocks noGrp="1"/>
-          </p:cNvSpPr>
-          <p:nvPr>
-            <p:ph type="dt" sz="half" idx="10"/>
-          </p:nvPr>
-        </p:nvSpPr>
-        <p:spPr/>
-        <p:txBody>
-          <a:bodyPr/>
-          <a:lstStyle/>
-          <a:p>
-            <a:fld id="{F668E4B5-49D5-B048-B5A5-3831D6A375F6}" type="datetime1">
-              <a:rPr lang="en-US" smtClean="0"/>
-              <a:pPr/>
-              <a:t>16-06-14</a:t>
-            </a:fld>
-            <a:endParaRPr lang="en-US"/>
+              <a:t>A method for distinguishing valid from invalid programs</a:t>
+            </a:r>
           </a:p>
         </p:txBody>
       </p:sp>
@@ -14214,7 +13722,7 @@
   <p:timing>
     <p:tnLst>
       <p:par>
-        <p:cTn xmlns:p14="http://schemas.microsoft.com/office/powerpoint/2010/main" id="1" dur="indefinite" restart="never" nodeType="tmRoot">
+        <p:cTn id="1" dur="indefinite" restart="never" nodeType="tmRoot">
           <p:childTnLst>
             <p:seq concurrent="1" nextAc="seek">
               <p:cTn id="2" dur="indefinite" nodeType="mainSeq">
@@ -14388,10 +13896,9 @@
           <a:lstStyle/>
           <a:p>
             <a:r>
-              <a:rPr lang="en-CA" dirty="0" smtClean="0"/>
+              <a:rPr lang="en-CA" dirty="0"/>
               <a:t>Context-free Grammars (CFGs)</a:t>
             </a:r>
-            <a:endParaRPr lang="en-CA" dirty="0"/>
           </a:p>
         </p:txBody>
       </p:sp>
@@ -14411,13 +13918,13 @@
           <a:lstStyle/>
           <a:p>
             <a:r>
-              <a:rPr lang="en-CA" dirty="0" smtClean="0"/>
+              <a:rPr lang="en-CA" dirty="0"/>
               <a:t>Programming languages have recursive structure </a:t>
             </a:r>
           </a:p>
           <a:p>
             <a:r>
-              <a:rPr lang="en-CA" dirty="0" smtClean="0"/>
+              <a:rPr lang="en-CA" dirty="0"/>
               <a:t>An EXP is …</a:t>
             </a:r>
           </a:p>
@@ -14425,37 +13932,13 @@
             <a:endParaRPr lang="en-CA" dirty="0"/>
           </a:p>
           <a:p>
-            <a:endParaRPr lang="en-CA" dirty="0" smtClean="0"/>
-          </a:p>
-          <a:p>
-            <a:r>
-              <a:rPr lang="en-CA" dirty="0" smtClean="0"/>
+            <a:endParaRPr lang="en-CA" dirty="0"/>
+          </a:p>
+          <a:p>
+            <a:r>
+              <a:rPr lang="en-CA" dirty="0"/>
               <a:t>Context Free Grammars are natural notation for the recursive structures</a:t>
             </a:r>
-          </a:p>
-        </p:txBody>
-      </p:sp>
-      <p:sp>
-        <p:nvSpPr>
-          <p:cNvPr id="4" name="Date Placeholder 3"/>
-          <p:cNvSpPr>
-            <a:spLocks noGrp="1"/>
-          </p:cNvSpPr>
-          <p:nvPr>
-            <p:ph type="dt" sz="half" idx="10"/>
-          </p:nvPr>
-        </p:nvSpPr>
-        <p:spPr/>
-        <p:txBody>
-          <a:bodyPr/>
-          <a:lstStyle/>
-          <a:p>
-            <a:fld id="{F668E4B5-49D5-B048-B5A5-3831D6A375F6}" type="datetime1">
-              <a:rPr lang="en-US" smtClean="0"/>
-              <a:pPr/>
-              <a:t>16-06-14</a:t>
-            </a:fld>
-            <a:endParaRPr lang="en-US"/>
           </a:p>
         </p:txBody>
       </p:sp>
@@ -14529,34 +14012,24 @@
               <a:rPr lang="en-CA" dirty="0"/>
               <a:t> </a:t>
             </a:r>
-            <a:endParaRPr lang="en-CA" dirty="0" smtClean="0"/>
           </a:p>
           <a:p>
             <a:pPr lvl="1"/>
             <a:r>
               <a:rPr lang="en-CA" dirty="0"/>
-              <a:t>	</a:t>
-            </a:r>
-            <a:r>
-              <a:rPr lang="en-CA" dirty="0" smtClean="0"/>
-              <a:t>EXP </a:t>
+              <a:t>	EXP </a:t>
             </a:r>
           </a:p>
           <a:p>
             <a:pPr lvl="1"/>
             <a:r>
-              <a:rPr lang="en-CA" dirty="0" smtClean="0">
+              <a:rPr lang="en-CA" dirty="0">
                 <a:solidFill>
                   <a:schemeClr val="accent2"/>
                 </a:solidFill>
               </a:rPr>
               <a:t>end</a:t>
             </a:r>
-            <a:endParaRPr lang="en-CA" dirty="0">
-              <a:solidFill>
-                <a:schemeClr val="accent2"/>
-              </a:solidFill>
-            </a:endParaRPr>
           </a:p>
         </p:txBody>
       </p:sp>
@@ -14633,13 +14106,8 @@
             <a:pPr lvl="1"/>
             <a:r>
               <a:rPr lang="en-CA" dirty="0"/>
-              <a:t>	</a:t>
-            </a:r>
-            <a:r>
-              <a:rPr lang="en-CA" dirty="0" smtClean="0"/>
-              <a:t>EXP</a:t>
-            </a:r>
-            <a:endParaRPr lang="en-CA" dirty="0"/>
+              <a:t>	EXP</a:t>
+            </a:r>
           </a:p>
         </p:txBody>
       </p:sp>
@@ -14656,7 +14124,7 @@
   <p:timing>
     <p:tnLst>
       <p:par>
-        <p:cTn xmlns:p14="http://schemas.microsoft.com/office/powerpoint/2010/main" id="1" dur="indefinite" restart="never" nodeType="tmRoot">
+        <p:cTn id="1" dur="indefinite" restart="never" nodeType="tmRoot">
           <p:childTnLst>
             <p:seq concurrent="1" nextAc="seek">
               <p:cTn id="2" dur="indefinite" nodeType="mainSeq">
@@ -14792,34 +14260,34 @@
               <a:lstStyle/>
               <a:p>
                 <a:r>
-                  <a:rPr lang="en-CA" dirty="0" smtClean="0"/>
+                  <a:rPr lang="en-CA" dirty="0"/>
                   <a:t>A CFG consists of</a:t>
                 </a:r>
               </a:p>
               <a:p>
                 <a:pPr lvl="1"/>
                 <a:r>
-                  <a:rPr lang="en-CA" dirty="0" smtClean="0"/>
+                  <a:rPr lang="en-CA" dirty="0"/>
                   <a:t>A set of terminals  </a:t>
                 </a:r>
                 <a:r>
-                  <a:rPr lang="en-CA" dirty="0" smtClean="0">
+                  <a:rPr lang="en-CA" dirty="0">
                     <a:solidFill>
                       <a:schemeClr val="accent2"/>
                     </a:solidFill>
                   </a:rPr>
                   <a:t>T</a:t>
                 </a:r>
-                <a:endParaRPr lang="en-CA" dirty="0" smtClean="0"/>
+                <a:endParaRPr lang="en-CA" dirty="0"/>
               </a:p>
               <a:p>
                 <a:pPr lvl="1"/>
                 <a:r>
-                  <a:rPr lang="en-CA" dirty="0" smtClean="0"/>
+                  <a:rPr lang="en-CA" dirty="0"/>
                   <a:t>A set on non-terminals    </a:t>
                 </a:r>
                 <a:r>
-                  <a:rPr lang="en-CA" dirty="0" smtClean="0">
+                  <a:rPr lang="en-CA" dirty="0">
                     <a:solidFill>
                       <a:schemeClr val="accent2"/>
                     </a:solidFill>
@@ -14830,11 +14298,11 @@
               <a:p>
                 <a:pPr lvl="1"/>
                 <a:r>
-                  <a:rPr lang="en-CA" dirty="0" smtClean="0"/>
+                  <a:rPr lang="en-CA" dirty="0"/>
                   <a:t>A start symbol    </a:t>
                 </a:r>
                 <a:r>
-                  <a:rPr lang="en-CA" dirty="0" smtClean="0">
+                  <a:rPr lang="en-CA" dirty="0">
                     <a:solidFill>
                       <a:schemeClr val="accent2"/>
                     </a:solidFill>
@@ -14842,7 +14310,7 @@
                   <a:t>S</a:t>
                 </a:r>
                 <a14:m>
-                  <m:oMath xmlns:m="http://schemas.openxmlformats.org/officeDocument/2006/math" xmlns="">
+                  <m:oMath xmlns:m="http://schemas.openxmlformats.org/officeDocument/2006/math">
                     <m:r>
                       <a:rPr lang="en-CA" i="1" smtClean="0">
                         <a:solidFill>
@@ -14856,23 +14324,23 @@
                   </m:oMath>
                 </a14:m>
                 <a:r>
-                  <a:rPr lang="en-CA" dirty="0" smtClean="0">
+                  <a:rPr lang="en-CA" dirty="0">
                     <a:solidFill>
                       <a:schemeClr val="accent2"/>
                     </a:solidFill>
                   </a:rPr>
                   <a:t>N</a:t>
                 </a:r>
-                <a:endParaRPr lang="en-CA" dirty="0" smtClean="0"/>
+                <a:endParaRPr lang="en-CA" dirty="0"/>
               </a:p>
               <a:p>
                 <a:pPr lvl="1"/>
                 <a:r>
-                  <a:rPr lang="en-CA" dirty="0" smtClean="0"/>
+                  <a:rPr lang="en-CA" dirty="0"/>
                   <a:t>A set of  productions   </a:t>
                 </a:r>
                 <a:r>
-                  <a:rPr lang="en-CA" dirty="0" smtClean="0">
+                  <a:rPr lang="en-CA" dirty="0">
                     <a:solidFill>
                       <a:schemeClr val="accent2"/>
                     </a:solidFill>
@@ -14880,7 +14348,7 @@
                   <a:t> X</a:t>
                 </a:r>
                 <a14:m>
-                  <m:oMath xmlns:m="http://schemas.openxmlformats.org/officeDocument/2006/math" xmlns="">
+                  <m:oMath xmlns:m="http://schemas.openxmlformats.org/officeDocument/2006/math">
                     <m:r>
                       <a:rPr lang="en-CA" i="1" smtClean="0">
                         <a:solidFill>
@@ -14894,7 +14362,7 @@
                   </m:oMath>
                 </a14:m>
                 <a:r>
-                  <a:rPr lang="en-CA" dirty="0" smtClean="0">
+                  <a:rPr lang="en-CA" dirty="0">
                     <a:solidFill>
                       <a:schemeClr val="accent2"/>
                     </a:solidFill>
@@ -14902,7 +14370,7 @@
                   <a:t>Y</a:t>
                 </a:r>
                 <a:r>
-                  <a:rPr lang="en-CA" baseline="-25000" dirty="0" smtClean="0">
+                  <a:rPr lang="en-CA" baseline="-25000" dirty="0">
                     <a:solidFill>
                       <a:schemeClr val="accent2"/>
                     </a:solidFill>
@@ -14910,7 +14378,7 @@
                   <a:t>1</a:t>
                 </a:r>
                 <a:r>
-                  <a:rPr lang="en-CA" dirty="0" smtClean="0">
+                  <a:rPr lang="en-CA" dirty="0">
                     <a:solidFill>
                       <a:schemeClr val="accent2"/>
                     </a:solidFill>
@@ -14918,7 +14386,7 @@
                   <a:t>…</a:t>
                 </a:r>
                 <a:r>
-                  <a:rPr lang="en-CA" dirty="0" err="1" smtClean="0">
+                  <a:rPr lang="en-CA" dirty="0" err="1">
                     <a:solidFill>
                       <a:schemeClr val="accent2"/>
                     </a:solidFill>
@@ -14926,25 +14394,25 @@
                   <a:t>Y</a:t>
                 </a:r>
                 <a:r>
-                  <a:rPr lang="en-CA" baseline="-25000" dirty="0" err="1" smtClean="0">
+                  <a:rPr lang="en-CA" baseline="-25000" dirty="0" err="1">
                     <a:solidFill>
                       <a:schemeClr val="accent2"/>
                     </a:solidFill>
                   </a:rPr>
                   <a:t>n</a:t>
                 </a:r>
-                <a:endParaRPr lang="en-CA" baseline="-25000" dirty="0" smtClean="0"/>
+                <a:endParaRPr lang="en-CA" baseline="-25000" dirty="0"/>
               </a:p>
               <a:p>
                 <a:pPr marL="457200" lvl="1" indent="0">
                   <a:buNone/>
                 </a:pPr>
                 <a:r>
-                  <a:rPr lang="en-CA" baseline="-25000" dirty="0" smtClean="0"/>
+                  <a:rPr lang="en-CA" baseline="-25000" dirty="0"/>
                   <a:t>                                                                        </a:t>
                 </a:r>
                 <a:r>
-                  <a:rPr lang="en-CA" dirty="0" smtClean="0">
+                  <a:rPr lang="en-CA" dirty="0">
                     <a:solidFill>
                       <a:schemeClr val="accent2"/>
                     </a:solidFill>
@@ -14952,7 +14420,7 @@
                   <a:t>X</a:t>
                 </a:r>
                 <a14:m>
-                  <m:oMath xmlns:m="http://schemas.openxmlformats.org/officeDocument/2006/math" xmlns="">
+                  <m:oMath xmlns:m="http://schemas.openxmlformats.org/officeDocument/2006/math">
                     <m:r>
                       <a:rPr lang="en-CA" b="0" i="0" smtClean="0">
                         <a:solidFill>
@@ -14994,7 +14462,7 @@
                   <a:t>N</a:t>
                 </a:r>
                 <a:r>
-                  <a:rPr lang="en-CA" dirty="0" smtClean="0"/>
+                  <a:rPr lang="en-CA" dirty="0"/>
                   <a:t> </a:t>
                 </a:r>
               </a:p>
@@ -15004,14 +14472,10 @@
                 </a:pPr>
                 <a:r>
                   <a:rPr lang="en-CA" dirty="0"/>
-                  <a:t> </a:t>
+                  <a:t>                                               </a:t>
                 </a:r>
                 <a:r>
-                  <a:rPr lang="en-CA" dirty="0" smtClean="0"/>
-                  <a:t>                                              </a:t>
-                </a:r>
-                <a:r>
-                  <a:rPr lang="en-CA" dirty="0" smtClean="0">
+                  <a:rPr lang="en-CA" dirty="0">
                     <a:solidFill>
                       <a:schemeClr val="accent2"/>
                     </a:solidFill>
@@ -15019,7 +14483,7 @@
                   <a:t>Y</a:t>
                 </a:r>
                 <a:r>
-                  <a:rPr lang="en-CA" baseline="-25000" dirty="0" smtClean="0">
+                  <a:rPr lang="en-CA" baseline="-25000" dirty="0">
                     <a:solidFill>
                       <a:schemeClr val="accent2"/>
                     </a:solidFill>
@@ -15027,7 +14491,7 @@
                   <a:t>i</a:t>
                 </a:r>
                 <a:r>
-                  <a:rPr lang="en-CA" dirty="0" smtClean="0">
+                  <a:rPr lang="en-CA" dirty="0">
                     <a:solidFill>
                       <a:schemeClr val="accent2"/>
                     </a:solidFill>
@@ -15035,7 +14499,7 @@
                   <a:t> </a:t>
                 </a:r>
                 <a14:m>
-                  <m:oMath xmlns:m="http://schemas.openxmlformats.org/officeDocument/2006/math" xmlns="">
+                  <m:oMath xmlns:m="http://schemas.openxmlformats.org/officeDocument/2006/math">
                     <m:r>
                       <a:rPr lang="en-CA" i="1">
                         <a:solidFill>
@@ -15049,7 +14513,7 @@
                   </m:oMath>
                 </a14:m>
                 <a:r>
-                  <a:rPr lang="en-CA" dirty="0" smtClean="0">
+                  <a:rPr lang="en-CA" dirty="0">
                     <a:solidFill>
                       <a:schemeClr val="accent2"/>
                     </a:solidFill>
@@ -15057,11 +14521,11 @@
                   <a:t> N U T</a:t>
                 </a:r>
                 <a:r>
-                  <a:rPr lang="en-CA" dirty="0" smtClean="0"/>
+                  <a:rPr lang="en-CA" dirty="0"/>
                   <a:t> </a:t>
                 </a:r>
                 <a:r>
-                  <a:rPr lang="en-CA" dirty="0" smtClean="0">
+                  <a:rPr lang="en-CA" dirty="0">
                     <a:solidFill>
                       <a:schemeClr val="accent2"/>
                     </a:solidFill>
@@ -15069,7 +14533,7 @@
                   <a:t>U {</a:t>
                 </a:r>
                 <a:r>
-                  <a:rPr lang="el-GR" dirty="0" smtClean="0">
+                  <a:rPr lang="el-GR" dirty="0">
                     <a:solidFill>
                       <a:schemeClr val="accent2"/>
                     </a:solidFill>
@@ -15077,7 +14541,7 @@
                   <a:t>ε</a:t>
                 </a:r>
                 <a:r>
-                  <a:rPr lang="en-CA" dirty="0" smtClean="0">
+                  <a:rPr lang="en-CA" dirty="0">
                     <a:solidFill>
                       <a:schemeClr val="accent2"/>
                     </a:solidFill>
@@ -15125,30 +14589,6 @@
       </mc:AlternateContent>
       <p:sp>
         <p:nvSpPr>
-          <p:cNvPr id="4" name="Date Placeholder 3"/>
-          <p:cNvSpPr>
-            <a:spLocks noGrp="1"/>
-          </p:cNvSpPr>
-          <p:nvPr>
-            <p:ph type="dt" sz="half" idx="10"/>
-          </p:nvPr>
-        </p:nvSpPr>
-        <p:spPr/>
-        <p:txBody>
-          <a:bodyPr/>
-          <a:lstStyle/>
-          <a:p>
-            <a:fld id="{F668E4B5-49D5-B048-B5A5-3831D6A375F6}" type="datetime1">
-              <a:rPr lang="en-US" smtClean="0"/>
-              <a:pPr/>
-              <a:t>16-06-14</a:t>
-            </a:fld>
-            <a:endParaRPr lang="en-US"/>
-          </a:p>
-        </p:txBody>
-      </p:sp>
-      <p:sp>
-        <p:nvSpPr>
           <p:cNvPr id="5" name="Slide Number Placeholder 4"/>
           <p:cNvSpPr>
             <a:spLocks noGrp="1"/>
@@ -15184,7 +14624,7 @@
   <p:timing>
     <p:tnLst>
       <p:par>
-        <p:cTn xmlns:p14="http://schemas.microsoft.com/office/powerpoint/2010/main" id="1" dur="indefinite" restart="never" nodeType="tmRoot">
+        <p:cTn id="1" dur="indefinite" restart="never" nodeType="tmRoot">
           <p:childTnLst>
             <p:seq concurrent="1" nextAc="seek">
               <p:cTn id="2" dur="indefinite" nodeType="mainSeq">
@@ -15524,13 +14964,8 @@
           <a:p>
             <a:r>
               <a:rPr lang="en-CA" dirty="0"/>
-              <a:t>Context-free Grammars (CFGs</a:t>
-            </a:r>
-            <a:r>
-              <a:rPr lang="en-CA" dirty="0" smtClean="0"/>
-              <a:t>)</a:t>
-            </a:r>
-            <a:endParaRPr lang="en-CA" dirty="0"/>
+              <a:t>Context-free Grammars (CFGs)</a:t>
+            </a:r>
           </a:p>
         </p:txBody>
       </p:sp>
@@ -15552,16 +14987,16 @@
               <a:lstStyle/>
               <a:p>
                 <a:r>
-                  <a:rPr lang="en-CA" dirty="0" smtClean="0"/>
+                  <a:rPr lang="en-CA" dirty="0"/>
                   <a:t>{</a:t>
                 </a:r>
                 <a14:m>
-                  <m:oMath xmlns:m="http://schemas.openxmlformats.org/officeDocument/2006/math" xmlns="">
+                  <m:oMath xmlns:m="http://schemas.openxmlformats.org/officeDocument/2006/math">
                     <m:sSup>
                       <m:sSupPr>
                         <m:ctrlPr>
                           <a:rPr lang="en-CA" i="1" smtClean="0">
-                            <a:latin typeface="Cambria Math"/>
+                            <a:latin typeface="Cambria Math" panose="02040503050406030204" pitchFamily="18" charset="0"/>
                           </a:rPr>
                         </m:ctrlPr>
                       </m:sSupPr>
@@ -15586,7 +15021,7 @@
                       <m:sSupPr>
                         <m:ctrlPr>
                           <a:rPr lang="en-CA" i="1" smtClean="0">
-                            <a:latin typeface="Cambria Math"/>
+                            <a:latin typeface="Cambria Math" panose="02040503050406030204" pitchFamily="18" charset="0"/>
                           </a:rPr>
                         </m:ctrlPr>
                       </m:sSupPr>
@@ -15629,12 +15064,12 @@
                   </m:oMath>
                 </a14:m>
                 <a:r>
-                  <a:rPr lang="en-CA" dirty="0" smtClean="0"/>
+                  <a:rPr lang="en-CA" dirty="0"/>
                   <a:t> }</a:t>
                 </a:r>
               </a:p>
               <a:p>
-                <a:endParaRPr lang="en-CA" dirty="0" smtClean="0"/>
+                <a:endParaRPr lang="en-CA" dirty="0"/>
               </a:p>
               <a:p>
                 <a:endParaRPr lang="en-CA" dirty="0"/>
@@ -15645,14 +15080,10 @@
                 </a:pPr>
                 <a:r>
                   <a:rPr lang="en-CA" dirty="0"/>
-                  <a:t> </a:t>
+                  <a:t>        </a:t>
                 </a:r>
                 <a:r>
-                  <a:rPr lang="en-CA" dirty="0" smtClean="0"/>
-                  <a:t>       </a:t>
-                </a:r>
-                <a:r>
-                  <a:rPr lang="en-CA" dirty="0" smtClean="0">
+                  <a:rPr lang="en-CA" dirty="0">
                     <a:solidFill>
                       <a:schemeClr val="accent2"/>
                     </a:solidFill>
@@ -15669,7 +15100,7 @@
                   <a:t> </a:t>
                 </a:r>
                 <a14:m>
-                  <m:oMath xmlns:m="http://schemas.openxmlformats.org/officeDocument/2006/math" xmlns="">
+                  <m:oMath xmlns:m="http://schemas.openxmlformats.org/officeDocument/2006/math">
                     <m:r>
                       <a:rPr lang="en-CA" i="1">
                         <a:solidFill>
@@ -15683,7 +15114,7 @@
                   </m:oMath>
                 </a14:m>
                 <a:r>
-                  <a:rPr lang="en-CA" dirty="0" smtClean="0">
+                  <a:rPr lang="en-CA" dirty="0">
                     <a:solidFill>
                       <a:schemeClr val="accent2"/>
                     </a:solidFill>
@@ -15701,18 +15132,10 @@
                       <a:schemeClr val="accent2"/>
                     </a:solidFill>
                   </a:rPr>
-                  <a:t> </a:t>
-                </a:r>
-                <a:r>
-                  <a:rPr lang="en-CA" dirty="0" smtClean="0">
-                    <a:solidFill>
-                      <a:schemeClr val="accent2"/>
-                    </a:solidFill>
-                  </a:rPr>
-                  <a:t>       S </a:t>
+                  <a:t>        S </a:t>
                 </a:r>
                 <a14:m>
-                  <m:oMath xmlns:m="http://schemas.openxmlformats.org/officeDocument/2006/math" xmlns="">
+                  <m:oMath xmlns:m="http://schemas.openxmlformats.org/officeDocument/2006/math">
                     <m:r>
                       <a:rPr lang="en-CA" i="1">
                         <a:solidFill>
@@ -15726,7 +15149,7 @@
                   </m:oMath>
                 </a14:m>
                 <a:r>
-                  <a:rPr lang="en-CA" dirty="0" smtClean="0">
+                  <a:rPr lang="en-CA" dirty="0">
                     <a:solidFill>
                       <a:schemeClr val="accent2"/>
                     </a:solidFill>
@@ -15786,30 +15209,6 @@
       </mc:AlternateContent>
       <p:sp>
         <p:nvSpPr>
-          <p:cNvPr id="4" name="Date Placeholder 3"/>
-          <p:cNvSpPr>
-            <a:spLocks noGrp="1"/>
-          </p:cNvSpPr>
-          <p:nvPr>
-            <p:ph type="dt" sz="half" idx="10"/>
-          </p:nvPr>
-        </p:nvSpPr>
-        <p:spPr/>
-        <p:txBody>
-          <a:bodyPr/>
-          <a:lstStyle/>
-          <a:p>
-            <a:fld id="{F668E4B5-49D5-B048-B5A5-3831D6A375F6}" type="datetime1">
-              <a:rPr lang="en-US" smtClean="0"/>
-              <a:pPr/>
-              <a:t>16-06-14</a:t>
-            </a:fld>
-            <a:endParaRPr lang="en-US"/>
-          </a:p>
-        </p:txBody>
-      </p:sp>
-      <p:sp>
-        <p:nvSpPr>
           <p:cNvPr id="5" name="Slide Number Placeholder 4"/>
           <p:cNvSpPr>
             <a:spLocks noGrp="1"/>
@@ -15861,16 +15260,7 @@
                 </a:solidFill>
                 <a:latin typeface="Candara" panose="020E0502030303020204" pitchFamily="34" charset="0"/>
               </a:rPr>
-              <a:t>N </a:t>
-            </a:r>
-            <a:r>
-              <a:rPr lang="en-CA" sz="2800" dirty="0" smtClean="0">
-                <a:solidFill>
-                  <a:schemeClr val="accent2"/>
-                </a:solidFill>
-                <a:latin typeface="Candara" panose="020E0502030303020204" pitchFamily="34" charset="0"/>
-              </a:rPr>
-              <a:t>= {S}</a:t>
+              <a:t>N = {S}</a:t>
             </a:r>
             <a:endParaRPr lang="en-CA" sz="2800" dirty="0">
               <a:latin typeface="Candara" panose="020E0502030303020204" pitchFamily="34" charset="0"/>
@@ -15901,7 +15291,7 @@
           <a:p>
             <a:pPr lvl="1"/>
             <a:r>
-              <a:rPr lang="en-CA" sz="2800" dirty="0" smtClean="0">
+              <a:rPr lang="en-CA" sz="2800" dirty="0">
                 <a:solidFill>
                   <a:schemeClr val="accent2"/>
                 </a:solidFill>
@@ -15938,18 +15328,13 @@
           <a:lstStyle/>
           <a:p>
             <a:r>
-              <a:rPr lang="en-CA" dirty="0" smtClean="0">
+              <a:rPr lang="en-CA" dirty="0">
                 <a:solidFill>
                   <a:srgbClr val="FF0000"/>
                 </a:solidFill>
               </a:rPr>
               <a:t>Productions:</a:t>
             </a:r>
-            <a:endParaRPr lang="en-CA" dirty="0">
-              <a:solidFill>
-                <a:srgbClr val="FF0000"/>
-              </a:solidFill>
-            </a:endParaRPr>
           </a:p>
         </p:txBody>
       </p:sp>
@@ -15966,7 +15351,7 @@
   <p:timing>
     <p:tnLst>
       <p:par>
-        <p:cTn xmlns:p14="http://schemas.microsoft.com/office/powerpoint/2010/main" id="1" dur="indefinite" restart="never" nodeType="tmRoot">
+        <p:cTn id="1" dur="indefinite" restart="never" nodeType="tmRoot">
           <p:childTnLst>
             <p:seq concurrent="1" nextAc="seek">
               <p:cTn id="2" dur="indefinite" nodeType="mainSeq">
@@ -16218,11 +15603,11 @@
                   <a:buAutoNum type="arabicPeriod"/>
                 </a:pPr>
                 <a:r>
-                  <a:rPr lang="en-CA" dirty="0" smtClean="0"/>
+                  <a:rPr lang="en-CA" dirty="0"/>
                   <a:t>Begin with string that has only start symbol </a:t>
                 </a:r>
                 <a:r>
-                  <a:rPr lang="en-CA" dirty="0" smtClean="0">
+                  <a:rPr lang="en-CA" dirty="0">
                     <a:solidFill>
                       <a:schemeClr val="accent2"/>
                     </a:solidFill>
@@ -16236,11 +15621,11 @@
                   <a:buAutoNum type="arabicPeriod"/>
                 </a:pPr>
                 <a:r>
-                  <a:rPr lang="en-CA" dirty="0" smtClean="0"/>
+                  <a:rPr lang="en-CA" dirty="0"/>
                   <a:t>Replace any non-terminal </a:t>
                 </a:r>
                 <a:r>
-                  <a:rPr lang="en-CA" dirty="0" smtClean="0">
+                  <a:rPr lang="en-CA" dirty="0">
                     <a:solidFill>
                       <a:schemeClr val="accent2"/>
                     </a:solidFill>
@@ -16248,11 +15633,11 @@
                   <a:t>X</a:t>
                 </a:r>
                 <a:r>
-                  <a:rPr lang="en-CA" dirty="0" smtClean="0"/>
+                  <a:rPr lang="en-CA" dirty="0"/>
                   <a:t> in the string by the right-hand side of some production </a:t>
                 </a:r>
                 <a:r>
-                  <a:rPr lang="en-CA" dirty="0" smtClean="0">
+                  <a:rPr lang="en-CA" dirty="0">
                     <a:solidFill>
                       <a:schemeClr val="accent2"/>
                     </a:solidFill>
@@ -16260,7 +15645,7 @@
                   <a:t>X</a:t>
                 </a:r>
                 <a:r>
-                  <a:rPr lang="en-CA" dirty="0" smtClean="0">
+                  <a:rPr lang="en-CA" dirty="0">
                     <a:solidFill>
                       <a:schemeClr val="accent2"/>
                     </a:solidFill>
@@ -16269,7 +15654,7 @@
                   <a:t> </a:t>
                 </a:r>
                 <a14:m>
-                  <m:oMath xmlns:m="http://schemas.openxmlformats.org/officeDocument/2006/math" xmlns="">
+                  <m:oMath xmlns:m="http://schemas.openxmlformats.org/officeDocument/2006/math">
                     <m:r>
                       <a:rPr lang="en-CA" i="1">
                         <a:solidFill>
@@ -16288,18 +15673,10 @@
                       <a:schemeClr val="accent2"/>
                     </a:solidFill>
                   </a:rPr>
-                  <a:t> </a:t>
+                  <a:t> Y</a:t>
                 </a:r>
                 <a:r>
-                  <a:rPr lang="en-CA" dirty="0" smtClean="0">
-                    <a:solidFill>
-                      <a:schemeClr val="accent2"/>
-                    </a:solidFill>
-                  </a:rPr>
-                  <a:t>Y</a:t>
-                </a:r>
-                <a:r>
-                  <a:rPr lang="en-CA" baseline="-25000" dirty="0" smtClean="0">
+                  <a:rPr lang="en-CA" baseline="-25000" dirty="0">
                     <a:solidFill>
                       <a:schemeClr val="accent2"/>
                     </a:solidFill>
@@ -16307,7 +15684,7 @@
                   <a:t>1</a:t>
                 </a:r>
                 <a:r>
-                  <a:rPr lang="en-CA" dirty="0" smtClean="0">
+                  <a:rPr lang="en-CA" dirty="0">
                     <a:solidFill>
                       <a:schemeClr val="accent2"/>
                     </a:solidFill>
@@ -16315,18 +15692,13 @@
                   <a:t>…Y</a:t>
                 </a:r>
                 <a:r>
-                  <a:rPr lang="en-CA" baseline="-25000" dirty="0" smtClean="0">
+                  <a:rPr lang="en-CA" baseline="-25000" dirty="0">
                     <a:solidFill>
                       <a:schemeClr val="accent2"/>
                     </a:solidFill>
                   </a:rPr>
                   <a:t>n</a:t>
                 </a:r>
-                <a:endParaRPr lang="en-CA" baseline="-25000" dirty="0">
-                  <a:solidFill>
-                    <a:schemeClr val="accent2"/>
-                  </a:solidFill>
-                </a:endParaRPr>
               </a:p>
               <a:p>
                 <a:pPr marL="514350" indent="-514350">
@@ -16334,7 +15706,7 @@
                   <a:buAutoNum type="arabicPeriod"/>
                 </a:pPr>
                 <a:r>
-                  <a:rPr lang="en-CA" dirty="0" smtClean="0"/>
+                  <a:rPr lang="en-CA" dirty="0"/>
                   <a:t>Repeat (2) until there is no non-terminals</a:t>
                 </a:r>
               </a:p>
@@ -16381,30 +15753,6 @@
       </mc:AlternateContent>
       <p:sp>
         <p:nvSpPr>
-          <p:cNvPr id="4" name="Date Placeholder 3"/>
-          <p:cNvSpPr>
-            <a:spLocks noGrp="1"/>
-          </p:cNvSpPr>
-          <p:nvPr>
-            <p:ph type="dt" sz="half" idx="10"/>
-          </p:nvPr>
-        </p:nvSpPr>
-        <p:spPr/>
-        <p:txBody>
-          <a:bodyPr/>
-          <a:lstStyle/>
-          <a:p>
-            <a:fld id="{F668E4B5-49D5-B048-B5A5-3831D6A375F6}" type="datetime1">
-              <a:rPr lang="en-US" smtClean="0"/>
-              <a:pPr/>
-              <a:t>16-06-14</a:t>
-            </a:fld>
-            <a:endParaRPr lang="en-US"/>
-          </a:p>
-        </p:txBody>
-      </p:sp>
-      <p:sp>
-        <p:nvSpPr>
           <p:cNvPr id="5" name="Slide Number Placeholder 4"/>
           <p:cNvSpPr>
             <a:spLocks noGrp="1"/>
@@ -16471,7 +15819,7 @@
                   <a:t> </a:t>
                 </a:r>
                 <a14:m>
-                  <m:oMath xmlns:m="http://schemas.openxmlformats.org/officeDocument/2006/math" xmlns="">
+                  <m:oMath xmlns:m="http://schemas.openxmlformats.org/officeDocument/2006/math">
                     <m:r>
                       <a:rPr lang="en-CA" i="1">
                         <a:solidFill>
@@ -16498,7 +15846,7 @@
                   <a:buNone/>
                 </a:pPr>
                 <a:r>
-                  <a:rPr lang="en-CA" dirty="0" smtClean="0">
+                  <a:rPr lang="en-CA" dirty="0">
                     <a:solidFill>
                       <a:schemeClr val="accent2"/>
                     </a:solidFill>
@@ -16506,7 +15854,7 @@
                   <a:t>S </a:t>
                 </a:r>
                 <a14:m>
-                  <m:oMath xmlns:m="http://schemas.openxmlformats.org/officeDocument/2006/math" xmlns="">
+                  <m:oMath xmlns:m="http://schemas.openxmlformats.org/officeDocument/2006/math">
                     <m:r>
                       <a:rPr lang="en-CA" i="1">
                         <a:solidFill>
@@ -16608,18 +15956,13 @@
               <a:buNone/>
             </a:pPr>
             <a:r>
-              <a:rPr lang="en-CA" dirty="0" smtClean="0">
+              <a:rPr lang="en-CA" dirty="0">
                 <a:solidFill>
                   <a:schemeClr val="accent2"/>
                 </a:solidFill>
               </a:rPr>
               <a:t>S</a:t>
             </a:r>
-            <a:endParaRPr lang="en-CA" dirty="0">
-              <a:solidFill>
-                <a:schemeClr val="accent2"/>
-              </a:solidFill>
-            </a:endParaRPr>
           </a:p>
         </p:txBody>
       </p:sp>
@@ -16648,18 +15991,13 @@
               <a:buNone/>
             </a:pPr>
             <a:r>
-              <a:rPr lang="en-CA" dirty="0" smtClean="0">
+              <a:rPr lang="en-CA" dirty="0">
                 <a:solidFill>
                   <a:schemeClr val="accent2"/>
                 </a:solidFill>
               </a:rPr>
               <a:t>( S )</a:t>
             </a:r>
-            <a:endParaRPr lang="en-CA" dirty="0">
-              <a:solidFill>
-                <a:schemeClr val="accent2"/>
-              </a:solidFill>
-            </a:endParaRPr>
           </a:p>
         </p:txBody>
       </p:sp>
@@ -16688,18 +16026,13 @@
               <a:buNone/>
             </a:pPr>
             <a:r>
-              <a:rPr lang="en-CA" dirty="0" smtClean="0">
+              <a:rPr lang="en-CA" dirty="0">
                 <a:solidFill>
                   <a:schemeClr val="accent2"/>
                 </a:solidFill>
               </a:rPr>
               <a:t>( ( S ) )</a:t>
             </a:r>
-            <a:endParaRPr lang="en-CA" dirty="0">
-              <a:solidFill>
-                <a:schemeClr val="accent2"/>
-              </a:solidFill>
-            </a:endParaRPr>
           </a:p>
         </p:txBody>
       </p:sp>
@@ -16728,18 +16061,13 @@
               <a:buNone/>
             </a:pPr>
             <a:r>
-              <a:rPr lang="en-CA" dirty="0" smtClean="0">
+              <a:rPr lang="en-CA" dirty="0">
                 <a:solidFill>
                   <a:schemeClr val="accent2"/>
                 </a:solidFill>
               </a:rPr>
               <a:t>( (   ) )</a:t>
             </a:r>
-            <a:endParaRPr lang="en-CA" dirty="0">
-              <a:solidFill>
-                <a:schemeClr val="accent2"/>
-              </a:solidFill>
-            </a:endParaRPr>
           </a:p>
         </p:txBody>
       </p:sp>
@@ -16756,7 +16084,7 @@
   <p:timing>
     <p:tnLst>
       <p:par>
-        <p:cTn xmlns:p14="http://schemas.microsoft.com/office/powerpoint/2010/main" id="1" dur="indefinite" restart="never" nodeType="tmRoot">
+        <p:cTn id="1" dur="indefinite" restart="never" nodeType="tmRoot">
           <p:childTnLst>
             <p:seq concurrent="1" nextAc="seek">
               <p:cTn id="2" dur="indefinite" nodeType="mainSeq">
@@ -17005,10 +16333,9 @@
           <a:lstStyle/>
           <a:p>
             <a:r>
-              <a:rPr lang="en-CA" dirty="0" smtClean="0"/>
+              <a:rPr lang="en-CA" dirty="0"/>
               <a:t>Language of CFGs</a:t>
             </a:r>
-            <a:endParaRPr lang="en-CA" dirty="0"/>
           </a:p>
         </p:txBody>
       </p:sp>
@@ -17030,11 +16357,11 @@
               <a:lstStyle/>
               <a:p>
                 <a:r>
-                  <a:rPr lang="en-CA" dirty="0" smtClean="0"/>
+                  <a:rPr lang="en-CA" dirty="0"/>
                   <a:t>Let </a:t>
                 </a:r>
                 <a:r>
-                  <a:rPr lang="en-CA" dirty="0" smtClean="0">
+                  <a:rPr lang="en-CA" dirty="0">
                     <a:solidFill>
                       <a:schemeClr val="accent2"/>
                     </a:solidFill>
@@ -17042,11 +16369,11 @@
                   <a:t>G</a:t>
                 </a:r>
                 <a:r>
-                  <a:rPr lang="en-CA" dirty="0" smtClean="0"/>
+                  <a:rPr lang="en-CA" dirty="0"/>
                   <a:t> be a context free grammar with start symbol </a:t>
                 </a:r>
                 <a:r>
-                  <a:rPr lang="en-CA" dirty="0" smtClean="0">
+                  <a:rPr lang="en-CA" dirty="0">
                     <a:solidFill>
                       <a:schemeClr val="accent2"/>
                     </a:solidFill>
@@ -17054,11 +16381,11 @@
                   <a:t>S</a:t>
                 </a:r>
                 <a:r>
-                  <a:rPr lang="en-CA" dirty="0" smtClean="0"/>
+                  <a:rPr lang="en-CA" dirty="0"/>
                   <a:t>, and terminals </a:t>
                 </a:r>
                 <a:r>
-                  <a:rPr lang="en-CA" dirty="0" smtClean="0">
+                  <a:rPr lang="en-CA" dirty="0">
                     <a:solidFill>
                       <a:schemeClr val="accent2"/>
                     </a:solidFill>
@@ -17066,18 +16393,18 @@
                   <a:t>T</a:t>
                 </a:r>
                 <a:r>
-                  <a:rPr lang="en-CA" dirty="0" smtClean="0"/>
+                  <a:rPr lang="en-CA" dirty="0"/>
                   <a:t> </a:t>
                 </a:r>
               </a:p>
               <a:p>
                 <a:pPr lvl="1"/>
                 <a:r>
-                  <a:rPr lang="en-CA" dirty="0" smtClean="0"/>
+                  <a:rPr lang="en-CA" dirty="0"/>
                   <a:t>The language </a:t>
                 </a:r>
                 <a:r>
-                  <a:rPr lang="en-CA" dirty="0" smtClean="0">
+                  <a:rPr lang="en-CA" dirty="0">
                     <a:solidFill>
                       <a:schemeClr val="accent2"/>
                     </a:solidFill>
@@ -17085,11 +16412,11 @@
                   <a:t>L(G)</a:t>
                 </a:r>
                 <a:r>
-                  <a:rPr lang="en-CA" dirty="0" smtClean="0"/>
+                  <a:rPr lang="en-CA" dirty="0"/>
                   <a:t> of </a:t>
                 </a:r>
                 <a:r>
-                  <a:rPr lang="en-CA" dirty="0" smtClean="0">
+                  <a:rPr lang="en-CA" dirty="0">
                     <a:solidFill>
                       <a:schemeClr val="accent2"/>
                     </a:solidFill>
@@ -17097,20 +16424,20 @@
                   <a:t>G</a:t>
                 </a:r>
                 <a:r>
-                  <a:rPr lang="en-CA" dirty="0" smtClean="0"/>
+                  <a:rPr lang="en-CA" dirty="0"/>
                   <a:t> is:</a:t>
                 </a:r>
               </a:p>
               <a:p>
                 <a:pPr lvl="1"/>
-                <a:endParaRPr lang="en-CA" dirty="0" smtClean="0"/>
+                <a:endParaRPr lang="en-CA" dirty="0"/>
               </a:p>
               <a:p>
                 <a:pPr marL="914400" lvl="2" indent="0">
                   <a:buNone/>
                 </a:pPr>
                 <a14:m>
-                  <m:oMathPara xmlns:m="http://schemas.openxmlformats.org/officeDocument/2006/math" xmlns="">
+                  <m:oMathPara xmlns:m="http://schemas.openxmlformats.org/officeDocument/2006/math">
                     <m:oMathParaPr>
                       <m:jc m:val="centerGroup"/>
                     </m:oMathParaPr>
@@ -17124,7 +16451,7 @@
                               <a:solidFill>
                                 <a:schemeClr val="accent2"/>
                               </a:solidFill>
-                              <a:latin typeface="Cambria Math"/>
+                              <a:latin typeface="Cambria Math" panose="02040503050406030204" pitchFamily="18" charset="0"/>
                             </a:rPr>
                           </m:ctrlPr>
                         </m:dPr>
@@ -17136,7 +16463,7 @@
                                   <a:solidFill>
                                     <a:schemeClr val="accent2"/>
                                   </a:solidFill>
-                                  <a:latin typeface="Cambria Math"/>
+                                  <a:latin typeface="Cambria Math" panose="02040503050406030204" pitchFamily="18" charset="0"/>
                                   <a:ea typeface="Cambria Math"/>
                                 </a:rPr>
                               </m:ctrlPr>
@@ -17183,7 +16510,7 @@
                                   <a:solidFill>
                                     <a:schemeClr val="accent2"/>
                                   </a:solidFill>
-                                  <a:latin typeface="Cambria Math"/>
+                                  <a:latin typeface="Cambria Math" panose="02040503050406030204" pitchFamily="18" charset="0"/>
                                   <a:ea typeface="Cambria Math"/>
                                 </a:rPr>
                               </m:ctrlPr>
@@ -17231,7 +16558,7 @@
                               <a:solidFill>
                                 <a:schemeClr val="accent2"/>
                               </a:solidFill>
-                              <a:latin typeface="Cambria Math"/>
+                              <a:latin typeface="Cambria Math" panose="02040503050406030204" pitchFamily="18" charset="0"/>
                             </a:rPr>
                           </m:ctrlPr>
                         </m:sSubPr>
@@ -17275,7 +16602,7 @@
                               <a:solidFill>
                                 <a:schemeClr val="accent2"/>
                               </a:solidFill>
-                              <a:latin typeface="Cambria Math"/>
+                              <a:latin typeface="Cambria Math" panose="02040503050406030204" pitchFamily="18" charset="0"/>
                             </a:rPr>
                           </m:ctrlPr>
                         </m:sSubPr>
@@ -17350,7 +16677,7 @@
                               <a:solidFill>
                                 <a:schemeClr val="accent2"/>
                               </a:solidFill>
-                              <a:latin typeface="Cambria Math"/>
+                              <a:latin typeface="Cambria Math" panose="02040503050406030204" pitchFamily="18" charset="0"/>
                               <a:ea typeface="Cambria Math"/>
                             </a:rPr>
                           </m:ctrlPr>
@@ -17397,7 +16724,7 @@
                               <a:solidFill>
                                 <a:schemeClr val="accent2"/>
                               </a:solidFill>
-                              <a:latin typeface="Cambria Math"/>
+                              <a:latin typeface="Cambria Math" panose="02040503050406030204" pitchFamily="18" charset="0"/>
                               <a:ea typeface="Cambria Math"/>
                             </a:rPr>
                           </m:ctrlPr>
@@ -17444,7 +16771,7 @@
                               <a:solidFill>
                                 <a:schemeClr val="accent2"/>
                               </a:solidFill>
-                              <a:latin typeface="Cambria Math"/>
+                              <a:latin typeface="Cambria Math" panose="02040503050406030204" pitchFamily="18" charset="0"/>
                               <a:ea typeface="Cambria Math"/>
                             </a:rPr>
                           </m:ctrlPr>
@@ -17486,7 +16813,7 @@
                     </m:oMath>
                   </m:oMathPara>
                 </a14:m>
-                <a:endParaRPr lang="en-CA" sz="2800" dirty="0" smtClean="0">
+                <a:endParaRPr lang="en-CA" sz="2800" dirty="0">
                   <a:solidFill>
                     <a:schemeClr val="accent2"/>
                   </a:solidFill>
@@ -17497,7 +16824,7 @@
                   <a:buNone/>
                 </a:pPr>
                 <a:r>
-                  <a:rPr lang="en-CA" sz="2800" dirty="0" smtClean="0">
+                  <a:rPr lang="en-CA" sz="2800" dirty="0">
                     <a:solidFill>
                       <a:schemeClr val="accent2"/>
                     </a:solidFill>
@@ -17505,7 +16832,7 @@
                   <a:t>{</a:t>
                 </a:r>
                 <a:r>
-                  <a:rPr lang="el-GR" sz="2800" dirty="0" smtClean="0">
+                  <a:rPr lang="el-GR" sz="2800" dirty="0">
                     <a:solidFill>
                       <a:schemeClr val="accent2"/>
                     </a:solidFill>
@@ -17513,18 +16840,13 @@
                   <a:t>ε</a:t>
                 </a:r>
                 <a:r>
-                  <a:rPr lang="en-CA" sz="2800" dirty="0" smtClean="0">
+                  <a:rPr lang="en-CA" sz="2800" dirty="0">
                     <a:solidFill>
                       <a:schemeClr val="accent2"/>
                     </a:solidFill>
                   </a:rPr>
                   <a:t>, (), (()), ((())), …}</a:t>
                 </a:r>
-                <a:endParaRPr lang="en-CA" sz="2800" dirty="0">
-                  <a:solidFill>
-                    <a:schemeClr val="accent2"/>
-                  </a:solidFill>
-                </a:endParaRPr>
               </a:p>
             </p:txBody>
           </p:sp>
@@ -17565,30 +16887,6 @@
       </mc:AlternateContent>
       <p:sp>
         <p:nvSpPr>
-          <p:cNvPr id="4" name="Date Placeholder 3"/>
-          <p:cNvSpPr>
-            <a:spLocks noGrp="1"/>
-          </p:cNvSpPr>
-          <p:nvPr>
-            <p:ph type="dt" sz="half" idx="10"/>
-          </p:nvPr>
-        </p:nvSpPr>
-        <p:spPr/>
-        <p:txBody>
-          <a:bodyPr/>
-          <a:lstStyle/>
-          <a:p>
-            <a:fld id="{F668E4B5-49D5-B048-B5A5-3831D6A375F6}" type="datetime1">
-              <a:rPr lang="en-US" smtClean="0"/>
-              <a:pPr/>
-              <a:t>16-06-14</a:t>
-            </a:fld>
-            <a:endParaRPr lang="en-US"/>
-          </a:p>
-        </p:txBody>
-      </p:sp>
-      <p:sp>
-        <p:nvSpPr>
           <p:cNvPr id="5" name="Slide Number Placeholder 4"/>
           <p:cNvSpPr>
             <a:spLocks noGrp="1"/>
@@ -17624,7 +16922,7 @@
   <p:timing>
     <p:tnLst>
       <p:par>
-        <p:cTn xmlns:p14="http://schemas.microsoft.com/office/powerpoint/2010/main" id="1" dur="indefinite" restart="never" nodeType="tmRoot">
+        <p:cTn id="1" dur="indefinite" restart="never" nodeType="tmRoot">
           <p:childTnLst>
             <p:seq concurrent="1" nextAc="seek">
               <p:cTn id="2" dur="indefinite" nodeType="mainSeq">
@@ -17865,10 +17163,9 @@
           <a:lstStyle/>
           <a:p>
             <a:r>
-              <a:rPr lang="en-CA" dirty="0" smtClean="0"/>
+              <a:rPr lang="en-CA" dirty="0"/>
               <a:t>Derivation and Parse Tree</a:t>
             </a:r>
-            <a:endParaRPr lang="en-CA" dirty="0"/>
           </a:p>
         </p:txBody>
       </p:sp>
@@ -17895,7 +17192,7 @@
               <a:lstStyle/>
               <a:p>
                 <a:r>
-                  <a:rPr lang="en-CA" dirty="0" smtClean="0"/>
+                  <a:rPr lang="en-CA" dirty="0"/>
                   <a:t>A derivation is a sequence of productions</a:t>
                 </a:r>
               </a:p>
@@ -17904,7 +17201,7 @@
                   <a:buNone/>
                 </a:pPr>
                 <a14:m>
-                  <m:oMathPara xmlns:m="http://schemas.openxmlformats.org/officeDocument/2006/math" xmlns="">
+                  <m:oMathPara xmlns:m="http://schemas.openxmlformats.org/officeDocument/2006/math">
                     <m:oMathParaPr>
                       <m:jc m:val="centerGroup"/>
                     </m:oMathParaPr>
@@ -17952,7 +17249,7 @@
                     </m:oMath>
                   </m:oMathPara>
                 </a14:m>
-                <a:endParaRPr lang="en-CA" sz="2800" dirty="0" smtClean="0">
+                <a:endParaRPr lang="en-CA" sz="2800" dirty="0">
                   <a:solidFill>
                     <a:schemeClr val="accent2"/>
                   </a:solidFill>
@@ -17961,7 +17258,7 @@
               </a:p>
               <a:p>
                 <a:pPr marL="457200" lvl="2" indent="-457200"/>
-                <a:endParaRPr lang="en-CA" sz="3200" dirty="0" smtClean="0">
+                <a:endParaRPr lang="en-CA" sz="3200" dirty="0">
                   <a:solidFill>
                     <a:schemeClr val="accent2"/>
                   </a:solidFill>
@@ -17970,7 +17267,7 @@
               <a:p>
                 <a:pPr marL="457200" lvl="2" indent="-457200"/>
                 <a:r>
-                  <a:rPr lang="en-CA" sz="3200" dirty="0" smtClean="0">
+                  <a:rPr lang="en-CA" sz="3200" dirty="0">
                     <a:solidFill>
                       <a:schemeClr val="tx1"/>
                     </a:solidFill>
@@ -17978,7 +17275,7 @@
                   <a:t>A derivation can be drawn as a </a:t>
                 </a:r>
                 <a:r>
-                  <a:rPr lang="en-CA" sz="3200" dirty="0" smtClean="0">
+                  <a:rPr lang="en-CA" sz="3200" dirty="0">
                     <a:solidFill>
                       <a:schemeClr val="accent2"/>
                     </a:solidFill>
@@ -17986,7 +17283,7 @@
                   <a:t>parse tree</a:t>
                 </a:r>
                 <a:r>
-                  <a:rPr lang="en-CA" sz="3200" dirty="0" smtClean="0">
+                  <a:rPr lang="en-CA" sz="3200" dirty="0">
                     <a:solidFill>
                       <a:schemeClr val="tx1"/>
                     </a:solidFill>
@@ -17997,7 +17294,7 @@
               <a:p>
                 <a:pPr marL="914400" lvl="3" indent="-457200"/>
                 <a:r>
-                  <a:rPr lang="en-CA" sz="2800" dirty="0" smtClean="0">
+                  <a:rPr lang="en-CA" sz="2800" dirty="0">
                     <a:solidFill>
                       <a:schemeClr val="tx1"/>
                     </a:solidFill>
@@ -18008,7 +17305,7 @@
               <a:p>
                 <a:pPr marL="914400" lvl="3" indent="-457200"/>
                 <a:r>
-                  <a:rPr lang="en-CA" sz="2800" dirty="0" smtClean="0">
+                  <a:rPr lang="en-CA" sz="2800" dirty="0">
                     <a:solidFill>
                       <a:schemeClr val="tx1"/>
                     </a:solidFill>
@@ -18016,7 +17313,7 @@
                   <a:t>For a production </a:t>
                 </a:r>
                 <a:r>
-                  <a:rPr lang="en-CA" sz="2800" dirty="0" smtClean="0">
+                  <a:rPr lang="en-CA" sz="2800" dirty="0">
                     <a:solidFill>
                       <a:schemeClr val="accent2"/>
                     </a:solidFill>
@@ -18024,7 +17321,7 @@
                   <a:t>X</a:t>
                 </a:r>
                 <a14:m>
-                  <m:oMath xmlns:m="http://schemas.openxmlformats.org/officeDocument/2006/math" xmlns="">
+                  <m:oMath xmlns:m="http://schemas.openxmlformats.org/officeDocument/2006/math">
                     <m:r>
                       <a:rPr lang="en-CA" sz="2800" i="1">
                         <a:solidFill>
@@ -18038,7 +17335,7 @@
                   </m:oMath>
                 </a14:m>
                 <a:r>
-                  <a:rPr lang="en-CA" sz="2800" dirty="0" smtClean="0">
+                  <a:rPr lang="en-CA" sz="2800" dirty="0">
                     <a:solidFill>
                       <a:schemeClr val="accent2"/>
                     </a:solidFill>
@@ -18046,7 +17343,7 @@
                   <a:t>Y</a:t>
                 </a:r>
                 <a:r>
-                  <a:rPr lang="en-CA" sz="2800" baseline="-25000" dirty="0" smtClean="0">
+                  <a:rPr lang="en-CA" sz="2800" baseline="-25000" dirty="0">
                     <a:solidFill>
                       <a:schemeClr val="accent2"/>
                     </a:solidFill>
@@ -18054,7 +17351,7 @@
                   <a:t>1</a:t>
                 </a:r>
                 <a:r>
-                  <a:rPr lang="en-CA" sz="2800" dirty="0" smtClean="0">
+                  <a:rPr lang="en-CA" sz="2800" dirty="0">
                     <a:solidFill>
                       <a:schemeClr val="accent2"/>
                     </a:solidFill>
@@ -18062,7 +17359,7 @@
                   <a:t>…</a:t>
                 </a:r>
                 <a:r>
-                  <a:rPr lang="en-CA" sz="2800" dirty="0" err="1" smtClean="0">
+                  <a:rPr lang="en-CA" sz="2800" dirty="0" err="1">
                     <a:solidFill>
                       <a:schemeClr val="accent2"/>
                     </a:solidFill>
@@ -18070,7 +17367,7 @@
                   <a:t>Y</a:t>
                 </a:r>
                 <a:r>
-                  <a:rPr lang="en-CA" sz="2800" baseline="-25000" dirty="0" err="1" smtClean="0">
+                  <a:rPr lang="en-CA" sz="2800" baseline="-25000" dirty="0" err="1">
                     <a:solidFill>
                       <a:schemeClr val="accent2"/>
                     </a:solidFill>
@@ -18083,15 +17380,7 @@
                       <a:schemeClr val="tx1"/>
                     </a:solidFill>
                   </a:rPr>
-                  <a:t> </a:t>
-                </a:r>
-                <a:r>
-                  <a:rPr lang="en-CA" sz="2800" dirty="0" smtClean="0">
-                    <a:solidFill>
-                      <a:schemeClr val="tx1"/>
-                    </a:solidFill>
-                  </a:rPr>
-                  <a:t>add </a:t>
+                  <a:t> add </a:t>
                 </a:r>
               </a:p>
               <a:p>
@@ -18104,18 +17393,10 @@
                       <a:schemeClr val="tx1"/>
                     </a:solidFill>
                   </a:rPr>
-                  <a:t> </a:t>
+                  <a:t>       children </a:t>
                 </a:r>
                 <a:r>
-                  <a:rPr lang="en-CA" sz="2800" dirty="0" smtClean="0">
-                    <a:solidFill>
-                      <a:schemeClr val="tx1"/>
-                    </a:solidFill>
-                  </a:rPr>
-                  <a:t>      children </a:t>
-                </a:r>
-                <a:r>
-                  <a:rPr lang="en-CA" sz="2800" dirty="0" smtClean="0">
+                  <a:rPr lang="en-CA" sz="2800" dirty="0">
                     <a:solidFill>
                       <a:schemeClr val="accent2"/>
                     </a:solidFill>
@@ -18123,7 +17404,7 @@
                   <a:t>Y</a:t>
                 </a:r>
                 <a:r>
-                  <a:rPr lang="en-CA" sz="2800" baseline="-25000" dirty="0" smtClean="0">
+                  <a:rPr lang="en-CA" sz="2800" baseline="-25000" dirty="0">
                     <a:solidFill>
                       <a:schemeClr val="accent2"/>
                     </a:solidFill>
@@ -18131,7 +17412,7 @@
                   <a:t>1</a:t>
                 </a:r>
                 <a:r>
-                  <a:rPr lang="en-CA" sz="2800" dirty="0" smtClean="0">
+                  <a:rPr lang="en-CA" sz="2800" dirty="0">
                     <a:solidFill>
                       <a:schemeClr val="accent2"/>
                     </a:solidFill>
@@ -18139,7 +17420,7 @@
                   <a:t>…</a:t>
                 </a:r>
                 <a:r>
-                  <a:rPr lang="en-CA" sz="2800" dirty="0" err="1" smtClean="0">
+                  <a:rPr lang="en-CA" sz="2800" dirty="0" err="1">
                     <a:solidFill>
                       <a:schemeClr val="accent2"/>
                     </a:solidFill>
@@ -18147,7 +17428,7 @@
                   <a:t>Y</a:t>
                 </a:r>
                 <a:r>
-                  <a:rPr lang="en-CA" sz="2800" baseline="-25000" dirty="0" err="1" smtClean="0">
+                  <a:rPr lang="en-CA" sz="2800" baseline="-25000" dirty="0" err="1">
                     <a:solidFill>
                       <a:schemeClr val="accent2"/>
                     </a:solidFill>
@@ -18155,7 +17436,7 @@
                   <a:t>n</a:t>
                 </a:r>
                 <a:r>
-                  <a:rPr lang="en-CA" sz="2800" dirty="0" smtClean="0">
+                  <a:rPr lang="en-CA" sz="2800" dirty="0">
                     <a:solidFill>
                       <a:schemeClr val="tx1"/>
                     </a:solidFill>
@@ -18163,18 +17444,13 @@
                   <a:t> to node </a:t>
                 </a:r>
                 <a:r>
-                  <a:rPr lang="en-CA" sz="2800" dirty="0" smtClean="0">
+                  <a:rPr lang="en-CA" sz="2800" dirty="0">
                     <a:solidFill>
                       <a:schemeClr val="accent2"/>
                     </a:solidFill>
                   </a:rPr>
                   <a:t>X</a:t>
                 </a:r>
-                <a:endParaRPr lang="en-CA" sz="2800" dirty="0">
-                  <a:solidFill>
-                    <a:schemeClr val="accent2"/>
-                  </a:solidFill>
-                </a:endParaRPr>
               </a:p>
               <a:p>
                 <a:endParaRPr lang="en-CA" dirty="0"/>
@@ -18220,30 +17496,6 @@
           </p:sp>
         </mc:Fallback>
       </mc:AlternateContent>
-      <p:sp>
-        <p:nvSpPr>
-          <p:cNvPr id="4" name="Date Placeholder 3"/>
-          <p:cNvSpPr>
-            <a:spLocks noGrp="1"/>
-          </p:cNvSpPr>
-          <p:nvPr>
-            <p:ph type="dt" sz="half" idx="10"/>
-          </p:nvPr>
-        </p:nvSpPr>
-        <p:spPr/>
-        <p:txBody>
-          <a:bodyPr/>
-          <a:lstStyle/>
-          <a:p>
-            <a:fld id="{F668E4B5-49D5-B048-B5A5-3831D6A375F6}" type="datetime1">
-              <a:rPr lang="en-US" smtClean="0"/>
-              <a:pPr/>
-              <a:t>16-06-14</a:t>
-            </a:fld>
-            <a:endParaRPr lang="en-US"/>
-          </a:p>
-        </p:txBody>
-      </p:sp>
       <p:sp>
         <p:nvSpPr>
           <p:cNvPr id="5" name="Slide Number Placeholder 4"/>
@@ -18360,11 +17612,11 @@
             <a:lstStyle/>
             <a:p>
               <a:r>
-                <a:rPr lang="en-US" dirty="0" smtClean="0"/>
+                <a:rPr lang="en-US" dirty="0"/>
                 <a:t>Y</a:t>
               </a:r>
               <a:r>
-                <a:rPr lang="en-US" baseline="-25000" dirty="0" smtClean="0"/>
+                <a:rPr lang="en-US" baseline="-25000" dirty="0"/>
                 <a:t>1</a:t>
               </a:r>
               <a:endParaRPr lang="en-US" dirty="0"/>
@@ -18406,11 +17658,11 @@
             <a:lstStyle/>
             <a:p>
               <a:r>
-                <a:rPr lang="en-US" dirty="0" err="1" smtClean="0"/>
+                <a:rPr lang="en-US" dirty="0" err="1"/>
                 <a:t>Y</a:t>
               </a:r>
               <a:r>
-                <a:rPr lang="en-US" baseline="-25000" dirty="0" err="1" smtClean="0"/>
+                <a:rPr lang="en-US" baseline="-25000" dirty="0" err="1"/>
                 <a:t>n</a:t>
               </a:r>
               <a:endParaRPr lang="en-US" dirty="0"/>
@@ -18452,10 +17704,9 @@
             <a:lstStyle/>
             <a:p>
               <a:r>
-                <a:rPr lang="en-US" dirty="0" smtClean="0"/>
+                <a:rPr lang="en-US" dirty="0"/>
                 <a:t>…</a:t>
               </a:r>
-              <a:endParaRPr lang="en-US" dirty="0"/>
             </a:p>
           </p:txBody>
         </p:sp>
@@ -18533,7 +17784,7 @@
   <p:timing>
     <p:tnLst>
       <p:par>
-        <p:cTn xmlns:p14="http://schemas.microsoft.com/office/powerpoint/2010/main" id="1" dur="indefinite" restart="never" nodeType="tmRoot">
+        <p:cTn id="1" dur="indefinite" restart="never" nodeType="tmRoot">
           <p:childTnLst>
             <p:seq concurrent="1" nextAc="seek">
               <p:cTn id="2" dur="indefinite" nodeType="mainSeq">

--- a/assets/ppt/cfg/cfg1-intro.pptx
+++ b/assets/ppt/cfg/cfg1-intro.pptx
@@ -1777,7 +1777,7 @@
             <a:fld id="{BB10D2A1-AA16-124C-8724-E871FC52E9A7}" type="datetime1">
               <a:rPr lang="en-US"/>
               <a:pPr/>
-              <a:t>5/29/19</a:t>
+              <a:t>5/30/19</a:t>
             </a:fld>
             <a:endParaRPr lang="en-US"/>
           </a:p>
@@ -1972,7 +1972,7 @@
             <a:fld id="{1785DF61-96F8-3448-B30E-7E61CA41DDB4}" type="datetime1">
               <a:rPr lang="en-US"/>
               <a:pPr/>
-              <a:t>5/29/19</a:t>
+              <a:t>5/30/19</a:t>
             </a:fld>
             <a:endParaRPr lang="en-US"/>
           </a:p>
@@ -2177,7 +2177,7 @@
             <a:fld id="{B00C37A4-5AA0-6C4C-B4C1-05BACFD89896}" type="datetime1">
               <a:rPr lang="en-US"/>
               <a:pPr/>
-              <a:t>5/29/19</a:t>
+              <a:t>5/30/19</a:t>
             </a:fld>
             <a:endParaRPr lang="en-US"/>
           </a:p>
@@ -2553,7 +2553,7 @@
             <a:fld id="{7ACDE087-5547-9146-A44C-F12479CD90F2}" type="datetime1">
               <a:rPr lang="en-US"/>
               <a:pPr/>
-              <a:t>5/29/19</a:t>
+              <a:t>5/30/19</a:t>
             </a:fld>
             <a:endParaRPr lang="en-US"/>
           </a:p>
@@ -2866,7 +2866,7 @@
             <a:fld id="{ABC23590-A601-0D4E-8E81-4963D950E64C}" type="datetime1">
               <a:rPr lang="en-US"/>
               <a:pPr/>
-              <a:t>5/29/19</a:t>
+              <a:t>5/30/19</a:t>
             </a:fld>
             <a:endParaRPr lang="en-US"/>
           </a:p>
@@ -3318,7 +3318,7 @@
             <a:fld id="{F80D6EEA-C880-B74F-9033-821B2613D0DA}" type="datetime1">
               <a:rPr lang="en-US"/>
               <a:pPr/>
-              <a:t>5/29/19</a:t>
+              <a:t>5/30/19</a:t>
             </a:fld>
             <a:endParaRPr lang="en-US"/>
           </a:p>
@@ -3461,7 +3461,7 @@
             <a:fld id="{D67FB90A-5A86-AA47-9DF5-D4B51CBF5733}" type="datetime1">
               <a:rPr lang="en-US"/>
               <a:pPr/>
-              <a:t>5/29/19</a:t>
+              <a:t>5/30/19</a:t>
             </a:fld>
             <a:endParaRPr lang="en-US"/>
           </a:p>
@@ -3581,7 +3581,7 @@
             <a:fld id="{19D5CE67-D7FF-1A43-B8C8-8AC2D455325E}" type="datetime1">
               <a:rPr lang="en-US"/>
               <a:pPr/>
-              <a:t>5/29/19</a:t>
+              <a:t>5/30/19</a:t>
             </a:fld>
             <a:endParaRPr lang="en-US"/>
           </a:p>
@@ -3883,7 +3883,7 @@
             <a:fld id="{8FB6C99C-CAE9-4A46-8B93-5F7F7EFB4D77}" type="datetime1">
               <a:rPr lang="en-US"/>
               <a:pPr/>
-              <a:t>5/29/19</a:t>
+              <a:t>5/30/19</a:t>
             </a:fld>
             <a:endParaRPr lang="en-US"/>
           </a:p>
@@ -4161,7 +4161,7 @@
             <a:fld id="{E16CD525-494F-8149-9830-A66ADF4FE65A}" type="datetime1">
               <a:rPr lang="en-US"/>
               <a:pPr/>
-              <a:t>5/29/19</a:t>
+              <a:t>5/30/19</a:t>
             </a:fld>
             <a:endParaRPr lang="en-US"/>
           </a:p>

--- a/assets/ppt/cfg/cfg1-intro.pptx
+++ b/assets/ppt/cfg/cfg1-intro.pptx
@@ -1672,13 +1672,19 @@
         </p:spPr>
         <p:txBody>
           <a:bodyPr/>
-          <a:lstStyle/>
-          <a:p>
-            <a:r>
-              <a:rPr lang="en-CA"/>
+          <a:lstStyle>
+            <a:lvl1pPr>
+              <a:defRPr>
+                <a:latin typeface="+mj-lt"/>
+              </a:defRPr>
+            </a:lvl1pPr>
+          </a:lstStyle>
+          <a:p>
+            <a:r>
+              <a:rPr lang="en-CA" dirty="0"/>
               <a:t>Click to edit Master title style</a:t>
             </a:r>
-            <a:endParaRPr lang="en-US"/>
+            <a:endParaRPr lang="en-US" dirty="0"/>
           </a:p>
         </p:txBody>
       </p:sp>
@@ -1703,7 +1709,9 @@
           <a:lstStyle>
             <a:lvl1pPr marL="0" indent="0" algn="ctr">
               <a:buNone/>
-              <a:defRPr/>
+              <a:defRPr>
+                <a:latin typeface="+mn-lt"/>
+              </a:defRPr>
             </a:lvl1pPr>
             <a:lvl2pPr marL="457200" indent="0" algn="ctr">
               <a:buNone/>
@@ -1740,105 +1748,65 @@
           </a:lstStyle>
           <a:p>
             <a:r>
-              <a:rPr lang="en-CA"/>
+              <a:rPr lang="en-CA" dirty="0"/>
               <a:t>Click to edit Master subtitle style</a:t>
             </a:r>
-            <a:endParaRPr lang="en-US"/>
+            <a:endParaRPr lang="en-US" dirty="0"/>
           </a:p>
         </p:txBody>
       </p:sp>
       <p:sp>
         <p:nvSpPr>
-          <p:cNvPr id="4" name="Date Placeholder 3"/>
+          <p:cNvPr id="7" name="Footer Placeholder 6">
+            <a:extLst>
+              <a:ext uri="{FF2B5EF4-FFF2-40B4-BE49-F238E27FC236}">
+                <a16:creationId xmlns:a16="http://schemas.microsoft.com/office/drawing/2014/main" id="{CA57918C-4FEB-FC4B-889D-A7B37C602A61}"/>
+              </a:ext>
+            </a:extLst>
+          </p:cNvPr>
           <p:cNvSpPr>
             <a:spLocks noGrp="1"/>
           </p:cNvSpPr>
           <p:nvPr>
-            <p:ph type="dt" sz="half" idx="10"/>
-          </p:nvPr>
-        </p:nvSpPr>
-        <p:spPr>
-          <a:xfrm>
-            <a:off x="685800" y="6248400"/>
-            <a:ext cx="1905000" cy="457200"/>
-          </a:xfrm>
-          <a:prstGeom prst="rect">
-            <a:avLst/>
-          </a:prstGeom>
-        </p:spPr>
-        <p:txBody>
-          <a:bodyPr/>
-          <a:lstStyle>
-            <a:lvl1pPr>
-              <a:defRPr smtClean="0"/>
-            </a:lvl1pPr>
-          </a:lstStyle>
-          <a:p>
-            <a:fld id="{BB10D2A1-AA16-124C-8724-E871FC52E9A7}" type="datetime1">
-              <a:rPr lang="en-US"/>
-              <a:pPr/>
-              <a:t>5/30/19</a:t>
-            </a:fld>
-            <a:endParaRPr lang="en-US"/>
-          </a:p>
-        </p:txBody>
-      </p:sp>
-      <p:sp>
-        <p:nvSpPr>
-          <p:cNvPr id="5" name="Footer Placeholder 4"/>
-          <p:cNvSpPr>
-            <a:spLocks noGrp="1"/>
-          </p:cNvSpPr>
-          <p:nvPr>
-            <p:ph type="ftr" sz="quarter" idx="11"/>
-          </p:nvPr>
-        </p:nvSpPr>
-        <p:spPr>
-          <a:xfrm>
-            <a:off x="3124200" y="6248400"/>
-            <a:ext cx="2895600" cy="457200"/>
-          </a:xfrm>
-          <a:prstGeom prst="rect">
-            <a:avLst/>
-          </a:prstGeom>
-        </p:spPr>
-        <p:txBody>
-          <a:bodyPr/>
-          <a:lstStyle>
-            <a:lvl1pPr>
-              <a:defRPr/>
-            </a:lvl1pPr>
-          </a:lstStyle>
-          <a:p>
-            <a:endParaRPr lang="en-US"/>
-          </a:p>
-        </p:txBody>
-      </p:sp>
-      <p:sp>
-        <p:nvSpPr>
-          <p:cNvPr id="6" name="Slide Number Placeholder 5"/>
-          <p:cNvSpPr>
-            <a:spLocks noGrp="1"/>
-          </p:cNvSpPr>
-          <p:nvPr>
-            <p:ph type="sldNum" sz="quarter" idx="12"/>
+            <p:ph type="ftr" sz="quarter" idx="10"/>
           </p:nvPr>
         </p:nvSpPr>
         <p:spPr/>
         <p:txBody>
           <a:bodyPr/>
-          <a:lstStyle>
-            <a:lvl1pPr>
-              <a:defRPr smtClean="0"/>
-            </a:lvl1pPr>
-          </a:lstStyle>
-          <a:p>
-            <a:fld id="{6EE4AD0E-E41E-A948-ABBD-15AD007DE1F0}" type="slidenum">
-              <a:rPr lang="en-US"/>
+          <a:lstStyle/>
+          <a:p>
+            <a:endParaRPr lang="en-US"/>
+          </a:p>
+        </p:txBody>
+      </p:sp>
+      <p:sp>
+        <p:nvSpPr>
+          <p:cNvPr id="8" name="Slide Number Placeholder 7">
+            <a:extLst>
+              <a:ext uri="{FF2B5EF4-FFF2-40B4-BE49-F238E27FC236}">
+                <a16:creationId xmlns:a16="http://schemas.microsoft.com/office/drawing/2014/main" id="{CE5DA644-BA1F-AA47-BA1C-083A9F7BC576}"/>
+              </a:ext>
+            </a:extLst>
+          </p:cNvPr>
+          <p:cNvSpPr>
+            <a:spLocks noGrp="1"/>
+          </p:cNvSpPr>
+          <p:nvPr>
+            <p:ph type="sldNum" sz="quarter" idx="11"/>
+          </p:nvPr>
+        </p:nvSpPr>
+        <p:spPr/>
+        <p:txBody>
+          <a:bodyPr/>
+          <a:lstStyle/>
+          <a:p>
+            <a:fld id="{95FC67CD-6733-D04F-B9BE-AD105949F24E}" type="slidenum">
+              <a:rPr lang="en-US" smtClean="0"/>
               <a:pPr/>
               <a:t>‹#›</a:t>
             </a:fld>
-            <a:endParaRPr lang="en-US"/>
+            <a:endParaRPr lang="en-US" dirty="0"/>
           </a:p>
         </p:txBody>
       </p:sp>
@@ -1880,13 +1848,19 @@
         <p:spPr/>
         <p:txBody>
           <a:bodyPr/>
-          <a:lstStyle/>
-          <a:p>
-            <a:r>
-              <a:rPr lang="en-CA"/>
+          <a:lstStyle>
+            <a:lvl1pPr>
+              <a:defRPr>
+                <a:latin typeface="+mj-lt"/>
+              </a:defRPr>
+            </a:lvl1pPr>
+          </a:lstStyle>
+          <a:p>
+            <a:r>
+              <a:rPr lang="en-CA" dirty="0"/>
               <a:t>Click to edit Master title style</a:t>
             </a:r>
-            <a:endParaRPr lang="en-US"/>
+            <a:endParaRPr lang="en-US" dirty="0"/>
           </a:p>
         </p:txBody>
       </p:sp>
@@ -1903,137 +1877,123 @@
         <p:spPr/>
         <p:txBody>
           <a:bodyPr vert="eaVert"/>
-          <a:lstStyle/>
+          <a:lstStyle>
+            <a:lvl1pPr>
+              <a:defRPr>
+                <a:latin typeface="+mn-lt"/>
+              </a:defRPr>
+            </a:lvl1pPr>
+            <a:lvl2pPr>
+              <a:defRPr>
+                <a:latin typeface="+mn-lt"/>
+              </a:defRPr>
+            </a:lvl2pPr>
+            <a:lvl3pPr>
+              <a:defRPr>
+                <a:latin typeface="+mn-lt"/>
+              </a:defRPr>
+            </a:lvl3pPr>
+            <a:lvl4pPr>
+              <a:defRPr>
+                <a:latin typeface="+mn-lt"/>
+              </a:defRPr>
+            </a:lvl4pPr>
+            <a:lvl5pPr>
+              <a:defRPr>
+                <a:latin typeface="+mn-lt"/>
+              </a:defRPr>
+            </a:lvl5pPr>
+          </a:lstStyle>
           <a:p>
             <a:pPr lvl="0"/>
             <a:r>
-              <a:rPr lang="en-CA"/>
+              <a:rPr lang="en-CA" dirty="0"/>
               <a:t>Click to edit Master text styles</a:t>
             </a:r>
           </a:p>
           <a:p>
             <a:pPr lvl="1"/>
             <a:r>
-              <a:rPr lang="en-CA"/>
+              <a:rPr lang="en-CA" dirty="0"/>
               <a:t>Second level</a:t>
             </a:r>
           </a:p>
           <a:p>
             <a:pPr lvl="2"/>
             <a:r>
-              <a:rPr lang="en-CA"/>
+              <a:rPr lang="en-CA" dirty="0"/>
               <a:t>Third level</a:t>
             </a:r>
           </a:p>
           <a:p>
             <a:pPr lvl="3"/>
             <a:r>
-              <a:rPr lang="en-CA"/>
+              <a:rPr lang="en-CA" dirty="0"/>
               <a:t>Fourth level</a:t>
             </a:r>
           </a:p>
           <a:p>
             <a:pPr lvl="4"/>
             <a:r>
-              <a:rPr lang="en-CA"/>
+              <a:rPr lang="en-CA" dirty="0"/>
               <a:t>Fifth level</a:t>
             </a:r>
-            <a:endParaRPr lang="en-US"/>
+            <a:endParaRPr lang="en-US" dirty="0"/>
           </a:p>
         </p:txBody>
       </p:sp>
       <p:sp>
         <p:nvSpPr>
-          <p:cNvPr id="4" name="Date Placeholder 3"/>
+          <p:cNvPr id="7" name="Footer Placeholder 6">
+            <a:extLst>
+              <a:ext uri="{FF2B5EF4-FFF2-40B4-BE49-F238E27FC236}">
+                <a16:creationId xmlns:a16="http://schemas.microsoft.com/office/drawing/2014/main" id="{A94622E8-716D-2543-B902-025F35883533}"/>
+              </a:ext>
+            </a:extLst>
+          </p:cNvPr>
           <p:cNvSpPr>
             <a:spLocks noGrp="1"/>
           </p:cNvSpPr>
           <p:nvPr>
-            <p:ph type="dt" sz="half" idx="10"/>
-          </p:nvPr>
-        </p:nvSpPr>
-        <p:spPr>
-          <a:xfrm>
-            <a:off x="685800" y="6248400"/>
-            <a:ext cx="1905000" cy="457200"/>
-          </a:xfrm>
-          <a:prstGeom prst="rect">
-            <a:avLst/>
-          </a:prstGeom>
-        </p:spPr>
-        <p:txBody>
-          <a:bodyPr/>
-          <a:lstStyle>
-            <a:lvl1pPr>
-              <a:defRPr smtClean="0"/>
-            </a:lvl1pPr>
-          </a:lstStyle>
-          <a:p>
-            <a:fld id="{1785DF61-96F8-3448-B30E-7E61CA41DDB4}" type="datetime1">
-              <a:rPr lang="en-US"/>
-              <a:pPr/>
-              <a:t>5/30/19</a:t>
-            </a:fld>
-            <a:endParaRPr lang="en-US"/>
-          </a:p>
-        </p:txBody>
-      </p:sp>
-      <p:sp>
-        <p:nvSpPr>
-          <p:cNvPr id="5" name="Footer Placeholder 4"/>
-          <p:cNvSpPr>
-            <a:spLocks noGrp="1"/>
-          </p:cNvSpPr>
-          <p:nvPr>
-            <p:ph type="ftr" sz="quarter" idx="11"/>
-          </p:nvPr>
-        </p:nvSpPr>
-        <p:spPr>
-          <a:xfrm>
-            <a:off x="3124200" y="6248400"/>
-            <a:ext cx="2895600" cy="457200"/>
-          </a:xfrm>
-          <a:prstGeom prst="rect">
-            <a:avLst/>
-          </a:prstGeom>
-        </p:spPr>
-        <p:txBody>
-          <a:bodyPr/>
-          <a:lstStyle>
-            <a:lvl1pPr>
-              <a:defRPr/>
-            </a:lvl1pPr>
-          </a:lstStyle>
-          <a:p>
-            <a:endParaRPr lang="en-US"/>
-          </a:p>
-        </p:txBody>
-      </p:sp>
-      <p:sp>
-        <p:nvSpPr>
-          <p:cNvPr id="6" name="Slide Number Placeholder 5"/>
-          <p:cNvSpPr>
-            <a:spLocks noGrp="1"/>
-          </p:cNvSpPr>
-          <p:nvPr>
-            <p:ph type="sldNum" sz="quarter" idx="12"/>
+            <p:ph type="ftr" sz="quarter" idx="10"/>
           </p:nvPr>
         </p:nvSpPr>
         <p:spPr/>
         <p:txBody>
           <a:bodyPr/>
-          <a:lstStyle>
-            <a:lvl1pPr>
-              <a:defRPr smtClean="0"/>
-            </a:lvl1pPr>
-          </a:lstStyle>
-          <a:p>
-            <a:fld id="{F49A7E33-8984-B24C-ACBF-89B0D9B595D9}" type="slidenum">
-              <a:rPr lang="en-US"/>
+          <a:lstStyle/>
+          <a:p>
+            <a:endParaRPr lang="en-US"/>
+          </a:p>
+        </p:txBody>
+      </p:sp>
+      <p:sp>
+        <p:nvSpPr>
+          <p:cNvPr id="8" name="Slide Number Placeholder 7">
+            <a:extLst>
+              <a:ext uri="{FF2B5EF4-FFF2-40B4-BE49-F238E27FC236}">
+                <a16:creationId xmlns:a16="http://schemas.microsoft.com/office/drawing/2014/main" id="{7524F093-4E36-C741-82AF-EEB7333B34DF}"/>
+              </a:ext>
+            </a:extLst>
+          </p:cNvPr>
+          <p:cNvSpPr>
+            <a:spLocks noGrp="1"/>
+          </p:cNvSpPr>
+          <p:nvPr>
+            <p:ph type="sldNum" sz="quarter" idx="11"/>
+          </p:nvPr>
+        </p:nvSpPr>
+        <p:spPr/>
+        <p:txBody>
+          <a:bodyPr/>
+          <a:lstStyle/>
+          <a:p>
+            <a:fld id="{95FC67CD-6733-D04F-B9BE-AD105949F24E}" type="slidenum">
+              <a:rPr lang="en-US" smtClean="0"/>
               <a:pPr/>
               <a:t>‹#›</a:t>
             </a:fld>
-            <a:endParaRPr lang="en-US"/>
+            <a:endParaRPr lang="en-US" dirty="0"/>
           </a:p>
         </p:txBody>
       </p:sp>
@@ -2080,13 +2040,19 @@
         </p:spPr>
         <p:txBody>
           <a:bodyPr vert="eaVert"/>
-          <a:lstStyle/>
-          <a:p>
-            <a:r>
-              <a:rPr lang="en-CA"/>
+          <a:lstStyle>
+            <a:lvl1pPr>
+              <a:defRPr>
+                <a:latin typeface="+mj-lt"/>
+              </a:defRPr>
+            </a:lvl1pPr>
+          </a:lstStyle>
+          <a:p>
+            <a:r>
+              <a:rPr lang="en-CA" dirty="0"/>
               <a:t>Click to edit Master title style</a:t>
             </a:r>
-            <a:endParaRPr lang="en-US"/>
+            <a:endParaRPr lang="en-US" dirty="0"/>
           </a:p>
         </p:txBody>
       </p:sp>
@@ -2108,137 +2074,123 @@
         </p:spPr>
         <p:txBody>
           <a:bodyPr vert="eaVert"/>
-          <a:lstStyle/>
+          <a:lstStyle>
+            <a:lvl1pPr>
+              <a:defRPr>
+                <a:latin typeface="+mn-lt"/>
+              </a:defRPr>
+            </a:lvl1pPr>
+            <a:lvl2pPr>
+              <a:defRPr>
+                <a:latin typeface="+mn-lt"/>
+              </a:defRPr>
+            </a:lvl2pPr>
+            <a:lvl3pPr>
+              <a:defRPr>
+                <a:latin typeface="+mn-lt"/>
+              </a:defRPr>
+            </a:lvl3pPr>
+            <a:lvl4pPr>
+              <a:defRPr>
+                <a:latin typeface="+mn-lt"/>
+              </a:defRPr>
+            </a:lvl4pPr>
+            <a:lvl5pPr>
+              <a:defRPr>
+                <a:latin typeface="+mn-lt"/>
+              </a:defRPr>
+            </a:lvl5pPr>
+          </a:lstStyle>
           <a:p>
             <a:pPr lvl="0"/>
             <a:r>
-              <a:rPr lang="en-CA"/>
+              <a:rPr lang="en-CA" dirty="0"/>
               <a:t>Click to edit Master text styles</a:t>
             </a:r>
           </a:p>
           <a:p>
             <a:pPr lvl="1"/>
             <a:r>
-              <a:rPr lang="en-CA"/>
+              <a:rPr lang="en-CA" dirty="0"/>
               <a:t>Second level</a:t>
             </a:r>
           </a:p>
           <a:p>
             <a:pPr lvl="2"/>
             <a:r>
-              <a:rPr lang="en-CA"/>
+              <a:rPr lang="en-CA" dirty="0"/>
               <a:t>Third level</a:t>
             </a:r>
           </a:p>
           <a:p>
             <a:pPr lvl="3"/>
             <a:r>
-              <a:rPr lang="en-CA"/>
+              <a:rPr lang="en-CA" dirty="0"/>
               <a:t>Fourth level</a:t>
             </a:r>
           </a:p>
           <a:p>
             <a:pPr lvl="4"/>
             <a:r>
-              <a:rPr lang="en-CA"/>
+              <a:rPr lang="en-CA" dirty="0"/>
               <a:t>Fifth level</a:t>
             </a:r>
-            <a:endParaRPr lang="en-US"/>
+            <a:endParaRPr lang="en-US" dirty="0"/>
           </a:p>
         </p:txBody>
       </p:sp>
       <p:sp>
         <p:nvSpPr>
-          <p:cNvPr id="4" name="Date Placeholder 3"/>
+          <p:cNvPr id="7" name="Footer Placeholder 6">
+            <a:extLst>
+              <a:ext uri="{FF2B5EF4-FFF2-40B4-BE49-F238E27FC236}">
+                <a16:creationId xmlns:a16="http://schemas.microsoft.com/office/drawing/2014/main" id="{AB010344-6C51-EF4E-81B3-87005283EB16}"/>
+              </a:ext>
+            </a:extLst>
+          </p:cNvPr>
           <p:cNvSpPr>
             <a:spLocks noGrp="1"/>
           </p:cNvSpPr>
           <p:nvPr>
-            <p:ph type="dt" sz="half" idx="10"/>
-          </p:nvPr>
-        </p:nvSpPr>
-        <p:spPr>
-          <a:xfrm>
-            <a:off x="685800" y="6248400"/>
-            <a:ext cx="1905000" cy="457200"/>
-          </a:xfrm>
-          <a:prstGeom prst="rect">
-            <a:avLst/>
-          </a:prstGeom>
-        </p:spPr>
-        <p:txBody>
-          <a:bodyPr/>
-          <a:lstStyle>
-            <a:lvl1pPr>
-              <a:defRPr smtClean="0"/>
-            </a:lvl1pPr>
-          </a:lstStyle>
-          <a:p>
-            <a:fld id="{B00C37A4-5AA0-6C4C-B4C1-05BACFD89896}" type="datetime1">
-              <a:rPr lang="en-US"/>
-              <a:pPr/>
-              <a:t>5/30/19</a:t>
-            </a:fld>
-            <a:endParaRPr lang="en-US"/>
-          </a:p>
-        </p:txBody>
-      </p:sp>
-      <p:sp>
-        <p:nvSpPr>
-          <p:cNvPr id="5" name="Footer Placeholder 4"/>
-          <p:cNvSpPr>
-            <a:spLocks noGrp="1"/>
-          </p:cNvSpPr>
-          <p:nvPr>
-            <p:ph type="ftr" sz="quarter" idx="11"/>
-          </p:nvPr>
-        </p:nvSpPr>
-        <p:spPr>
-          <a:xfrm>
-            <a:off x="3124200" y="6248400"/>
-            <a:ext cx="2895600" cy="457200"/>
-          </a:xfrm>
-          <a:prstGeom prst="rect">
-            <a:avLst/>
-          </a:prstGeom>
-        </p:spPr>
-        <p:txBody>
-          <a:bodyPr/>
-          <a:lstStyle>
-            <a:lvl1pPr>
-              <a:defRPr/>
-            </a:lvl1pPr>
-          </a:lstStyle>
-          <a:p>
-            <a:endParaRPr lang="en-US"/>
-          </a:p>
-        </p:txBody>
-      </p:sp>
-      <p:sp>
-        <p:nvSpPr>
-          <p:cNvPr id="6" name="Slide Number Placeholder 5"/>
-          <p:cNvSpPr>
-            <a:spLocks noGrp="1"/>
-          </p:cNvSpPr>
-          <p:nvPr>
-            <p:ph type="sldNum" sz="quarter" idx="12"/>
+            <p:ph type="ftr" sz="quarter" idx="10"/>
           </p:nvPr>
         </p:nvSpPr>
         <p:spPr/>
         <p:txBody>
           <a:bodyPr/>
-          <a:lstStyle>
-            <a:lvl1pPr>
-              <a:defRPr smtClean="0"/>
-            </a:lvl1pPr>
-          </a:lstStyle>
-          <a:p>
-            <a:fld id="{6CABA4D7-796B-7142-9403-B8CFED2F690C}" type="slidenum">
-              <a:rPr lang="en-US"/>
+          <a:lstStyle/>
+          <a:p>
+            <a:endParaRPr lang="en-US"/>
+          </a:p>
+        </p:txBody>
+      </p:sp>
+      <p:sp>
+        <p:nvSpPr>
+          <p:cNvPr id="8" name="Slide Number Placeholder 7">
+            <a:extLst>
+              <a:ext uri="{FF2B5EF4-FFF2-40B4-BE49-F238E27FC236}">
+                <a16:creationId xmlns:a16="http://schemas.microsoft.com/office/drawing/2014/main" id="{5ED49F94-3724-5E4A-B082-D0D7C38EC60C}"/>
+              </a:ext>
+            </a:extLst>
+          </p:cNvPr>
+          <p:cNvSpPr>
+            <a:spLocks noGrp="1"/>
+          </p:cNvSpPr>
+          <p:nvPr>
+            <p:ph type="sldNum" sz="quarter" idx="11"/>
+          </p:nvPr>
+        </p:nvSpPr>
+        <p:spPr/>
+        <p:txBody>
+          <a:bodyPr/>
+          <a:lstStyle/>
+          <a:p>
+            <a:fld id="{95FC67CD-6733-D04F-B9BE-AD105949F24E}" type="slidenum">
+              <a:rPr lang="en-US" smtClean="0"/>
               <a:pPr/>
               <a:t>‹#›</a:t>
             </a:fld>
-            <a:endParaRPr lang="en-US"/>
+            <a:endParaRPr lang="en-US" dirty="0"/>
           </a:p>
         </p:txBody>
       </p:sp>
@@ -2280,13 +2232,19 @@
         <p:spPr/>
         <p:txBody>
           <a:bodyPr/>
-          <a:lstStyle/>
-          <a:p>
-            <a:r>
-              <a:rPr lang="en-CA"/>
+          <a:lstStyle>
+            <a:lvl1pPr>
+              <a:defRPr>
+                <a:latin typeface="+mj-lt"/>
+              </a:defRPr>
+            </a:lvl1pPr>
+          </a:lstStyle>
+          <a:p>
+            <a:r>
+              <a:rPr lang="en-CA" dirty="0"/>
               <a:t>Click to edit Master title style</a:t>
             </a:r>
-            <a:endParaRPr lang="en-US"/>
+            <a:endParaRPr lang="en-US" dirty="0"/>
           </a:p>
         </p:txBody>
       </p:sp>
@@ -2303,42 +2261,68 @@
         <p:spPr/>
         <p:txBody>
           <a:bodyPr/>
-          <a:lstStyle/>
+          <a:lstStyle>
+            <a:lvl1pPr>
+              <a:defRPr>
+                <a:latin typeface="+mn-lt"/>
+              </a:defRPr>
+            </a:lvl1pPr>
+            <a:lvl2pPr>
+              <a:defRPr>
+                <a:latin typeface="+mn-lt"/>
+              </a:defRPr>
+            </a:lvl2pPr>
+            <a:lvl3pPr>
+              <a:defRPr>
+                <a:latin typeface="+mn-lt"/>
+              </a:defRPr>
+            </a:lvl3pPr>
+            <a:lvl4pPr>
+              <a:defRPr>
+                <a:latin typeface="+mn-lt"/>
+              </a:defRPr>
+            </a:lvl4pPr>
+            <a:lvl5pPr>
+              <a:defRPr>
+                <a:latin typeface="+mn-lt"/>
+              </a:defRPr>
+            </a:lvl5pPr>
+          </a:lstStyle>
           <a:p>
             <a:pPr lvl="0"/>
             <a:r>
-              <a:rPr lang="en-CA"/>
+              <a:rPr lang="en-CA" dirty="0"/>
               <a:t>Click to edit Master text styles</a:t>
             </a:r>
           </a:p>
           <a:p>
             <a:pPr lvl="1"/>
             <a:r>
-              <a:rPr lang="en-CA"/>
+              <a:rPr lang="en-CA" dirty="0"/>
               <a:t>Second level</a:t>
             </a:r>
           </a:p>
           <a:p>
             <a:pPr lvl="2"/>
             <a:r>
-              <a:rPr lang="en-CA"/>
+              <a:rPr lang="en-CA" dirty="0"/>
               <a:t>Third level</a:t>
             </a:r>
           </a:p>
           <a:p>
             <a:pPr lvl="3"/>
             <a:r>
-              <a:rPr lang="en-CA"/>
+              <a:rPr lang="en-CA" dirty="0"/>
               <a:t>Fourth level</a:t>
             </a:r>
           </a:p>
           <a:p>
             <a:pPr lvl="4"/>
             <a:r>
-              <a:rPr lang="en-CA"/>
+              <a:rPr lang="en-CA" dirty="0"/>
               <a:t>Fifth level</a:t>
             </a:r>
-            <a:endParaRPr lang="en-US"/>
+            <a:endParaRPr lang="en-US" dirty="0"/>
           </a:p>
         </p:txBody>
       </p:sp>
@@ -2446,15 +2430,17 @@
           <a:bodyPr anchor="t"/>
           <a:lstStyle>
             <a:lvl1pPr algn="l">
-              <a:defRPr sz="4000" b="1" cap="all"/>
+              <a:defRPr sz="4000" b="1" cap="all">
+                <a:latin typeface="+mj-lt"/>
+              </a:defRPr>
             </a:lvl1pPr>
           </a:lstStyle>
           <a:p>
             <a:r>
-              <a:rPr lang="en-CA"/>
+              <a:rPr lang="en-CA" dirty="0"/>
               <a:t>Click to edit Master title style</a:t>
             </a:r>
-            <a:endParaRPr lang="en-US"/>
+            <a:endParaRPr lang="en-US" dirty="0"/>
           </a:p>
         </p:txBody>
       </p:sp>
@@ -2479,7 +2465,9 @@
           <a:lstStyle>
             <a:lvl1pPr marL="0" indent="0">
               <a:buNone/>
-              <a:defRPr sz="2000"/>
+              <a:defRPr sz="2000">
+                <a:latin typeface="+mn-lt"/>
+              </a:defRPr>
             </a:lvl1pPr>
             <a:lvl2pPr marL="457200" indent="0">
               <a:buNone/>
@@ -2517,7 +2505,7 @@
           <a:p>
             <a:pPr lvl="0"/>
             <a:r>
-              <a:rPr lang="en-CA"/>
+              <a:rPr lang="en-CA" dirty="0"/>
               <a:t>Click to edit Master text styles</a:t>
             </a:r>
           </a:p>
@@ -2525,96 +2513,56 @@
       </p:sp>
       <p:sp>
         <p:nvSpPr>
-          <p:cNvPr id="4" name="Date Placeholder 3"/>
+          <p:cNvPr id="7" name="Footer Placeholder 6">
+            <a:extLst>
+              <a:ext uri="{FF2B5EF4-FFF2-40B4-BE49-F238E27FC236}">
+                <a16:creationId xmlns:a16="http://schemas.microsoft.com/office/drawing/2014/main" id="{2B039AA2-523D-0546-920D-E32D1313510F}"/>
+              </a:ext>
+            </a:extLst>
+          </p:cNvPr>
           <p:cNvSpPr>
             <a:spLocks noGrp="1"/>
           </p:cNvSpPr>
           <p:nvPr>
-            <p:ph type="dt" sz="half" idx="10"/>
-          </p:nvPr>
-        </p:nvSpPr>
-        <p:spPr>
-          <a:xfrm>
-            <a:off x="685800" y="6248400"/>
-            <a:ext cx="1905000" cy="457200"/>
-          </a:xfrm>
-          <a:prstGeom prst="rect">
-            <a:avLst/>
-          </a:prstGeom>
-        </p:spPr>
-        <p:txBody>
-          <a:bodyPr/>
-          <a:lstStyle>
-            <a:lvl1pPr>
-              <a:defRPr smtClean="0"/>
-            </a:lvl1pPr>
-          </a:lstStyle>
-          <a:p>
-            <a:fld id="{7ACDE087-5547-9146-A44C-F12479CD90F2}" type="datetime1">
-              <a:rPr lang="en-US"/>
-              <a:pPr/>
-              <a:t>5/30/19</a:t>
-            </a:fld>
-            <a:endParaRPr lang="en-US"/>
-          </a:p>
-        </p:txBody>
-      </p:sp>
-      <p:sp>
-        <p:nvSpPr>
-          <p:cNvPr id="5" name="Footer Placeholder 4"/>
-          <p:cNvSpPr>
-            <a:spLocks noGrp="1"/>
-          </p:cNvSpPr>
-          <p:nvPr>
-            <p:ph type="ftr" sz="quarter" idx="11"/>
-          </p:nvPr>
-        </p:nvSpPr>
-        <p:spPr>
-          <a:xfrm>
-            <a:off x="3124200" y="6248400"/>
-            <a:ext cx="2895600" cy="457200"/>
-          </a:xfrm>
-          <a:prstGeom prst="rect">
-            <a:avLst/>
-          </a:prstGeom>
-        </p:spPr>
-        <p:txBody>
-          <a:bodyPr/>
-          <a:lstStyle>
-            <a:lvl1pPr>
-              <a:defRPr/>
-            </a:lvl1pPr>
-          </a:lstStyle>
-          <a:p>
-            <a:endParaRPr lang="en-US"/>
-          </a:p>
-        </p:txBody>
-      </p:sp>
-      <p:sp>
-        <p:nvSpPr>
-          <p:cNvPr id="6" name="Slide Number Placeholder 5"/>
-          <p:cNvSpPr>
-            <a:spLocks noGrp="1"/>
-          </p:cNvSpPr>
-          <p:nvPr>
-            <p:ph type="sldNum" sz="quarter" idx="12"/>
+            <p:ph type="ftr" sz="quarter" idx="10"/>
           </p:nvPr>
         </p:nvSpPr>
         <p:spPr/>
         <p:txBody>
           <a:bodyPr/>
-          <a:lstStyle>
-            <a:lvl1pPr>
-              <a:defRPr smtClean="0"/>
-            </a:lvl1pPr>
-          </a:lstStyle>
-          <a:p>
-            <a:fld id="{8758CC61-53BB-2C4B-8409-C0E64FC87BC4}" type="slidenum">
-              <a:rPr lang="en-US"/>
+          <a:lstStyle/>
+          <a:p>
+            <a:endParaRPr lang="en-US"/>
+          </a:p>
+        </p:txBody>
+      </p:sp>
+      <p:sp>
+        <p:nvSpPr>
+          <p:cNvPr id="8" name="Slide Number Placeholder 7">
+            <a:extLst>
+              <a:ext uri="{FF2B5EF4-FFF2-40B4-BE49-F238E27FC236}">
+                <a16:creationId xmlns:a16="http://schemas.microsoft.com/office/drawing/2014/main" id="{F86BC01E-DD3B-5E4B-95A4-DD35BF84807C}"/>
+              </a:ext>
+            </a:extLst>
+          </p:cNvPr>
+          <p:cNvSpPr>
+            <a:spLocks noGrp="1"/>
+          </p:cNvSpPr>
+          <p:nvPr>
+            <p:ph type="sldNum" sz="quarter" idx="11"/>
+          </p:nvPr>
+        </p:nvSpPr>
+        <p:spPr/>
+        <p:txBody>
+          <a:bodyPr/>
+          <a:lstStyle/>
+          <a:p>
+            <a:fld id="{95FC67CD-6733-D04F-B9BE-AD105949F24E}" type="slidenum">
+              <a:rPr lang="en-US" smtClean="0"/>
               <a:pPr/>
               <a:t>‹#›</a:t>
             </a:fld>
-            <a:endParaRPr lang="en-US"/>
+            <a:endParaRPr lang="en-US" dirty="0"/>
           </a:p>
         </p:txBody>
       </p:sp>
@@ -2656,13 +2604,19 @@
         <p:spPr/>
         <p:txBody>
           <a:bodyPr/>
-          <a:lstStyle/>
-          <a:p>
-            <a:r>
-              <a:rPr lang="en-CA"/>
+          <a:lstStyle>
+            <a:lvl1pPr>
+              <a:defRPr>
+                <a:latin typeface="+mj-lt"/>
+              </a:defRPr>
+            </a:lvl1pPr>
+          </a:lstStyle>
+          <a:p>
+            <a:r>
+              <a:rPr lang="en-CA" dirty="0"/>
               <a:t>Click to edit Master title style</a:t>
             </a:r>
-            <a:endParaRPr lang="en-US"/>
+            <a:endParaRPr lang="en-US" dirty="0"/>
           </a:p>
         </p:txBody>
       </p:sp>
@@ -2686,19 +2640,29 @@
           <a:bodyPr/>
           <a:lstStyle>
             <a:lvl1pPr>
-              <a:defRPr sz="2800"/>
+              <a:defRPr sz="2800">
+                <a:latin typeface="+mn-lt"/>
+              </a:defRPr>
             </a:lvl1pPr>
             <a:lvl2pPr>
-              <a:defRPr sz="2400"/>
+              <a:defRPr sz="2400">
+                <a:latin typeface="+mn-lt"/>
+              </a:defRPr>
             </a:lvl2pPr>
             <a:lvl3pPr>
-              <a:defRPr sz="2000"/>
+              <a:defRPr sz="2000">
+                <a:latin typeface="+mn-lt"/>
+              </a:defRPr>
             </a:lvl3pPr>
             <a:lvl4pPr>
-              <a:defRPr sz="1800"/>
+              <a:defRPr sz="1800">
+                <a:latin typeface="+mn-lt"/>
+              </a:defRPr>
             </a:lvl4pPr>
             <a:lvl5pPr>
-              <a:defRPr sz="1800"/>
+              <a:defRPr sz="1800">
+                <a:latin typeface="+mn-lt"/>
+              </a:defRPr>
             </a:lvl5pPr>
             <a:lvl6pPr>
               <a:defRPr sz="1800"/>
@@ -2716,38 +2680,38 @@
           <a:p>
             <a:pPr lvl="0"/>
             <a:r>
-              <a:rPr lang="en-CA"/>
+              <a:rPr lang="en-CA" dirty="0"/>
               <a:t>Click to edit Master text styles</a:t>
             </a:r>
           </a:p>
           <a:p>
             <a:pPr lvl="1"/>
             <a:r>
-              <a:rPr lang="en-CA"/>
+              <a:rPr lang="en-CA" dirty="0"/>
               <a:t>Second level</a:t>
             </a:r>
           </a:p>
           <a:p>
             <a:pPr lvl="2"/>
             <a:r>
-              <a:rPr lang="en-CA"/>
+              <a:rPr lang="en-CA" dirty="0"/>
               <a:t>Third level</a:t>
             </a:r>
           </a:p>
           <a:p>
             <a:pPr lvl="3"/>
             <a:r>
-              <a:rPr lang="en-CA"/>
+              <a:rPr lang="en-CA" dirty="0"/>
               <a:t>Fourth level</a:t>
             </a:r>
           </a:p>
           <a:p>
             <a:pPr lvl="4"/>
             <a:r>
-              <a:rPr lang="en-CA"/>
+              <a:rPr lang="en-CA" dirty="0"/>
               <a:t>Fifth level</a:t>
             </a:r>
-            <a:endParaRPr lang="en-US"/>
+            <a:endParaRPr lang="en-US" dirty="0"/>
           </a:p>
         </p:txBody>
       </p:sp>
@@ -2771,19 +2735,29 @@
           <a:bodyPr/>
           <a:lstStyle>
             <a:lvl1pPr>
-              <a:defRPr sz="2800"/>
+              <a:defRPr sz="2800">
+                <a:latin typeface="+mn-lt"/>
+              </a:defRPr>
             </a:lvl1pPr>
             <a:lvl2pPr>
-              <a:defRPr sz="2400"/>
+              <a:defRPr sz="2400">
+                <a:latin typeface="+mn-lt"/>
+              </a:defRPr>
             </a:lvl2pPr>
             <a:lvl3pPr>
-              <a:defRPr sz="2000"/>
+              <a:defRPr sz="2000">
+                <a:latin typeface="+mn-lt"/>
+              </a:defRPr>
             </a:lvl3pPr>
             <a:lvl4pPr>
-              <a:defRPr sz="1800"/>
+              <a:defRPr sz="1800">
+                <a:latin typeface="+mn-lt"/>
+              </a:defRPr>
             </a:lvl4pPr>
             <a:lvl5pPr>
-              <a:defRPr sz="1800"/>
+              <a:defRPr sz="1800">
+                <a:latin typeface="+mn-lt"/>
+              </a:defRPr>
             </a:lvl5pPr>
             <a:lvl6pPr>
               <a:defRPr sz="1800"/>
@@ -2801,133 +2775,93 @@
           <a:p>
             <a:pPr lvl="0"/>
             <a:r>
-              <a:rPr lang="en-CA"/>
+              <a:rPr lang="en-CA" dirty="0"/>
               <a:t>Click to edit Master text styles</a:t>
             </a:r>
           </a:p>
           <a:p>
             <a:pPr lvl="1"/>
             <a:r>
-              <a:rPr lang="en-CA"/>
+              <a:rPr lang="en-CA" dirty="0"/>
               <a:t>Second level</a:t>
             </a:r>
           </a:p>
           <a:p>
             <a:pPr lvl="2"/>
             <a:r>
-              <a:rPr lang="en-CA"/>
+              <a:rPr lang="en-CA" dirty="0"/>
               <a:t>Third level</a:t>
             </a:r>
           </a:p>
           <a:p>
             <a:pPr lvl="3"/>
             <a:r>
-              <a:rPr lang="en-CA"/>
+              <a:rPr lang="en-CA" dirty="0"/>
               <a:t>Fourth level</a:t>
             </a:r>
           </a:p>
           <a:p>
             <a:pPr lvl="4"/>
             <a:r>
-              <a:rPr lang="en-CA"/>
+              <a:rPr lang="en-CA" dirty="0"/>
               <a:t>Fifth level</a:t>
             </a:r>
-            <a:endParaRPr lang="en-US"/>
+            <a:endParaRPr lang="en-US" dirty="0"/>
           </a:p>
         </p:txBody>
       </p:sp>
       <p:sp>
         <p:nvSpPr>
-          <p:cNvPr id="5" name="Date Placeholder 4"/>
+          <p:cNvPr id="8" name="Footer Placeholder 7">
+            <a:extLst>
+              <a:ext uri="{FF2B5EF4-FFF2-40B4-BE49-F238E27FC236}">
+                <a16:creationId xmlns:a16="http://schemas.microsoft.com/office/drawing/2014/main" id="{DA945EC4-37BF-4E43-B2AD-837601045EC0}"/>
+              </a:ext>
+            </a:extLst>
+          </p:cNvPr>
           <p:cNvSpPr>
             <a:spLocks noGrp="1"/>
           </p:cNvSpPr>
           <p:nvPr>
-            <p:ph type="dt" sz="half" idx="10"/>
-          </p:nvPr>
-        </p:nvSpPr>
-        <p:spPr>
-          <a:xfrm>
-            <a:off x="685800" y="6248400"/>
-            <a:ext cx="1905000" cy="457200"/>
-          </a:xfrm>
-          <a:prstGeom prst="rect">
-            <a:avLst/>
-          </a:prstGeom>
-        </p:spPr>
-        <p:txBody>
-          <a:bodyPr/>
-          <a:lstStyle>
-            <a:lvl1pPr>
-              <a:defRPr smtClean="0"/>
-            </a:lvl1pPr>
-          </a:lstStyle>
-          <a:p>
-            <a:fld id="{ABC23590-A601-0D4E-8E81-4963D950E64C}" type="datetime1">
-              <a:rPr lang="en-US"/>
-              <a:pPr/>
-              <a:t>5/30/19</a:t>
-            </a:fld>
-            <a:endParaRPr lang="en-US"/>
-          </a:p>
-        </p:txBody>
-      </p:sp>
-      <p:sp>
-        <p:nvSpPr>
-          <p:cNvPr id="6" name="Footer Placeholder 5"/>
-          <p:cNvSpPr>
-            <a:spLocks noGrp="1"/>
-          </p:cNvSpPr>
-          <p:nvPr>
-            <p:ph type="ftr" sz="quarter" idx="11"/>
-          </p:nvPr>
-        </p:nvSpPr>
-        <p:spPr>
-          <a:xfrm>
-            <a:off x="3124200" y="6248400"/>
-            <a:ext cx="2895600" cy="457200"/>
-          </a:xfrm>
-          <a:prstGeom prst="rect">
-            <a:avLst/>
-          </a:prstGeom>
-        </p:spPr>
-        <p:txBody>
-          <a:bodyPr/>
-          <a:lstStyle>
-            <a:lvl1pPr>
-              <a:defRPr/>
-            </a:lvl1pPr>
-          </a:lstStyle>
-          <a:p>
-            <a:endParaRPr lang="en-US"/>
-          </a:p>
-        </p:txBody>
-      </p:sp>
-      <p:sp>
-        <p:nvSpPr>
-          <p:cNvPr id="7" name="Slide Number Placeholder 6"/>
-          <p:cNvSpPr>
-            <a:spLocks noGrp="1"/>
-          </p:cNvSpPr>
-          <p:nvPr>
-            <p:ph type="sldNum" sz="quarter" idx="12"/>
+            <p:ph type="ftr" sz="quarter" idx="10"/>
           </p:nvPr>
         </p:nvSpPr>
         <p:spPr/>
         <p:txBody>
           <a:bodyPr/>
-          <a:lstStyle>
-            <a:lvl1pPr>
-              <a:defRPr smtClean="0"/>
-            </a:lvl1pPr>
-          </a:lstStyle>
-          <a:p>
-            <a:fld id="{EBE41845-A0ED-8C47-8151-7C5D338656CB}" type="slidenum">
-              <a:rPr lang="en-US"/>
+          <a:lstStyle/>
+          <a:p>
+            <a:endParaRPr lang="en-US"/>
+          </a:p>
+        </p:txBody>
+      </p:sp>
+      <p:sp>
+        <p:nvSpPr>
+          <p:cNvPr id="9" name="Slide Number Placeholder 8">
+            <a:extLst>
+              <a:ext uri="{FF2B5EF4-FFF2-40B4-BE49-F238E27FC236}">
+                <a16:creationId xmlns:a16="http://schemas.microsoft.com/office/drawing/2014/main" id="{BEFEF4CF-D098-9549-A3AC-4A120E0BFA05}"/>
+              </a:ext>
+            </a:extLst>
+          </p:cNvPr>
+          <p:cNvSpPr>
+            <a:spLocks noGrp="1"/>
+          </p:cNvSpPr>
+          <p:nvPr>
+            <p:ph type="sldNum" sz="quarter" idx="11"/>
+          </p:nvPr>
+        </p:nvSpPr>
+        <p:spPr/>
+        <p:txBody>
+          <a:bodyPr/>
+          <a:lstStyle/>
+          <a:p>
+            <a:fld id="{95FC67CD-6733-D04F-B9BE-AD105949F24E}" type="slidenum">
+              <a:rPr lang="en-US" smtClean="0"/>
               <a:pPr/>
               <a:t>‹#›</a:t>
             </a:fld>
-            <a:endParaRPr lang="en-US"/>
+            <a:endParaRPr lang="en-US" dirty="0"/>
           </a:p>
         </p:txBody>
       </p:sp>
@@ -2976,15 +2910,17 @@
           <a:bodyPr/>
           <a:lstStyle>
             <a:lvl1pPr>
-              <a:defRPr/>
+              <a:defRPr>
+                <a:latin typeface="+mj-lt"/>
+              </a:defRPr>
             </a:lvl1pPr>
           </a:lstStyle>
           <a:p>
             <a:r>
-              <a:rPr lang="en-CA"/>
+              <a:rPr lang="en-CA" dirty="0"/>
               <a:t>Click to edit Master title style</a:t>
             </a:r>
-            <a:endParaRPr lang="en-US"/>
+            <a:endParaRPr lang="en-US" dirty="0"/>
           </a:p>
         </p:txBody>
       </p:sp>
@@ -3009,7 +2945,9 @@
           <a:lstStyle>
             <a:lvl1pPr marL="0" indent="0">
               <a:buNone/>
-              <a:defRPr sz="2400" b="1"/>
+              <a:defRPr sz="2400" b="1">
+                <a:latin typeface="+mj-lt"/>
+              </a:defRPr>
             </a:lvl1pPr>
             <a:lvl2pPr marL="457200" indent="0">
               <a:buNone/>
@@ -3047,7 +2985,7 @@
           <a:p>
             <a:pPr lvl="0"/>
             <a:r>
-              <a:rPr lang="en-CA"/>
+              <a:rPr lang="en-CA" dirty="0"/>
               <a:t>Click to edit Master text styles</a:t>
             </a:r>
           </a:p>
@@ -3073,19 +3011,29 @@
           <a:bodyPr/>
           <a:lstStyle>
             <a:lvl1pPr>
-              <a:defRPr sz="2400"/>
+              <a:defRPr sz="2400">
+                <a:latin typeface="+mn-lt"/>
+              </a:defRPr>
             </a:lvl1pPr>
             <a:lvl2pPr>
-              <a:defRPr sz="2000"/>
+              <a:defRPr sz="2000">
+                <a:latin typeface="+mn-lt"/>
+              </a:defRPr>
             </a:lvl2pPr>
             <a:lvl3pPr>
-              <a:defRPr sz="1800"/>
+              <a:defRPr sz="1800">
+                <a:latin typeface="+mn-lt"/>
+              </a:defRPr>
             </a:lvl3pPr>
             <a:lvl4pPr>
-              <a:defRPr sz="1600"/>
+              <a:defRPr sz="1600">
+                <a:latin typeface="+mn-lt"/>
+              </a:defRPr>
             </a:lvl4pPr>
             <a:lvl5pPr>
-              <a:defRPr sz="1600"/>
+              <a:defRPr sz="1600">
+                <a:latin typeface="+mn-lt"/>
+              </a:defRPr>
             </a:lvl5pPr>
             <a:lvl6pPr>
               <a:defRPr sz="1600"/>
@@ -3103,38 +3051,38 @@
           <a:p>
             <a:pPr lvl="0"/>
             <a:r>
-              <a:rPr lang="en-CA"/>
+              <a:rPr lang="en-CA" dirty="0"/>
               <a:t>Click to edit Master text styles</a:t>
             </a:r>
           </a:p>
           <a:p>
             <a:pPr lvl="1"/>
             <a:r>
-              <a:rPr lang="en-CA"/>
+              <a:rPr lang="en-CA" dirty="0"/>
               <a:t>Second level</a:t>
             </a:r>
           </a:p>
           <a:p>
             <a:pPr lvl="2"/>
             <a:r>
-              <a:rPr lang="en-CA"/>
+              <a:rPr lang="en-CA" dirty="0"/>
               <a:t>Third level</a:t>
             </a:r>
           </a:p>
           <a:p>
             <a:pPr lvl="3"/>
             <a:r>
-              <a:rPr lang="en-CA"/>
+              <a:rPr lang="en-CA" dirty="0"/>
               <a:t>Fourth level</a:t>
             </a:r>
           </a:p>
           <a:p>
             <a:pPr lvl="4"/>
             <a:r>
-              <a:rPr lang="en-CA"/>
+              <a:rPr lang="en-CA" dirty="0"/>
               <a:t>Fifth level</a:t>
             </a:r>
-            <a:endParaRPr lang="en-US"/>
+            <a:endParaRPr lang="en-US" dirty="0"/>
           </a:p>
         </p:txBody>
       </p:sp>
@@ -3159,7 +3107,9 @@
           <a:lstStyle>
             <a:lvl1pPr marL="0" indent="0">
               <a:buNone/>
-              <a:defRPr sz="2400" b="1"/>
+              <a:defRPr sz="2400" b="1">
+                <a:latin typeface="+mj-lt"/>
+              </a:defRPr>
             </a:lvl1pPr>
             <a:lvl2pPr marL="457200" indent="0">
               <a:buNone/>
@@ -3197,7 +3147,7 @@
           <a:p>
             <a:pPr lvl="0"/>
             <a:r>
-              <a:rPr lang="en-CA"/>
+              <a:rPr lang="en-CA" dirty="0"/>
               <a:t>Click to edit Master text styles</a:t>
             </a:r>
           </a:p>
@@ -3223,19 +3173,29 @@
           <a:bodyPr/>
           <a:lstStyle>
             <a:lvl1pPr>
-              <a:defRPr sz="2400"/>
+              <a:defRPr sz="2400">
+                <a:latin typeface="+mn-lt"/>
+              </a:defRPr>
             </a:lvl1pPr>
             <a:lvl2pPr>
-              <a:defRPr sz="2000"/>
+              <a:defRPr sz="2000">
+                <a:latin typeface="+mn-lt"/>
+              </a:defRPr>
             </a:lvl2pPr>
             <a:lvl3pPr>
-              <a:defRPr sz="1800"/>
+              <a:defRPr sz="1800">
+                <a:latin typeface="+mn-lt"/>
+              </a:defRPr>
             </a:lvl3pPr>
             <a:lvl4pPr>
-              <a:defRPr sz="1600"/>
+              <a:defRPr sz="1600">
+                <a:latin typeface="+mn-lt"/>
+              </a:defRPr>
             </a:lvl4pPr>
             <a:lvl5pPr>
-              <a:defRPr sz="1600"/>
+              <a:defRPr sz="1600">
+                <a:latin typeface="+mn-lt"/>
+              </a:defRPr>
             </a:lvl5pPr>
             <a:lvl6pPr>
               <a:defRPr sz="1600"/>
@@ -3253,133 +3213,93 @@
           <a:p>
             <a:pPr lvl="0"/>
             <a:r>
-              <a:rPr lang="en-CA"/>
+              <a:rPr lang="en-CA" dirty="0"/>
               <a:t>Click to edit Master text styles</a:t>
             </a:r>
           </a:p>
           <a:p>
             <a:pPr lvl="1"/>
             <a:r>
-              <a:rPr lang="en-CA"/>
+              <a:rPr lang="en-CA" dirty="0"/>
               <a:t>Second level</a:t>
             </a:r>
           </a:p>
           <a:p>
             <a:pPr lvl="2"/>
             <a:r>
-              <a:rPr lang="en-CA"/>
+              <a:rPr lang="en-CA" dirty="0"/>
               <a:t>Third level</a:t>
             </a:r>
           </a:p>
           <a:p>
             <a:pPr lvl="3"/>
             <a:r>
-              <a:rPr lang="en-CA"/>
+              <a:rPr lang="en-CA" dirty="0"/>
               <a:t>Fourth level</a:t>
             </a:r>
           </a:p>
           <a:p>
             <a:pPr lvl="4"/>
             <a:r>
-              <a:rPr lang="en-CA"/>
+              <a:rPr lang="en-CA" dirty="0"/>
               <a:t>Fifth level</a:t>
             </a:r>
-            <a:endParaRPr lang="en-US"/>
+            <a:endParaRPr lang="en-US" dirty="0"/>
           </a:p>
         </p:txBody>
       </p:sp>
       <p:sp>
         <p:nvSpPr>
-          <p:cNvPr id="7" name="Date Placeholder 6"/>
+          <p:cNvPr id="10" name="Footer Placeholder 9">
+            <a:extLst>
+              <a:ext uri="{FF2B5EF4-FFF2-40B4-BE49-F238E27FC236}">
+                <a16:creationId xmlns:a16="http://schemas.microsoft.com/office/drawing/2014/main" id="{0912E499-92DE-AB4A-A5B0-FD67B2273F7D}"/>
+              </a:ext>
+            </a:extLst>
+          </p:cNvPr>
           <p:cNvSpPr>
             <a:spLocks noGrp="1"/>
           </p:cNvSpPr>
           <p:nvPr>
-            <p:ph type="dt" sz="half" idx="10"/>
-          </p:nvPr>
-        </p:nvSpPr>
-        <p:spPr>
-          <a:xfrm>
-            <a:off x="685800" y="6248400"/>
-            <a:ext cx="1905000" cy="457200"/>
-          </a:xfrm>
-          <a:prstGeom prst="rect">
-            <a:avLst/>
-          </a:prstGeom>
-        </p:spPr>
-        <p:txBody>
-          <a:bodyPr/>
-          <a:lstStyle>
-            <a:lvl1pPr>
-              <a:defRPr smtClean="0"/>
-            </a:lvl1pPr>
-          </a:lstStyle>
-          <a:p>
-            <a:fld id="{F80D6EEA-C880-B74F-9033-821B2613D0DA}" type="datetime1">
-              <a:rPr lang="en-US"/>
-              <a:pPr/>
-              <a:t>5/30/19</a:t>
-            </a:fld>
-            <a:endParaRPr lang="en-US"/>
-          </a:p>
-        </p:txBody>
-      </p:sp>
-      <p:sp>
-        <p:nvSpPr>
-          <p:cNvPr id="8" name="Footer Placeholder 7"/>
-          <p:cNvSpPr>
-            <a:spLocks noGrp="1"/>
-          </p:cNvSpPr>
-          <p:nvPr>
-            <p:ph type="ftr" sz="quarter" idx="11"/>
-          </p:nvPr>
-        </p:nvSpPr>
-        <p:spPr>
-          <a:xfrm>
-            <a:off x="3124200" y="6248400"/>
-            <a:ext cx="2895600" cy="457200"/>
-          </a:xfrm>
-          <a:prstGeom prst="rect">
-            <a:avLst/>
-          </a:prstGeom>
-        </p:spPr>
-        <p:txBody>
-          <a:bodyPr/>
-          <a:lstStyle>
-            <a:lvl1pPr>
-              <a:defRPr/>
-            </a:lvl1pPr>
-          </a:lstStyle>
-          <a:p>
-            <a:endParaRPr lang="en-US"/>
-          </a:p>
-        </p:txBody>
-      </p:sp>
-      <p:sp>
-        <p:nvSpPr>
-          <p:cNvPr id="9" name="Slide Number Placeholder 8"/>
-          <p:cNvSpPr>
-            <a:spLocks noGrp="1"/>
-          </p:cNvSpPr>
-          <p:nvPr>
-            <p:ph type="sldNum" sz="quarter" idx="12"/>
+            <p:ph type="ftr" sz="quarter" idx="10"/>
           </p:nvPr>
         </p:nvSpPr>
         <p:spPr/>
         <p:txBody>
           <a:bodyPr/>
-          <a:lstStyle>
-            <a:lvl1pPr>
-              <a:defRPr smtClean="0"/>
-            </a:lvl1pPr>
-          </a:lstStyle>
-          <a:p>
-            <a:fld id="{F4EC5820-8441-A146-B000-5F140F8358A8}" type="slidenum">
-              <a:rPr lang="en-US"/>
+          <a:lstStyle/>
+          <a:p>
+            <a:endParaRPr lang="en-US"/>
+          </a:p>
+        </p:txBody>
+      </p:sp>
+      <p:sp>
+        <p:nvSpPr>
+          <p:cNvPr id="11" name="Slide Number Placeholder 10">
+            <a:extLst>
+              <a:ext uri="{FF2B5EF4-FFF2-40B4-BE49-F238E27FC236}">
+                <a16:creationId xmlns:a16="http://schemas.microsoft.com/office/drawing/2014/main" id="{80D4789F-B319-FB45-8996-99D418A3599C}"/>
+              </a:ext>
+            </a:extLst>
+          </p:cNvPr>
+          <p:cNvSpPr>
+            <a:spLocks noGrp="1"/>
+          </p:cNvSpPr>
+          <p:nvPr>
+            <p:ph type="sldNum" sz="quarter" idx="11"/>
+          </p:nvPr>
+        </p:nvSpPr>
+        <p:spPr/>
+        <p:txBody>
+          <a:bodyPr/>
+          <a:lstStyle/>
+          <a:p>
+            <a:fld id="{95FC67CD-6733-D04F-B9BE-AD105949F24E}" type="slidenum">
+              <a:rPr lang="en-US" smtClean="0"/>
               <a:pPr/>
               <a:t>‹#›</a:t>
             </a:fld>
-            <a:endParaRPr lang="en-US"/>
+            <a:endParaRPr lang="en-US" dirty="0"/>
           </a:p>
         </p:txBody>
       </p:sp>
@@ -3421,108 +3341,74 @@
         <p:spPr/>
         <p:txBody>
           <a:bodyPr/>
-          <a:lstStyle/>
-          <a:p>
-            <a:r>
-              <a:rPr lang="en-CA"/>
+          <a:lstStyle>
+            <a:lvl1pPr>
+              <a:defRPr>
+                <a:latin typeface="+mj-lt"/>
+              </a:defRPr>
+            </a:lvl1pPr>
+          </a:lstStyle>
+          <a:p>
+            <a:r>
+              <a:rPr lang="en-CA" dirty="0"/>
               <a:t>Click to edit Master title style</a:t>
             </a:r>
-            <a:endParaRPr lang="en-US"/>
+            <a:endParaRPr lang="en-US" dirty="0"/>
           </a:p>
         </p:txBody>
       </p:sp>
       <p:sp>
         <p:nvSpPr>
-          <p:cNvPr id="3" name="Date Placeholder 2"/>
+          <p:cNvPr id="6" name="Footer Placeholder 5">
+            <a:extLst>
+              <a:ext uri="{FF2B5EF4-FFF2-40B4-BE49-F238E27FC236}">
+                <a16:creationId xmlns:a16="http://schemas.microsoft.com/office/drawing/2014/main" id="{96BDBB7E-298A-4445-97E1-4B099A07ED3A}"/>
+              </a:ext>
+            </a:extLst>
+          </p:cNvPr>
           <p:cNvSpPr>
             <a:spLocks noGrp="1"/>
           </p:cNvSpPr>
           <p:nvPr>
-            <p:ph type="dt" sz="half" idx="10"/>
-          </p:nvPr>
-        </p:nvSpPr>
-        <p:spPr>
-          <a:xfrm>
-            <a:off x="685800" y="6248400"/>
-            <a:ext cx="1905000" cy="457200"/>
-          </a:xfrm>
-          <a:prstGeom prst="rect">
-            <a:avLst/>
-          </a:prstGeom>
-        </p:spPr>
-        <p:txBody>
-          <a:bodyPr/>
-          <a:lstStyle>
-            <a:lvl1pPr>
-              <a:defRPr smtClean="0"/>
-            </a:lvl1pPr>
-          </a:lstStyle>
-          <a:p>
-            <a:fld id="{D67FB90A-5A86-AA47-9DF5-D4B51CBF5733}" type="datetime1">
-              <a:rPr lang="en-US"/>
-              <a:pPr/>
-              <a:t>5/30/19</a:t>
-            </a:fld>
-            <a:endParaRPr lang="en-US"/>
-          </a:p>
-        </p:txBody>
-      </p:sp>
-      <p:sp>
-        <p:nvSpPr>
-          <p:cNvPr id="4" name="Footer Placeholder 3"/>
-          <p:cNvSpPr>
-            <a:spLocks noGrp="1"/>
-          </p:cNvSpPr>
-          <p:nvPr>
-            <p:ph type="ftr" sz="quarter" idx="11"/>
-          </p:nvPr>
-        </p:nvSpPr>
-        <p:spPr>
-          <a:xfrm>
-            <a:off x="3124200" y="6248400"/>
-            <a:ext cx="2895600" cy="457200"/>
-          </a:xfrm>
-          <a:prstGeom prst="rect">
-            <a:avLst/>
-          </a:prstGeom>
-        </p:spPr>
-        <p:txBody>
-          <a:bodyPr/>
-          <a:lstStyle>
-            <a:lvl1pPr>
-              <a:defRPr/>
-            </a:lvl1pPr>
-          </a:lstStyle>
-          <a:p>
-            <a:endParaRPr lang="en-US"/>
-          </a:p>
-        </p:txBody>
-      </p:sp>
-      <p:sp>
-        <p:nvSpPr>
-          <p:cNvPr id="5" name="Slide Number Placeholder 4"/>
-          <p:cNvSpPr>
-            <a:spLocks noGrp="1"/>
-          </p:cNvSpPr>
-          <p:nvPr>
-            <p:ph type="sldNum" sz="quarter" idx="12"/>
+            <p:ph type="ftr" sz="quarter" idx="10"/>
           </p:nvPr>
         </p:nvSpPr>
         <p:spPr/>
         <p:txBody>
           <a:bodyPr/>
-          <a:lstStyle>
-            <a:lvl1pPr>
-              <a:defRPr smtClean="0"/>
-            </a:lvl1pPr>
-          </a:lstStyle>
-          <a:p>
-            <a:fld id="{44E1A620-A552-4548-BA5D-0021EC56C380}" type="slidenum">
-              <a:rPr lang="en-US"/>
+          <a:lstStyle/>
+          <a:p>
+            <a:endParaRPr lang="en-US"/>
+          </a:p>
+        </p:txBody>
+      </p:sp>
+      <p:sp>
+        <p:nvSpPr>
+          <p:cNvPr id="7" name="Slide Number Placeholder 6">
+            <a:extLst>
+              <a:ext uri="{FF2B5EF4-FFF2-40B4-BE49-F238E27FC236}">
+                <a16:creationId xmlns:a16="http://schemas.microsoft.com/office/drawing/2014/main" id="{A7895EC8-D916-8648-B520-23F9FC802EB0}"/>
+              </a:ext>
+            </a:extLst>
+          </p:cNvPr>
+          <p:cNvSpPr>
+            <a:spLocks noGrp="1"/>
+          </p:cNvSpPr>
+          <p:nvPr>
+            <p:ph type="sldNum" sz="quarter" idx="11"/>
+          </p:nvPr>
+        </p:nvSpPr>
+        <p:spPr/>
+        <p:txBody>
+          <a:bodyPr/>
+          <a:lstStyle/>
+          <a:p>
+            <a:fld id="{95FC67CD-6733-D04F-B9BE-AD105949F24E}" type="slidenum">
+              <a:rPr lang="en-US" smtClean="0"/>
               <a:pPr/>
               <a:t>‹#›</a:t>
             </a:fld>
-            <a:endParaRPr lang="en-US"/>
+            <a:endParaRPr lang="en-US" dirty="0"/>
           </a:p>
         </p:txBody>
       </p:sp>
@@ -3553,96 +3439,56 @@
       </p:grpSpPr>
       <p:sp>
         <p:nvSpPr>
-          <p:cNvPr id="2" name="Date Placeholder 1"/>
+          <p:cNvPr id="5" name="Footer Placeholder 4">
+            <a:extLst>
+              <a:ext uri="{FF2B5EF4-FFF2-40B4-BE49-F238E27FC236}">
+                <a16:creationId xmlns:a16="http://schemas.microsoft.com/office/drawing/2014/main" id="{5DF03754-C429-BF4B-85C9-F1D1C975E80F}"/>
+              </a:ext>
+            </a:extLst>
+          </p:cNvPr>
           <p:cNvSpPr>
             <a:spLocks noGrp="1"/>
           </p:cNvSpPr>
           <p:nvPr>
-            <p:ph type="dt" sz="half" idx="10"/>
-          </p:nvPr>
-        </p:nvSpPr>
-        <p:spPr>
-          <a:xfrm>
-            <a:off x="685800" y="6248400"/>
-            <a:ext cx="1905000" cy="457200"/>
-          </a:xfrm>
-          <a:prstGeom prst="rect">
-            <a:avLst/>
-          </a:prstGeom>
-        </p:spPr>
-        <p:txBody>
-          <a:bodyPr/>
-          <a:lstStyle>
-            <a:lvl1pPr>
-              <a:defRPr smtClean="0"/>
-            </a:lvl1pPr>
-          </a:lstStyle>
-          <a:p>
-            <a:fld id="{19D5CE67-D7FF-1A43-B8C8-8AC2D455325E}" type="datetime1">
-              <a:rPr lang="en-US"/>
-              <a:pPr/>
-              <a:t>5/30/19</a:t>
-            </a:fld>
-            <a:endParaRPr lang="en-US"/>
-          </a:p>
-        </p:txBody>
-      </p:sp>
-      <p:sp>
-        <p:nvSpPr>
-          <p:cNvPr id="3" name="Footer Placeholder 2"/>
-          <p:cNvSpPr>
-            <a:spLocks noGrp="1"/>
-          </p:cNvSpPr>
-          <p:nvPr>
-            <p:ph type="ftr" sz="quarter" idx="11"/>
-          </p:nvPr>
-        </p:nvSpPr>
-        <p:spPr>
-          <a:xfrm>
-            <a:off x="3124200" y="6248400"/>
-            <a:ext cx="2895600" cy="457200"/>
-          </a:xfrm>
-          <a:prstGeom prst="rect">
-            <a:avLst/>
-          </a:prstGeom>
-        </p:spPr>
-        <p:txBody>
-          <a:bodyPr/>
-          <a:lstStyle>
-            <a:lvl1pPr>
-              <a:defRPr/>
-            </a:lvl1pPr>
-          </a:lstStyle>
-          <a:p>
-            <a:endParaRPr lang="en-US"/>
-          </a:p>
-        </p:txBody>
-      </p:sp>
-      <p:sp>
-        <p:nvSpPr>
-          <p:cNvPr id="4" name="Slide Number Placeholder 3"/>
-          <p:cNvSpPr>
-            <a:spLocks noGrp="1"/>
-          </p:cNvSpPr>
-          <p:nvPr>
-            <p:ph type="sldNum" sz="quarter" idx="12"/>
+            <p:ph type="ftr" sz="quarter" idx="10"/>
           </p:nvPr>
         </p:nvSpPr>
         <p:spPr/>
         <p:txBody>
           <a:bodyPr/>
-          <a:lstStyle>
-            <a:lvl1pPr>
-              <a:defRPr smtClean="0"/>
-            </a:lvl1pPr>
-          </a:lstStyle>
-          <a:p>
-            <a:fld id="{5EB2D152-C363-5940-8B1F-9B69647D8BB3}" type="slidenum">
-              <a:rPr lang="en-US"/>
+          <a:lstStyle/>
+          <a:p>
+            <a:endParaRPr lang="en-US"/>
+          </a:p>
+        </p:txBody>
+      </p:sp>
+      <p:sp>
+        <p:nvSpPr>
+          <p:cNvPr id="6" name="Slide Number Placeholder 5">
+            <a:extLst>
+              <a:ext uri="{FF2B5EF4-FFF2-40B4-BE49-F238E27FC236}">
+                <a16:creationId xmlns:a16="http://schemas.microsoft.com/office/drawing/2014/main" id="{53E846D2-4831-1148-91F0-086A1F9C711D}"/>
+              </a:ext>
+            </a:extLst>
+          </p:cNvPr>
+          <p:cNvSpPr>
+            <a:spLocks noGrp="1"/>
+          </p:cNvSpPr>
+          <p:nvPr>
+            <p:ph type="sldNum" sz="quarter" idx="11"/>
+          </p:nvPr>
+        </p:nvSpPr>
+        <p:spPr/>
+        <p:txBody>
+          <a:bodyPr/>
+          <a:lstStyle/>
+          <a:p>
+            <a:fld id="{95FC67CD-6733-D04F-B9BE-AD105949F24E}" type="slidenum">
+              <a:rPr lang="en-US" smtClean="0"/>
               <a:pPr/>
               <a:t>‹#›</a:t>
             </a:fld>
-            <a:endParaRPr lang="en-US"/>
+            <a:endParaRPr lang="en-US" dirty="0"/>
           </a:p>
         </p:txBody>
       </p:sp>
@@ -3691,15 +3537,17 @@
           <a:bodyPr anchor="b"/>
           <a:lstStyle>
             <a:lvl1pPr algn="l">
-              <a:defRPr sz="2000" b="1"/>
+              <a:defRPr sz="2000" b="1">
+                <a:latin typeface="+mj-lt"/>
+              </a:defRPr>
             </a:lvl1pPr>
           </a:lstStyle>
           <a:p>
             <a:r>
-              <a:rPr lang="en-CA"/>
+              <a:rPr lang="en-CA" dirty="0"/>
               <a:t>Click to edit Master title style</a:t>
             </a:r>
-            <a:endParaRPr lang="en-US"/>
+            <a:endParaRPr lang="en-US" dirty="0"/>
           </a:p>
         </p:txBody>
       </p:sp>
@@ -3723,19 +3571,29 @@
           <a:bodyPr/>
           <a:lstStyle>
             <a:lvl1pPr>
-              <a:defRPr sz="3200"/>
+              <a:defRPr sz="3200">
+                <a:latin typeface="+mn-lt"/>
+              </a:defRPr>
             </a:lvl1pPr>
             <a:lvl2pPr>
-              <a:defRPr sz="2800"/>
+              <a:defRPr sz="2800">
+                <a:latin typeface="+mn-lt"/>
+              </a:defRPr>
             </a:lvl2pPr>
             <a:lvl3pPr>
-              <a:defRPr sz="2400"/>
+              <a:defRPr sz="2400">
+                <a:latin typeface="+mn-lt"/>
+              </a:defRPr>
             </a:lvl3pPr>
             <a:lvl4pPr>
-              <a:defRPr sz="2000"/>
+              <a:defRPr sz="2000">
+                <a:latin typeface="+mn-lt"/>
+              </a:defRPr>
             </a:lvl4pPr>
             <a:lvl5pPr>
-              <a:defRPr sz="2000"/>
+              <a:defRPr sz="2000">
+                <a:latin typeface="+mn-lt"/>
+              </a:defRPr>
             </a:lvl5pPr>
             <a:lvl6pPr>
               <a:defRPr sz="2000"/>
@@ -3753,38 +3611,38 @@
           <a:p>
             <a:pPr lvl="0"/>
             <a:r>
-              <a:rPr lang="en-CA"/>
+              <a:rPr lang="en-CA" dirty="0"/>
               <a:t>Click to edit Master text styles</a:t>
             </a:r>
           </a:p>
           <a:p>
             <a:pPr lvl="1"/>
             <a:r>
-              <a:rPr lang="en-CA"/>
+              <a:rPr lang="en-CA" dirty="0"/>
               <a:t>Second level</a:t>
             </a:r>
           </a:p>
           <a:p>
             <a:pPr lvl="2"/>
             <a:r>
-              <a:rPr lang="en-CA"/>
+              <a:rPr lang="en-CA" dirty="0"/>
               <a:t>Third level</a:t>
             </a:r>
           </a:p>
           <a:p>
             <a:pPr lvl="3"/>
             <a:r>
-              <a:rPr lang="en-CA"/>
+              <a:rPr lang="en-CA" dirty="0"/>
               <a:t>Fourth level</a:t>
             </a:r>
           </a:p>
           <a:p>
             <a:pPr lvl="4"/>
             <a:r>
-              <a:rPr lang="en-CA"/>
+              <a:rPr lang="en-CA" dirty="0"/>
               <a:t>Fifth level</a:t>
             </a:r>
-            <a:endParaRPr lang="en-US"/>
+            <a:endParaRPr lang="en-US" dirty="0"/>
           </a:p>
         </p:txBody>
       </p:sp>
@@ -3809,7 +3667,9 @@
           <a:lstStyle>
             <a:lvl1pPr marL="0" indent="0">
               <a:buNone/>
-              <a:defRPr sz="1400"/>
+              <a:defRPr sz="1400">
+                <a:latin typeface="+mn-lt"/>
+              </a:defRPr>
             </a:lvl1pPr>
             <a:lvl2pPr marL="457200" indent="0">
               <a:buNone/>
@@ -3847,7 +3707,7 @@
           <a:p>
             <a:pPr lvl="0"/>
             <a:r>
-              <a:rPr lang="en-CA"/>
+              <a:rPr lang="en-CA" dirty="0"/>
               <a:t>Click to edit Master text styles</a:t>
             </a:r>
           </a:p>
@@ -3855,96 +3715,56 @@
       </p:sp>
       <p:sp>
         <p:nvSpPr>
-          <p:cNvPr id="5" name="Date Placeholder 4"/>
+          <p:cNvPr id="8" name="Footer Placeholder 7">
+            <a:extLst>
+              <a:ext uri="{FF2B5EF4-FFF2-40B4-BE49-F238E27FC236}">
+                <a16:creationId xmlns:a16="http://schemas.microsoft.com/office/drawing/2014/main" id="{1FB8657E-D33B-074B-AE26-E7CBD7232F89}"/>
+              </a:ext>
+            </a:extLst>
+          </p:cNvPr>
           <p:cNvSpPr>
             <a:spLocks noGrp="1"/>
           </p:cNvSpPr>
           <p:nvPr>
-            <p:ph type="dt" sz="half" idx="10"/>
-          </p:nvPr>
-        </p:nvSpPr>
-        <p:spPr>
-          <a:xfrm>
-            <a:off x="685800" y="6248400"/>
-            <a:ext cx="1905000" cy="457200"/>
-          </a:xfrm>
-          <a:prstGeom prst="rect">
-            <a:avLst/>
-          </a:prstGeom>
-        </p:spPr>
-        <p:txBody>
-          <a:bodyPr/>
-          <a:lstStyle>
-            <a:lvl1pPr>
-              <a:defRPr smtClean="0"/>
-            </a:lvl1pPr>
-          </a:lstStyle>
-          <a:p>
-            <a:fld id="{8FB6C99C-CAE9-4A46-8B93-5F7F7EFB4D77}" type="datetime1">
-              <a:rPr lang="en-US"/>
-              <a:pPr/>
-              <a:t>5/30/19</a:t>
-            </a:fld>
-            <a:endParaRPr lang="en-US"/>
-          </a:p>
-        </p:txBody>
-      </p:sp>
-      <p:sp>
-        <p:nvSpPr>
-          <p:cNvPr id="6" name="Footer Placeholder 5"/>
-          <p:cNvSpPr>
-            <a:spLocks noGrp="1"/>
-          </p:cNvSpPr>
-          <p:nvPr>
-            <p:ph type="ftr" sz="quarter" idx="11"/>
-          </p:nvPr>
-        </p:nvSpPr>
-        <p:spPr>
-          <a:xfrm>
-            <a:off x="3124200" y="6248400"/>
-            <a:ext cx="2895600" cy="457200"/>
-          </a:xfrm>
-          <a:prstGeom prst="rect">
-            <a:avLst/>
-          </a:prstGeom>
-        </p:spPr>
-        <p:txBody>
-          <a:bodyPr/>
-          <a:lstStyle>
-            <a:lvl1pPr>
-              <a:defRPr/>
-            </a:lvl1pPr>
-          </a:lstStyle>
-          <a:p>
-            <a:endParaRPr lang="en-US"/>
-          </a:p>
-        </p:txBody>
-      </p:sp>
-      <p:sp>
-        <p:nvSpPr>
-          <p:cNvPr id="7" name="Slide Number Placeholder 6"/>
-          <p:cNvSpPr>
-            <a:spLocks noGrp="1"/>
-          </p:cNvSpPr>
-          <p:nvPr>
-            <p:ph type="sldNum" sz="quarter" idx="12"/>
+            <p:ph type="ftr" sz="quarter" idx="10"/>
           </p:nvPr>
         </p:nvSpPr>
         <p:spPr/>
         <p:txBody>
           <a:bodyPr/>
-          <a:lstStyle>
-            <a:lvl1pPr>
-              <a:defRPr smtClean="0"/>
-            </a:lvl1pPr>
-          </a:lstStyle>
-          <a:p>
-            <a:fld id="{380A3164-1B8E-6F4D-B190-04FA596754D0}" type="slidenum">
-              <a:rPr lang="en-US"/>
+          <a:lstStyle/>
+          <a:p>
+            <a:endParaRPr lang="en-US"/>
+          </a:p>
+        </p:txBody>
+      </p:sp>
+      <p:sp>
+        <p:nvSpPr>
+          <p:cNvPr id="9" name="Slide Number Placeholder 8">
+            <a:extLst>
+              <a:ext uri="{FF2B5EF4-FFF2-40B4-BE49-F238E27FC236}">
+                <a16:creationId xmlns:a16="http://schemas.microsoft.com/office/drawing/2014/main" id="{212E3D66-C201-A64A-A27B-A535DB26C750}"/>
+              </a:ext>
+            </a:extLst>
+          </p:cNvPr>
+          <p:cNvSpPr>
+            <a:spLocks noGrp="1"/>
+          </p:cNvSpPr>
+          <p:nvPr>
+            <p:ph type="sldNum" sz="quarter" idx="11"/>
+          </p:nvPr>
+        </p:nvSpPr>
+        <p:spPr/>
+        <p:txBody>
+          <a:bodyPr/>
+          <a:lstStyle/>
+          <a:p>
+            <a:fld id="{95FC67CD-6733-D04F-B9BE-AD105949F24E}" type="slidenum">
+              <a:rPr lang="en-US" smtClean="0"/>
               <a:pPr/>
               <a:t>‹#›</a:t>
             </a:fld>
-            <a:endParaRPr lang="en-US"/>
+            <a:endParaRPr lang="en-US" dirty="0"/>
           </a:p>
         </p:txBody>
       </p:sp>
@@ -3993,15 +3813,17 @@
           <a:bodyPr anchor="b"/>
           <a:lstStyle>
             <a:lvl1pPr algn="l">
-              <a:defRPr sz="2000" b="1"/>
+              <a:defRPr sz="2000" b="1">
+                <a:latin typeface="+mj-lt"/>
+              </a:defRPr>
             </a:lvl1pPr>
           </a:lstStyle>
           <a:p>
             <a:r>
-              <a:rPr lang="en-CA"/>
+              <a:rPr lang="en-CA" dirty="0"/>
               <a:t>Click to edit Master title style</a:t>
             </a:r>
-            <a:endParaRPr lang="en-US"/>
+            <a:endParaRPr lang="en-US" dirty="0"/>
           </a:p>
         </p:txBody>
       </p:sp>
@@ -4062,7 +3884,7 @@
             </a:lvl9pPr>
           </a:lstStyle>
           <a:p>
-            <a:endParaRPr lang="en-US"/>
+            <a:endParaRPr lang="en-US" dirty="0"/>
           </a:p>
         </p:txBody>
       </p:sp>
@@ -4087,7 +3909,9 @@
           <a:lstStyle>
             <a:lvl1pPr marL="0" indent="0">
               <a:buNone/>
-              <a:defRPr sz="1400"/>
+              <a:defRPr sz="1400">
+                <a:latin typeface="+mn-lt"/>
+              </a:defRPr>
             </a:lvl1pPr>
             <a:lvl2pPr marL="457200" indent="0">
               <a:buNone/>
@@ -4125,7 +3949,7 @@
           <a:p>
             <a:pPr lvl="0"/>
             <a:r>
-              <a:rPr lang="en-CA"/>
+              <a:rPr lang="en-CA" dirty="0"/>
               <a:t>Click to edit Master text styles</a:t>
             </a:r>
           </a:p>
@@ -4133,96 +3957,56 @@
       </p:sp>
       <p:sp>
         <p:nvSpPr>
-          <p:cNvPr id="5" name="Date Placeholder 4"/>
+          <p:cNvPr id="8" name="Footer Placeholder 7">
+            <a:extLst>
+              <a:ext uri="{FF2B5EF4-FFF2-40B4-BE49-F238E27FC236}">
+                <a16:creationId xmlns:a16="http://schemas.microsoft.com/office/drawing/2014/main" id="{B5BB785B-8CD1-0040-A247-EDEF010C15C9}"/>
+              </a:ext>
+            </a:extLst>
+          </p:cNvPr>
           <p:cNvSpPr>
             <a:spLocks noGrp="1"/>
           </p:cNvSpPr>
           <p:nvPr>
-            <p:ph type="dt" sz="half" idx="10"/>
-          </p:nvPr>
-        </p:nvSpPr>
-        <p:spPr>
-          <a:xfrm>
-            <a:off x="685800" y="6248400"/>
-            <a:ext cx="1905000" cy="457200"/>
-          </a:xfrm>
-          <a:prstGeom prst="rect">
-            <a:avLst/>
-          </a:prstGeom>
-        </p:spPr>
-        <p:txBody>
-          <a:bodyPr/>
-          <a:lstStyle>
-            <a:lvl1pPr>
-              <a:defRPr smtClean="0"/>
-            </a:lvl1pPr>
-          </a:lstStyle>
-          <a:p>
-            <a:fld id="{E16CD525-494F-8149-9830-A66ADF4FE65A}" type="datetime1">
-              <a:rPr lang="en-US"/>
-              <a:pPr/>
-              <a:t>5/30/19</a:t>
-            </a:fld>
-            <a:endParaRPr lang="en-US"/>
-          </a:p>
-        </p:txBody>
-      </p:sp>
-      <p:sp>
-        <p:nvSpPr>
-          <p:cNvPr id="6" name="Footer Placeholder 5"/>
-          <p:cNvSpPr>
-            <a:spLocks noGrp="1"/>
-          </p:cNvSpPr>
-          <p:nvPr>
-            <p:ph type="ftr" sz="quarter" idx="11"/>
-          </p:nvPr>
-        </p:nvSpPr>
-        <p:spPr>
-          <a:xfrm>
-            <a:off x="3124200" y="6248400"/>
-            <a:ext cx="2895600" cy="457200"/>
-          </a:xfrm>
-          <a:prstGeom prst="rect">
-            <a:avLst/>
-          </a:prstGeom>
-        </p:spPr>
-        <p:txBody>
-          <a:bodyPr/>
-          <a:lstStyle>
-            <a:lvl1pPr>
-              <a:defRPr/>
-            </a:lvl1pPr>
-          </a:lstStyle>
-          <a:p>
-            <a:endParaRPr lang="en-US"/>
-          </a:p>
-        </p:txBody>
-      </p:sp>
-      <p:sp>
-        <p:nvSpPr>
-          <p:cNvPr id="7" name="Slide Number Placeholder 6"/>
-          <p:cNvSpPr>
-            <a:spLocks noGrp="1"/>
-          </p:cNvSpPr>
-          <p:nvPr>
-            <p:ph type="sldNum" sz="quarter" idx="12"/>
+            <p:ph type="ftr" sz="quarter" idx="10"/>
           </p:nvPr>
         </p:nvSpPr>
         <p:spPr/>
         <p:txBody>
           <a:bodyPr/>
-          <a:lstStyle>
-            <a:lvl1pPr>
-              <a:defRPr smtClean="0"/>
-            </a:lvl1pPr>
-          </a:lstStyle>
-          <a:p>
-            <a:fld id="{4C6BC3C8-C01D-8942-A408-A7FA9DA2012F}" type="slidenum">
-              <a:rPr lang="en-US"/>
+          <a:lstStyle/>
+          <a:p>
+            <a:endParaRPr lang="en-US"/>
+          </a:p>
+        </p:txBody>
+      </p:sp>
+      <p:sp>
+        <p:nvSpPr>
+          <p:cNvPr id="9" name="Slide Number Placeholder 8">
+            <a:extLst>
+              <a:ext uri="{FF2B5EF4-FFF2-40B4-BE49-F238E27FC236}">
+                <a16:creationId xmlns:a16="http://schemas.microsoft.com/office/drawing/2014/main" id="{A1275E30-5B29-BD43-B756-3D1D1E7E12BD}"/>
+              </a:ext>
+            </a:extLst>
+          </p:cNvPr>
+          <p:cNvSpPr>
+            <a:spLocks noGrp="1"/>
+          </p:cNvSpPr>
+          <p:nvPr>
+            <p:ph type="sldNum" sz="quarter" idx="11"/>
+          </p:nvPr>
+        </p:nvSpPr>
+        <p:spPr/>
+        <p:txBody>
+          <a:bodyPr/>
+          <a:lstStyle/>
+          <a:p>
+            <a:fld id="{95FC67CD-6733-D04F-B9BE-AD105949F24E}" type="slidenum">
+              <a:rPr lang="en-US" smtClean="0"/>
               <a:pPr/>
               <a:t>‹#›</a:t>
             </a:fld>
-            <a:endParaRPr lang="en-US"/>
+            <a:endParaRPr lang="en-US" dirty="0"/>
           </a:p>
         </p:txBody>
       </p:sp>
@@ -4409,7 +4193,7 @@
           <a:lstStyle>
             <a:lvl1pPr algn="r">
               <a:defRPr sz="1400">
-                <a:latin typeface="Candara"/>
+                <a:latin typeface="+mn-lt"/>
                 <a:cs typeface="Candara"/>
               </a:defRPr>
             </a:lvl1pPr>
@@ -4497,7 +4281,7 @@
           <a:solidFill>
             <a:schemeClr val="tx2"/>
           </a:solidFill>
-          <a:latin typeface="Candara"/>
+          <a:latin typeface="+mj-lt"/>
           <a:ea typeface="+mj-ea"/>
           <a:cs typeface="Candara"/>
         </a:defRPr>
@@ -4628,7 +4412,7 @@
           <a:solidFill>
             <a:schemeClr val="tx1"/>
           </a:solidFill>
-          <a:latin typeface="Candara"/>
+          <a:latin typeface="+mn-lt"/>
           <a:ea typeface="+mn-ea"/>
           <a:cs typeface="Candara"/>
         </a:defRPr>
@@ -4645,7 +4429,7 @@
           <a:solidFill>
             <a:schemeClr val="tx1"/>
           </a:solidFill>
-          <a:latin typeface="Candara"/>
+          <a:latin typeface="+mn-lt"/>
           <a:ea typeface="ＭＳ Ｐゴシック" charset="-128"/>
           <a:cs typeface="Candara"/>
         </a:defRPr>
@@ -4662,7 +4446,7 @@
           <a:solidFill>
             <a:schemeClr val="tx1"/>
           </a:solidFill>
-          <a:latin typeface="Candara"/>
+          <a:latin typeface="+mn-lt"/>
           <a:ea typeface="ＭＳ Ｐゴシック" charset="-128"/>
           <a:cs typeface="Candara"/>
         </a:defRPr>
@@ -4679,7 +4463,7 @@
           <a:solidFill>
             <a:schemeClr val="tx1"/>
           </a:solidFill>
-          <a:latin typeface="Candara"/>
+          <a:latin typeface="+mn-lt"/>
           <a:ea typeface="ＭＳ Ｐゴシック" charset="-128"/>
           <a:cs typeface="Candara"/>
         </a:defRPr>
@@ -4696,7 +4480,7 @@
           <a:solidFill>
             <a:schemeClr val="tx1"/>
           </a:solidFill>
-          <a:latin typeface="Candara"/>
+          <a:latin typeface="+mn-lt"/>
           <a:ea typeface="ＭＳ Ｐゴシック" charset="-128"/>
           <a:cs typeface="Candara"/>
         </a:defRPr>
@@ -5135,6 +4919,140 @@
       </p:grpSpPr>
       <p:sp>
         <p:nvSpPr>
+          <p:cNvPr id="69634" name="Rectangle 2"/>
+          <p:cNvSpPr>
+            <a:spLocks noGrp="1" noChangeArrowheads="1"/>
+          </p:cNvSpPr>
+          <p:nvPr>
+            <p:ph type="title"/>
+          </p:nvPr>
+        </p:nvSpPr>
+        <p:spPr/>
+        <p:txBody>
+          <a:bodyPr/>
+          <a:lstStyle/>
+          <a:p>
+            <a:r>
+              <a:rPr lang="en-US"/>
+              <a:t>Arithmetic Expressions</a:t>
+            </a:r>
+          </a:p>
+        </p:txBody>
+      </p:sp>
+      <p:sp>
+        <p:nvSpPr>
+          <p:cNvPr id="69635" name="Rectangle 3"/>
+          <p:cNvSpPr>
+            <a:spLocks noGrp="1" noChangeArrowheads="1"/>
+          </p:cNvSpPr>
+          <p:nvPr>
+            <p:ph idx="1"/>
+          </p:nvPr>
+        </p:nvSpPr>
+        <p:spPr/>
+        <p:txBody>
+          <a:bodyPr/>
+          <a:lstStyle/>
+          <a:p>
+            <a:r>
+              <a:rPr lang="en-US"/>
+              <a:t>E </a:t>
+            </a:r>
+            <a:r>
+              <a:rPr lang="en-US" b="1">
+                <a:sym typeface="Symbol" charset="2"/>
+              </a:rPr>
+              <a:t> </a:t>
+            </a:r>
+            <a:r>
+              <a:rPr lang="en-US">
+                <a:sym typeface="Symbol" charset="2"/>
+              </a:rPr>
+              <a:t>E + E</a:t>
+            </a:r>
+          </a:p>
+          <a:p>
+            <a:r>
+              <a:rPr lang="en-US">
+                <a:sym typeface="Symbol" charset="2"/>
+              </a:rPr>
+              <a:t>E </a:t>
+            </a:r>
+            <a:r>
+              <a:rPr lang="en-US" b="1">
+                <a:sym typeface="Symbol" charset="2"/>
+              </a:rPr>
+              <a:t> </a:t>
+            </a:r>
+            <a:r>
+              <a:rPr lang="en-US">
+                <a:sym typeface="Symbol" charset="2"/>
+              </a:rPr>
+              <a:t>E * E</a:t>
+            </a:r>
+          </a:p>
+          <a:p>
+            <a:r>
+              <a:rPr lang="en-US">
+                <a:sym typeface="Symbol" charset="2"/>
+              </a:rPr>
+              <a:t>E </a:t>
+            </a:r>
+            <a:r>
+              <a:rPr lang="en-US" b="1">
+                <a:sym typeface="Symbol" charset="2"/>
+              </a:rPr>
+              <a:t> </a:t>
+            </a:r>
+            <a:r>
+              <a:rPr lang="en-US">
+                <a:sym typeface="Symbol" charset="2"/>
+              </a:rPr>
+              <a:t>( E )</a:t>
+            </a:r>
+          </a:p>
+          <a:p>
+            <a:r>
+              <a:rPr lang="en-US">
+                <a:sym typeface="Symbol" charset="2"/>
+              </a:rPr>
+              <a:t>E </a:t>
+            </a:r>
+            <a:r>
+              <a:rPr lang="en-US" b="1">
+                <a:sym typeface="Symbol" charset="2"/>
+              </a:rPr>
+              <a:t> </a:t>
+            </a:r>
+            <a:r>
+              <a:rPr lang="en-US">
+                <a:sym typeface="Symbol" charset="2"/>
+              </a:rPr>
+              <a:t>- E</a:t>
+            </a:r>
+          </a:p>
+          <a:p>
+            <a:r>
+              <a:rPr lang="en-US">
+                <a:sym typeface="Symbol" charset="2"/>
+              </a:rPr>
+              <a:t>E </a:t>
+            </a:r>
+            <a:r>
+              <a:rPr lang="en-US" b="1">
+                <a:sym typeface="Symbol" charset="2"/>
+              </a:rPr>
+              <a:t> id</a:t>
+            </a:r>
+            <a:r>
+              <a:rPr lang="en-US"/>
+              <a:t> </a:t>
+            </a:r>
+          </a:p>
+        </p:txBody>
+      </p:sp>
+      <p:sp>
+        <p:nvSpPr>
           <p:cNvPr id="5" name="Slide Number Placeholder 5"/>
           <p:cNvSpPr>
             <a:spLocks noGrp="1"/>
@@ -5154,140 +5072,6 @@
               <a:t>10</a:t>
             </a:fld>
             <a:endParaRPr lang="en-US"/>
-          </a:p>
-        </p:txBody>
-      </p:sp>
-      <p:sp>
-        <p:nvSpPr>
-          <p:cNvPr id="69634" name="Rectangle 2"/>
-          <p:cNvSpPr>
-            <a:spLocks noGrp="1" noChangeArrowheads="1"/>
-          </p:cNvSpPr>
-          <p:nvPr>
-            <p:ph type="title"/>
-          </p:nvPr>
-        </p:nvSpPr>
-        <p:spPr/>
-        <p:txBody>
-          <a:bodyPr/>
-          <a:lstStyle/>
-          <a:p>
-            <a:r>
-              <a:rPr lang="en-US"/>
-              <a:t>Arithmetic Expressions</a:t>
-            </a:r>
-          </a:p>
-        </p:txBody>
-      </p:sp>
-      <p:sp>
-        <p:nvSpPr>
-          <p:cNvPr id="69635" name="Rectangle 3"/>
-          <p:cNvSpPr>
-            <a:spLocks noGrp="1" noChangeArrowheads="1"/>
-          </p:cNvSpPr>
-          <p:nvPr>
-            <p:ph type="body" idx="1"/>
-          </p:nvPr>
-        </p:nvSpPr>
-        <p:spPr/>
-        <p:txBody>
-          <a:bodyPr/>
-          <a:lstStyle/>
-          <a:p>
-            <a:r>
-              <a:rPr lang="en-US"/>
-              <a:t>E </a:t>
-            </a:r>
-            <a:r>
-              <a:rPr lang="en-US" b="1">
-                <a:sym typeface="Symbol" charset="2"/>
-              </a:rPr>
-              <a:t> </a:t>
-            </a:r>
-            <a:r>
-              <a:rPr lang="en-US">
-                <a:sym typeface="Symbol" charset="2"/>
-              </a:rPr>
-              <a:t>E + E</a:t>
-            </a:r>
-          </a:p>
-          <a:p>
-            <a:r>
-              <a:rPr lang="en-US">
-                <a:sym typeface="Symbol" charset="2"/>
-              </a:rPr>
-              <a:t>E </a:t>
-            </a:r>
-            <a:r>
-              <a:rPr lang="en-US" b="1">
-                <a:sym typeface="Symbol" charset="2"/>
-              </a:rPr>
-              <a:t> </a:t>
-            </a:r>
-            <a:r>
-              <a:rPr lang="en-US">
-                <a:sym typeface="Symbol" charset="2"/>
-              </a:rPr>
-              <a:t>E * E</a:t>
-            </a:r>
-          </a:p>
-          <a:p>
-            <a:r>
-              <a:rPr lang="en-US">
-                <a:sym typeface="Symbol" charset="2"/>
-              </a:rPr>
-              <a:t>E </a:t>
-            </a:r>
-            <a:r>
-              <a:rPr lang="en-US" b="1">
-                <a:sym typeface="Symbol" charset="2"/>
-              </a:rPr>
-              <a:t> </a:t>
-            </a:r>
-            <a:r>
-              <a:rPr lang="en-US">
-                <a:sym typeface="Symbol" charset="2"/>
-              </a:rPr>
-              <a:t>( E )</a:t>
-            </a:r>
-          </a:p>
-          <a:p>
-            <a:r>
-              <a:rPr lang="en-US">
-                <a:sym typeface="Symbol" charset="2"/>
-              </a:rPr>
-              <a:t>E </a:t>
-            </a:r>
-            <a:r>
-              <a:rPr lang="en-US" b="1">
-                <a:sym typeface="Symbol" charset="2"/>
-              </a:rPr>
-              <a:t> </a:t>
-            </a:r>
-            <a:r>
-              <a:rPr lang="en-US">
-                <a:sym typeface="Symbol" charset="2"/>
-              </a:rPr>
-              <a:t>- E</a:t>
-            </a:r>
-          </a:p>
-          <a:p>
-            <a:r>
-              <a:rPr lang="en-US">
-                <a:sym typeface="Symbol" charset="2"/>
-              </a:rPr>
-              <a:t>E </a:t>
-            </a:r>
-            <a:r>
-              <a:rPr lang="en-US" b="1">
-                <a:sym typeface="Symbol" charset="2"/>
-              </a:rPr>
-              <a:t> id</a:t>
-            </a:r>
-            <a:r>
-              <a:rPr lang="en-US"/>
-              <a:t> </a:t>
-            </a:r>
           </a:p>
         </p:txBody>
       </p:sp>
@@ -5323,6 +5107,255 @@
       </p:grpSpPr>
       <p:sp>
         <p:nvSpPr>
+          <p:cNvPr id="70658" name="Rectangle 2"/>
+          <p:cNvSpPr>
+            <a:spLocks noGrp="1" noChangeArrowheads="1"/>
+          </p:cNvSpPr>
+          <p:nvPr>
+            <p:ph type="title"/>
+          </p:nvPr>
+        </p:nvSpPr>
+        <p:spPr/>
+        <p:txBody>
+          <a:bodyPr/>
+          <a:lstStyle/>
+          <a:p>
+            <a:r>
+              <a:rPr lang="en-US" dirty="0"/>
+              <a:t>Derivation for</a:t>
+            </a:r>
+            <a:br>
+              <a:rPr lang="en-US" b="1" dirty="0"/>
+            </a:br>
+            <a:r>
+              <a:rPr lang="en-US" b="1" dirty="0"/>
+              <a:t>id + id * id</a:t>
+            </a:r>
+            <a:endParaRPr lang="en-US" dirty="0"/>
+          </a:p>
+        </p:txBody>
+      </p:sp>
+      <p:sp>
+        <p:nvSpPr>
+          <p:cNvPr id="70659" name="Rectangle 3"/>
+          <p:cNvSpPr>
+            <a:spLocks noGrp="1" noChangeArrowheads="1"/>
+          </p:cNvSpPr>
+          <p:nvPr>
+            <p:ph idx="1"/>
+          </p:nvPr>
+        </p:nvSpPr>
+        <p:spPr>
+          <a:xfrm>
+            <a:off x="2057400" y="2057400"/>
+            <a:ext cx="3048000" cy="3124200"/>
+          </a:xfrm>
+        </p:spPr>
+        <p:txBody>
+          <a:bodyPr/>
+          <a:lstStyle/>
+          <a:p>
+            <a:pPr marL="0" indent="0">
+              <a:buNone/>
+            </a:pPr>
+            <a:r>
+              <a:rPr lang="en-US" dirty="0"/>
+              <a:t>E </a:t>
+            </a:r>
+            <a:r>
+              <a:rPr lang="en-US" dirty="0">
+                <a:sym typeface="Symbol" charset="2"/>
+              </a:rPr>
+              <a:t> </a:t>
+            </a:r>
+            <a:r>
+              <a:rPr lang="en-US" dirty="0">
+                <a:solidFill>
+                  <a:schemeClr val="accent2"/>
+                </a:solidFill>
+                <a:sym typeface="Symbol" charset="2"/>
+              </a:rPr>
+              <a:t>E</a:t>
+            </a:r>
+            <a:r>
+              <a:rPr lang="en-US" dirty="0">
+                <a:sym typeface="Symbol" charset="2"/>
+              </a:rPr>
+              <a:t> + E</a:t>
+            </a:r>
+          </a:p>
+          <a:p>
+            <a:pPr>
+              <a:buFontTx/>
+              <a:buNone/>
+            </a:pPr>
+            <a:r>
+              <a:rPr lang="en-US" dirty="0">
+                <a:sym typeface="Symbol" charset="2"/>
+              </a:rPr>
+              <a:t> </a:t>
+            </a:r>
+            <a:r>
+              <a:rPr lang="en-US" b="1" dirty="0">
+                <a:sym typeface="Symbol" charset="2"/>
+              </a:rPr>
+              <a:t>id</a:t>
+            </a:r>
+            <a:r>
+              <a:rPr lang="en-US" dirty="0">
+                <a:sym typeface="Symbol" charset="2"/>
+              </a:rPr>
+              <a:t> + </a:t>
+            </a:r>
+            <a:r>
+              <a:rPr lang="en-US" dirty="0">
+                <a:solidFill>
+                  <a:schemeClr val="accent2"/>
+                </a:solidFill>
+                <a:sym typeface="Symbol" charset="2"/>
+              </a:rPr>
+              <a:t>E</a:t>
+            </a:r>
+            <a:endParaRPr lang="en-US" dirty="0">
+              <a:sym typeface="Symbol" charset="2"/>
+            </a:endParaRPr>
+          </a:p>
+          <a:p>
+            <a:pPr>
+              <a:buFontTx/>
+              <a:buNone/>
+            </a:pPr>
+            <a:r>
+              <a:rPr lang="en-US" dirty="0">
+                <a:sym typeface="Symbol" charset="2"/>
+              </a:rPr>
+              <a:t> </a:t>
+            </a:r>
+            <a:r>
+              <a:rPr lang="en-US" b="1" dirty="0">
+                <a:sym typeface="Symbol" charset="2"/>
+              </a:rPr>
+              <a:t>id</a:t>
+            </a:r>
+            <a:r>
+              <a:rPr lang="en-US" dirty="0">
+                <a:sym typeface="Symbol" charset="2"/>
+              </a:rPr>
+              <a:t> + </a:t>
+            </a:r>
+            <a:r>
+              <a:rPr lang="en-US" dirty="0">
+                <a:solidFill>
+                  <a:schemeClr val="accent2"/>
+                </a:solidFill>
+                <a:sym typeface="Symbol" charset="2"/>
+              </a:rPr>
+              <a:t>E</a:t>
+            </a:r>
+            <a:r>
+              <a:rPr lang="en-US" dirty="0">
+                <a:sym typeface="Symbol" charset="2"/>
+              </a:rPr>
+              <a:t> * E</a:t>
+            </a:r>
+          </a:p>
+          <a:p>
+            <a:pPr>
+              <a:buFontTx/>
+              <a:buNone/>
+            </a:pPr>
+            <a:r>
+              <a:rPr lang="en-US" dirty="0">
+                <a:sym typeface="Symbol" charset="2"/>
+              </a:rPr>
+              <a:t> </a:t>
+            </a:r>
+            <a:r>
+              <a:rPr lang="en-US" b="1" dirty="0">
+                <a:sym typeface="Symbol" charset="2"/>
+              </a:rPr>
+              <a:t>id</a:t>
+            </a:r>
+            <a:r>
+              <a:rPr lang="en-US" dirty="0">
+                <a:sym typeface="Symbol" charset="2"/>
+              </a:rPr>
+              <a:t> + </a:t>
+            </a:r>
+            <a:r>
+              <a:rPr lang="en-US" b="1" dirty="0">
+                <a:sym typeface="Symbol" charset="2"/>
+              </a:rPr>
+              <a:t>id</a:t>
+            </a:r>
+            <a:r>
+              <a:rPr lang="en-US" dirty="0">
+                <a:sym typeface="Symbol" charset="2"/>
+              </a:rPr>
+              <a:t> * </a:t>
+            </a:r>
+            <a:r>
+              <a:rPr lang="en-US" dirty="0">
+                <a:solidFill>
+                  <a:schemeClr val="accent2"/>
+                </a:solidFill>
+                <a:sym typeface="Symbol" charset="2"/>
+              </a:rPr>
+              <a:t>E</a:t>
+            </a:r>
+            <a:endParaRPr lang="en-US" dirty="0">
+              <a:sym typeface="Symbol" charset="2"/>
+            </a:endParaRPr>
+          </a:p>
+          <a:p>
+            <a:pPr>
+              <a:buFontTx/>
+              <a:buNone/>
+            </a:pPr>
+            <a:r>
+              <a:rPr lang="en-US" dirty="0">
+                <a:sym typeface="Symbol" charset="2"/>
+              </a:rPr>
+              <a:t> </a:t>
+            </a:r>
+            <a:r>
+              <a:rPr lang="en-US" b="1" dirty="0">
+                <a:sym typeface="Symbol" charset="2"/>
+              </a:rPr>
+              <a:t>id</a:t>
+            </a:r>
+            <a:r>
+              <a:rPr lang="en-US" dirty="0">
+                <a:sym typeface="Symbol" charset="2"/>
+              </a:rPr>
+              <a:t> + </a:t>
+            </a:r>
+            <a:r>
+              <a:rPr lang="en-US" b="1" dirty="0">
+                <a:sym typeface="Symbol" charset="2"/>
+              </a:rPr>
+              <a:t>id</a:t>
+            </a:r>
+            <a:r>
+              <a:rPr lang="en-US" dirty="0">
+                <a:sym typeface="Symbol" charset="2"/>
+              </a:rPr>
+              <a:t> * </a:t>
+            </a:r>
+            <a:r>
+              <a:rPr lang="en-US" b="1" dirty="0">
+                <a:sym typeface="Symbol" charset="2"/>
+              </a:rPr>
+              <a:t>id</a:t>
+            </a:r>
+            <a:endParaRPr lang="en-US" dirty="0">
+              <a:sym typeface="Symbol" charset="2"/>
+            </a:endParaRPr>
+          </a:p>
+        </p:txBody>
+      </p:sp>
+      <p:sp>
+        <p:nvSpPr>
           <p:cNvPr id="26" name="Slide Number Placeholder 5"/>
           <p:cNvSpPr>
             <a:spLocks noGrp="1"/>
@@ -5342,255 +5375,6 @@
               <a:t>11</a:t>
             </a:fld>
             <a:endParaRPr lang="en-US"/>
-          </a:p>
-        </p:txBody>
-      </p:sp>
-      <p:sp>
-        <p:nvSpPr>
-          <p:cNvPr id="70658" name="Rectangle 2"/>
-          <p:cNvSpPr>
-            <a:spLocks noGrp="1" noChangeArrowheads="1"/>
-          </p:cNvSpPr>
-          <p:nvPr>
-            <p:ph type="title"/>
-          </p:nvPr>
-        </p:nvSpPr>
-        <p:spPr/>
-        <p:txBody>
-          <a:bodyPr/>
-          <a:lstStyle/>
-          <a:p>
-            <a:r>
-              <a:rPr lang="en-US" dirty="0"/>
-              <a:t>Derivation for</a:t>
-            </a:r>
-            <a:br>
-              <a:rPr lang="en-US" b="1" dirty="0"/>
-            </a:br>
-            <a:r>
-              <a:rPr lang="en-US" b="1" dirty="0"/>
-              <a:t>id + id * id</a:t>
-            </a:r>
-            <a:endParaRPr lang="en-US" dirty="0"/>
-          </a:p>
-        </p:txBody>
-      </p:sp>
-      <p:sp>
-        <p:nvSpPr>
-          <p:cNvPr id="70659" name="Rectangle 3"/>
-          <p:cNvSpPr>
-            <a:spLocks noGrp="1" noChangeArrowheads="1"/>
-          </p:cNvSpPr>
-          <p:nvPr>
-            <p:ph type="body" idx="1"/>
-          </p:nvPr>
-        </p:nvSpPr>
-        <p:spPr>
-          <a:xfrm>
-            <a:off x="2057400" y="2057400"/>
-            <a:ext cx="3048000" cy="3124200"/>
-          </a:xfrm>
-        </p:spPr>
-        <p:txBody>
-          <a:bodyPr/>
-          <a:lstStyle/>
-          <a:p>
-            <a:pPr marL="0" indent="0">
-              <a:buNone/>
-            </a:pPr>
-            <a:r>
-              <a:rPr lang="en-US" dirty="0"/>
-              <a:t>E </a:t>
-            </a:r>
-            <a:r>
-              <a:rPr lang="en-US" dirty="0">
-                <a:sym typeface="Symbol" charset="2"/>
-              </a:rPr>
-              <a:t> </a:t>
-            </a:r>
-            <a:r>
-              <a:rPr lang="en-US" dirty="0">
-                <a:solidFill>
-                  <a:schemeClr val="accent2"/>
-                </a:solidFill>
-                <a:sym typeface="Symbol" charset="2"/>
-              </a:rPr>
-              <a:t>E</a:t>
-            </a:r>
-            <a:r>
-              <a:rPr lang="en-US" dirty="0">
-                <a:sym typeface="Symbol" charset="2"/>
-              </a:rPr>
-              <a:t> + E</a:t>
-            </a:r>
-          </a:p>
-          <a:p>
-            <a:pPr>
-              <a:buFontTx/>
-              <a:buNone/>
-            </a:pPr>
-            <a:r>
-              <a:rPr lang="en-US" dirty="0">
-                <a:sym typeface="Symbol" charset="2"/>
-              </a:rPr>
-              <a:t> </a:t>
-            </a:r>
-            <a:r>
-              <a:rPr lang="en-US" b="1" dirty="0">
-                <a:sym typeface="Symbol" charset="2"/>
-              </a:rPr>
-              <a:t>id</a:t>
-            </a:r>
-            <a:r>
-              <a:rPr lang="en-US" dirty="0">
-                <a:sym typeface="Symbol" charset="2"/>
-              </a:rPr>
-              <a:t> + </a:t>
-            </a:r>
-            <a:r>
-              <a:rPr lang="en-US" dirty="0">
-                <a:solidFill>
-                  <a:schemeClr val="accent2"/>
-                </a:solidFill>
-                <a:sym typeface="Symbol" charset="2"/>
-              </a:rPr>
-              <a:t>E</a:t>
-            </a:r>
-            <a:endParaRPr lang="en-US" dirty="0">
-              <a:sym typeface="Symbol" charset="2"/>
-            </a:endParaRPr>
-          </a:p>
-          <a:p>
-            <a:pPr>
-              <a:buFontTx/>
-              <a:buNone/>
-            </a:pPr>
-            <a:r>
-              <a:rPr lang="en-US" dirty="0">
-                <a:sym typeface="Symbol" charset="2"/>
-              </a:rPr>
-              <a:t> </a:t>
-            </a:r>
-            <a:r>
-              <a:rPr lang="en-US" b="1" dirty="0">
-                <a:sym typeface="Symbol" charset="2"/>
-              </a:rPr>
-              <a:t>id</a:t>
-            </a:r>
-            <a:r>
-              <a:rPr lang="en-US" dirty="0">
-                <a:sym typeface="Symbol" charset="2"/>
-              </a:rPr>
-              <a:t> + </a:t>
-            </a:r>
-            <a:r>
-              <a:rPr lang="en-US" dirty="0">
-                <a:solidFill>
-                  <a:schemeClr val="accent2"/>
-                </a:solidFill>
-                <a:sym typeface="Symbol" charset="2"/>
-              </a:rPr>
-              <a:t>E</a:t>
-            </a:r>
-            <a:r>
-              <a:rPr lang="en-US" dirty="0">
-                <a:sym typeface="Symbol" charset="2"/>
-              </a:rPr>
-              <a:t> * E</a:t>
-            </a:r>
-          </a:p>
-          <a:p>
-            <a:pPr>
-              <a:buFontTx/>
-              <a:buNone/>
-            </a:pPr>
-            <a:r>
-              <a:rPr lang="en-US" dirty="0">
-                <a:sym typeface="Symbol" charset="2"/>
-              </a:rPr>
-              <a:t> </a:t>
-            </a:r>
-            <a:r>
-              <a:rPr lang="en-US" b="1" dirty="0">
-                <a:sym typeface="Symbol" charset="2"/>
-              </a:rPr>
-              <a:t>id</a:t>
-            </a:r>
-            <a:r>
-              <a:rPr lang="en-US" dirty="0">
-                <a:sym typeface="Symbol" charset="2"/>
-              </a:rPr>
-              <a:t> + </a:t>
-            </a:r>
-            <a:r>
-              <a:rPr lang="en-US" b="1" dirty="0">
-                <a:sym typeface="Symbol" charset="2"/>
-              </a:rPr>
-              <a:t>id</a:t>
-            </a:r>
-            <a:r>
-              <a:rPr lang="en-US" dirty="0">
-                <a:sym typeface="Symbol" charset="2"/>
-              </a:rPr>
-              <a:t> * </a:t>
-            </a:r>
-            <a:r>
-              <a:rPr lang="en-US" dirty="0">
-                <a:solidFill>
-                  <a:schemeClr val="accent2"/>
-                </a:solidFill>
-                <a:sym typeface="Symbol" charset="2"/>
-              </a:rPr>
-              <a:t>E</a:t>
-            </a:r>
-            <a:endParaRPr lang="en-US" dirty="0">
-              <a:sym typeface="Symbol" charset="2"/>
-            </a:endParaRPr>
-          </a:p>
-          <a:p>
-            <a:pPr>
-              <a:buFontTx/>
-              <a:buNone/>
-            </a:pPr>
-            <a:r>
-              <a:rPr lang="en-US" dirty="0">
-                <a:sym typeface="Symbol" charset="2"/>
-              </a:rPr>
-              <a:t> </a:t>
-            </a:r>
-            <a:r>
-              <a:rPr lang="en-US" b="1" dirty="0">
-                <a:sym typeface="Symbol" charset="2"/>
-              </a:rPr>
-              <a:t>id</a:t>
-            </a:r>
-            <a:r>
-              <a:rPr lang="en-US" dirty="0">
-                <a:sym typeface="Symbol" charset="2"/>
-              </a:rPr>
-              <a:t> + </a:t>
-            </a:r>
-            <a:r>
-              <a:rPr lang="en-US" b="1" dirty="0">
-                <a:sym typeface="Symbol" charset="2"/>
-              </a:rPr>
-              <a:t>id</a:t>
-            </a:r>
-            <a:r>
-              <a:rPr lang="en-US" dirty="0">
-                <a:sym typeface="Symbol" charset="2"/>
-              </a:rPr>
-              <a:t> * </a:t>
-            </a:r>
-            <a:r>
-              <a:rPr lang="en-US" b="1" dirty="0">
-                <a:sym typeface="Symbol" charset="2"/>
-              </a:rPr>
-              <a:t>id</a:t>
-            </a:r>
-            <a:endParaRPr lang="en-US" dirty="0">
-              <a:sym typeface="Symbol" charset="2"/>
-            </a:endParaRPr>
           </a:p>
         </p:txBody>
       </p:sp>
@@ -7182,6 +6966,246 @@
       </p:grpSpPr>
       <p:sp>
         <p:nvSpPr>
+          <p:cNvPr id="71682" name="Rectangle 2"/>
+          <p:cNvSpPr>
+            <a:spLocks noGrp="1" noChangeArrowheads="1"/>
+          </p:cNvSpPr>
+          <p:nvPr>
+            <p:ph type="title"/>
+          </p:nvPr>
+        </p:nvSpPr>
+        <p:spPr/>
+        <p:txBody>
+          <a:bodyPr/>
+          <a:lstStyle/>
+          <a:p>
+            <a:r>
+              <a:rPr lang="en-US" dirty="0"/>
+              <a:t>Leftmost derivation for</a:t>
+            </a:r>
+            <a:br>
+              <a:rPr lang="en-US" b="1" dirty="0"/>
+            </a:br>
+            <a:r>
+              <a:rPr lang="en-US" b="1" dirty="0"/>
+              <a:t>id + id * id</a:t>
+            </a:r>
+            <a:endParaRPr lang="en-US" dirty="0"/>
+          </a:p>
+        </p:txBody>
+      </p:sp>
+      <p:sp>
+        <p:nvSpPr>
+          <p:cNvPr id="71683" name="Rectangle 3"/>
+          <p:cNvSpPr>
+            <a:spLocks noGrp="1" noChangeArrowheads="1"/>
+          </p:cNvSpPr>
+          <p:nvPr>
+            <p:ph idx="1"/>
+          </p:nvPr>
+        </p:nvSpPr>
+        <p:spPr>
+          <a:xfrm>
+            <a:off x="1828800" y="2057400"/>
+            <a:ext cx="2895600" cy="3048000"/>
+          </a:xfrm>
+        </p:spPr>
+        <p:txBody>
+          <a:bodyPr/>
+          <a:lstStyle/>
+          <a:p>
+            <a:pPr marL="0" indent="0">
+              <a:buNone/>
+            </a:pPr>
+            <a:r>
+              <a:rPr lang="en-US" dirty="0"/>
+              <a:t>E </a:t>
+            </a:r>
+            <a:r>
+              <a:rPr lang="en-US" dirty="0">
+                <a:sym typeface="Symbol" charset="2"/>
+              </a:rPr>
+              <a:t> </a:t>
+            </a:r>
+            <a:r>
+              <a:rPr lang="en-US" dirty="0">
+                <a:solidFill>
+                  <a:schemeClr val="accent2"/>
+                </a:solidFill>
+                <a:sym typeface="Symbol" charset="2"/>
+              </a:rPr>
+              <a:t>E</a:t>
+            </a:r>
+            <a:r>
+              <a:rPr lang="en-US" dirty="0">
+                <a:sym typeface="Symbol" charset="2"/>
+              </a:rPr>
+              <a:t> * E</a:t>
+            </a:r>
+          </a:p>
+          <a:p>
+            <a:pPr>
+              <a:buFontTx/>
+              <a:buNone/>
+            </a:pPr>
+            <a:r>
+              <a:rPr lang="en-US" dirty="0">
+                <a:sym typeface="Symbol" charset="2"/>
+              </a:rPr>
+              <a:t> </a:t>
+            </a:r>
+            <a:r>
+              <a:rPr lang="en-US" dirty="0">
+                <a:solidFill>
+                  <a:schemeClr val="accent2"/>
+                </a:solidFill>
+                <a:sym typeface="Symbol" charset="2"/>
+              </a:rPr>
+              <a:t>E</a:t>
+            </a:r>
+            <a:r>
+              <a:rPr lang="en-US" dirty="0">
+                <a:sym typeface="Symbol" charset="2"/>
+              </a:rPr>
+              <a:t> + E * E</a:t>
+            </a:r>
+          </a:p>
+          <a:p>
+            <a:pPr>
+              <a:buFontTx/>
+              <a:buNone/>
+            </a:pPr>
+            <a:r>
+              <a:rPr lang="en-US" dirty="0">
+                <a:sym typeface="Symbol" charset="2"/>
+              </a:rPr>
+              <a:t> </a:t>
+            </a:r>
+            <a:r>
+              <a:rPr lang="en-US" b="1" dirty="0">
+                <a:sym typeface="Symbol" charset="2"/>
+              </a:rPr>
+              <a:t>id</a:t>
+            </a:r>
+            <a:r>
+              <a:rPr lang="en-US" dirty="0">
+                <a:sym typeface="Symbol" charset="2"/>
+              </a:rPr>
+              <a:t> + </a:t>
+            </a:r>
+            <a:r>
+              <a:rPr lang="en-US" dirty="0">
+                <a:solidFill>
+                  <a:schemeClr val="accent2"/>
+                </a:solidFill>
+                <a:sym typeface="Symbol" charset="2"/>
+              </a:rPr>
+              <a:t>E</a:t>
+            </a:r>
+            <a:r>
+              <a:rPr lang="en-US" dirty="0">
+                <a:sym typeface="Symbol" charset="2"/>
+              </a:rPr>
+              <a:t> * E</a:t>
+            </a:r>
+          </a:p>
+          <a:p>
+            <a:pPr>
+              <a:buFontTx/>
+              <a:buNone/>
+            </a:pPr>
+            <a:r>
+              <a:rPr lang="en-US" dirty="0">
+                <a:sym typeface="Symbol" charset="2"/>
+              </a:rPr>
+              <a:t> </a:t>
+            </a:r>
+            <a:r>
+              <a:rPr lang="en-US" b="1" dirty="0">
+                <a:sym typeface="Symbol" charset="2"/>
+              </a:rPr>
+              <a:t>id</a:t>
+            </a:r>
+            <a:r>
+              <a:rPr lang="en-US" dirty="0">
+                <a:sym typeface="Symbol" charset="2"/>
+              </a:rPr>
+              <a:t> + </a:t>
+            </a:r>
+            <a:r>
+              <a:rPr lang="en-US" b="1" dirty="0">
+                <a:sym typeface="Symbol" charset="2"/>
+              </a:rPr>
+              <a:t>id</a:t>
+            </a:r>
+            <a:r>
+              <a:rPr lang="en-US" dirty="0">
+                <a:sym typeface="Symbol" charset="2"/>
+              </a:rPr>
+              <a:t> * </a:t>
+            </a:r>
+            <a:r>
+              <a:rPr lang="en-US" dirty="0">
+                <a:solidFill>
+                  <a:schemeClr val="accent2"/>
+                </a:solidFill>
+                <a:sym typeface="Symbol" charset="2"/>
+              </a:rPr>
+              <a:t>E</a:t>
+            </a:r>
+            <a:endParaRPr lang="en-US" dirty="0">
+              <a:sym typeface="Symbol" charset="2"/>
+            </a:endParaRPr>
+          </a:p>
+          <a:p>
+            <a:pPr>
+              <a:buFontTx/>
+              <a:buNone/>
+            </a:pPr>
+            <a:r>
+              <a:rPr lang="en-US" dirty="0">
+                <a:sym typeface="Symbol" charset="2"/>
+              </a:rPr>
+              <a:t> </a:t>
+            </a:r>
+            <a:r>
+              <a:rPr lang="en-US" b="1" dirty="0">
+                <a:sym typeface="Symbol" charset="2"/>
+              </a:rPr>
+              <a:t>id</a:t>
+            </a:r>
+            <a:r>
+              <a:rPr lang="en-US" dirty="0">
+                <a:sym typeface="Symbol" charset="2"/>
+              </a:rPr>
+              <a:t> + </a:t>
+            </a:r>
+            <a:r>
+              <a:rPr lang="en-US" b="1" dirty="0">
+                <a:sym typeface="Symbol" charset="2"/>
+              </a:rPr>
+              <a:t>id</a:t>
+            </a:r>
+            <a:r>
+              <a:rPr lang="en-US" dirty="0">
+                <a:sym typeface="Symbol" charset="2"/>
+              </a:rPr>
+              <a:t> * </a:t>
+            </a:r>
+            <a:r>
+              <a:rPr lang="en-US" b="1" dirty="0">
+                <a:sym typeface="Symbol" charset="2"/>
+              </a:rPr>
+              <a:t>id</a:t>
+            </a:r>
+            <a:endParaRPr lang="en-US" dirty="0">
+              <a:sym typeface="Symbol" charset="2"/>
+            </a:endParaRPr>
+          </a:p>
+        </p:txBody>
+      </p:sp>
+      <p:sp>
+        <p:nvSpPr>
           <p:cNvPr id="26" name="Slide Number Placeholder 5"/>
           <p:cNvSpPr>
             <a:spLocks noGrp="1"/>
@@ -7201,246 +7225,6 @@
               <a:t>12</a:t>
             </a:fld>
             <a:endParaRPr lang="en-US"/>
-          </a:p>
-        </p:txBody>
-      </p:sp>
-      <p:sp>
-        <p:nvSpPr>
-          <p:cNvPr id="71682" name="Rectangle 2"/>
-          <p:cNvSpPr>
-            <a:spLocks noGrp="1" noChangeArrowheads="1"/>
-          </p:cNvSpPr>
-          <p:nvPr>
-            <p:ph type="title"/>
-          </p:nvPr>
-        </p:nvSpPr>
-        <p:spPr/>
-        <p:txBody>
-          <a:bodyPr/>
-          <a:lstStyle/>
-          <a:p>
-            <a:r>
-              <a:rPr lang="en-US" dirty="0"/>
-              <a:t>Leftmost derivation for</a:t>
-            </a:r>
-            <a:br>
-              <a:rPr lang="en-US" b="1" dirty="0"/>
-            </a:br>
-            <a:r>
-              <a:rPr lang="en-US" b="1" dirty="0"/>
-              <a:t>id + id * id</a:t>
-            </a:r>
-            <a:endParaRPr lang="en-US" dirty="0"/>
-          </a:p>
-        </p:txBody>
-      </p:sp>
-      <p:sp>
-        <p:nvSpPr>
-          <p:cNvPr id="71683" name="Rectangle 3"/>
-          <p:cNvSpPr>
-            <a:spLocks noGrp="1" noChangeArrowheads="1"/>
-          </p:cNvSpPr>
-          <p:nvPr>
-            <p:ph type="body" idx="1"/>
-          </p:nvPr>
-        </p:nvSpPr>
-        <p:spPr>
-          <a:xfrm>
-            <a:off x="1828800" y="2057400"/>
-            <a:ext cx="2895600" cy="3048000"/>
-          </a:xfrm>
-        </p:spPr>
-        <p:txBody>
-          <a:bodyPr/>
-          <a:lstStyle/>
-          <a:p>
-            <a:pPr marL="0" indent="0">
-              <a:buNone/>
-            </a:pPr>
-            <a:r>
-              <a:rPr lang="en-US" dirty="0"/>
-              <a:t>E </a:t>
-            </a:r>
-            <a:r>
-              <a:rPr lang="en-US" dirty="0">
-                <a:sym typeface="Symbol" charset="2"/>
-              </a:rPr>
-              <a:t> </a:t>
-            </a:r>
-            <a:r>
-              <a:rPr lang="en-US" dirty="0">
-                <a:solidFill>
-                  <a:schemeClr val="accent2"/>
-                </a:solidFill>
-                <a:sym typeface="Symbol" charset="2"/>
-              </a:rPr>
-              <a:t>E</a:t>
-            </a:r>
-            <a:r>
-              <a:rPr lang="en-US" dirty="0">
-                <a:sym typeface="Symbol" charset="2"/>
-              </a:rPr>
-              <a:t> * E</a:t>
-            </a:r>
-          </a:p>
-          <a:p>
-            <a:pPr>
-              <a:buFontTx/>
-              <a:buNone/>
-            </a:pPr>
-            <a:r>
-              <a:rPr lang="en-US" dirty="0">
-                <a:sym typeface="Symbol" charset="2"/>
-              </a:rPr>
-              <a:t> </a:t>
-            </a:r>
-            <a:r>
-              <a:rPr lang="en-US" dirty="0">
-                <a:solidFill>
-                  <a:schemeClr val="accent2"/>
-                </a:solidFill>
-                <a:sym typeface="Symbol" charset="2"/>
-              </a:rPr>
-              <a:t>E</a:t>
-            </a:r>
-            <a:r>
-              <a:rPr lang="en-US" dirty="0">
-                <a:sym typeface="Symbol" charset="2"/>
-              </a:rPr>
-              <a:t> + E * E</a:t>
-            </a:r>
-          </a:p>
-          <a:p>
-            <a:pPr>
-              <a:buFontTx/>
-              <a:buNone/>
-            </a:pPr>
-            <a:r>
-              <a:rPr lang="en-US" dirty="0">
-                <a:sym typeface="Symbol" charset="2"/>
-              </a:rPr>
-              <a:t> </a:t>
-            </a:r>
-            <a:r>
-              <a:rPr lang="en-US" b="1" dirty="0">
-                <a:sym typeface="Symbol" charset="2"/>
-              </a:rPr>
-              <a:t>id</a:t>
-            </a:r>
-            <a:r>
-              <a:rPr lang="en-US" dirty="0">
-                <a:sym typeface="Symbol" charset="2"/>
-              </a:rPr>
-              <a:t> + </a:t>
-            </a:r>
-            <a:r>
-              <a:rPr lang="en-US" dirty="0">
-                <a:solidFill>
-                  <a:schemeClr val="accent2"/>
-                </a:solidFill>
-                <a:sym typeface="Symbol" charset="2"/>
-              </a:rPr>
-              <a:t>E</a:t>
-            </a:r>
-            <a:r>
-              <a:rPr lang="en-US" dirty="0">
-                <a:sym typeface="Symbol" charset="2"/>
-              </a:rPr>
-              <a:t> * E</a:t>
-            </a:r>
-          </a:p>
-          <a:p>
-            <a:pPr>
-              <a:buFontTx/>
-              <a:buNone/>
-            </a:pPr>
-            <a:r>
-              <a:rPr lang="en-US" dirty="0">
-                <a:sym typeface="Symbol" charset="2"/>
-              </a:rPr>
-              <a:t> </a:t>
-            </a:r>
-            <a:r>
-              <a:rPr lang="en-US" b="1" dirty="0">
-                <a:sym typeface="Symbol" charset="2"/>
-              </a:rPr>
-              <a:t>id</a:t>
-            </a:r>
-            <a:r>
-              <a:rPr lang="en-US" dirty="0">
-                <a:sym typeface="Symbol" charset="2"/>
-              </a:rPr>
-              <a:t> + </a:t>
-            </a:r>
-            <a:r>
-              <a:rPr lang="en-US" b="1" dirty="0">
-                <a:sym typeface="Symbol" charset="2"/>
-              </a:rPr>
-              <a:t>id</a:t>
-            </a:r>
-            <a:r>
-              <a:rPr lang="en-US" dirty="0">
-                <a:sym typeface="Symbol" charset="2"/>
-              </a:rPr>
-              <a:t> * </a:t>
-            </a:r>
-            <a:r>
-              <a:rPr lang="en-US" dirty="0">
-                <a:solidFill>
-                  <a:schemeClr val="accent2"/>
-                </a:solidFill>
-                <a:sym typeface="Symbol" charset="2"/>
-              </a:rPr>
-              <a:t>E</a:t>
-            </a:r>
-            <a:endParaRPr lang="en-US" dirty="0">
-              <a:sym typeface="Symbol" charset="2"/>
-            </a:endParaRPr>
-          </a:p>
-          <a:p>
-            <a:pPr>
-              <a:buFontTx/>
-              <a:buNone/>
-            </a:pPr>
-            <a:r>
-              <a:rPr lang="en-US" dirty="0">
-                <a:sym typeface="Symbol" charset="2"/>
-              </a:rPr>
-              <a:t> </a:t>
-            </a:r>
-            <a:r>
-              <a:rPr lang="en-US" b="1" dirty="0">
-                <a:sym typeface="Symbol" charset="2"/>
-              </a:rPr>
-              <a:t>id</a:t>
-            </a:r>
-            <a:r>
-              <a:rPr lang="en-US" dirty="0">
-                <a:sym typeface="Symbol" charset="2"/>
-              </a:rPr>
-              <a:t> + </a:t>
-            </a:r>
-            <a:r>
-              <a:rPr lang="en-US" b="1" dirty="0">
-                <a:sym typeface="Symbol" charset="2"/>
-              </a:rPr>
-              <a:t>id</a:t>
-            </a:r>
-            <a:r>
-              <a:rPr lang="en-US" dirty="0">
-                <a:sym typeface="Symbol" charset="2"/>
-              </a:rPr>
-              <a:t> * </a:t>
-            </a:r>
-            <a:r>
-              <a:rPr lang="en-US" b="1" dirty="0">
-                <a:sym typeface="Symbol" charset="2"/>
-              </a:rPr>
-              <a:t>id</a:t>
-            </a:r>
-            <a:endParaRPr lang="en-US" dirty="0">
-              <a:sym typeface="Symbol" charset="2"/>
-            </a:endParaRPr>
           </a:p>
         </p:txBody>
       </p:sp>
@@ -9080,6 +8864,262 @@
       </p:grpSpPr>
       <p:sp>
         <p:nvSpPr>
+          <p:cNvPr id="188418" name="Rectangle 2"/>
+          <p:cNvSpPr>
+            <a:spLocks noGrp="1" noChangeArrowheads="1"/>
+          </p:cNvSpPr>
+          <p:nvPr>
+            <p:ph type="title"/>
+          </p:nvPr>
+        </p:nvSpPr>
+        <p:spPr/>
+        <p:txBody>
+          <a:bodyPr/>
+          <a:lstStyle/>
+          <a:p>
+            <a:r>
+              <a:rPr lang="en-US"/>
+              <a:t>Rightmost derivation for</a:t>
+            </a:r>
+            <a:br>
+              <a:rPr lang="en-US" b="1"/>
+            </a:br>
+            <a:r>
+              <a:rPr lang="en-US" b="1"/>
+              <a:t>id + id * id</a:t>
+            </a:r>
+            <a:endParaRPr lang="en-US"/>
+          </a:p>
+        </p:txBody>
+      </p:sp>
+      <p:sp>
+        <p:nvSpPr>
+          <p:cNvPr id="188419" name="Rectangle 3"/>
+          <p:cNvSpPr>
+            <a:spLocks noGrp="1" noChangeArrowheads="1"/>
+          </p:cNvSpPr>
+          <p:nvPr>
+            <p:ph idx="1"/>
+          </p:nvPr>
+        </p:nvSpPr>
+        <p:spPr>
+          <a:xfrm>
+            <a:off x="1981200" y="2057400"/>
+            <a:ext cx="2743200" cy="3200400"/>
+          </a:xfrm>
+        </p:spPr>
+        <p:txBody>
+          <a:bodyPr/>
+          <a:lstStyle/>
+          <a:p>
+            <a:pPr>
+              <a:buFontTx/>
+              <a:buNone/>
+            </a:pPr>
+            <a:r>
+              <a:rPr lang="en-US" dirty="0"/>
+              <a:t>E </a:t>
+            </a:r>
+            <a:r>
+              <a:rPr lang="en-US" dirty="0">
+                <a:sym typeface="Symbol" charset="2"/>
+              </a:rPr>
+              <a:t> </a:t>
+            </a:r>
+            <a:r>
+              <a:rPr lang="en-US" dirty="0">
+                <a:solidFill>
+                  <a:schemeClr val="tx2"/>
+                </a:solidFill>
+                <a:sym typeface="Symbol" charset="2"/>
+              </a:rPr>
+              <a:t>E</a:t>
+            </a:r>
+            <a:r>
+              <a:rPr lang="en-US" dirty="0">
+                <a:sym typeface="Symbol" charset="2"/>
+              </a:rPr>
+              <a:t> * </a:t>
+            </a:r>
+            <a:r>
+              <a:rPr lang="en-US" dirty="0">
+                <a:solidFill>
+                  <a:schemeClr val="accent2"/>
+                </a:solidFill>
+                <a:sym typeface="Symbol" charset="2"/>
+              </a:rPr>
+              <a:t>E</a:t>
+            </a:r>
+          </a:p>
+          <a:p>
+            <a:pPr>
+              <a:buFontTx/>
+              <a:buNone/>
+            </a:pPr>
+            <a:r>
+              <a:rPr lang="en-US" dirty="0">
+                <a:sym typeface="Symbol" charset="2"/>
+              </a:rPr>
+              <a:t> </a:t>
+            </a:r>
+            <a:r>
+              <a:rPr lang="en-US" dirty="0">
+                <a:solidFill>
+                  <a:schemeClr val="accent2"/>
+                </a:solidFill>
+                <a:sym typeface="Symbol" charset="2"/>
+              </a:rPr>
+              <a:t>E</a:t>
+            </a:r>
+            <a:r>
+              <a:rPr lang="en-US" dirty="0">
+                <a:sym typeface="Symbol" charset="2"/>
+              </a:rPr>
+              <a:t> * </a:t>
+            </a:r>
+            <a:r>
+              <a:rPr lang="en-US" b="1" dirty="0">
+                <a:sym typeface="Symbol" charset="2"/>
+              </a:rPr>
+              <a:t>id</a:t>
+            </a:r>
+            <a:endParaRPr lang="en-US" dirty="0">
+              <a:sym typeface="Symbol" charset="2"/>
+            </a:endParaRPr>
+          </a:p>
+          <a:p>
+            <a:pPr>
+              <a:buFontTx/>
+              <a:buNone/>
+            </a:pPr>
+            <a:r>
+              <a:rPr lang="en-US" dirty="0">
+                <a:sym typeface="Symbol" charset="2"/>
+              </a:rPr>
+              <a:t> E + </a:t>
+            </a:r>
+            <a:r>
+              <a:rPr lang="en-US" dirty="0">
+                <a:solidFill>
+                  <a:schemeClr val="accent2"/>
+                </a:solidFill>
+                <a:sym typeface="Symbol" charset="2"/>
+              </a:rPr>
+              <a:t>E</a:t>
+            </a:r>
+            <a:r>
+              <a:rPr lang="en-US" dirty="0">
+                <a:sym typeface="Symbol" charset="2"/>
+              </a:rPr>
+              <a:t> * </a:t>
+            </a:r>
+            <a:r>
+              <a:rPr lang="en-US" b="1" dirty="0">
+                <a:sym typeface="Symbol" charset="2"/>
+              </a:rPr>
+              <a:t>id</a:t>
+            </a:r>
+            <a:r>
+              <a:rPr lang="en-US" dirty="0">
+                <a:sym typeface="Symbol" charset="2"/>
+              </a:rPr>
+              <a:t> </a:t>
+            </a:r>
+          </a:p>
+          <a:p>
+            <a:pPr>
+              <a:buFontTx/>
+              <a:buNone/>
+            </a:pPr>
+            <a:r>
+              <a:rPr lang="en-US" dirty="0">
+                <a:sym typeface="Symbol" charset="2"/>
+              </a:rPr>
+              <a:t> </a:t>
+            </a:r>
+            <a:r>
+              <a:rPr lang="en-US" dirty="0">
+                <a:solidFill>
+                  <a:schemeClr val="accent2"/>
+                </a:solidFill>
+                <a:sym typeface="Symbol" charset="2"/>
+              </a:rPr>
+              <a:t>E</a:t>
+            </a:r>
+            <a:r>
+              <a:rPr lang="en-US" dirty="0">
+                <a:sym typeface="Symbol" charset="2"/>
+              </a:rPr>
+              <a:t> + </a:t>
+            </a:r>
+            <a:r>
+              <a:rPr lang="en-US" b="1" dirty="0">
+                <a:sym typeface="Symbol" charset="2"/>
+              </a:rPr>
+              <a:t>id</a:t>
+            </a:r>
+            <a:r>
+              <a:rPr lang="en-US" dirty="0">
+                <a:sym typeface="Symbol" charset="2"/>
+              </a:rPr>
+              <a:t> * </a:t>
+            </a:r>
+            <a:r>
+              <a:rPr lang="en-US" b="1" dirty="0">
+                <a:sym typeface="Symbol" charset="2"/>
+              </a:rPr>
+              <a:t>id</a:t>
+            </a:r>
+            <a:endParaRPr lang="en-US" dirty="0">
+              <a:sym typeface="Symbol" charset="2"/>
+            </a:endParaRPr>
+          </a:p>
+          <a:p>
+            <a:pPr>
+              <a:buFontTx/>
+              <a:buNone/>
+            </a:pPr>
+            <a:r>
+              <a:rPr lang="en-US" dirty="0">
+                <a:sym typeface="Symbol" charset="2"/>
+              </a:rPr>
+              <a:t> </a:t>
+            </a:r>
+            <a:r>
+              <a:rPr lang="en-US" b="1" dirty="0">
+                <a:sym typeface="Symbol" charset="2"/>
+              </a:rPr>
+              <a:t>id</a:t>
+            </a:r>
+            <a:r>
+              <a:rPr lang="en-US" dirty="0">
+                <a:sym typeface="Symbol" charset="2"/>
+              </a:rPr>
+              <a:t> + </a:t>
+            </a:r>
+            <a:r>
+              <a:rPr lang="en-US" b="1" dirty="0">
+                <a:sym typeface="Symbol" charset="2"/>
+              </a:rPr>
+              <a:t>id</a:t>
+            </a:r>
+            <a:r>
+              <a:rPr lang="en-US" dirty="0">
+                <a:sym typeface="Symbol" charset="2"/>
+              </a:rPr>
+              <a:t> * </a:t>
+            </a:r>
+            <a:r>
+              <a:rPr lang="en-US" b="1" dirty="0">
+                <a:sym typeface="Symbol" charset="2"/>
+              </a:rPr>
+              <a:t>id</a:t>
+            </a:r>
+          </a:p>
+        </p:txBody>
+      </p:sp>
+      <p:sp>
+        <p:nvSpPr>
           <p:cNvPr id="26" name="Slide Number Placeholder 5"/>
           <p:cNvSpPr>
             <a:spLocks noGrp="1"/>
@@ -9099,262 +9139,6 @@
               <a:t>13</a:t>
             </a:fld>
             <a:endParaRPr lang="en-US"/>
-          </a:p>
-        </p:txBody>
-      </p:sp>
-      <p:sp>
-        <p:nvSpPr>
-          <p:cNvPr id="188418" name="Rectangle 2"/>
-          <p:cNvSpPr>
-            <a:spLocks noGrp="1" noChangeArrowheads="1"/>
-          </p:cNvSpPr>
-          <p:nvPr>
-            <p:ph type="title"/>
-          </p:nvPr>
-        </p:nvSpPr>
-        <p:spPr/>
-        <p:txBody>
-          <a:bodyPr/>
-          <a:lstStyle/>
-          <a:p>
-            <a:r>
-              <a:rPr lang="en-US"/>
-              <a:t>Rightmost derivation for</a:t>
-            </a:r>
-            <a:br>
-              <a:rPr lang="en-US" b="1"/>
-            </a:br>
-            <a:r>
-              <a:rPr lang="en-US" b="1"/>
-              <a:t>id + id * id</a:t>
-            </a:r>
-            <a:endParaRPr lang="en-US"/>
-          </a:p>
-        </p:txBody>
-      </p:sp>
-      <p:sp>
-        <p:nvSpPr>
-          <p:cNvPr id="188419" name="Rectangle 3"/>
-          <p:cNvSpPr>
-            <a:spLocks noGrp="1" noChangeArrowheads="1"/>
-          </p:cNvSpPr>
-          <p:nvPr>
-            <p:ph type="body" idx="1"/>
-          </p:nvPr>
-        </p:nvSpPr>
-        <p:spPr>
-          <a:xfrm>
-            <a:off x="1981200" y="2057400"/>
-            <a:ext cx="2743200" cy="3200400"/>
-          </a:xfrm>
-        </p:spPr>
-        <p:txBody>
-          <a:bodyPr/>
-          <a:lstStyle/>
-          <a:p>
-            <a:pPr>
-              <a:buFontTx/>
-              <a:buNone/>
-            </a:pPr>
-            <a:r>
-              <a:rPr lang="en-US" dirty="0"/>
-              <a:t>E </a:t>
-            </a:r>
-            <a:r>
-              <a:rPr lang="en-US" dirty="0">
-                <a:sym typeface="Symbol" charset="2"/>
-              </a:rPr>
-              <a:t> </a:t>
-            </a:r>
-            <a:r>
-              <a:rPr lang="en-US" dirty="0">
-                <a:solidFill>
-                  <a:schemeClr val="tx2"/>
-                </a:solidFill>
-                <a:sym typeface="Symbol" charset="2"/>
-              </a:rPr>
-              <a:t>E</a:t>
-            </a:r>
-            <a:r>
-              <a:rPr lang="en-US" dirty="0">
-                <a:sym typeface="Symbol" charset="2"/>
-              </a:rPr>
-              <a:t> * </a:t>
-            </a:r>
-            <a:r>
-              <a:rPr lang="en-US" dirty="0">
-                <a:solidFill>
-                  <a:schemeClr val="accent2"/>
-                </a:solidFill>
-                <a:sym typeface="Symbol" charset="2"/>
-              </a:rPr>
-              <a:t>E</a:t>
-            </a:r>
-          </a:p>
-          <a:p>
-            <a:pPr>
-              <a:buFontTx/>
-              <a:buNone/>
-            </a:pPr>
-            <a:r>
-              <a:rPr lang="en-US" dirty="0">
-                <a:sym typeface="Symbol" charset="2"/>
-              </a:rPr>
-              <a:t> </a:t>
-            </a:r>
-            <a:r>
-              <a:rPr lang="en-US" dirty="0">
-                <a:solidFill>
-                  <a:schemeClr val="accent2"/>
-                </a:solidFill>
-                <a:sym typeface="Symbol" charset="2"/>
-              </a:rPr>
-              <a:t>E</a:t>
-            </a:r>
-            <a:r>
-              <a:rPr lang="en-US" dirty="0">
-                <a:sym typeface="Symbol" charset="2"/>
-              </a:rPr>
-              <a:t> * </a:t>
-            </a:r>
-            <a:r>
-              <a:rPr lang="en-US" b="1" dirty="0">
-                <a:sym typeface="Symbol" charset="2"/>
-              </a:rPr>
-              <a:t>id</a:t>
-            </a:r>
-            <a:endParaRPr lang="en-US" dirty="0">
-              <a:sym typeface="Symbol" charset="2"/>
-            </a:endParaRPr>
-          </a:p>
-          <a:p>
-            <a:pPr>
-              <a:buFontTx/>
-              <a:buNone/>
-            </a:pPr>
-            <a:r>
-              <a:rPr lang="en-US" dirty="0">
-                <a:sym typeface="Symbol" charset="2"/>
-              </a:rPr>
-              <a:t> E + </a:t>
-            </a:r>
-            <a:r>
-              <a:rPr lang="en-US" dirty="0">
-                <a:solidFill>
-                  <a:schemeClr val="accent2"/>
-                </a:solidFill>
-                <a:sym typeface="Symbol" charset="2"/>
-              </a:rPr>
-              <a:t>E</a:t>
-            </a:r>
-            <a:r>
-              <a:rPr lang="en-US" dirty="0">
-                <a:sym typeface="Symbol" charset="2"/>
-              </a:rPr>
-              <a:t> * </a:t>
-            </a:r>
-            <a:r>
-              <a:rPr lang="en-US" b="1" dirty="0">
-                <a:sym typeface="Symbol" charset="2"/>
-              </a:rPr>
-              <a:t>id</a:t>
-            </a:r>
-            <a:r>
-              <a:rPr lang="en-US" dirty="0">
-                <a:sym typeface="Symbol" charset="2"/>
-              </a:rPr>
-              <a:t> </a:t>
-            </a:r>
-          </a:p>
-          <a:p>
-            <a:pPr>
-              <a:buFontTx/>
-              <a:buNone/>
-            </a:pPr>
-            <a:r>
-              <a:rPr lang="en-US" dirty="0">
-                <a:sym typeface="Symbol" charset="2"/>
-              </a:rPr>
-              <a:t> </a:t>
-            </a:r>
-            <a:r>
-              <a:rPr lang="en-US" dirty="0">
-                <a:solidFill>
-                  <a:schemeClr val="accent2"/>
-                </a:solidFill>
-                <a:sym typeface="Symbol" charset="2"/>
-              </a:rPr>
-              <a:t>E</a:t>
-            </a:r>
-            <a:r>
-              <a:rPr lang="en-US" dirty="0">
-                <a:sym typeface="Symbol" charset="2"/>
-              </a:rPr>
-              <a:t> + </a:t>
-            </a:r>
-            <a:r>
-              <a:rPr lang="en-US" b="1" dirty="0">
-                <a:sym typeface="Symbol" charset="2"/>
-              </a:rPr>
-              <a:t>id</a:t>
-            </a:r>
-            <a:r>
-              <a:rPr lang="en-US" dirty="0">
-                <a:sym typeface="Symbol" charset="2"/>
-              </a:rPr>
-              <a:t> * </a:t>
-            </a:r>
-            <a:r>
-              <a:rPr lang="en-US" b="1" dirty="0">
-                <a:sym typeface="Symbol" charset="2"/>
-              </a:rPr>
-              <a:t>id</a:t>
-            </a:r>
-            <a:endParaRPr lang="en-US" dirty="0">
-              <a:sym typeface="Symbol" charset="2"/>
-            </a:endParaRPr>
-          </a:p>
-          <a:p>
-            <a:pPr>
-              <a:buFontTx/>
-              <a:buNone/>
-            </a:pPr>
-            <a:r>
-              <a:rPr lang="en-US" dirty="0">
-                <a:sym typeface="Symbol" charset="2"/>
-              </a:rPr>
-              <a:t> </a:t>
-            </a:r>
-            <a:r>
-              <a:rPr lang="en-US" b="1" dirty="0">
-                <a:sym typeface="Symbol" charset="2"/>
-              </a:rPr>
-              <a:t>id</a:t>
-            </a:r>
-            <a:r>
-              <a:rPr lang="en-US" dirty="0">
-                <a:sym typeface="Symbol" charset="2"/>
-              </a:rPr>
-              <a:t> + </a:t>
-            </a:r>
-            <a:r>
-              <a:rPr lang="en-US" b="1" dirty="0">
-                <a:sym typeface="Symbol" charset="2"/>
-              </a:rPr>
-              <a:t>id</a:t>
-            </a:r>
-            <a:r>
-              <a:rPr lang="en-US" dirty="0">
-                <a:sym typeface="Symbol" charset="2"/>
-              </a:rPr>
-              <a:t> * </a:t>
-            </a:r>
-            <a:r>
-              <a:rPr lang="en-US" b="1" dirty="0">
-                <a:sym typeface="Symbol" charset="2"/>
-              </a:rPr>
-              <a:t>id</a:t>
-            </a:r>
           </a:p>
         </p:txBody>
       </p:sp>
@@ -10693,6 +10477,87 @@
       </p:grpSpPr>
       <p:sp>
         <p:nvSpPr>
+          <p:cNvPr id="68610" name="Rectangle 2"/>
+          <p:cNvSpPr>
+            <a:spLocks noGrp="1" noChangeArrowheads="1"/>
+          </p:cNvSpPr>
+          <p:nvPr>
+            <p:ph type="title"/>
+          </p:nvPr>
+        </p:nvSpPr>
+        <p:spPr/>
+        <p:txBody>
+          <a:bodyPr/>
+          <a:lstStyle/>
+          <a:p>
+            <a:r>
+              <a:rPr lang="en-US"/>
+              <a:t>Writing a CFG for a PL</a:t>
+            </a:r>
+          </a:p>
+        </p:txBody>
+      </p:sp>
+      <p:sp>
+        <p:nvSpPr>
+          <p:cNvPr id="68611" name="Rectangle 3"/>
+          <p:cNvSpPr>
+            <a:spLocks noGrp="1" noChangeArrowheads="1"/>
+          </p:cNvSpPr>
+          <p:nvPr>
+            <p:ph idx="1"/>
+          </p:nvPr>
+        </p:nvSpPr>
+        <p:spPr/>
+        <p:txBody>
+          <a:bodyPr/>
+          <a:lstStyle/>
+          <a:p>
+            <a:pPr>
+              <a:lnSpc>
+                <a:spcPct val="90000"/>
+              </a:lnSpc>
+            </a:pPr>
+            <a:r>
+              <a:rPr lang="en-US" sz="2800" dirty="0"/>
+              <a:t>First write (or read) a reference grammar of what you want to be valid programs</a:t>
+            </a:r>
+          </a:p>
+          <a:p>
+            <a:pPr>
+              <a:lnSpc>
+                <a:spcPct val="90000"/>
+              </a:lnSpc>
+            </a:pPr>
+            <a:r>
+              <a:rPr lang="en-US" sz="2800" dirty="0"/>
+              <a:t>For now, we only worry about the structure, so the reference grammar might choose to over-generate in certain cases (e.g. </a:t>
+            </a:r>
+            <a:r>
+              <a:rPr lang="en-US" sz="2400" dirty="0">
+                <a:latin typeface="Courier" charset="0"/>
+              </a:rPr>
+              <a:t>bool x = 20;</a:t>
+            </a:r>
+            <a:r>
+              <a:rPr lang="en-US" sz="2800" dirty="0"/>
+              <a:t> )</a:t>
+            </a:r>
+          </a:p>
+          <a:p>
+            <a:pPr>
+              <a:lnSpc>
+                <a:spcPct val="90000"/>
+              </a:lnSpc>
+            </a:pPr>
+            <a:r>
+              <a:rPr lang="en-US" sz="2800" dirty="0"/>
+              <a:t>Convert the reference grammar to a CFG</a:t>
+            </a:r>
+          </a:p>
+        </p:txBody>
+      </p:sp>
+      <p:sp>
+        <p:nvSpPr>
           <p:cNvPr id="5" name="Slide Number Placeholder 5"/>
           <p:cNvSpPr>
             <a:spLocks noGrp="1"/>
@@ -10712,87 +10577,6 @@
               <a:t>15</a:t>
             </a:fld>
             <a:endParaRPr lang="en-US"/>
-          </a:p>
-        </p:txBody>
-      </p:sp>
-      <p:sp>
-        <p:nvSpPr>
-          <p:cNvPr id="68610" name="Rectangle 2"/>
-          <p:cNvSpPr>
-            <a:spLocks noGrp="1" noChangeArrowheads="1"/>
-          </p:cNvSpPr>
-          <p:nvPr>
-            <p:ph type="title"/>
-          </p:nvPr>
-        </p:nvSpPr>
-        <p:spPr/>
-        <p:txBody>
-          <a:bodyPr/>
-          <a:lstStyle/>
-          <a:p>
-            <a:r>
-              <a:rPr lang="en-US"/>
-              <a:t>Writing a CFG for a PL</a:t>
-            </a:r>
-          </a:p>
-        </p:txBody>
-      </p:sp>
-      <p:sp>
-        <p:nvSpPr>
-          <p:cNvPr id="68611" name="Rectangle 3"/>
-          <p:cNvSpPr>
-            <a:spLocks noGrp="1" noChangeArrowheads="1"/>
-          </p:cNvSpPr>
-          <p:nvPr>
-            <p:ph type="body" idx="1"/>
-          </p:nvPr>
-        </p:nvSpPr>
-        <p:spPr/>
-        <p:txBody>
-          <a:bodyPr/>
-          <a:lstStyle/>
-          <a:p>
-            <a:pPr>
-              <a:lnSpc>
-                <a:spcPct val="90000"/>
-              </a:lnSpc>
-            </a:pPr>
-            <a:r>
-              <a:rPr lang="en-US" sz="2800" dirty="0"/>
-              <a:t>First write (or read) a reference grammar of what you want to be valid programs</a:t>
-            </a:r>
-          </a:p>
-          <a:p>
-            <a:pPr>
-              <a:lnSpc>
-                <a:spcPct val="90000"/>
-              </a:lnSpc>
-            </a:pPr>
-            <a:r>
-              <a:rPr lang="en-US" sz="2800" dirty="0"/>
-              <a:t>For now, we only worry about the structure, so the reference grammar might choose to over-generate in certain cases (e.g. </a:t>
-            </a:r>
-            <a:r>
-              <a:rPr lang="en-US" sz="2400" dirty="0">
-                <a:latin typeface="Courier" charset="0"/>
-              </a:rPr>
-              <a:t>bool x = 20;</a:t>
-            </a:r>
-            <a:r>
-              <a:rPr lang="en-US" sz="2800" dirty="0"/>
-              <a:t> )</a:t>
-            </a:r>
-          </a:p>
-          <a:p>
-            <a:pPr>
-              <a:lnSpc>
-                <a:spcPct val="90000"/>
-              </a:lnSpc>
-            </a:pPr>
-            <a:r>
-              <a:rPr lang="en-US" sz="2800" dirty="0"/>
-              <a:t>Convert the reference grammar to a CFG</a:t>
-            </a:r>
           </a:p>
         </p:txBody>
       </p:sp>
@@ -11008,6 +10792,147 @@
       </p:grpSpPr>
       <p:sp>
         <p:nvSpPr>
+          <p:cNvPr id="69634" name="Rectangle 2"/>
+          <p:cNvSpPr>
+            <a:spLocks noGrp="1" noChangeArrowheads="1"/>
+          </p:cNvSpPr>
+          <p:nvPr>
+            <p:ph type="title"/>
+          </p:nvPr>
+        </p:nvSpPr>
+        <p:spPr/>
+        <p:txBody>
+          <a:bodyPr/>
+          <a:lstStyle/>
+          <a:p>
+            <a:r>
+              <a:rPr lang="en-US" dirty="0"/>
+              <a:t>Arithmetic Expressions</a:t>
+            </a:r>
+          </a:p>
+        </p:txBody>
+      </p:sp>
+      <p:sp>
+        <p:nvSpPr>
+          <p:cNvPr id="69635" name="Rectangle 3"/>
+          <p:cNvSpPr>
+            <a:spLocks noGrp="1" noChangeArrowheads="1"/>
+          </p:cNvSpPr>
+          <p:nvPr>
+            <p:ph idx="1"/>
+          </p:nvPr>
+        </p:nvSpPr>
+        <p:spPr/>
+        <p:txBody>
+          <a:bodyPr/>
+          <a:lstStyle/>
+          <a:p>
+            <a:r>
+              <a:rPr lang="en-US" dirty="0"/>
+              <a:t>E </a:t>
+            </a:r>
+            <a:r>
+              <a:rPr lang="en-US" b="1" dirty="0">
+                <a:sym typeface="Symbol" charset="2"/>
+              </a:rPr>
+              <a:t> </a:t>
+            </a:r>
+            <a:r>
+              <a:rPr lang="en-US" dirty="0">
+                <a:sym typeface="Symbol" charset="2"/>
+              </a:rPr>
+              <a:t>E + E { $$ = $1 + $3 }</a:t>
+            </a:r>
+          </a:p>
+          <a:p>
+            <a:r>
+              <a:rPr lang="en-US" dirty="0">
+                <a:sym typeface="Symbol" charset="2"/>
+              </a:rPr>
+              <a:t>E </a:t>
+            </a:r>
+            <a:r>
+              <a:rPr lang="en-US" b="1" dirty="0">
+                <a:sym typeface="Symbol" charset="2"/>
+              </a:rPr>
+              <a:t> </a:t>
+            </a:r>
+            <a:r>
+              <a:rPr lang="en-US" dirty="0">
+                <a:sym typeface="Symbol" charset="2"/>
+              </a:rPr>
+              <a:t>E * E { $$ = $1 * $3 }</a:t>
+            </a:r>
+          </a:p>
+          <a:p>
+            <a:r>
+              <a:rPr lang="en-US" dirty="0">
+                <a:sym typeface="Symbol" charset="2"/>
+              </a:rPr>
+              <a:t>E </a:t>
+            </a:r>
+            <a:r>
+              <a:rPr lang="en-US" b="1" dirty="0">
+                <a:sym typeface="Symbol" charset="2"/>
+              </a:rPr>
+              <a:t> </a:t>
+            </a:r>
+            <a:r>
+              <a:rPr lang="en-US" dirty="0">
+                <a:sym typeface="Symbol" charset="2"/>
+              </a:rPr>
+              <a:t>( E ) { $$ = $2 }</a:t>
+            </a:r>
+          </a:p>
+          <a:p>
+            <a:r>
+              <a:rPr lang="en-US" dirty="0">
+                <a:sym typeface="Symbol" charset="2"/>
+              </a:rPr>
+              <a:t>E </a:t>
+            </a:r>
+            <a:r>
+              <a:rPr lang="en-US" b="1" dirty="0">
+                <a:sym typeface="Symbol" charset="2"/>
+              </a:rPr>
+              <a:t> </a:t>
+            </a:r>
+            <a:r>
+              <a:rPr lang="en-US" dirty="0">
+                <a:sym typeface="Symbol" charset="2"/>
+              </a:rPr>
+              <a:t>- E { $$ = -1 * $2 }</a:t>
+            </a:r>
+          </a:p>
+          <a:p>
+            <a:r>
+              <a:rPr lang="en-US" dirty="0">
+                <a:sym typeface="Symbol" charset="2"/>
+              </a:rPr>
+              <a:t>E </a:t>
+            </a:r>
+            <a:r>
+              <a:rPr lang="en-US" b="1" dirty="0">
+                <a:sym typeface="Symbol" charset="2"/>
+              </a:rPr>
+              <a:t> id</a:t>
+            </a:r>
+            <a:r>
+              <a:rPr lang="en-US" dirty="0"/>
+              <a:t> </a:t>
+            </a:r>
+            <a:r>
+              <a:rPr lang="en-US" dirty="0">
+                <a:sym typeface="Symbol" charset="2"/>
+              </a:rPr>
+              <a:t>{ $$ = $1 }</a:t>
+            </a:r>
+            <a:endParaRPr lang="en-US" dirty="0"/>
+          </a:p>
+        </p:txBody>
+      </p:sp>
+      <p:sp>
+        <p:nvSpPr>
           <p:cNvPr id="5" name="Slide Number Placeholder 5"/>
           <p:cNvSpPr>
             <a:spLocks noGrp="1"/>
@@ -11027,147 +10952,6 @@
               <a:t>16</a:t>
             </a:fld>
             <a:endParaRPr lang="en-US"/>
-          </a:p>
-        </p:txBody>
-      </p:sp>
-      <p:sp>
-        <p:nvSpPr>
-          <p:cNvPr id="69634" name="Rectangle 2"/>
-          <p:cNvSpPr>
-            <a:spLocks noGrp="1" noChangeArrowheads="1"/>
-          </p:cNvSpPr>
-          <p:nvPr>
-            <p:ph type="title"/>
-          </p:nvPr>
-        </p:nvSpPr>
-        <p:spPr/>
-        <p:txBody>
-          <a:bodyPr/>
-          <a:lstStyle/>
-          <a:p>
-            <a:r>
-              <a:rPr lang="en-US"/>
-              <a:t>Arithmetic Expressions</a:t>
-            </a:r>
-          </a:p>
-        </p:txBody>
-      </p:sp>
-      <p:sp>
-        <p:nvSpPr>
-          <p:cNvPr id="69635" name="Rectangle 3"/>
-          <p:cNvSpPr>
-            <a:spLocks noGrp="1" noChangeArrowheads="1"/>
-          </p:cNvSpPr>
-          <p:nvPr>
-            <p:ph type="body" idx="1"/>
-          </p:nvPr>
-        </p:nvSpPr>
-        <p:spPr/>
-        <p:txBody>
-          <a:bodyPr/>
-          <a:lstStyle/>
-          <a:p>
-            <a:r>
-              <a:rPr lang="en-US" dirty="0"/>
-              <a:t>E </a:t>
-            </a:r>
-            <a:r>
-              <a:rPr lang="en-US" b="1" dirty="0">
-                <a:sym typeface="Symbol" charset="2"/>
-              </a:rPr>
-              <a:t> </a:t>
-            </a:r>
-            <a:r>
-              <a:rPr lang="en-US" dirty="0">
-                <a:sym typeface="Symbol" charset="2"/>
-              </a:rPr>
-              <a:t>E + E { $$ = $1 + $3 }</a:t>
-            </a:r>
-          </a:p>
-          <a:p>
-            <a:r>
-              <a:rPr lang="en-US" dirty="0">
-                <a:sym typeface="Symbol" charset="2"/>
-              </a:rPr>
-              <a:t>E </a:t>
-            </a:r>
-            <a:r>
-              <a:rPr lang="en-US" b="1" dirty="0">
-                <a:sym typeface="Symbol" charset="2"/>
-              </a:rPr>
-              <a:t> </a:t>
-            </a:r>
-            <a:r>
-              <a:rPr lang="en-US" dirty="0">
-                <a:sym typeface="Symbol" charset="2"/>
-              </a:rPr>
-              <a:t>E * E { $$ = $1 * $3 }</a:t>
-            </a:r>
-          </a:p>
-          <a:p>
-            <a:r>
-              <a:rPr lang="en-US" dirty="0">
-                <a:sym typeface="Symbol" charset="2"/>
-              </a:rPr>
-              <a:t>E </a:t>
-            </a:r>
-            <a:r>
-              <a:rPr lang="en-US" b="1" dirty="0">
-                <a:sym typeface="Symbol" charset="2"/>
-              </a:rPr>
-              <a:t> </a:t>
-            </a:r>
-            <a:r>
-              <a:rPr lang="en-US" dirty="0">
-                <a:sym typeface="Symbol" charset="2"/>
-              </a:rPr>
-              <a:t>( E ) { $$ = $2 }</a:t>
-            </a:r>
-          </a:p>
-          <a:p>
-            <a:r>
-              <a:rPr lang="en-US" dirty="0">
-                <a:sym typeface="Symbol" charset="2"/>
-              </a:rPr>
-              <a:t>E </a:t>
-            </a:r>
-            <a:r>
-              <a:rPr lang="en-US" b="1" dirty="0">
-                <a:sym typeface="Symbol" charset="2"/>
-              </a:rPr>
-              <a:t> </a:t>
-            </a:r>
-            <a:r>
-              <a:rPr lang="en-US" dirty="0">
-                <a:sym typeface="Symbol" charset="2"/>
-              </a:rPr>
-              <a:t>- E { $$ = -1 * $2 }</a:t>
-            </a:r>
-          </a:p>
-          <a:p>
-            <a:r>
-              <a:rPr lang="en-US" dirty="0">
-                <a:sym typeface="Symbol" charset="2"/>
-              </a:rPr>
-              <a:t>E </a:t>
-            </a:r>
-            <a:r>
-              <a:rPr lang="en-US" b="1" dirty="0">
-                <a:sym typeface="Symbol" charset="2"/>
-              </a:rPr>
-              <a:t> id</a:t>
-            </a:r>
-            <a:r>
-              <a:rPr lang="en-US" dirty="0"/>
-              <a:t> </a:t>
-            </a:r>
-            <a:r>
-              <a:rPr lang="en-US" dirty="0">
-                <a:sym typeface="Symbol" charset="2"/>
-              </a:rPr>
-              <a:t>{ $$ = $1 }</a:t>
-            </a:r>
-            <a:endParaRPr lang="en-US" dirty="0"/>
           </a:p>
         </p:txBody>
       </p:sp>
@@ -12016,6 +11800,793 @@
           </a:p>
         </p:txBody>
       </p:sp>
+      <p:grpSp>
+        <p:nvGrpSpPr>
+          <p:cNvPr id="39" name="Group 38">
+            <a:extLst>
+              <a:ext uri="{FF2B5EF4-FFF2-40B4-BE49-F238E27FC236}">
+                <a16:creationId xmlns:a16="http://schemas.microsoft.com/office/drawing/2014/main" id="{8118C747-9E41-2F42-9689-BF089AAF819B}"/>
+              </a:ext>
+            </a:extLst>
+          </p:cNvPr>
+          <p:cNvGrpSpPr/>
+          <p:nvPr/>
+        </p:nvGrpSpPr>
+        <p:grpSpPr>
+          <a:xfrm>
+            <a:off x="983213" y="2058744"/>
+            <a:ext cx="2436659" cy="532056"/>
+            <a:chOff x="983213" y="2058744"/>
+            <a:chExt cx="2436659" cy="532056"/>
+          </a:xfrm>
+        </p:grpSpPr>
+        <p:sp>
+          <p:nvSpPr>
+            <p:cNvPr id="2" name="Rectangle 1">
+              <a:extLst>
+                <a:ext uri="{FF2B5EF4-FFF2-40B4-BE49-F238E27FC236}">
+                  <a16:creationId xmlns:a16="http://schemas.microsoft.com/office/drawing/2014/main" id="{BBA5EB35-0DDB-2640-9D7B-5CCC5D855646}"/>
+                </a:ext>
+              </a:extLst>
+            </p:cNvPr>
+            <p:cNvSpPr/>
+            <p:nvPr/>
+          </p:nvSpPr>
+          <p:spPr bwMode="auto">
+            <a:xfrm>
+              <a:off x="983213" y="2060848"/>
+              <a:ext cx="432048" cy="529952"/>
+            </a:xfrm>
+            <a:prstGeom prst="rect">
+              <a:avLst/>
+            </a:prstGeom>
+            <a:noFill/>
+            <a:ln w="28575" cap="flat" cmpd="sng" algn="ctr">
+              <a:solidFill>
+                <a:schemeClr val="tx1"/>
+              </a:solidFill>
+              <a:prstDash val="solid"/>
+              <a:round/>
+              <a:headEnd type="none" w="med" len="med"/>
+              <a:tailEnd type="none" w="med" len="med"/>
+            </a:ln>
+            <a:effectLst/>
+          </p:spPr>
+          <p:txBody>
+            <a:bodyPr vert="horz" wrap="square" lIns="91440" tIns="45720" rIns="91440" bIns="45720" numCol="1" rtlCol="0" anchor="t" anchorCtr="0" compatLnSpc="1">
+              <a:prstTxWarp prst="textNoShape">
+                <a:avLst/>
+              </a:prstTxWarp>
+            </a:bodyPr>
+            <a:lstStyle/>
+            <a:p>
+              <a:pPr marL="0" marR="0" indent="0" algn="l" defTabSz="914400" rtl="0" eaLnBrk="0" fontAlgn="base" latinLnBrk="0" hangingPunct="0">
+                <a:lnSpc>
+                  <a:spcPct val="100000"/>
+                </a:lnSpc>
+                <a:spcBef>
+                  <a:spcPct val="0"/>
+                </a:spcBef>
+                <a:spcAft>
+                  <a:spcPct val="0"/>
+                </a:spcAft>
+                <a:buClrTx/>
+                <a:buSzTx/>
+                <a:buFontTx/>
+                <a:buNone/>
+                <a:tabLst/>
+              </a:pPr>
+              <a:endParaRPr kumimoji="0" lang="en-US" sz="2400" b="0" i="0" u="none" strike="noStrike" cap="none" normalizeH="0" baseline="0" dirty="0">
+                <a:ln>
+                  <a:noFill/>
+                </a:ln>
+                <a:solidFill>
+                  <a:schemeClr val="tx1"/>
+                </a:solidFill>
+                <a:effectLst/>
+                <a:latin typeface="Times" charset="0"/>
+              </a:endParaRPr>
+            </a:p>
+          </p:txBody>
+        </p:sp>
+        <p:sp>
+          <p:nvSpPr>
+            <p:cNvPr id="34" name="Rectangle 33">
+              <a:extLst>
+                <a:ext uri="{FF2B5EF4-FFF2-40B4-BE49-F238E27FC236}">
+                  <a16:creationId xmlns:a16="http://schemas.microsoft.com/office/drawing/2014/main" id="{D3EC4E9B-12EA-B440-9068-D0D1C18540B2}"/>
+                </a:ext>
+              </a:extLst>
+            </p:cNvPr>
+            <p:cNvSpPr/>
+            <p:nvPr/>
+          </p:nvSpPr>
+          <p:spPr bwMode="auto">
+            <a:xfrm>
+              <a:off x="2987824" y="2058744"/>
+              <a:ext cx="432048" cy="529952"/>
+            </a:xfrm>
+            <a:prstGeom prst="rect">
+              <a:avLst/>
+            </a:prstGeom>
+            <a:noFill/>
+            <a:ln w="28575" cap="flat" cmpd="sng" algn="ctr">
+              <a:solidFill>
+                <a:schemeClr val="tx1"/>
+              </a:solidFill>
+              <a:prstDash val="solid"/>
+              <a:round/>
+              <a:headEnd type="none" w="med" len="med"/>
+              <a:tailEnd type="none" w="med" len="med"/>
+            </a:ln>
+            <a:effectLst/>
+          </p:spPr>
+          <p:txBody>
+            <a:bodyPr vert="horz" wrap="square" lIns="91440" tIns="45720" rIns="91440" bIns="45720" numCol="1" rtlCol="0" anchor="t" anchorCtr="0" compatLnSpc="1">
+              <a:prstTxWarp prst="textNoShape">
+                <a:avLst/>
+              </a:prstTxWarp>
+            </a:bodyPr>
+            <a:lstStyle/>
+            <a:p>
+              <a:pPr marL="0" marR="0" indent="0" algn="l" defTabSz="914400" rtl="0" eaLnBrk="0" fontAlgn="base" latinLnBrk="0" hangingPunct="0">
+                <a:lnSpc>
+                  <a:spcPct val="100000"/>
+                </a:lnSpc>
+                <a:spcBef>
+                  <a:spcPct val="0"/>
+                </a:spcBef>
+                <a:spcAft>
+                  <a:spcPct val="0"/>
+                </a:spcAft>
+                <a:buClrTx/>
+                <a:buSzTx/>
+                <a:buFontTx/>
+                <a:buNone/>
+                <a:tabLst/>
+              </a:pPr>
+              <a:endParaRPr kumimoji="0" lang="en-US" sz="2400" b="0" i="0" u="none" strike="noStrike" cap="none" normalizeH="0" baseline="0" dirty="0">
+                <a:ln>
+                  <a:noFill/>
+                </a:ln>
+                <a:solidFill>
+                  <a:schemeClr val="tx1"/>
+                </a:solidFill>
+                <a:effectLst/>
+                <a:latin typeface="Times" charset="0"/>
+              </a:endParaRPr>
+            </a:p>
+          </p:txBody>
+        </p:sp>
+        <p:cxnSp>
+          <p:nvCxnSpPr>
+            <p:cNvPr id="37" name="Curved Connector 36">
+              <a:extLst>
+                <a:ext uri="{FF2B5EF4-FFF2-40B4-BE49-F238E27FC236}">
+                  <a16:creationId xmlns:a16="http://schemas.microsoft.com/office/drawing/2014/main" id="{C2339F3C-161B-6B4D-BF9F-F30867CBFA87}"/>
+                </a:ext>
+              </a:extLst>
+            </p:cNvPr>
+            <p:cNvCxnSpPr>
+              <a:stCxn id="34" idx="0"/>
+              <a:endCxn id="2" idx="0"/>
+            </p:cNvCxnSpPr>
+            <p:nvPr/>
+          </p:nvCxnSpPr>
+          <p:spPr bwMode="auto">
+            <a:xfrm rot="16200000" flipH="1" flipV="1">
+              <a:off x="2200491" y="1057490"/>
+              <a:ext cx="2104" cy="2004611"/>
+            </a:xfrm>
+            <a:prstGeom prst="curvedConnector3">
+              <a:avLst>
+                <a:gd name="adj1" fmla="val -20111835"/>
+              </a:avLst>
+            </a:prstGeom>
+            <a:solidFill>
+              <a:schemeClr val="accent1"/>
+            </a:solidFill>
+            <a:ln w="9525" cap="flat" cmpd="sng" algn="ctr">
+              <a:solidFill>
+                <a:schemeClr val="tx1"/>
+              </a:solidFill>
+              <a:prstDash val="solid"/>
+              <a:round/>
+              <a:headEnd type="none" w="med" len="med"/>
+              <a:tailEnd type="triangle"/>
+            </a:ln>
+            <a:effectLst/>
+          </p:spPr>
+        </p:cxnSp>
+      </p:grpSp>
+      <p:grpSp>
+        <p:nvGrpSpPr>
+          <p:cNvPr id="42" name="Group 41">
+            <a:extLst>
+              <a:ext uri="{FF2B5EF4-FFF2-40B4-BE49-F238E27FC236}">
+                <a16:creationId xmlns:a16="http://schemas.microsoft.com/office/drawing/2014/main" id="{3C876895-A374-C14C-82C8-A31B23ED6BAF}"/>
+              </a:ext>
+            </a:extLst>
+          </p:cNvPr>
+          <p:cNvGrpSpPr/>
+          <p:nvPr/>
+        </p:nvGrpSpPr>
+        <p:grpSpPr>
+          <a:xfrm>
+            <a:off x="1769494" y="2056640"/>
+            <a:ext cx="2436659" cy="532056"/>
+            <a:chOff x="983213" y="2058744"/>
+            <a:chExt cx="2436659" cy="532056"/>
+          </a:xfrm>
+        </p:grpSpPr>
+        <p:sp>
+          <p:nvSpPr>
+            <p:cNvPr id="43" name="Rectangle 42">
+              <a:extLst>
+                <a:ext uri="{FF2B5EF4-FFF2-40B4-BE49-F238E27FC236}">
+                  <a16:creationId xmlns:a16="http://schemas.microsoft.com/office/drawing/2014/main" id="{5673A5C4-DB46-634B-A20D-126192D0A569}"/>
+                </a:ext>
+              </a:extLst>
+            </p:cNvPr>
+            <p:cNvSpPr/>
+            <p:nvPr/>
+          </p:nvSpPr>
+          <p:spPr bwMode="auto">
+            <a:xfrm>
+              <a:off x="983213" y="2060848"/>
+              <a:ext cx="432048" cy="529952"/>
+            </a:xfrm>
+            <a:prstGeom prst="rect">
+              <a:avLst/>
+            </a:prstGeom>
+            <a:noFill/>
+            <a:ln w="28575" cap="flat" cmpd="sng" algn="ctr">
+              <a:solidFill>
+                <a:schemeClr val="tx1"/>
+              </a:solidFill>
+              <a:prstDash val="solid"/>
+              <a:round/>
+              <a:headEnd type="none" w="med" len="med"/>
+              <a:tailEnd type="none" w="med" len="med"/>
+            </a:ln>
+            <a:effectLst/>
+          </p:spPr>
+          <p:txBody>
+            <a:bodyPr vert="horz" wrap="square" lIns="91440" tIns="45720" rIns="91440" bIns="45720" numCol="1" rtlCol="0" anchor="t" anchorCtr="0" compatLnSpc="1">
+              <a:prstTxWarp prst="textNoShape">
+                <a:avLst/>
+              </a:prstTxWarp>
+            </a:bodyPr>
+            <a:lstStyle/>
+            <a:p>
+              <a:pPr marL="0" marR="0" indent="0" algn="l" defTabSz="914400" rtl="0" eaLnBrk="0" fontAlgn="base" latinLnBrk="0" hangingPunct="0">
+                <a:lnSpc>
+                  <a:spcPct val="100000"/>
+                </a:lnSpc>
+                <a:spcBef>
+                  <a:spcPct val="0"/>
+                </a:spcBef>
+                <a:spcAft>
+                  <a:spcPct val="0"/>
+                </a:spcAft>
+                <a:buClrTx/>
+                <a:buSzTx/>
+                <a:buFontTx/>
+                <a:buNone/>
+                <a:tabLst/>
+              </a:pPr>
+              <a:endParaRPr kumimoji="0" lang="en-US" sz="2400" b="0" i="0" u="none" strike="noStrike" cap="none" normalizeH="0" baseline="0" dirty="0">
+                <a:ln>
+                  <a:noFill/>
+                </a:ln>
+                <a:solidFill>
+                  <a:schemeClr val="tx1"/>
+                </a:solidFill>
+                <a:effectLst/>
+                <a:latin typeface="Times" charset="0"/>
+              </a:endParaRPr>
+            </a:p>
+          </p:txBody>
+        </p:sp>
+        <p:sp>
+          <p:nvSpPr>
+            <p:cNvPr id="44" name="Rectangle 43">
+              <a:extLst>
+                <a:ext uri="{FF2B5EF4-FFF2-40B4-BE49-F238E27FC236}">
+                  <a16:creationId xmlns:a16="http://schemas.microsoft.com/office/drawing/2014/main" id="{69DC1609-6FEA-FA45-98E1-8E438750CD0E}"/>
+                </a:ext>
+              </a:extLst>
+            </p:cNvPr>
+            <p:cNvSpPr/>
+            <p:nvPr/>
+          </p:nvSpPr>
+          <p:spPr bwMode="auto">
+            <a:xfrm>
+              <a:off x="2987824" y="2058744"/>
+              <a:ext cx="432048" cy="529952"/>
+            </a:xfrm>
+            <a:prstGeom prst="rect">
+              <a:avLst/>
+            </a:prstGeom>
+            <a:noFill/>
+            <a:ln w="28575" cap="flat" cmpd="sng" algn="ctr">
+              <a:solidFill>
+                <a:schemeClr val="tx1"/>
+              </a:solidFill>
+              <a:prstDash val="solid"/>
+              <a:round/>
+              <a:headEnd type="none" w="med" len="med"/>
+              <a:tailEnd type="none" w="med" len="med"/>
+            </a:ln>
+            <a:effectLst/>
+          </p:spPr>
+          <p:txBody>
+            <a:bodyPr vert="horz" wrap="square" lIns="91440" tIns="45720" rIns="91440" bIns="45720" numCol="1" rtlCol="0" anchor="t" anchorCtr="0" compatLnSpc="1">
+              <a:prstTxWarp prst="textNoShape">
+                <a:avLst/>
+              </a:prstTxWarp>
+            </a:bodyPr>
+            <a:lstStyle/>
+            <a:p>
+              <a:pPr marL="0" marR="0" indent="0" algn="l" defTabSz="914400" rtl="0" eaLnBrk="0" fontAlgn="base" latinLnBrk="0" hangingPunct="0">
+                <a:lnSpc>
+                  <a:spcPct val="100000"/>
+                </a:lnSpc>
+                <a:spcBef>
+                  <a:spcPct val="0"/>
+                </a:spcBef>
+                <a:spcAft>
+                  <a:spcPct val="0"/>
+                </a:spcAft>
+                <a:buClrTx/>
+                <a:buSzTx/>
+                <a:buFontTx/>
+                <a:buNone/>
+                <a:tabLst/>
+              </a:pPr>
+              <a:endParaRPr kumimoji="0" lang="en-US" sz="2400" b="0" i="0" u="none" strike="noStrike" cap="none" normalizeH="0" baseline="0" dirty="0">
+                <a:ln>
+                  <a:noFill/>
+                </a:ln>
+                <a:solidFill>
+                  <a:schemeClr val="tx1"/>
+                </a:solidFill>
+                <a:effectLst/>
+                <a:latin typeface="Times" charset="0"/>
+              </a:endParaRPr>
+            </a:p>
+          </p:txBody>
+        </p:sp>
+        <p:cxnSp>
+          <p:nvCxnSpPr>
+            <p:cNvPr id="45" name="Curved Connector 44">
+              <a:extLst>
+                <a:ext uri="{FF2B5EF4-FFF2-40B4-BE49-F238E27FC236}">
+                  <a16:creationId xmlns:a16="http://schemas.microsoft.com/office/drawing/2014/main" id="{06336E4C-1F5C-194F-8A81-CF9B40686E2E}"/>
+                </a:ext>
+              </a:extLst>
+            </p:cNvPr>
+            <p:cNvCxnSpPr>
+              <a:stCxn id="44" idx="0"/>
+              <a:endCxn id="43" idx="0"/>
+            </p:cNvCxnSpPr>
+            <p:nvPr/>
+          </p:nvCxnSpPr>
+          <p:spPr bwMode="auto">
+            <a:xfrm rot="16200000" flipH="1" flipV="1">
+              <a:off x="2200491" y="1057490"/>
+              <a:ext cx="2104" cy="2004611"/>
+            </a:xfrm>
+            <a:prstGeom prst="curvedConnector3">
+              <a:avLst>
+                <a:gd name="adj1" fmla="val -20111835"/>
+              </a:avLst>
+            </a:prstGeom>
+            <a:solidFill>
+              <a:schemeClr val="accent1"/>
+            </a:solidFill>
+            <a:ln w="9525" cap="flat" cmpd="sng" algn="ctr">
+              <a:solidFill>
+                <a:schemeClr val="tx1"/>
+              </a:solidFill>
+              <a:prstDash val="solid"/>
+              <a:round/>
+              <a:headEnd type="none" w="med" len="med"/>
+              <a:tailEnd type="triangle"/>
+            </a:ln>
+            <a:effectLst/>
+          </p:spPr>
+        </p:cxnSp>
+      </p:grpSp>
+      <p:grpSp>
+        <p:nvGrpSpPr>
+          <p:cNvPr id="46" name="Group 45">
+            <a:extLst>
+              <a:ext uri="{FF2B5EF4-FFF2-40B4-BE49-F238E27FC236}">
+                <a16:creationId xmlns:a16="http://schemas.microsoft.com/office/drawing/2014/main" id="{5CB6F653-A489-F442-9C94-CBB148067594}"/>
+              </a:ext>
+            </a:extLst>
+          </p:cNvPr>
+          <p:cNvGrpSpPr/>
+          <p:nvPr/>
+        </p:nvGrpSpPr>
+        <p:grpSpPr>
+          <a:xfrm>
+            <a:off x="2417566" y="2028519"/>
+            <a:ext cx="2436659" cy="532056"/>
+            <a:chOff x="983213" y="2058744"/>
+            <a:chExt cx="2436659" cy="532056"/>
+          </a:xfrm>
+        </p:grpSpPr>
+        <p:sp>
+          <p:nvSpPr>
+            <p:cNvPr id="47" name="Rectangle 46">
+              <a:extLst>
+                <a:ext uri="{FF2B5EF4-FFF2-40B4-BE49-F238E27FC236}">
+                  <a16:creationId xmlns:a16="http://schemas.microsoft.com/office/drawing/2014/main" id="{D4876C71-B1B2-4444-BC45-69E174860E57}"/>
+                </a:ext>
+              </a:extLst>
+            </p:cNvPr>
+            <p:cNvSpPr/>
+            <p:nvPr/>
+          </p:nvSpPr>
+          <p:spPr bwMode="auto">
+            <a:xfrm>
+              <a:off x="983213" y="2060848"/>
+              <a:ext cx="432048" cy="529952"/>
+            </a:xfrm>
+            <a:prstGeom prst="rect">
+              <a:avLst/>
+            </a:prstGeom>
+            <a:noFill/>
+            <a:ln w="28575" cap="flat" cmpd="sng" algn="ctr">
+              <a:solidFill>
+                <a:schemeClr val="tx1"/>
+              </a:solidFill>
+              <a:prstDash val="solid"/>
+              <a:round/>
+              <a:headEnd type="none" w="med" len="med"/>
+              <a:tailEnd type="none" w="med" len="med"/>
+            </a:ln>
+            <a:effectLst/>
+          </p:spPr>
+          <p:txBody>
+            <a:bodyPr vert="horz" wrap="square" lIns="91440" tIns="45720" rIns="91440" bIns="45720" numCol="1" rtlCol="0" anchor="t" anchorCtr="0" compatLnSpc="1">
+              <a:prstTxWarp prst="textNoShape">
+                <a:avLst/>
+              </a:prstTxWarp>
+            </a:bodyPr>
+            <a:lstStyle/>
+            <a:p>
+              <a:pPr marL="0" marR="0" indent="0" algn="l" defTabSz="914400" rtl="0" eaLnBrk="0" fontAlgn="base" latinLnBrk="0" hangingPunct="0">
+                <a:lnSpc>
+                  <a:spcPct val="100000"/>
+                </a:lnSpc>
+                <a:spcBef>
+                  <a:spcPct val="0"/>
+                </a:spcBef>
+                <a:spcAft>
+                  <a:spcPct val="0"/>
+                </a:spcAft>
+                <a:buClrTx/>
+                <a:buSzTx/>
+                <a:buFontTx/>
+                <a:buNone/>
+                <a:tabLst/>
+              </a:pPr>
+              <a:endParaRPr kumimoji="0" lang="en-US" sz="2400" b="0" i="0" u="none" strike="noStrike" cap="none" normalizeH="0" baseline="0" dirty="0">
+                <a:ln>
+                  <a:noFill/>
+                </a:ln>
+                <a:solidFill>
+                  <a:schemeClr val="tx1"/>
+                </a:solidFill>
+                <a:effectLst/>
+                <a:latin typeface="Times" charset="0"/>
+              </a:endParaRPr>
+            </a:p>
+          </p:txBody>
+        </p:sp>
+        <p:sp>
+          <p:nvSpPr>
+            <p:cNvPr id="48" name="Rectangle 47">
+              <a:extLst>
+                <a:ext uri="{FF2B5EF4-FFF2-40B4-BE49-F238E27FC236}">
+                  <a16:creationId xmlns:a16="http://schemas.microsoft.com/office/drawing/2014/main" id="{024932A8-E1ED-4446-AC4D-4CC3C0ED10AD}"/>
+                </a:ext>
+              </a:extLst>
+            </p:cNvPr>
+            <p:cNvSpPr/>
+            <p:nvPr/>
+          </p:nvSpPr>
+          <p:spPr bwMode="auto">
+            <a:xfrm>
+              <a:off x="2987824" y="2058744"/>
+              <a:ext cx="432048" cy="529952"/>
+            </a:xfrm>
+            <a:prstGeom prst="rect">
+              <a:avLst/>
+            </a:prstGeom>
+            <a:noFill/>
+            <a:ln w="28575" cap="flat" cmpd="sng" algn="ctr">
+              <a:solidFill>
+                <a:schemeClr val="tx1"/>
+              </a:solidFill>
+              <a:prstDash val="solid"/>
+              <a:round/>
+              <a:headEnd type="none" w="med" len="med"/>
+              <a:tailEnd type="none" w="med" len="med"/>
+            </a:ln>
+            <a:effectLst/>
+          </p:spPr>
+          <p:txBody>
+            <a:bodyPr vert="horz" wrap="square" lIns="91440" tIns="45720" rIns="91440" bIns="45720" numCol="1" rtlCol="0" anchor="t" anchorCtr="0" compatLnSpc="1">
+              <a:prstTxWarp prst="textNoShape">
+                <a:avLst/>
+              </a:prstTxWarp>
+            </a:bodyPr>
+            <a:lstStyle/>
+            <a:p>
+              <a:pPr marL="0" marR="0" indent="0" algn="l" defTabSz="914400" rtl="0" eaLnBrk="0" fontAlgn="base" latinLnBrk="0" hangingPunct="0">
+                <a:lnSpc>
+                  <a:spcPct val="100000"/>
+                </a:lnSpc>
+                <a:spcBef>
+                  <a:spcPct val="0"/>
+                </a:spcBef>
+                <a:spcAft>
+                  <a:spcPct val="0"/>
+                </a:spcAft>
+                <a:buClrTx/>
+                <a:buSzTx/>
+                <a:buFontTx/>
+                <a:buNone/>
+                <a:tabLst/>
+              </a:pPr>
+              <a:endParaRPr kumimoji="0" lang="en-US" sz="2400" b="0" i="0" u="none" strike="noStrike" cap="none" normalizeH="0" baseline="0" dirty="0">
+                <a:ln>
+                  <a:noFill/>
+                </a:ln>
+                <a:solidFill>
+                  <a:schemeClr val="tx1"/>
+                </a:solidFill>
+                <a:effectLst/>
+                <a:latin typeface="Times" charset="0"/>
+              </a:endParaRPr>
+            </a:p>
+          </p:txBody>
+        </p:sp>
+        <p:cxnSp>
+          <p:nvCxnSpPr>
+            <p:cNvPr id="49" name="Curved Connector 48">
+              <a:extLst>
+                <a:ext uri="{FF2B5EF4-FFF2-40B4-BE49-F238E27FC236}">
+                  <a16:creationId xmlns:a16="http://schemas.microsoft.com/office/drawing/2014/main" id="{1433E95F-E1CF-4947-B890-824387D5AB8A}"/>
+                </a:ext>
+              </a:extLst>
+            </p:cNvPr>
+            <p:cNvCxnSpPr>
+              <a:stCxn id="48" idx="0"/>
+              <a:endCxn id="47" idx="0"/>
+            </p:cNvCxnSpPr>
+            <p:nvPr/>
+          </p:nvCxnSpPr>
+          <p:spPr bwMode="auto">
+            <a:xfrm rot="16200000" flipH="1" flipV="1">
+              <a:off x="2200491" y="1057490"/>
+              <a:ext cx="2104" cy="2004611"/>
+            </a:xfrm>
+            <a:prstGeom prst="curvedConnector3">
+              <a:avLst>
+                <a:gd name="adj1" fmla="val -20111835"/>
+              </a:avLst>
+            </a:prstGeom>
+            <a:solidFill>
+              <a:schemeClr val="accent1"/>
+            </a:solidFill>
+            <a:ln w="9525" cap="flat" cmpd="sng" algn="ctr">
+              <a:solidFill>
+                <a:schemeClr val="tx1"/>
+              </a:solidFill>
+              <a:prstDash val="solid"/>
+              <a:round/>
+              <a:headEnd type="none" w="med" len="med"/>
+              <a:tailEnd type="triangle"/>
+            </a:ln>
+            <a:effectLst/>
+          </p:spPr>
+        </p:cxnSp>
+      </p:grpSp>
+      <p:grpSp>
+        <p:nvGrpSpPr>
+          <p:cNvPr id="52" name="Group 51">
+            <a:extLst>
+              <a:ext uri="{FF2B5EF4-FFF2-40B4-BE49-F238E27FC236}">
+                <a16:creationId xmlns:a16="http://schemas.microsoft.com/office/drawing/2014/main" id="{97FDE4C4-25CD-B946-940F-FA29FA573D12}"/>
+              </a:ext>
+            </a:extLst>
+          </p:cNvPr>
+          <p:cNvGrpSpPr/>
+          <p:nvPr/>
+        </p:nvGrpSpPr>
+        <p:grpSpPr>
+          <a:xfrm>
+            <a:off x="5702643" y="3903080"/>
+            <a:ext cx="1993561" cy="532395"/>
+            <a:chOff x="5702643" y="3903080"/>
+            <a:chExt cx="1993561" cy="532395"/>
+          </a:xfrm>
+        </p:grpSpPr>
+        <p:cxnSp>
+          <p:nvCxnSpPr>
+            <p:cNvPr id="41" name="Curved Connector 40">
+              <a:extLst>
+                <a:ext uri="{FF2B5EF4-FFF2-40B4-BE49-F238E27FC236}">
+                  <a16:creationId xmlns:a16="http://schemas.microsoft.com/office/drawing/2014/main" id="{FB72E6DF-3EC2-8243-B264-F76CB35B7576}"/>
+                </a:ext>
+              </a:extLst>
+            </p:cNvPr>
+            <p:cNvCxnSpPr/>
+            <p:nvPr/>
+          </p:nvCxnSpPr>
+          <p:spPr bwMode="auto">
+            <a:xfrm rot="5400000" flipH="1" flipV="1">
+              <a:off x="5685604" y="4036911"/>
+              <a:ext cx="415603" cy="381526"/>
+            </a:xfrm>
+            <a:prstGeom prst="curvedConnector3">
+              <a:avLst/>
+            </a:prstGeom>
+            <a:solidFill>
+              <a:schemeClr val="accent1"/>
+            </a:solidFill>
+            <a:ln w="9525" cap="flat" cmpd="sng" algn="ctr">
+              <a:solidFill>
+                <a:schemeClr val="tx1"/>
+              </a:solidFill>
+              <a:prstDash val="solid"/>
+              <a:round/>
+              <a:headEnd type="none" w="med" len="med"/>
+              <a:tailEnd type="triangle"/>
+            </a:ln>
+            <a:effectLst/>
+          </p:spPr>
+        </p:cxnSp>
+        <p:cxnSp>
+          <p:nvCxnSpPr>
+            <p:cNvPr id="51" name="Curved Connector 50">
+              <a:extLst>
+                <a:ext uri="{FF2B5EF4-FFF2-40B4-BE49-F238E27FC236}">
+                  <a16:creationId xmlns:a16="http://schemas.microsoft.com/office/drawing/2014/main" id="{E4B43CD2-4D31-464D-9CA6-8B2D61B5CB76}"/>
+                </a:ext>
+              </a:extLst>
+            </p:cNvPr>
+            <p:cNvCxnSpPr/>
+            <p:nvPr/>
+          </p:nvCxnSpPr>
+          <p:spPr bwMode="auto">
+            <a:xfrm rot="10800000">
+              <a:off x="6944257" y="3903080"/>
+              <a:ext cx="751947" cy="453641"/>
+            </a:xfrm>
+            <a:prstGeom prst="curvedConnector3">
+              <a:avLst/>
+            </a:prstGeom>
+            <a:solidFill>
+              <a:schemeClr val="accent1"/>
+            </a:solidFill>
+            <a:ln w="9525" cap="flat" cmpd="sng" algn="ctr">
+              <a:solidFill>
+                <a:schemeClr val="tx1"/>
+              </a:solidFill>
+              <a:prstDash val="solid"/>
+              <a:round/>
+              <a:headEnd type="none" w="med" len="med"/>
+              <a:tailEnd type="triangle"/>
+            </a:ln>
+            <a:effectLst/>
+          </p:spPr>
+        </p:cxnSp>
+      </p:grpSp>
+      <p:grpSp>
+        <p:nvGrpSpPr>
+          <p:cNvPr id="69632" name="Group 69631">
+            <a:extLst>
+              <a:ext uri="{FF2B5EF4-FFF2-40B4-BE49-F238E27FC236}">
+                <a16:creationId xmlns:a16="http://schemas.microsoft.com/office/drawing/2014/main" id="{E3EC1549-B20B-DB4B-8D8C-1B484888CB81}"/>
+              </a:ext>
+            </a:extLst>
+          </p:cNvPr>
+          <p:cNvGrpSpPr/>
+          <p:nvPr/>
+        </p:nvGrpSpPr>
+        <p:grpSpPr>
+          <a:xfrm>
+            <a:off x="6661947" y="2819400"/>
+            <a:ext cx="2057401" cy="777875"/>
+            <a:chOff x="6661947" y="2819400"/>
+            <a:chExt cx="2057401" cy="777875"/>
+          </a:xfrm>
+        </p:grpSpPr>
+        <p:cxnSp>
+          <p:nvCxnSpPr>
+            <p:cNvPr id="56" name="Curved Connector 55">
+              <a:extLst>
+                <a:ext uri="{FF2B5EF4-FFF2-40B4-BE49-F238E27FC236}">
+                  <a16:creationId xmlns:a16="http://schemas.microsoft.com/office/drawing/2014/main" id="{59F6A5EF-19F7-FA4E-BE89-62D39DF2A977}"/>
+                </a:ext>
+              </a:extLst>
+            </p:cNvPr>
+            <p:cNvCxnSpPr>
+              <a:cxnSpLocks/>
+              <a:stCxn id="9" idx="0"/>
+              <a:endCxn id="7" idx="1"/>
+            </p:cNvCxnSpPr>
+            <p:nvPr/>
+          </p:nvCxnSpPr>
+          <p:spPr bwMode="auto">
+            <a:xfrm rot="5400000" flipH="1" flipV="1">
+              <a:off x="6782200" y="2699147"/>
+              <a:ext cx="777875" cy="1018382"/>
+            </a:xfrm>
+            <a:prstGeom prst="curvedConnector2">
+              <a:avLst/>
+            </a:prstGeom>
+            <a:solidFill>
+              <a:schemeClr val="accent1"/>
+            </a:solidFill>
+            <a:ln w="9525" cap="flat" cmpd="sng" algn="ctr">
+              <a:solidFill>
+                <a:schemeClr val="tx1"/>
+              </a:solidFill>
+              <a:prstDash val="solid"/>
+              <a:round/>
+              <a:headEnd type="none" w="med" len="med"/>
+              <a:tailEnd type="triangle"/>
+            </a:ln>
+            <a:effectLst/>
+          </p:spPr>
+        </p:cxnSp>
+        <p:cxnSp>
+          <p:nvCxnSpPr>
+            <p:cNvPr id="57" name="Curved Connector 56">
+              <a:extLst>
+                <a:ext uri="{FF2B5EF4-FFF2-40B4-BE49-F238E27FC236}">
+                  <a16:creationId xmlns:a16="http://schemas.microsoft.com/office/drawing/2014/main" id="{64863535-7857-D047-B947-5CC1049BE784}"/>
+                </a:ext>
+              </a:extLst>
+            </p:cNvPr>
+            <p:cNvCxnSpPr>
+              <a:cxnSpLocks/>
+              <a:stCxn id="8" idx="0"/>
+              <a:endCxn id="7" idx="3"/>
+            </p:cNvCxnSpPr>
+            <p:nvPr/>
+          </p:nvCxnSpPr>
+          <p:spPr bwMode="auto">
+            <a:xfrm rot="16200000" flipV="1">
+              <a:off x="7995845" y="2873772"/>
+              <a:ext cx="777875" cy="669131"/>
+            </a:xfrm>
+            <a:prstGeom prst="curvedConnector2">
+              <a:avLst/>
+            </a:prstGeom>
+            <a:solidFill>
+              <a:schemeClr val="accent1"/>
+            </a:solidFill>
+            <a:ln w="9525" cap="flat" cmpd="sng" algn="ctr">
+              <a:solidFill>
+                <a:schemeClr val="tx1"/>
+              </a:solidFill>
+              <a:prstDash val="solid"/>
+              <a:round/>
+              <a:headEnd type="none" w="med" len="med"/>
+              <a:tailEnd type="triangle"/>
+            </a:ln>
+            <a:effectLst/>
+          </p:spPr>
+        </p:cxnSp>
+      </p:grpSp>
     </p:spTree>
     <p:extLst>
       <p:ext uri="{BB962C8B-B14F-4D97-AF65-F5344CB8AC3E}">
@@ -12304,6 +12875,366 @@
                       </p:childTnLst>
                     </p:cTn>
                   </p:par>
+                  <p:par>
+                    <p:cTn id="27" fill="hold">
+                      <p:stCondLst>
+                        <p:cond delay="indefinite"/>
+                      </p:stCondLst>
+                      <p:childTnLst>
+                        <p:par>
+                          <p:cTn id="28" fill="hold">
+                            <p:stCondLst>
+                              <p:cond delay="0"/>
+                            </p:stCondLst>
+                            <p:childTnLst>
+                              <p:par>
+                                <p:cTn id="29" presetID="1" presetClass="entr" presetSubtype="0" fill="hold" nodeType="clickEffect">
+                                  <p:stCondLst>
+                                    <p:cond delay="0"/>
+                                  </p:stCondLst>
+                                  <p:childTnLst>
+                                    <p:set>
+                                      <p:cBhvr>
+                                        <p:cTn id="30" dur="1" fill="hold">
+                                          <p:stCondLst>
+                                            <p:cond delay="0"/>
+                                          </p:stCondLst>
+                                        </p:cTn>
+                                        <p:tgtEl>
+                                          <p:spTgt spid="39"/>
+                                        </p:tgtEl>
+                                        <p:attrNameLst>
+                                          <p:attrName>style.visibility</p:attrName>
+                                        </p:attrNameLst>
+                                      </p:cBhvr>
+                                      <p:to>
+                                        <p:strVal val="visible"/>
+                                      </p:to>
+                                    </p:set>
+                                  </p:childTnLst>
+                                </p:cTn>
+                              </p:par>
+                            </p:childTnLst>
+                          </p:cTn>
+                        </p:par>
+                      </p:childTnLst>
+                    </p:cTn>
+                  </p:par>
+                  <p:par>
+                    <p:cTn id="31" fill="hold">
+                      <p:stCondLst>
+                        <p:cond delay="indefinite"/>
+                      </p:stCondLst>
+                      <p:childTnLst>
+                        <p:par>
+                          <p:cTn id="32" fill="hold">
+                            <p:stCondLst>
+                              <p:cond delay="0"/>
+                            </p:stCondLst>
+                            <p:childTnLst>
+                              <p:par>
+                                <p:cTn id="33" presetID="1" presetClass="exit" presetSubtype="0" fill="hold" nodeType="clickEffect">
+                                  <p:stCondLst>
+                                    <p:cond delay="0"/>
+                                  </p:stCondLst>
+                                  <p:childTnLst>
+                                    <p:set>
+                                      <p:cBhvr>
+                                        <p:cTn id="34" dur="1" fill="hold">
+                                          <p:stCondLst>
+                                            <p:cond delay="0"/>
+                                          </p:stCondLst>
+                                        </p:cTn>
+                                        <p:tgtEl>
+                                          <p:spTgt spid="39"/>
+                                        </p:tgtEl>
+                                        <p:attrNameLst>
+                                          <p:attrName>style.visibility</p:attrName>
+                                        </p:attrNameLst>
+                                      </p:cBhvr>
+                                      <p:to>
+                                        <p:strVal val="hidden"/>
+                                      </p:to>
+                                    </p:set>
+                                  </p:childTnLst>
+                                </p:cTn>
+                              </p:par>
+                            </p:childTnLst>
+                          </p:cTn>
+                        </p:par>
+                      </p:childTnLst>
+                    </p:cTn>
+                  </p:par>
+                  <p:par>
+                    <p:cTn id="35" fill="hold">
+                      <p:stCondLst>
+                        <p:cond delay="indefinite"/>
+                      </p:stCondLst>
+                      <p:childTnLst>
+                        <p:par>
+                          <p:cTn id="36" fill="hold">
+                            <p:stCondLst>
+                              <p:cond delay="0"/>
+                            </p:stCondLst>
+                            <p:childTnLst>
+                              <p:par>
+                                <p:cTn id="37" presetID="1" presetClass="entr" presetSubtype="0" fill="hold" nodeType="clickEffect">
+                                  <p:stCondLst>
+                                    <p:cond delay="0"/>
+                                  </p:stCondLst>
+                                  <p:childTnLst>
+                                    <p:set>
+                                      <p:cBhvr>
+                                        <p:cTn id="38" dur="1" fill="hold">
+                                          <p:stCondLst>
+                                            <p:cond delay="0"/>
+                                          </p:stCondLst>
+                                        </p:cTn>
+                                        <p:tgtEl>
+                                          <p:spTgt spid="42"/>
+                                        </p:tgtEl>
+                                        <p:attrNameLst>
+                                          <p:attrName>style.visibility</p:attrName>
+                                        </p:attrNameLst>
+                                      </p:cBhvr>
+                                      <p:to>
+                                        <p:strVal val="visible"/>
+                                      </p:to>
+                                    </p:set>
+                                  </p:childTnLst>
+                                </p:cTn>
+                              </p:par>
+                            </p:childTnLst>
+                          </p:cTn>
+                        </p:par>
+                      </p:childTnLst>
+                    </p:cTn>
+                  </p:par>
+                  <p:par>
+                    <p:cTn id="39" fill="hold">
+                      <p:stCondLst>
+                        <p:cond delay="indefinite"/>
+                      </p:stCondLst>
+                      <p:childTnLst>
+                        <p:par>
+                          <p:cTn id="40" fill="hold">
+                            <p:stCondLst>
+                              <p:cond delay="0"/>
+                            </p:stCondLst>
+                            <p:childTnLst>
+                              <p:par>
+                                <p:cTn id="41" presetID="1" presetClass="exit" presetSubtype="0" fill="hold" nodeType="clickEffect">
+                                  <p:stCondLst>
+                                    <p:cond delay="0"/>
+                                  </p:stCondLst>
+                                  <p:childTnLst>
+                                    <p:set>
+                                      <p:cBhvr>
+                                        <p:cTn id="42" dur="1" fill="hold">
+                                          <p:stCondLst>
+                                            <p:cond delay="0"/>
+                                          </p:stCondLst>
+                                        </p:cTn>
+                                        <p:tgtEl>
+                                          <p:spTgt spid="42"/>
+                                        </p:tgtEl>
+                                        <p:attrNameLst>
+                                          <p:attrName>style.visibility</p:attrName>
+                                        </p:attrNameLst>
+                                      </p:cBhvr>
+                                      <p:to>
+                                        <p:strVal val="hidden"/>
+                                      </p:to>
+                                    </p:set>
+                                  </p:childTnLst>
+                                </p:cTn>
+                              </p:par>
+                            </p:childTnLst>
+                          </p:cTn>
+                        </p:par>
+                      </p:childTnLst>
+                    </p:cTn>
+                  </p:par>
+                  <p:par>
+                    <p:cTn id="43" fill="hold">
+                      <p:stCondLst>
+                        <p:cond delay="indefinite"/>
+                      </p:stCondLst>
+                      <p:childTnLst>
+                        <p:par>
+                          <p:cTn id="44" fill="hold">
+                            <p:stCondLst>
+                              <p:cond delay="0"/>
+                            </p:stCondLst>
+                            <p:childTnLst>
+                              <p:par>
+                                <p:cTn id="45" presetID="1" presetClass="entr" presetSubtype="0" fill="hold" nodeType="clickEffect">
+                                  <p:stCondLst>
+                                    <p:cond delay="0"/>
+                                  </p:stCondLst>
+                                  <p:childTnLst>
+                                    <p:set>
+                                      <p:cBhvr>
+                                        <p:cTn id="46" dur="1" fill="hold">
+                                          <p:stCondLst>
+                                            <p:cond delay="0"/>
+                                          </p:stCondLst>
+                                        </p:cTn>
+                                        <p:tgtEl>
+                                          <p:spTgt spid="46"/>
+                                        </p:tgtEl>
+                                        <p:attrNameLst>
+                                          <p:attrName>style.visibility</p:attrName>
+                                        </p:attrNameLst>
+                                      </p:cBhvr>
+                                      <p:to>
+                                        <p:strVal val="visible"/>
+                                      </p:to>
+                                    </p:set>
+                                  </p:childTnLst>
+                                </p:cTn>
+                              </p:par>
+                            </p:childTnLst>
+                          </p:cTn>
+                        </p:par>
+                      </p:childTnLst>
+                    </p:cTn>
+                  </p:par>
+                  <p:par>
+                    <p:cTn id="47" fill="hold">
+                      <p:stCondLst>
+                        <p:cond delay="indefinite"/>
+                      </p:stCondLst>
+                      <p:childTnLst>
+                        <p:par>
+                          <p:cTn id="48" fill="hold">
+                            <p:stCondLst>
+                              <p:cond delay="0"/>
+                            </p:stCondLst>
+                            <p:childTnLst>
+                              <p:par>
+                                <p:cTn id="49" presetID="1" presetClass="exit" presetSubtype="0" fill="hold" nodeType="clickEffect">
+                                  <p:stCondLst>
+                                    <p:cond delay="0"/>
+                                  </p:stCondLst>
+                                  <p:childTnLst>
+                                    <p:set>
+                                      <p:cBhvr>
+                                        <p:cTn id="50" dur="1" fill="hold">
+                                          <p:stCondLst>
+                                            <p:cond delay="0"/>
+                                          </p:stCondLst>
+                                        </p:cTn>
+                                        <p:tgtEl>
+                                          <p:spTgt spid="46"/>
+                                        </p:tgtEl>
+                                        <p:attrNameLst>
+                                          <p:attrName>style.visibility</p:attrName>
+                                        </p:attrNameLst>
+                                      </p:cBhvr>
+                                      <p:to>
+                                        <p:strVal val="hidden"/>
+                                      </p:to>
+                                    </p:set>
+                                  </p:childTnLst>
+                                </p:cTn>
+                              </p:par>
+                            </p:childTnLst>
+                          </p:cTn>
+                        </p:par>
+                      </p:childTnLst>
+                    </p:cTn>
+                  </p:par>
+                  <p:par>
+                    <p:cTn id="51" fill="hold">
+                      <p:stCondLst>
+                        <p:cond delay="indefinite"/>
+                      </p:stCondLst>
+                      <p:childTnLst>
+                        <p:par>
+                          <p:cTn id="52" fill="hold">
+                            <p:stCondLst>
+                              <p:cond delay="0"/>
+                            </p:stCondLst>
+                            <p:childTnLst>
+                              <p:par>
+                                <p:cTn id="53" presetID="1" presetClass="entr" presetSubtype="0" fill="hold" nodeType="clickEffect">
+                                  <p:stCondLst>
+                                    <p:cond delay="0"/>
+                                  </p:stCondLst>
+                                  <p:childTnLst>
+                                    <p:set>
+                                      <p:cBhvr>
+                                        <p:cTn id="54" dur="1" fill="hold">
+                                          <p:stCondLst>
+                                            <p:cond delay="0"/>
+                                          </p:stCondLst>
+                                        </p:cTn>
+                                        <p:tgtEl>
+                                          <p:spTgt spid="52"/>
+                                        </p:tgtEl>
+                                        <p:attrNameLst>
+                                          <p:attrName>style.visibility</p:attrName>
+                                        </p:attrNameLst>
+                                      </p:cBhvr>
+                                      <p:to>
+                                        <p:strVal val="visible"/>
+                                      </p:to>
+                                    </p:set>
+                                  </p:childTnLst>
+                                </p:cTn>
+                              </p:par>
+                            </p:childTnLst>
+                          </p:cTn>
+                        </p:par>
+                      </p:childTnLst>
+                    </p:cTn>
+                  </p:par>
+                  <p:par>
+                    <p:cTn id="55" fill="hold">
+                      <p:stCondLst>
+                        <p:cond delay="indefinite"/>
+                      </p:stCondLst>
+                      <p:childTnLst>
+                        <p:par>
+                          <p:cTn id="56" fill="hold">
+                            <p:stCondLst>
+                              <p:cond delay="0"/>
+                            </p:stCondLst>
+                            <p:childTnLst>
+                              <p:par>
+                                <p:cTn id="57" presetID="1" presetClass="entr" presetSubtype="0" fill="hold" nodeType="clickEffect">
+                                  <p:stCondLst>
+                                    <p:cond delay="0"/>
+                                  </p:stCondLst>
+                                  <p:childTnLst>
+                                    <p:set>
+                                      <p:cBhvr>
+                                        <p:cTn id="58" dur="1" fill="hold">
+                                          <p:stCondLst>
+                                            <p:cond delay="0"/>
+                                          </p:stCondLst>
+                                        </p:cTn>
+                                        <p:tgtEl>
+                                          <p:spTgt spid="69632"/>
+                                        </p:tgtEl>
+                                        <p:attrNameLst>
+                                          <p:attrName>style.visibility</p:attrName>
+                                        </p:attrNameLst>
+                                      </p:cBhvr>
+                                      <p:to>
+                                        <p:strVal val="visible"/>
+                                      </p:to>
+                                    </p:set>
+                                  </p:childTnLst>
+                                </p:cTn>
+                              </p:par>
+                            </p:childTnLst>
+                          </p:cTn>
+                        </p:par>
+                      </p:childTnLst>
+                    </p:cTn>
+                  </p:par>
                 </p:childTnLst>
               </p:cTn>
               <p:prevCondLst>
@@ -12355,6 +13286,151 @@
       </p:grpSpPr>
       <p:sp>
         <p:nvSpPr>
+          <p:cNvPr id="54274" name="Rectangle 2"/>
+          <p:cNvSpPr>
+            <a:spLocks noGrp="1" noChangeArrowheads="1"/>
+          </p:cNvSpPr>
+          <p:nvPr>
+            <p:ph type="title"/>
+          </p:nvPr>
+        </p:nvSpPr>
+        <p:spPr/>
+        <p:txBody>
+          <a:bodyPr/>
+          <a:lstStyle/>
+          <a:p>
+            <a:r>
+              <a:rPr lang="en-US"/>
+              <a:t>CFG Notation</a:t>
+            </a:r>
+          </a:p>
+        </p:txBody>
+      </p:sp>
+      <p:sp>
+        <p:nvSpPr>
+          <p:cNvPr id="54275" name="Rectangle 3"/>
+          <p:cNvSpPr>
+            <a:spLocks noGrp="1" noChangeArrowheads="1"/>
+          </p:cNvSpPr>
+          <p:nvPr>
+            <p:ph idx="1"/>
+          </p:nvPr>
+        </p:nvSpPr>
+        <p:spPr/>
+        <p:txBody>
+          <a:bodyPr/>
+          <a:lstStyle/>
+          <a:p>
+            <a:r>
+              <a:rPr lang="en-US" dirty="0"/>
+              <a:t>Normal CFG notation</a:t>
+            </a:r>
+          </a:p>
+          <a:p>
+            <a:pPr lvl="1">
+              <a:buFontTx/>
+              <a:buNone/>
+            </a:pPr>
+            <a:r>
+              <a:rPr lang="en-US" dirty="0"/>
+              <a:t>E </a:t>
+            </a:r>
+            <a:r>
+              <a:rPr lang="en-US" b="1" dirty="0">
+                <a:sym typeface="Symbol" charset="2"/>
+              </a:rPr>
+              <a:t></a:t>
+            </a:r>
+            <a:r>
+              <a:rPr lang="en-US" dirty="0"/>
+              <a:t> E * E</a:t>
+            </a:r>
+            <a:r>
+              <a:rPr lang="en-US" sz="2400" dirty="0"/>
+              <a:t> </a:t>
+            </a:r>
+          </a:p>
+          <a:p>
+            <a:pPr lvl="1">
+              <a:buFontTx/>
+              <a:buNone/>
+            </a:pPr>
+            <a:r>
+              <a:rPr lang="en-US" dirty="0"/>
+              <a:t>E </a:t>
+            </a:r>
+            <a:r>
+              <a:rPr lang="en-US" b="1" dirty="0">
+                <a:sym typeface="Symbol" charset="2"/>
+              </a:rPr>
+              <a:t></a:t>
+            </a:r>
+            <a:r>
+              <a:rPr lang="en-US" dirty="0"/>
+              <a:t> E + E</a:t>
+            </a:r>
+          </a:p>
+          <a:p>
+            <a:r>
+              <a:rPr lang="en-US" dirty="0"/>
+              <a:t>Backus </a:t>
+            </a:r>
+            <a:r>
+              <a:rPr lang="en-US" dirty="0" err="1"/>
+              <a:t>Naur</a:t>
+            </a:r>
+            <a:r>
+              <a:rPr lang="en-US" dirty="0"/>
+              <a:t> notation</a:t>
+            </a:r>
+          </a:p>
+          <a:p>
+            <a:pPr lvl="1">
+              <a:buFontTx/>
+              <a:buNone/>
+            </a:pPr>
+            <a:r>
+              <a:rPr lang="en-US" dirty="0"/>
+              <a:t>E ::= E * E | E + E  </a:t>
+            </a:r>
+          </a:p>
+          <a:p>
+            <a:pPr lvl="1">
+              <a:buFontTx/>
+              <a:buNone/>
+            </a:pPr>
+            <a:r>
+              <a:rPr lang="en-US" dirty="0"/>
+              <a:t>(an or-list of right hand sides)</a:t>
+            </a:r>
+          </a:p>
+          <a:p>
+            <a:pPr lvl="1">
+              <a:buFontTx/>
+              <a:buNone/>
+            </a:pPr>
+            <a:r>
+              <a:rPr lang="en-US" dirty="0"/>
+              <a:t>Also:</a:t>
+            </a:r>
+          </a:p>
+          <a:p>
+            <a:pPr lvl="1">
+              <a:buFontTx/>
+              <a:buNone/>
+            </a:pPr>
+            <a:r>
+              <a:rPr lang="en-US" dirty="0">
+                <a:latin typeface="Anonymous Pro" panose="02060609030202000504" pitchFamily="49" charset="0"/>
+                <a:ea typeface="Anonymous Pro" panose="02060609030202000504" pitchFamily="49" charset="0"/>
+              </a:rPr>
+              <a:t>E = E “*” E | E “+” E</a:t>
+            </a:r>
+          </a:p>
+        </p:txBody>
+      </p:sp>
+      <p:sp>
+        <p:nvSpPr>
           <p:cNvPr id="5" name="Slide Number Placeholder 5"/>
           <p:cNvSpPr>
             <a:spLocks noGrp="1"/>
@@ -12374,120 +13450,6 @@
               <a:t>17</a:t>
             </a:fld>
             <a:endParaRPr lang="en-US"/>
-          </a:p>
-        </p:txBody>
-      </p:sp>
-      <p:sp>
-        <p:nvSpPr>
-          <p:cNvPr id="54274" name="Rectangle 2"/>
-          <p:cNvSpPr>
-            <a:spLocks noGrp="1" noChangeArrowheads="1"/>
-          </p:cNvSpPr>
-          <p:nvPr>
-            <p:ph type="title"/>
-          </p:nvPr>
-        </p:nvSpPr>
-        <p:spPr/>
-        <p:txBody>
-          <a:bodyPr/>
-          <a:lstStyle/>
-          <a:p>
-            <a:r>
-              <a:rPr lang="en-US"/>
-              <a:t>CFG Notation</a:t>
-            </a:r>
-          </a:p>
-        </p:txBody>
-      </p:sp>
-      <p:sp>
-        <p:nvSpPr>
-          <p:cNvPr id="54275" name="Rectangle 3"/>
-          <p:cNvSpPr>
-            <a:spLocks noGrp="1" noChangeArrowheads="1"/>
-          </p:cNvSpPr>
-          <p:nvPr>
-            <p:ph type="body" idx="1"/>
-          </p:nvPr>
-        </p:nvSpPr>
-        <p:spPr/>
-        <p:txBody>
-          <a:bodyPr/>
-          <a:lstStyle/>
-          <a:p>
-            <a:r>
-              <a:rPr lang="en-US"/>
-              <a:t>Normal CFG notation</a:t>
-            </a:r>
-          </a:p>
-          <a:p>
-            <a:pPr lvl="1">
-              <a:buFontTx/>
-              <a:buNone/>
-            </a:pPr>
-            <a:r>
-              <a:rPr lang="en-US"/>
-              <a:t>E </a:t>
-            </a:r>
-            <a:r>
-              <a:rPr lang="en-US" b="1">
-                <a:sym typeface="Symbol" charset="2"/>
-              </a:rPr>
-              <a:t></a:t>
-            </a:r>
-            <a:r>
-              <a:rPr lang="en-US"/>
-              <a:t> E * E</a:t>
-            </a:r>
-            <a:r>
-              <a:rPr lang="en-US" sz="2400"/>
-              <a:t> </a:t>
-            </a:r>
-          </a:p>
-          <a:p>
-            <a:pPr lvl="1">
-              <a:buFontTx/>
-              <a:buNone/>
-            </a:pPr>
-            <a:r>
-              <a:rPr lang="en-US"/>
-              <a:t>E </a:t>
-            </a:r>
-            <a:r>
-              <a:rPr lang="en-US" b="1">
-                <a:sym typeface="Symbol" charset="2"/>
-              </a:rPr>
-              <a:t></a:t>
-            </a:r>
-            <a:r>
-              <a:rPr lang="en-US"/>
-              <a:t> E + E</a:t>
-            </a:r>
-          </a:p>
-          <a:p>
-            <a:r>
-              <a:rPr lang="en-US"/>
-              <a:t>Backus Naur notation</a:t>
-            </a:r>
-          </a:p>
-          <a:p>
-            <a:pPr lvl="1">
-              <a:buFontTx/>
-              <a:buNone/>
-            </a:pPr>
-            <a:r>
-              <a:rPr lang="en-US"/>
-              <a:t>E ::= E * E | E + E  </a:t>
-            </a:r>
-          </a:p>
-          <a:p>
-            <a:pPr lvl="1">
-              <a:buFontTx/>
-              <a:buNone/>
-            </a:pPr>
-            <a:r>
-              <a:rPr lang="en-US"/>
-              <a:t>(an or-list of right hand sides)</a:t>
-            </a:r>
           </a:p>
         </p:txBody>
       </p:sp>
@@ -12725,6 +13687,68 @@
                                   </p:childTnLst>
                                 </p:cTn>
                               </p:par>
+                              <p:par>
+                                <p:cTn id="19" presetID="1" presetClass="entr" presetSubtype="0" fill="hold" grpId="0" nodeType="withEffect">
+                                  <p:stCondLst>
+                                    <p:cond delay="0"/>
+                                  </p:stCondLst>
+                                  <p:childTnLst>
+                                    <p:set>
+                                      <p:cBhvr>
+                                        <p:cTn id="20" dur="1" fill="hold">
+                                          <p:stCondLst>
+                                            <p:cond delay="499"/>
+                                          </p:stCondLst>
+                                        </p:cTn>
+                                        <p:tgtEl>
+                                          <p:spTgt spid="54275">
+                                            <p:txEl>
+                                              <p:pRg st="6" end="6"/>
+                                            </p:txEl>
+                                          </p:spTgt>
+                                        </p:tgtEl>
+                                        <p:attrNameLst>
+                                          <p:attrName>style.visibility</p:attrName>
+                                        </p:attrNameLst>
+                                      </p:cBhvr>
+                                      <p:to>
+                                        <p:strVal val="visible"/>
+                                      </p:to>
+                                    </p:set>
+                                  </p:childTnLst>
+                                </p:cTn>
+                              </p:par>
+                              <p:par>
+                                <p:cTn id="21" presetID="1" presetClass="entr" presetSubtype="0" fill="hold" grpId="0" nodeType="withEffect">
+                                  <p:stCondLst>
+                                    <p:cond delay="0"/>
+                                  </p:stCondLst>
+                                  <p:childTnLst>
+                                    <p:set>
+                                      <p:cBhvr>
+                                        <p:cTn id="22" dur="1" fill="hold">
+                                          <p:stCondLst>
+                                            <p:cond delay="499"/>
+                                          </p:stCondLst>
+                                        </p:cTn>
+                                        <p:tgtEl>
+                                          <p:spTgt spid="54275">
+                                            <p:txEl>
+                                              <p:pRg st="7" end="7"/>
+                                            </p:txEl>
+                                          </p:spTgt>
+                                        </p:tgtEl>
+                                        <p:attrNameLst>
+                                          <p:attrName>style.visibility</p:attrName>
+                                        </p:attrNameLst>
+                                      </p:cBhvr>
+                                      <p:to>
+                                        <p:strVal val="visible"/>
+                                      </p:to>
+                                    </p:set>
+                                  </p:childTnLst>
+                                </p:cTn>
+                              </p:par>
                             </p:childTnLst>
                           </p:cTn>
                         </p:par>
@@ -12778,6 +13802,28 @@
       </p:grpSpPr>
       <p:sp>
         <p:nvSpPr>
+          <p:cNvPr id="55298" name="Rectangle 2"/>
+          <p:cNvSpPr>
+            <a:spLocks noGrp="1" noChangeArrowheads="1"/>
+          </p:cNvSpPr>
+          <p:nvPr>
+            <p:ph type="title"/>
+          </p:nvPr>
+        </p:nvSpPr>
+        <p:spPr/>
+        <p:txBody>
+          <a:bodyPr/>
+          <a:lstStyle/>
+          <a:p>
+            <a:r>
+              <a:rPr lang="en-US"/>
+              <a:t>Parsing</a:t>
+            </a:r>
+          </a:p>
+        </p:txBody>
+      </p:sp>
+      <p:sp>
+        <p:nvSpPr>
           <p:cNvPr id="20" name="Slide Number Placeholder 5"/>
           <p:cNvSpPr>
             <a:spLocks noGrp="1"/>
@@ -12797,28 +13843,6 @@
               <a:t>2</a:t>
             </a:fld>
             <a:endParaRPr lang="en-US"/>
-          </a:p>
-        </p:txBody>
-      </p:sp>
-      <p:sp>
-        <p:nvSpPr>
-          <p:cNvPr id="55298" name="Rectangle 2"/>
-          <p:cNvSpPr>
-            <a:spLocks noGrp="1" noChangeArrowheads="1"/>
-          </p:cNvSpPr>
-          <p:nvPr>
-            <p:ph type="title"/>
-          </p:nvPr>
-        </p:nvSpPr>
-        <p:spPr/>
-        <p:txBody>
-          <a:bodyPr/>
-          <a:lstStyle/>
-          <a:p>
-            <a:r>
-              <a:rPr lang="en-US"/>
-              <a:t>Parsing</a:t>
-            </a:r>
           </a:p>
         </p:txBody>
       </p:sp>
@@ -18042,16 +19066,110 @@
         <a:srgbClr val="99CC00"/>
       </a:folHlink>
     </a:clrScheme>
-    <a:fontScheme name="Blank Presentation">
+    <a:fontScheme name="Office">
       <a:majorFont>
-        <a:latin typeface="Times"/>
+        <a:latin typeface="Calibri Light" panose="020F0302020204030204"/>
         <a:ea typeface=""/>
         <a:cs typeface=""/>
+        <a:font script="Jpan" typeface="游ゴシック Light"/>
+        <a:font script="Hang" typeface="맑은 고딕"/>
+        <a:font script="Hans" typeface="等线 Light"/>
+        <a:font script="Hant" typeface="新細明體"/>
+        <a:font script="Arab" typeface="Times New Roman"/>
+        <a:font script="Hebr" typeface="Times New Roman"/>
+        <a:font script="Thai" typeface="Angsana New"/>
+        <a:font script="Ethi" typeface="Nyala"/>
+        <a:font script="Beng" typeface="Vrinda"/>
+        <a:font script="Gujr" typeface="Shruti"/>
+        <a:font script="Khmr" typeface="MoolBoran"/>
+        <a:font script="Knda" typeface="Tunga"/>
+        <a:font script="Guru" typeface="Raavi"/>
+        <a:font script="Cans" typeface="Euphemia"/>
+        <a:font script="Cher" typeface="Plantagenet Cherokee"/>
+        <a:font script="Yiii" typeface="Microsoft Yi Baiti"/>
+        <a:font script="Tibt" typeface="Microsoft Himalaya"/>
+        <a:font script="Thaa" typeface="MV Boli"/>
+        <a:font script="Deva" typeface="Mangal"/>
+        <a:font script="Telu" typeface="Gautami"/>
+        <a:font script="Taml" typeface="Latha"/>
+        <a:font script="Syrc" typeface="Estrangelo Edessa"/>
+        <a:font script="Orya" typeface="Kalinga"/>
+        <a:font script="Mlym" typeface="Kartika"/>
+        <a:font script="Laoo" typeface="DokChampa"/>
+        <a:font script="Sinh" typeface="Iskoola Pota"/>
+        <a:font script="Mong" typeface="Mongolian Baiti"/>
+        <a:font script="Viet" typeface="Times New Roman"/>
+        <a:font script="Uigh" typeface="Microsoft Uighur"/>
+        <a:font script="Geor" typeface="Sylfaen"/>
+        <a:font script="Armn" typeface="Arial"/>
+        <a:font script="Bugi" typeface="Leelawadee UI"/>
+        <a:font script="Bopo" typeface="Microsoft JhengHei"/>
+        <a:font script="Java" typeface="Javanese Text"/>
+        <a:font script="Lisu" typeface="Segoe UI"/>
+        <a:font script="Mymr" typeface="Myanmar Text"/>
+        <a:font script="Nkoo" typeface="Ebrima"/>
+        <a:font script="Olck" typeface="Nirmala UI"/>
+        <a:font script="Osma" typeface="Ebrima"/>
+        <a:font script="Phag" typeface="Phagspa"/>
+        <a:font script="Syrn" typeface="Estrangelo Edessa"/>
+        <a:font script="Syrj" typeface="Estrangelo Edessa"/>
+        <a:font script="Syre" typeface="Estrangelo Edessa"/>
+        <a:font script="Sora" typeface="Nirmala UI"/>
+        <a:font script="Tale" typeface="Microsoft Tai Le"/>
+        <a:font script="Talu" typeface="Microsoft New Tai Lue"/>
+        <a:font script="Tfng" typeface="Ebrima"/>
       </a:majorFont>
       <a:minorFont>
-        <a:latin typeface="Times"/>
+        <a:latin typeface="Calibri" panose="020F0502020204030204"/>
         <a:ea typeface=""/>
         <a:cs typeface=""/>
+        <a:font script="Jpan" typeface="游ゴシック"/>
+        <a:font script="Hang" typeface="맑은 고딕"/>
+        <a:font script="Hans" typeface="等线"/>
+        <a:font script="Hant" typeface="新細明體"/>
+        <a:font script="Arab" typeface="Arial"/>
+        <a:font script="Hebr" typeface="Arial"/>
+        <a:font script="Thai" typeface="Cordia New"/>
+        <a:font script="Ethi" typeface="Nyala"/>
+        <a:font script="Beng" typeface="Vrinda"/>
+        <a:font script="Gujr" typeface="Shruti"/>
+        <a:font script="Khmr" typeface="DaunPenh"/>
+        <a:font script="Knda" typeface="Tunga"/>
+        <a:font script="Guru" typeface="Raavi"/>
+        <a:font script="Cans" typeface="Euphemia"/>
+        <a:font script="Cher" typeface="Plantagenet Cherokee"/>
+        <a:font script="Yiii" typeface="Microsoft Yi Baiti"/>
+        <a:font script="Tibt" typeface="Microsoft Himalaya"/>
+        <a:font script="Thaa" typeface="MV Boli"/>
+        <a:font script="Deva" typeface="Mangal"/>
+        <a:font script="Telu" typeface="Gautami"/>
+        <a:font script="Taml" typeface="Latha"/>
+        <a:font script="Syrc" typeface="Estrangelo Edessa"/>
+        <a:font script="Orya" typeface="Kalinga"/>
+        <a:font script="Mlym" typeface="Kartika"/>
+        <a:font script="Laoo" typeface="DokChampa"/>
+        <a:font script="Sinh" typeface="Iskoola Pota"/>
+        <a:font script="Mong" typeface="Mongolian Baiti"/>
+        <a:font script="Viet" typeface="Arial"/>
+        <a:font script="Uigh" typeface="Microsoft Uighur"/>
+        <a:font script="Geor" typeface="Sylfaen"/>
+        <a:font script="Armn" typeface="Arial"/>
+        <a:font script="Bugi" typeface="Leelawadee UI"/>
+        <a:font script="Bopo" typeface="Microsoft JhengHei"/>
+        <a:font script="Java" typeface="Javanese Text"/>
+        <a:font script="Lisu" typeface="Segoe UI"/>
+        <a:font script="Mymr" typeface="Myanmar Text"/>
+        <a:font script="Nkoo" typeface="Ebrima"/>
+        <a:font script="Olck" typeface="Nirmala UI"/>
+        <a:font script="Osma" typeface="Ebrima"/>
+        <a:font script="Phag" typeface="Phagspa"/>
+        <a:font script="Syrn" typeface="Estrangelo Edessa"/>
+        <a:font script="Syrj" typeface="Estrangelo Edessa"/>
+        <a:font script="Syre" typeface="Estrangelo Edessa"/>
+        <a:font script="Sora" typeface="Nirmala UI"/>
+        <a:font script="Tale" typeface="Microsoft Tai Le"/>
+        <a:font script="Talu" typeface="Microsoft New Tai Lue"/>
+        <a:font script="Tfng" typeface="Ebrima"/>
       </a:minorFont>
     </a:fontScheme>
     <a:fmtScheme name="Office">

--- a/assets/ppt/cfg/cfg1-intro.pptx
+++ b/assets/ppt/cfg/cfg1-intro.pptx
@@ -18,8 +18,8 @@
     <p:sldId id="312" r:id="rId6"/>
     <p:sldId id="313" r:id="rId7"/>
     <p:sldId id="314" r:id="rId8"/>
-    <p:sldId id="315" r:id="rId9"/>
-    <p:sldId id="322" r:id="rId10"/>
+    <p:sldId id="322" r:id="rId9"/>
+    <p:sldId id="315" r:id="rId10"/>
     <p:sldId id="316" r:id="rId11"/>
     <p:sldId id="317" r:id="rId12"/>
     <p:sldId id="318" r:id="rId13"/>
@@ -16799,8 +16799,8 @@
           </a:p>
         </p:txBody>
       </p:sp>
-      <mc:AlternateContent xmlns:mc="http://schemas.openxmlformats.org/markup-compatibility/2006" xmlns:a14="http://schemas.microsoft.com/office/drawing/2010/main">
-        <mc:Choice Requires="a14">
+      <mc:AlternateContent xmlns:mc="http://schemas.openxmlformats.org/markup-compatibility/2006">
+        <mc:Choice xmlns:a14="http://schemas.microsoft.com/office/drawing/2010/main" Requires="a14">
           <p:sp>
             <p:nvSpPr>
               <p:cNvPr id="6" name="Rectangle 5"/>
@@ -16810,7 +16810,7 @@
             <p:spPr>
               <a:xfrm>
                 <a:off x="1835696" y="5085184"/>
-                <a:ext cx="1493912" cy="830997"/>
+                <a:ext cx="1792584" cy="830997"/>
               </a:xfrm>
               <a:prstGeom prst="rect">
                 <a:avLst/>
@@ -16831,7 +16831,7 @@
                       <a:schemeClr val="accent2"/>
                     </a:solidFill>
                   </a:rPr>
-                  <a:t>S</a:t>
+                  <a:t>r1: S</a:t>
                 </a:r>
                 <a:r>
                   <a:rPr lang="en-CA" dirty="0">
@@ -16875,7 +16875,7 @@
                       <a:schemeClr val="accent2"/>
                     </a:solidFill>
                   </a:rPr>
-                  <a:t>S </a:t>
+                  <a:t>r2: S </a:t>
                 </a:r>
                 <a14:m>
                   <m:oMath xmlns:m="http://schemas.openxmlformats.org/officeDocument/2006/math">
@@ -16916,7 +16916,7 @@
             </p:txBody>
           </p:sp>
         </mc:Choice>
-        <mc:Fallback xmlns="">
+        <mc:Fallback>
           <p:sp>
             <p:nvSpPr>
               <p:cNvPr id="6" name="Rectangle 5"/>
@@ -16928,15 +16928,15 @@
             <p:spPr>
               <a:xfrm>
                 <a:off x="1835696" y="5085184"/>
-                <a:ext cx="1493912" cy="830997"/>
+                <a:ext cx="1792584" cy="830997"/>
               </a:xfrm>
               <a:prstGeom prst="rect">
                 <a:avLst/>
               </a:prstGeom>
-              <a:blipFill rotWithShape="1">
+              <a:blipFill>
                 <a:blip r:embed="rId3"/>
                 <a:stretch>
-                  <a:fillRect l="-6122" t="-5839" b="-15328"/>
+                  <a:fillRect l="-5634" t="-4478" b="-14925"/>
                 </a:stretch>
               </a:blipFill>
             </p:spPr>
@@ -16945,7 +16945,7 @@
               <a:lstStyle/>
               <a:p>
                 <a:r>
-                  <a:rPr lang="en-CA">
+                  <a:rPr lang="en-US">
                     <a:noFill/>
                   </a:rPr>
                   <a:t> </a:t>
@@ -16963,8 +16963,8 @@
         </p:nvSpPr>
         <p:spPr>
           <a:xfrm>
-            <a:off x="4230216" y="4941168"/>
-            <a:ext cx="557808" cy="461665"/>
+            <a:off x="1863120" y="5965170"/>
+            <a:ext cx="942456" cy="461665"/>
           </a:xfrm>
           <a:prstGeom prst="rect">
             <a:avLst/>
@@ -16985,8 +16985,25 @@
                   <a:schemeClr val="accent2"/>
                 </a:solidFill>
               </a:rPr>
-              <a:t>S</a:t>
-            </a:r>
+              <a:t>S </a:t>
+            </a:r>
+            <a:r>
+              <a:rPr lang="en-US" dirty="0">
+                <a:sym typeface="Symbol" charset="2"/>
+              </a:rPr>
+              <a:t></a:t>
+            </a:r>
+            <a:r>
+              <a:rPr lang="en-US" baseline="30000" dirty="0">
+                <a:sym typeface="Symbol" charset="2"/>
+              </a:rPr>
+              <a:t>r1</a:t>
+            </a:r>
+            <a:endParaRPr lang="en-CA" baseline="30000" dirty="0">
+              <a:solidFill>
+                <a:schemeClr val="accent2"/>
+              </a:solidFill>
+            </a:endParaRPr>
           </a:p>
         </p:txBody>
       </p:sp>
@@ -16998,42 +17015,7 @@
         </p:nvSpPr>
         <p:spPr>
           <a:xfrm>
-            <a:off x="4067944" y="5238492"/>
-            <a:ext cx="845840" cy="461665"/>
-          </a:xfrm>
-          <a:prstGeom prst="rect">
-            <a:avLst/>
-          </a:prstGeom>
-        </p:spPr>
-        <p:txBody>
-          <a:bodyPr wrap="square">
-            <a:spAutoFit/>
-          </a:bodyPr>
-          <a:lstStyle/>
-          <a:p>
-            <a:pPr marL="0" indent="0">
-              <a:buNone/>
-            </a:pPr>
-            <a:r>
-              <a:rPr lang="en-CA" dirty="0">
-                <a:solidFill>
-                  <a:schemeClr val="accent2"/>
-                </a:solidFill>
-              </a:rPr>
-              <a:t>( S )</a:t>
-            </a:r>
-          </a:p>
-        </p:txBody>
-      </p:sp>
-      <p:sp>
-        <p:nvSpPr>
-          <p:cNvPr id="9" name="Rectangle 8"/>
-          <p:cNvSpPr/>
-          <p:nvPr/>
-        </p:nvSpPr>
-        <p:spPr>
-          <a:xfrm>
-            <a:off x="3880496" y="5598532"/>
+            <a:off x="2688283" y="5966710"/>
             <a:ext cx="1277888" cy="461665"/>
           </a:xfrm>
           <a:prstGeom prst="rect">
@@ -17055,8 +17037,77 @@
                   <a:schemeClr val="accent2"/>
                 </a:solidFill>
               </a:rPr>
-              <a:t>( ( S ) )</a:t>
-            </a:r>
+              <a:t>( S ) </a:t>
+            </a:r>
+            <a:r>
+              <a:rPr lang="en-US" dirty="0">
+                <a:sym typeface="Symbol" charset="2"/>
+              </a:rPr>
+              <a:t></a:t>
+            </a:r>
+            <a:r>
+              <a:rPr lang="en-US" baseline="30000" dirty="0">
+                <a:sym typeface="Symbol" charset="2"/>
+              </a:rPr>
+              <a:t>r1</a:t>
+            </a:r>
+            <a:endParaRPr lang="en-CA" baseline="30000" dirty="0">
+              <a:solidFill>
+                <a:schemeClr val="accent2"/>
+              </a:solidFill>
+            </a:endParaRPr>
+          </a:p>
+        </p:txBody>
+      </p:sp>
+      <p:sp>
+        <p:nvSpPr>
+          <p:cNvPr id="9" name="Rectangle 8"/>
+          <p:cNvSpPr/>
+          <p:nvPr/>
+        </p:nvSpPr>
+        <p:spPr>
+          <a:xfrm>
+            <a:off x="3892999" y="5952274"/>
+            <a:ext cx="1905000" cy="461665"/>
+          </a:xfrm>
+          <a:prstGeom prst="rect">
+            <a:avLst/>
+          </a:prstGeom>
+        </p:spPr>
+        <p:txBody>
+          <a:bodyPr wrap="square">
+            <a:spAutoFit/>
+          </a:bodyPr>
+          <a:lstStyle/>
+          <a:p>
+            <a:pPr marL="0" indent="0">
+              <a:buNone/>
+            </a:pPr>
+            <a:r>
+              <a:rPr lang="en-CA" dirty="0">
+                <a:solidFill>
+                  <a:schemeClr val="accent2"/>
+                </a:solidFill>
+              </a:rPr>
+              <a:t>( ( S ) ) </a:t>
+            </a:r>
+            <a:r>
+              <a:rPr lang="en-US" dirty="0">
+                <a:sym typeface="Symbol" charset="2"/>
+              </a:rPr>
+              <a:t></a:t>
+            </a:r>
+            <a:r>
+              <a:rPr lang="en-US" baseline="30000" dirty="0">
+                <a:sym typeface="Symbol" charset="2"/>
+              </a:rPr>
+              <a:t>r2</a:t>
+            </a:r>
+            <a:endParaRPr lang="en-CA" baseline="30000" dirty="0">
+              <a:solidFill>
+                <a:schemeClr val="accent2"/>
+              </a:solidFill>
+            </a:endParaRPr>
           </a:p>
         </p:txBody>
       </p:sp>
@@ -17068,7 +17119,7 @@
         </p:nvSpPr>
         <p:spPr>
           <a:xfrm>
-            <a:off x="3894784" y="5908100"/>
+            <a:off x="5415152" y="5932652"/>
             <a:ext cx="1277888" cy="461665"/>
           </a:xfrm>
           <a:prstGeom prst="rect">
@@ -17184,7 +17235,7 @@
                                           </p:stCondLst>
                                         </p:cTn>
                                         <p:tgtEl>
-                                          <p:spTgt spid="8"/>
+                                          <p:spTgt spid="7"/>
                                         </p:tgtEl>
                                         <p:attrNameLst>
                                           <p:attrName>style.visibility</p:attrName>
@@ -17229,7 +17280,7 @@
                                           </p:stCondLst>
                                         </p:cTn>
                                         <p:tgtEl>
-                                          <p:spTgt spid="9"/>
+                                          <p:spTgt spid="8"/>
                                         </p:tgtEl>
                                         <p:attrNameLst>
                                           <p:attrName>style.visibility</p:attrName>
@@ -17269,6 +17320,51 @@
                                     <p:set>
                                       <p:cBhvr>
                                         <p:cTn id="18" dur="1" fill="hold">
+                                          <p:stCondLst>
+                                            <p:cond delay="0"/>
+                                          </p:stCondLst>
+                                        </p:cTn>
+                                        <p:tgtEl>
+                                          <p:spTgt spid="9"/>
+                                        </p:tgtEl>
+                                        <p:attrNameLst>
+                                          <p:attrName>style.visibility</p:attrName>
+                                        </p:attrNameLst>
+                                      </p:cBhvr>
+                                      <p:to>
+                                        <p:strVal val="visible"/>
+                                      </p:to>
+                                    </p:set>
+                                  </p:childTnLst>
+                                </p:cTn>
+                              </p:par>
+                            </p:childTnLst>
+                          </p:cTn>
+                        </p:par>
+                      </p:childTnLst>
+                    </p:cTn>
+                  </p:par>
+                  <p:par>
+                    <p:cTn id="19" fill="hold">
+                      <p:stCondLst>
+                        <p:cond delay="indefinite"/>
+                      </p:stCondLst>
+                      <p:childTnLst>
+                        <p:par>
+                          <p:cTn id="20" fill="hold">
+                            <p:stCondLst>
+                              <p:cond delay="0"/>
+                            </p:stCondLst>
+                            <p:childTnLst>
+                              <p:par>
+                                <p:cTn id="21" presetID="1" presetClass="entr" presetSubtype="0" fill="hold" grpId="0" nodeType="clickEffect">
+                                  <p:stCondLst>
+                                    <p:cond delay="0"/>
+                                  </p:stCondLst>
+                                  <p:childTnLst>
+                                    <p:set>
+                                      <p:cBhvr>
+                                        <p:cTn id="22" dur="1" fill="hold">
                                           <p:stCondLst>
                                             <p:cond delay="0"/>
                                           </p:stCondLst>
@@ -17316,6 +17412,7 @@
     </p:tnLst>
     <p:bldLst>
       <p:bldP spid="6" grpId="0"/>
+      <p:bldP spid="7" grpId="0"/>
       <p:bldP spid="8" grpId="0"/>
       <p:bldP spid="9" grpId="0"/>
       <p:bldP spid="10" grpId="0"/>
@@ -17358,843 +17455,13 @@
           <a:p>
             <a:r>
               <a:rPr lang="en-CA" dirty="0"/>
-              <a:t>Language of CFGs</a:t>
+              <a:t>Derivation and Parse Tree</a:t>
             </a:r>
           </a:p>
         </p:txBody>
       </p:sp>
-      <mc:AlternateContent xmlns:mc="http://schemas.openxmlformats.org/markup-compatibility/2006" xmlns:a14="http://schemas.microsoft.com/office/drawing/2010/main">
-        <mc:Choice Requires="a14">
-          <p:sp>
-            <p:nvSpPr>
-              <p:cNvPr id="3" name="Content Placeholder 2"/>
-              <p:cNvSpPr>
-                <a:spLocks noGrp="1"/>
-              </p:cNvSpPr>
-              <p:nvPr>
-                <p:ph idx="1"/>
-              </p:nvPr>
-            </p:nvSpPr>
-            <p:spPr/>
-            <p:txBody>
-              <a:bodyPr/>
-              <a:lstStyle/>
-              <a:p>
-                <a:r>
-                  <a:rPr lang="en-CA" dirty="0"/>
-                  <a:t>Let </a:t>
-                </a:r>
-                <a:r>
-                  <a:rPr lang="en-CA" dirty="0">
-                    <a:solidFill>
-                      <a:schemeClr val="accent2"/>
-                    </a:solidFill>
-                  </a:rPr>
-                  <a:t>G</a:t>
-                </a:r>
-                <a:r>
-                  <a:rPr lang="en-CA" dirty="0"/>
-                  <a:t> be a context free grammar with start symbol </a:t>
-                </a:r>
-                <a:r>
-                  <a:rPr lang="en-CA" dirty="0">
-                    <a:solidFill>
-                      <a:schemeClr val="accent2"/>
-                    </a:solidFill>
-                  </a:rPr>
-                  <a:t>S</a:t>
-                </a:r>
-                <a:r>
-                  <a:rPr lang="en-CA" dirty="0"/>
-                  <a:t>, and terminals </a:t>
-                </a:r>
-                <a:r>
-                  <a:rPr lang="en-CA" dirty="0">
-                    <a:solidFill>
-                      <a:schemeClr val="accent2"/>
-                    </a:solidFill>
-                  </a:rPr>
-                  <a:t>T</a:t>
-                </a:r>
-                <a:r>
-                  <a:rPr lang="en-CA" dirty="0"/>
-                  <a:t> </a:t>
-                </a:r>
-              </a:p>
-              <a:p>
-                <a:pPr lvl="1"/>
-                <a:r>
-                  <a:rPr lang="en-CA" dirty="0"/>
-                  <a:t>The language </a:t>
-                </a:r>
-                <a:r>
-                  <a:rPr lang="en-CA" dirty="0">
-                    <a:solidFill>
-                      <a:schemeClr val="accent2"/>
-                    </a:solidFill>
-                  </a:rPr>
-                  <a:t>L(G)</a:t>
-                </a:r>
-                <a:r>
-                  <a:rPr lang="en-CA" dirty="0"/>
-                  <a:t> of </a:t>
-                </a:r>
-                <a:r>
-                  <a:rPr lang="en-CA" dirty="0">
-                    <a:solidFill>
-                      <a:schemeClr val="accent2"/>
-                    </a:solidFill>
-                  </a:rPr>
-                  <a:t>G</a:t>
-                </a:r>
-                <a:r>
-                  <a:rPr lang="en-CA" dirty="0"/>
-                  <a:t> is:</a:t>
-                </a:r>
-              </a:p>
-              <a:p>
-                <a:pPr lvl="1"/>
-                <a:endParaRPr lang="en-CA" dirty="0"/>
-              </a:p>
-              <a:p>
-                <a:pPr marL="914400" lvl="2" indent="0">
-                  <a:buNone/>
-                </a:pPr>
-                <a14:m>
-                  <m:oMathPara xmlns:m="http://schemas.openxmlformats.org/officeDocument/2006/math">
-                    <m:oMathParaPr>
-                      <m:jc m:val="centerGroup"/>
-                    </m:oMathParaPr>
-                    <m:oMath xmlns:m="http://schemas.openxmlformats.org/officeDocument/2006/math">
-                      <m:d>
-                        <m:dPr>
-                          <m:begChr m:val="{"/>
-                          <m:endChr m:val="|"/>
-                          <m:ctrlPr>
-                            <a:rPr lang="en-CA" sz="2800" b="0" i="1" smtClean="0">
-                              <a:solidFill>
-                                <a:schemeClr val="accent2"/>
-                              </a:solidFill>
-                              <a:latin typeface="Cambria Math" panose="02040503050406030204" pitchFamily="18" charset="0"/>
-                            </a:rPr>
-                          </m:ctrlPr>
-                        </m:dPr>
-                        <m:e>
-                          <m:sSub>
-                            <m:sSubPr>
-                              <m:ctrlPr>
-                                <a:rPr lang="en-CA" sz="2800" i="1">
-                                  <a:solidFill>
-                                    <a:schemeClr val="accent2"/>
-                                  </a:solidFill>
-                                  <a:latin typeface="Cambria Math" panose="02040503050406030204" pitchFamily="18" charset="0"/>
-                                  <a:ea typeface="Cambria Math"/>
-                                </a:rPr>
-                              </m:ctrlPr>
-                            </m:sSubPr>
-                            <m:e>
-                              <m:r>
-                                <a:rPr lang="en-CA" sz="2800" i="1">
-                                  <a:solidFill>
-                                    <a:schemeClr val="accent2"/>
-                                  </a:solidFill>
-                                  <a:latin typeface="Cambria Math"/>
-                                  <a:ea typeface="Cambria Math"/>
-                                </a:rPr>
-                                <m:t>𝛼</m:t>
-                              </m:r>
-                            </m:e>
-                            <m:sub>
-                              <m:r>
-                                <a:rPr lang="en-CA" sz="2800" i="1">
-                                  <a:solidFill>
-                                    <a:schemeClr val="accent2"/>
-                                  </a:solidFill>
-                                  <a:latin typeface="Cambria Math"/>
-                                  <a:ea typeface="Cambria Math"/>
-                                </a:rPr>
-                                <m:t>1</m:t>
-                              </m:r>
-                            </m:sub>
-                          </m:sSub>
-                          <m:r>
-                            <a:rPr lang="en-CA" sz="2800" i="1">
-                              <a:solidFill>
-                                <a:schemeClr val="accent2"/>
-                              </a:solidFill>
-                              <a:latin typeface="Cambria Math"/>
-                              <a:ea typeface="Cambria Math"/>
-                            </a:rPr>
-                            <m:t>…</m:t>
-                          </m:r>
-                          <m:sSub>
-                            <m:sSubPr>
-                              <m:ctrlPr>
-                                <a:rPr lang="en-CA" sz="2800" i="1">
-                                  <a:solidFill>
-                                    <a:schemeClr val="accent2"/>
-                                  </a:solidFill>
-                                  <a:latin typeface="Cambria Math" panose="02040503050406030204" pitchFamily="18" charset="0"/>
-                                  <a:ea typeface="Cambria Math"/>
-                                </a:rPr>
-                              </m:ctrlPr>
-                            </m:sSubPr>
-                            <m:e>
-                              <m:r>
-                                <a:rPr lang="en-CA" sz="2800" i="1">
-                                  <a:solidFill>
-                                    <a:schemeClr val="accent2"/>
-                                  </a:solidFill>
-                                  <a:latin typeface="Cambria Math"/>
-                                  <a:ea typeface="Cambria Math"/>
-                                </a:rPr>
-                                <m:t>𝛼</m:t>
-                              </m:r>
-                            </m:e>
-                            <m:sub>
-                              <m:r>
-                                <a:rPr lang="en-CA" sz="2800" i="1">
-                                  <a:solidFill>
-                                    <a:schemeClr val="accent2"/>
-                                  </a:solidFill>
-                                  <a:latin typeface="Cambria Math"/>
-                                  <a:ea typeface="Cambria Math"/>
-                                </a:rPr>
-                                <m:t>𝑛</m:t>
-                              </m:r>
-                            </m:sub>
-                          </m:sSub>
-                        </m:e>
-                      </m:d>
-                      <m:r>
-                        <a:rPr lang="en-CA" sz="2800" b="0" i="1" smtClean="0">
-                          <a:solidFill>
-                            <a:schemeClr val="accent2"/>
-                          </a:solidFill>
-                          <a:latin typeface="Cambria Math"/>
-                        </a:rPr>
-                        <m:t> </m:t>
-                      </m:r>
-                      <m:sSub>
-                        <m:sSubPr>
-                          <m:ctrlPr>
-                            <a:rPr lang="en-CA" sz="2800" b="0" i="1" smtClean="0">
-                              <a:solidFill>
-                                <a:schemeClr val="accent2"/>
-                              </a:solidFill>
-                              <a:latin typeface="Cambria Math" panose="02040503050406030204" pitchFamily="18" charset="0"/>
-                            </a:rPr>
-                          </m:ctrlPr>
-                        </m:sSubPr>
-                        <m:e>
-                          <m:r>
-                            <a:rPr lang="en-CA" sz="2800" b="0" i="1" smtClean="0">
-                              <a:solidFill>
-                                <a:schemeClr val="accent2"/>
-                              </a:solidFill>
-                              <a:latin typeface="Cambria Math"/>
-                              <a:ea typeface="Cambria Math"/>
-                            </a:rPr>
-                            <m:t>∀</m:t>
-                          </m:r>
-                        </m:e>
-                        <m:sub>
-                          <m:r>
-                            <a:rPr lang="en-CA" sz="2800" b="0" i="1" smtClean="0">
-                              <a:solidFill>
-                                <a:schemeClr val="accent2"/>
-                              </a:solidFill>
-                              <a:latin typeface="Cambria Math"/>
-                            </a:rPr>
-                            <m:t>𝑖</m:t>
-                          </m:r>
-                        </m:sub>
-                      </m:sSub>
-                      <m:r>
-                        <a:rPr lang="en-CA" sz="2800" b="0" i="1" smtClean="0">
-                          <a:solidFill>
-                            <a:schemeClr val="accent2"/>
-                          </a:solidFill>
-                          <a:latin typeface="Cambria Math"/>
-                        </a:rPr>
-                        <m:t> </m:t>
-                      </m:r>
-                      <m:sSub>
-                        <m:sSubPr>
-                          <m:ctrlPr>
-                            <a:rPr lang="en-CA" sz="2800" b="0" i="1" smtClean="0">
-                              <a:solidFill>
-                                <a:schemeClr val="accent2"/>
-                              </a:solidFill>
-                              <a:latin typeface="Cambria Math" panose="02040503050406030204" pitchFamily="18" charset="0"/>
-                            </a:rPr>
-                          </m:ctrlPr>
-                        </m:sSubPr>
-                        <m:e>
-                          <m:r>
-                            <a:rPr lang="en-CA" sz="2800" b="0" i="1" smtClean="0">
-                              <a:solidFill>
-                                <a:schemeClr val="accent2"/>
-                              </a:solidFill>
-                              <a:latin typeface="Cambria Math"/>
-                              <a:ea typeface="Cambria Math"/>
-                            </a:rPr>
-                            <m:t>𝛼</m:t>
-                          </m:r>
-                        </m:e>
-                        <m:sub>
-                          <m:r>
-                            <a:rPr lang="en-CA" sz="2800" b="0" i="1" smtClean="0">
-                              <a:solidFill>
-                                <a:schemeClr val="accent2"/>
-                              </a:solidFill>
-                              <a:latin typeface="Cambria Math"/>
-                            </a:rPr>
-                            <m:t>𝑖</m:t>
-                          </m:r>
-                        </m:sub>
-                      </m:sSub>
-                      <m:r>
-                        <a:rPr lang="en-CA" sz="2800" b="0" i="1" smtClean="0">
-                          <a:solidFill>
-                            <a:schemeClr val="accent2"/>
-                          </a:solidFill>
-                          <a:latin typeface="Cambria Math"/>
-                          <a:ea typeface="Cambria Math"/>
-                        </a:rPr>
-                        <m:t>∈</m:t>
-                      </m:r>
-                      <m:r>
-                        <a:rPr lang="en-CA" sz="2800" b="0" i="1" smtClean="0">
-                          <a:solidFill>
-                            <a:schemeClr val="accent2"/>
-                          </a:solidFill>
-                          <a:latin typeface="Cambria Math"/>
-                          <a:ea typeface="Cambria Math"/>
-                        </a:rPr>
-                        <m:t>𝑇</m:t>
-                      </m:r>
-                      <m:r>
-                        <a:rPr lang="en-CA" sz="2800" b="0" i="1" smtClean="0">
-                          <a:solidFill>
-                            <a:schemeClr val="accent2"/>
-                          </a:solidFill>
-                          <a:latin typeface="Cambria Math"/>
-                          <a:ea typeface="Cambria Math"/>
-                        </a:rPr>
-                        <m:t> ^ </m:t>
-                      </m:r>
-                      <m:r>
-                        <a:rPr lang="en-CA" sz="2800" b="0" i="1" smtClean="0">
-                          <a:solidFill>
-                            <a:schemeClr val="accent2"/>
-                          </a:solidFill>
-                          <a:latin typeface="Cambria Math"/>
-                          <a:ea typeface="Cambria Math"/>
-                        </a:rPr>
-                        <m:t>𝑆</m:t>
-                      </m:r>
-                      <m:sSup>
-                        <m:sSupPr>
-                          <m:ctrlPr>
-                            <a:rPr lang="en-CA" sz="2800" b="0" i="1" smtClean="0">
-                              <a:solidFill>
-                                <a:schemeClr val="accent2"/>
-                              </a:solidFill>
-                              <a:latin typeface="Cambria Math" panose="02040503050406030204" pitchFamily="18" charset="0"/>
-                              <a:ea typeface="Cambria Math"/>
-                            </a:rPr>
-                          </m:ctrlPr>
-                        </m:sSupPr>
-                        <m:e>
-                          <m:r>
-                            <a:rPr lang="en-CA" sz="2800" b="0" i="1" smtClean="0">
-                              <a:solidFill>
-                                <a:schemeClr val="accent2"/>
-                              </a:solidFill>
-                              <a:latin typeface="Cambria Math"/>
-                              <a:ea typeface="Cambria Math"/>
-                            </a:rPr>
-                            <m:t>→</m:t>
-                          </m:r>
-                        </m:e>
-                        <m:sup>
-                          <m:r>
-                            <a:rPr lang="en-CA" sz="2800" b="0" i="1" smtClean="0">
-                              <a:solidFill>
-                                <a:schemeClr val="accent2"/>
-                              </a:solidFill>
-                              <a:latin typeface="Cambria Math"/>
-                              <a:ea typeface="Cambria Math"/>
-                            </a:rPr>
-                            <m:t>∗</m:t>
-                          </m:r>
-                        </m:sup>
-                      </m:sSup>
-                      <m:r>
-                        <a:rPr lang="en-CA" sz="2800" b="0" i="1" smtClean="0">
-                          <a:solidFill>
-                            <a:schemeClr val="accent2"/>
-                          </a:solidFill>
-                          <a:latin typeface="Cambria Math"/>
-                          <a:ea typeface="Cambria Math"/>
-                        </a:rPr>
-                        <m:t> </m:t>
-                      </m:r>
-                      <m:sSub>
-                        <m:sSubPr>
-                          <m:ctrlPr>
-                            <a:rPr lang="en-CA" sz="2800" b="0" i="1" smtClean="0">
-                              <a:solidFill>
-                                <a:schemeClr val="accent2"/>
-                              </a:solidFill>
-                              <a:latin typeface="Cambria Math" panose="02040503050406030204" pitchFamily="18" charset="0"/>
-                              <a:ea typeface="Cambria Math"/>
-                            </a:rPr>
-                          </m:ctrlPr>
-                        </m:sSubPr>
-                        <m:e>
-                          <m:r>
-                            <a:rPr lang="en-CA" sz="2800" i="1">
-                              <a:solidFill>
-                                <a:schemeClr val="accent2"/>
-                              </a:solidFill>
-                              <a:latin typeface="Cambria Math"/>
-                              <a:ea typeface="Cambria Math"/>
-                            </a:rPr>
-                            <m:t>𝛼</m:t>
-                          </m:r>
-                        </m:e>
-                        <m:sub>
-                          <m:r>
-                            <a:rPr lang="en-CA" sz="2800" b="0" i="1" smtClean="0">
-                              <a:solidFill>
-                                <a:schemeClr val="accent2"/>
-                              </a:solidFill>
-                              <a:latin typeface="Cambria Math"/>
-                              <a:ea typeface="Cambria Math"/>
-                            </a:rPr>
-                            <m:t>1</m:t>
-                          </m:r>
-                        </m:sub>
-                      </m:sSub>
-                      <m:r>
-                        <a:rPr lang="en-CA" sz="2800" b="0" i="1" smtClean="0">
-                          <a:solidFill>
-                            <a:schemeClr val="accent2"/>
-                          </a:solidFill>
-                          <a:latin typeface="Cambria Math"/>
-                          <a:ea typeface="Cambria Math"/>
-                        </a:rPr>
-                        <m:t>…</m:t>
-                      </m:r>
-                      <m:sSub>
-                        <m:sSubPr>
-                          <m:ctrlPr>
-                            <a:rPr lang="en-CA" sz="2800" i="1">
-                              <a:solidFill>
-                                <a:schemeClr val="accent2"/>
-                              </a:solidFill>
-                              <a:latin typeface="Cambria Math" panose="02040503050406030204" pitchFamily="18" charset="0"/>
-                              <a:ea typeface="Cambria Math"/>
-                            </a:rPr>
-                          </m:ctrlPr>
-                        </m:sSubPr>
-                        <m:e>
-                          <m:r>
-                            <a:rPr lang="en-CA" sz="2800" i="1">
-                              <a:solidFill>
-                                <a:schemeClr val="accent2"/>
-                              </a:solidFill>
-                              <a:latin typeface="Cambria Math"/>
-                              <a:ea typeface="Cambria Math"/>
-                            </a:rPr>
-                            <m:t>𝛼</m:t>
-                          </m:r>
-                        </m:e>
-                        <m:sub>
-                          <m:r>
-                            <a:rPr lang="en-CA" sz="2800" b="0" i="1" smtClean="0">
-                              <a:solidFill>
-                                <a:schemeClr val="accent2"/>
-                              </a:solidFill>
-                              <a:latin typeface="Cambria Math"/>
-                              <a:ea typeface="Cambria Math"/>
-                            </a:rPr>
-                            <m:t>𝑛</m:t>
-                          </m:r>
-                        </m:sub>
-                      </m:sSub>
-                      <m:r>
-                        <a:rPr lang="en-CA" sz="2800" b="0" i="1" smtClean="0">
-                          <a:solidFill>
-                            <a:schemeClr val="accent2"/>
-                          </a:solidFill>
-                          <a:latin typeface="Cambria Math"/>
-                        </a:rPr>
-                        <m:t>}</m:t>
-                      </m:r>
-                    </m:oMath>
-                  </m:oMathPara>
-                </a14:m>
-                <a:endParaRPr lang="en-CA" sz="2800" dirty="0">
-                  <a:solidFill>
-                    <a:schemeClr val="accent2"/>
-                  </a:solidFill>
-                </a:endParaRPr>
-              </a:p>
-              <a:p>
-                <a:pPr marL="914400" lvl="2" indent="0">
-                  <a:buNone/>
-                </a:pPr>
-                <a:r>
-                  <a:rPr lang="en-CA" sz="2800" dirty="0">
-                    <a:solidFill>
-                      <a:schemeClr val="accent2"/>
-                    </a:solidFill>
-                  </a:rPr>
-                  <a:t>{</a:t>
-                </a:r>
-                <a:r>
-                  <a:rPr lang="el-GR" sz="2800" dirty="0">
-                    <a:solidFill>
-                      <a:schemeClr val="accent2"/>
-                    </a:solidFill>
-                  </a:rPr>
-                  <a:t>ε</a:t>
-                </a:r>
-                <a:r>
-                  <a:rPr lang="en-CA" sz="2800" dirty="0">
-                    <a:solidFill>
-                      <a:schemeClr val="accent2"/>
-                    </a:solidFill>
-                  </a:rPr>
-                  <a:t>, (), (()), ((())), …}</a:t>
-                </a:r>
-              </a:p>
-            </p:txBody>
-          </p:sp>
-        </mc:Choice>
-        <mc:Fallback xmlns="">
-          <p:sp>
-            <p:nvSpPr>
-              <p:cNvPr id="3" name="Content Placeholder 2"/>
-              <p:cNvSpPr>
-                <a:spLocks noGrp="1" noRot="1" noChangeAspect="1" noMove="1" noResize="1" noEditPoints="1" noAdjustHandles="1" noChangeArrowheads="1" noChangeShapeType="1" noTextEdit="1"/>
-              </p:cNvSpPr>
-              <p:nvPr>
-                <p:ph idx="1"/>
-              </p:nvPr>
-            </p:nvSpPr>
-            <p:spPr>
-              <a:blipFill rotWithShape="1">
-                <a:blip r:embed="rId2"/>
-                <a:stretch>
-                  <a:fillRect l="-2118" t="-2222"/>
-                </a:stretch>
-              </a:blipFill>
-            </p:spPr>
-            <p:txBody>
-              <a:bodyPr/>
-              <a:lstStyle/>
-              <a:p>
-                <a:r>
-                  <a:rPr lang="en-CA">
-                    <a:noFill/>
-                  </a:rPr>
-                  <a:t> </a:t>
-                </a:r>
-              </a:p>
-            </p:txBody>
-          </p:sp>
-        </mc:Fallback>
-      </mc:AlternateContent>
-      <p:sp>
-        <p:nvSpPr>
-          <p:cNvPr id="5" name="Slide Number Placeholder 4"/>
-          <p:cNvSpPr>
-            <a:spLocks noGrp="1"/>
-          </p:cNvSpPr>
-          <p:nvPr>
-            <p:ph type="sldNum" sz="quarter" idx="12"/>
-          </p:nvPr>
-        </p:nvSpPr>
-        <p:spPr/>
-        <p:txBody>
-          <a:bodyPr/>
-          <a:lstStyle/>
-          <a:p>
-            <a:fld id="{D94201BD-6681-B946-ACD9-A8F6D28AC38D}" type="slidenum">
-              <a:rPr lang="en-US" smtClean="0"/>
-              <a:pPr/>
-              <a:t>8</a:t>
-            </a:fld>
-            <a:endParaRPr lang="en-US"/>
-          </a:p>
-        </p:txBody>
-      </p:sp>
-    </p:spTree>
-    <p:extLst>
-      <p:ext uri="{BB962C8B-B14F-4D97-AF65-F5344CB8AC3E}">
-        <p14:creationId xmlns:p14="http://schemas.microsoft.com/office/powerpoint/2010/main" val="75161417"/>
-      </p:ext>
-    </p:extLst>
-  </p:cSld>
-  <p:clrMapOvr>
-    <a:masterClrMapping/>
-  </p:clrMapOvr>
-  <p:timing>
-    <p:tnLst>
-      <p:par>
-        <p:cTn id="1" dur="indefinite" restart="never" nodeType="tmRoot">
-          <p:childTnLst>
-            <p:seq concurrent="1" nextAc="seek">
-              <p:cTn id="2" dur="indefinite" nodeType="mainSeq">
-                <p:childTnLst>
-                  <p:par>
-                    <p:cTn id="3" fill="hold">
-                      <p:stCondLst>
-                        <p:cond delay="indefinite"/>
-                      </p:stCondLst>
-                      <p:childTnLst>
-                        <p:par>
-                          <p:cTn id="4" fill="hold">
-                            <p:stCondLst>
-                              <p:cond delay="0"/>
-                            </p:stCondLst>
-                            <p:childTnLst>
-                              <p:par>
-                                <p:cTn id="5" presetID="1" presetClass="entr" presetSubtype="0" fill="hold" nodeType="clickEffect">
-                                  <p:stCondLst>
-                                    <p:cond delay="0"/>
-                                  </p:stCondLst>
-                                  <p:childTnLst>
-                                    <p:set>
-                                      <p:cBhvr>
-                                        <p:cTn id="6" dur="1" fill="hold">
-                                          <p:stCondLst>
-                                            <p:cond delay="0"/>
-                                          </p:stCondLst>
-                                        </p:cTn>
-                                        <p:tgtEl>
-                                          <p:spTgt spid="3">
-                                            <p:txEl>
-                                              <p:pRg st="0" end="0"/>
-                                            </p:txEl>
-                                          </p:spTgt>
-                                        </p:tgtEl>
-                                        <p:attrNameLst>
-                                          <p:attrName>style.visibility</p:attrName>
-                                        </p:attrNameLst>
-                                      </p:cBhvr>
-                                      <p:to>
-                                        <p:strVal val="visible"/>
-                                      </p:to>
-                                    </p:set>
-                                  </p:childTnLst>
-                                </p:cTn>
-                              </p:par>
-                              <p:par>
-                                <p:cTn id="7" presetID="1" presetClass="entr" presetSubtype="0" fill="hold" nodeType="withEffect">
-                                  <p:stCondLst>
-                                    <p:cond delay="0"/>
-                                  </p:stCondLst>
-                                  <p:childTnLst>
-                                    <p:set>
-                                      <p:cBhvr>
-                                        <p:cTn id="8" dur="1" fill="hold">
-                                          <p:stCondLst>
-                                            <p:cond delay="0"/>
-                                          </p:stCondLst>
-                                        </p:cTn>
-                                        <p:tgtEl>
-                                          <p:spTgt spid="3">
-                                            <p:txEl>
-                                              <p:pRg st="1" end="1"/>
-                                            </p:txEl>
-                                          </p:spTgt>
-                                        </p:tgtEl>
-                                        <p:attrNameLst>
-                                          <p:attrName>style.visibility</p:attrName>
-                                        </p:attrNameLst>
-                                      </p:cBhvr>
-                                      <p:to>
-                                        <p:strVal val="visible"/>
-                                      </p:to>
-                                    </p:set>
-                                  </p:childTnLst>
-                                </p:cTn>
-                              </p:par>
-                            </p:childTnLst>
-                          </p:cTn>
-                        </p:par>
-                      </p:childTnLst>
-                    </p:cTn>
-                  </p:par>
-                  <p:par>
-                    <p:cTn id="9" fill="hold">
-                      <p:stCondLst>
-                        <p:cond delay="indefinite"/>
-                      </p:stCondLst>
-                      <p:childTnLst>
-                        <p:par>
-                          <p:cTn id="10" fill="hold">
-                            <p:stCondLst>
-                              <p:cond delay="0"/>
-                            </p:stCondLst>
-                            <p:childTnLst>
-                              <p:par>
-                                <p:cTn id="11" presetID="1" presetClass="entr" presetSubtype="0" fill="hold" nodeType="clickEffect">
-                                  <p:stCondLst>
-                                    <p:cond delay="0"/>
-                                  </p:stCondLst>
-                                  <p:childTnLst>
-                                    <p:set>
-                                      <p:cBhvr>
-                                        <p:cTn id="12" dur="1" fill="hold">
-                                          <p:stCondLst>
-                                            <p:cond delay="0"/>
-                                          </p:stCondLst>
-                                        </p:cTn>
-                                        <p:tgtEl>
-                                          <p:spTgt spid="3">
-                                            <p:txEl>
-                                              <p:pRg st="3" end="3"/>
-                                            </p:txEl>
-                                          </p:spTgt>
-                                        </p:tgtEl>
-                                        <p:attrNameLst>
-                                          <p:attrName>style.visibility</p:attrName>
-                                        </p:attrNameLst>
-                                      </p:cBhvr>
-                                      <p:to>
-                                        <p:strVal val="visible"/>
-                                      </p:to>
-                                    </p:set>
-                                  </p:childTnLst>
-                                </p:cTn>
-                              </p:par>
-                            </p:childTnLst>
-                          </p:cTn>
-                        </p:par>
-                      </p:childTnLst>
-                    </p:cTn>
-                  </p:par>
-                  <p:par>
-                    <p:cTn id="13" fill="hold">
-                      <p:stCondLst>
-                        <p:cond delay="indefinite"/>
-                      </p:stCondLst>
-                      <p:childTnLst>
-                        <p:par>
-                          <p:cTn id="14" fill="hold">
-                            <p:stCondLst>
-                              <p:cond delay="0"/>
-                            </p:stCondLst>
-                            <p:childTnLst>
-                              <p:par>
-                                <p:cTn id="15" presetID="1" presetClass="entr" presetSubtype="0" fill="hold" nodeType="clickEffect">
-                                  <p:stCondLst>
-                                    <p:cond delay="0"/>
-                                  </p:stCondLst>
-                                  <p:childTnLst>
-                                    <p:set>
-                                      <p:cBhvr>
-                                        <p:cTn id="16" dur="1" fill="hold">
-                                          <p:stCondLst>
-                                            <p:cond delay="0"/>
-                                          </p:stCondLst>
-                                        </p:cTn>
-                                        <p:tgtEl>
-                                          <p:spTgt spid="3">
-                                            <p:txEl>
-                                              <p:pRg st="4" end="4"/>
-                                            </p:txEl>
-                                          </p:spTgt>
-                                        </p:tgtEl>
-                                        <p:attrNameLst>
-                                          <p:attrName>style.visibility</p:attrName>
-                                        </p:attrNameLst>
-                                      </p:cBhvr>
-                                      <p:to>
-                                        <p:strVal val="visible"/>
-                                      </p:to>
-                                    </p:set>
-                                  </p:childTnLst>
-                                </p:cTn>
-                              </p:par>
-                            </p:childTnLst>
-                          </p:cTn>
-                        </p:par>
-                      </p:childTnLst>
-                    </p:cTn>
-                  </p:par>
-                </p:childTnLst>
-              </p:cTn>
-              <p:prevCondLst>
-                <p:cond evt="onPrev" delay="0">
-                  <p:tgtEl>
-                    <p:sldTgt/>
-                  </p:tgtEl>
-                </p:cond>
-              </p:prevCondLst>
-              <p:nextCondLst>
-                <p:cond evt="onNext" delay="0">
-                  <p:tgtEl>
-                    <p:sldTgt/>
-                  </p:tgtEl>
-                </p:cond>
-              </p:nextCondLst>
-            </p:seq>
-          </p:childTnLst>
-        </p:cTn>
-      </p:par>
-    </p:tnLst>
-  </p:timing>
-</p:sld>
-</file>
-
-<file path=ppt/slides/slide9.xml><?xml version="1.0" encoding="utf-8"?>
-<p:sld xmlns:a="http://schemas.openxmlformats.org/drawingml/2006/main" xmlns:r="http://schemas.openxmlformats.org/officeDocument/2006/relationships" xmlns:p="http://schemas.openxmlformats.org/presentationml/2006/main">
-  <p:cSld>
-    <p:spTree>
-      <p:nvGrpSpPr>
-        <p:cNvPr id="1" name=""/>
-        <p:cNvGrpSpPr/>
-        <p:nvPr/>
-      </p:nvGrpSpPr>
-      <p:grpSpPr>
-        <a:xfrm>
-          <a:off x="0" y="0"/>
-          <a:ext cx="0" cy="0"/>
-          <a:chOff x="0" y="0"/>
-          <a:chExt cx="0" cy="0"/>
-        </a:xfrm>
-      </p:grpSpPr>
-      <p:sp>
-        <p:nvSpPr>
-          <p:cNvPr id="2" name="Title 1"/>
-          <p:cNvSpPr>
-            <a:spLocks noGrp="1"/>
-          </p:cNvSpPr>
-          <p:nvPr>
-            <p:ph type="title"/>
-          </p:nvPr>
-        </p:nvSpPr>
-        <p:spPr/>
-        <p:txBody>
-          <a:bodyPr/>
-          <a:lstStyle/>
-          <a:p>
-            <a:r>
-              <a:rPr lang="en-CA" dirty="0"/>
-              <a:t>Derivation and Parse Tree</a:t>
-            </a:r>
-          </a:p>
-        </p:txBody>
-      </p:sp>
-      <mc:AlternateContent xmlns:mc="http://schemas.openxmlformats.org/markup-compatibility/2006" xmlns:a14="http://schemas.microsoft.com/office/drawing/2010/main">
-        <mc:Choice Requires="a14">
+      <mc:AlternateContent xmlns:mc="http://schemas.openxmlformats.org/markup-compatibility/2006">
+        <mc:Choice xmlns:a14="http://schemas.microsoft.com/office/drawing/2010/main" Requires="a14">
           <p:sp>
             <p:nvSpPr>
               <p:cNvPr id="3" name="Content Placeholder 2"/>
@@ -18241,14 +17508,13 @@
                         <m:t>𝑆</m:t>
                       </m:r>
                       <m:r>
-                        <a:rPr lang="en-CA" sz="2800" i="1" smtClean="0">
-                          <a:solidFill>
-                            <a:schemeClr val="accent2"/>
-                          </a:solidFill>
-                          <a:latin typeface="Cambria Math"/>
-                          <a:ea typeface="Cambria Math"/>
+                        <m:rPr>
+                          <m:nor/>
+                        </m:rPr>
+                        <a:rPr lang="en-US" sz="2800" dirty="0">
+                          <a:sym typeface="Symbol" charset="2"/>
                         </a:rPr>
-                        <m:t>→</m:t>
+                        <m:t></m:t>
                       </m:r>
                       <m:r>
                         <a:rPr lang="en-CA" sz="2800" b="0" i="1" smtClean="0">
@@ -18261,6 +17527,15 @@
                         <m:t>…</m:t>
                       </m:r>
                       <m:r>
+                        <m:rPr>
+                          <m:nor/>
+                        </m:rPr>
+                        <a:rPr lang="en-US" sz="2800" dirty="0">
+                          <a:sym typeface="Symbol" charset="2"/>
+                        </a:rPr>
+                        <m:t></m:t>
+                      </m:r>
+                      <m:r>
                         <a:rPr lang="en-CA" sz="2800" i="1">
                           <a:solidFill>
                             <a:schemeClr val="accent2"/>
@@ -18268,7 +17543,45 @@
                           <a:latin typeface="Cambria Math"/>
                           <a:ea typeface="Cambria Math"/>
                         </a:rPr>
-                        <m:t>→…→…→…</m:t>
+                        <m:t>…</m:t>
+                      </m:r>
+                      <m:r>
+                        <m:rPr>
+                          <m:nor/>
+                        </m:rPr>
+                        <a:rPr lang="en-US" sz="2800" dirty="0">
+                          <a:sym typeface="Symbol" charset="2"/>
+                        </a:rPr>
+                        <m:t></m:t>
+                      </m:r>
+                      <m:r>
+                        <a:rPr lang="en-CA" sz="2800" i="1">
+                          <a:solidFill>
+                            <a:schemeClr val="accent2"/>
+                          </a:solidFill>
+                          <a:latin typeface="Cambria Math"/>
+                          <a:ea typeface="Cambria Math"/>
+                        </a:rPr>
+                        <m:t>…</m:t>
+                      </m:r>
+                      <m:r>
+                        <m:rPr>
+                          <m:nor/>
+                        </m:rPr>
+                        <a:rPr lang="en-US" sz="2800" dirty="0">
+                          <a:sym typeface="Symbol" charset="2"/>
+                        </a:rPr>
+                        <m:t></m:t>
+                      </m:r>
+                      <m:r>
+                        <a:rPr lang="en-CA" sz="2800" i="1">
+                          <a:solidFill>
+                            <a:schemeClr val="accent2"/>
+                          </a:solidFill>
+                          <a:latin typeface="Cambria Math"/>
+                          <a:ea typeface="Cambria Math"/>
+                        </a:rPr>
+                        <m:t>…</m:t>
                       </m:r>
                     </m:oMath>
                   </m:oMathPara>
@@ -18482,7 +17795,7 @@
             </p:txBody>
           </p:sp>
         </mc:Choice>
-        <mc:Fallback xmlns="">
+        <mc:Fallback>
           <p:sp>
             <p:nvSpPr>
               <p:cNvPr id="3" name="Content Placeholder 2"/>
@@ -18498,10 +17811,10 @@
                 <a:off x="323528" y="1844824"/>
                 <a:ext cx="7772400" cy="4114800"/>
               </a:xfrm>
-              <a:blipFill rotWithShape="1">
+              <a:blipFill>
                 <a:blip r:embed="rId2"/>
                 <a:stretch>
-                  <a:fillRect l="-2039" t="-2222" r="-1176"/>
+                  <a:fillRect l="-1958" t="-1846"/>
                 </a:stretch>
               </a:blipFill>
             </p:spPr>
@@ -18510,7 +17823,7 @@
               <a:lstStyle/>
               <a:p>
                 <a:r>
-                  <a:rPr lang="en-CA">
+                  <a:rPr lang="en-US">
                     <a:noFill/>
                   </a:rPr>
                   <a:t> </a:t>
@@ -18538,7 +17851,7 @@
             <a:fld id="{D94201BD-6681-B946-ACD9-A8F6D28AC38D}" type="slidenum">
               <a:rPr lang="en-US" smtClean="0"/>
               <a:pPr/>
-              <a:t>9</a:t>
+              <a:t>8</a:t>
             </a:fld>
             <a:endParaRPr lang="en-US"/>
           </a:p>
@@ -18982,6 +18295,873 @@
                                         </p:cTn>
                                         <p:tgtEl>
                                           <p:spTgt spid="6"/>
+                                        </p:tgtEl>
+                                        <p:attrNameLst>
+                                          <p:attrName>style.visibility</p:attrName>
+                                        </p:attrNameLst>
+                                      </p:cBhvr>
+                                      <p:to>
+                                        <p:strVal val="visible"/>
+                                      </p:to>
+                                    </p:set>
+                                  </p:childTnLst>
+                                </p:cTn>
+                              </p:par>
+                            </p:childTnLst>
+                          </p:cTn>
+                        </p:par>
+                      </p:childTnLst>
+                    </p:cTn>
+                  </p:par>
+                </p:childTnLst>
+              </p:cTn>
+              <p:prevCondLst>
+                <p:cond evt="onPrev" delay="0">
+                  <p:tgtEl>
+                    <p:sldTgt/>
+                  </p:tgtEl>
+                </p:cond>
+              </p:prevCondLst>
+              <p:nextCondLst>
+                <p:cond evt="onNext" delay="0">
+                  <p:tgtEl>
+                    <p:sldTgt/>
+                  </p:tgtEl>
+                </p:cond>
+              </p:nextCondLst>
+            </p:seq>
+          </p:childTnLst>
+        </p:cTn>
+      </p:par>
+    </p:tnLst>
+  </p:timing>
+</p:sld>
+</file>
+
+<file path=ppt/slides/slide9.xml><?xml version="1.0" encoding="utf-8"?>
+<p:sld xmlns:a="http://schemas.openxmlformats.org/drawingml/2006/main" xmlns:r="http://schemas.openxmlformats.org/officeDocument/2006/relationships" xmlns:p="http://schemas.openxmlformats.org/presentationml/2006/main">
+  <p:cSld>
+    <p:spTree>
+      <p:nvGrpSpPr>
+        <p:cNvPr id="1" name=""/>
+        <p:cNvGrpSpPr/>
+        <p:nvPr/>
+      </p:nvGrpSpPr>
+      <p:grpSpPr>
+        <a:xfrm>
+          <a:off x="0" y="0"/>
+          <a:ext cx="0" cy="0"/>
+          <a:chOff x="0" y="0"/>
+          <a:chExt cx="0" cy="0"/>
+        </a:xfrm>
+      </p:grpSpPr>
+      <p:sp>
+        <p:nvSpPr>
+          <p:cNvPr id="2" name="Title 1"/>
+          <p:cNvSpPr>
+            <a:spLocks noGrp="1"/>
+          </p:cNvSpPr>
+          <p:nvPr>
+            <p:ph type="title"/>
+          </p:nvPr>
+        </p:nvSpPr>
+        <p:spPr/>
+        <p:txBody>
+          <a:bodyPr/>
+          <a:lstStyle/>
+          <a:p>
+            <a:r>
+              <a:rPr lang="en-CA" dirty="0"/>
+              <a:t>Language of CFGs</a:t>
+            </a:r>
+          </a:p>
+        </p:txBody>
+      </p:sp>
+      <mc:AlternateContent xmlns:mc="http://schemas.openxmlformats.org/markup-compatibility/2006">
+        <mc:Choice xmlns:a14="http://schemas.microsoft.com/office/drawing/2010/main" Requires="a14">
+          <p:sp>
+            <p:nvSpPr>
+              <p:cNvPr id="3" name="Content Placeholder 2"/>
+              <p:cNvSpPr>
+                <a:spLocks noGrp="1"/>
+              </p:cNvSpPr>
+              <p:nvPr>
+                <p:ph idx="1"/>
+              </p:nvPr>
+            </p:nvSpPr>
+            <p:spPr/>
+            <p:txBody>
+              <a:bodyPr/>
+              <a:lstStyle/>
+              <a:p>
+                <a:r>
+                  <a:rPr lang="en-CA" dirty="0"/>
+                  <a:t>Let </a:t>
+                </a:r>
+                <a:r>
+                  <a:rPr lang="en-CA" dirty="0">
+                    <a:solidFill>
+                      <a:schemeClr val="accent2"/>
+                    </a:solidFill>
+                  </a:rPr>
+                  <a:t>G</a:t>
+                </a:r>
+                <a:r>
+                  <a:rPr lang="en-CA" dirty="0"/>
+                  <a:t> be a context free grammar with start symbol </a:t>
+                </a:r>
+                <a:r>
+                  <a:rPr lang="en-CA" dirty="0">
+                    <a:solidFill>
+                      <a:schemeClr val="accent2"/>
+                    </a:solidFill>
+                  </a:rPr>
+                  <a:t>S</a:t>
+                </a:r>
+                <a:r>
+                  <a:rPr lang="en-CA" dirty="0"/>
+                  <a:t>, and terminals </a:t>
+                </a:r>
+                <a:r>
+                  <a:rPr lang="en-CA" dirty="0">
+                    <a:solidFill>
+                      <a:schemeClr val="accent2"/>
+                    </a:solidFill>
+                  </a:rPr>
+                  <a:t>T</a:t>
+                </a:r>
+                <a:r>
+                  <a:rPr lang="en-CA" dirty="0"/>
+                  <a:t> </a:t>
+                </a:r>
+              </a:p>
+              <a:p>
+                <a:pPr lvl="1"/>
+                <a:r>
+                  <a:rPr lang="en-CA" dirty="0"/>
+                  <a:t>The language </a:t>
+                </a:r>
+                <a:r>
+                  <a:rPr lang="en-CA" dirty="0">
+                    <a:solidFill>
+                      <a:schemeClr val="accent2"/>
+                    </a:solidFill>
+                  </a:rPr>
+                  <a:t>L(G)</a:t>
+                </a:r>
+                <a:r>
+                  <a:rPr lang="en-CA" dirty="0"/>
+                  <a:t> of </a:t>
+                </a:r>
+                <a:r>
+                  <a:rPr lang="en-CA" dirty="0">
+                    <a:solidFill>
+                      <a:schemeClr val="accent2"/>
+                    </a:solidFill>
+                  </a:rPr>
+                  <a:t>G</a:t>
+                </a:r>
+                <a:r>
+                  <a:rPr lang="en-CA" dirty="0"/>
+                  <a:t> is:</a:t>
+                </a:r>
+              </a:p>
+              <a:p>
+                <a:pPr lvl="1"/>
+                <a:endParaRPr lang="en-CA" dirty="0"/>
+              </a:p>
+              <a:p>
+                <a:pPr marL="914400" lvl="2" indent="0">
+                  <a:buNone/>
+                </a:pPr>
+                <a14:m>
+                  <m:oMathPara xmlns:m="http://schemas.openxmlformats.org/officeDocument/2006/math">
+                    <m:oMathParaPr>
+                      <m:jc m:val="centerGroup"/>
+                    </m:oMathParaPr>
+                    <m:oMath xmlns:m="http://schemas.openxmlformats.org/officeDocument/2006/math">
+                      <m:d>
+                        <m:dPr>
+                          <m:begChr m:val="{"/>
+                          <m:endChr m:val="|"/>
+                          <m:ctrlPr>
+                            <a:rPr lang="en-CA" sz="2800" b="0" i="1" smtClean="0">
+                              <a:solidFill>
+                                <a:schemeClr val="accent2"/>
+                              </a:solidFill>
+                              <a:latin typeface="Cambria Math" panose="02040503050406030204" pitchFamily="18" charset="0"/>
+                            </a:rPr>
+                          </m:ctrlPr>
+                        </m:dPr>
+                        <m:e>
+                          <m:sSub>
+                            <m:sSubPr>
+                              <m:ctrlPr>
+                                <a:rPr lang="en-CA" sz="2800" i="1">
+                                  <a:solidFill>
+                                    <a:schemeClr val="accent2"/>
+                                  </a:solidFill>
+                                  <a:latin typeface="Cambria Math" panose="02040503050406030204" pitchFamily="18" charset="0"/>
+                                  <a:ea typeface="Cambria Math"/>
+                                </a:rPr>
+                              </m:ctrlPr>
+                            </m:sSubPr>
+                            <m:e>
+                              <m:r>
+                                <a:rPr lang="en-CA" sz="2800" i="1">
+                                  <a:solidFill>
+                                    <a:schemeClr val="accent2"/>
+                                  </a:solidFill>
+                                  <a:latin typeface="Cambria Math"/>
+                                  <a:ea typeface="Cambria Math"/>
+                                </a:rPr>
+                                <m:t>𝛼</m:t>
+                              </m:r>
+                            </m:e>
+                            <m:sub>
+                              <m:r>
+                                <a:rPr lang="en-CA" sz="2800" i="1">
+                                  <a:solidFill>
+                                    <a:schemeClr val="accent2"/>
+                                  </a:solidFill>
+                                  <a:latin typeface="Cambria Math"/>
+                                  <a:ea typeface="Cambria Math"/>
+                                </a:rPr>
+                                <m:t>1</m:t>
+                              </m:r>
+                            </m:sub>
+                          </m:sSub>
+                          <m:r>
+                            <a:rPr lang="en-CA" sz="2800" i="1">
+                              <a:solidFill>
+                                <a:schemeClr val="accent2"/>
+                              </a:solidFill>
+                              <a:latin typeface="Cambria Math"/>
+                              <a:ea typeface="Cambria Math"/>
+                            </a:rPr>
+                            <m:t>…</m:t>
+                          </m:r>
+                          <m:sSub>
+                            <m:sSubPr>
+                              <m:ctrlPr>
+                                <a:rPr lang="en-CA" sz="2800" i="1">
+                                  <a:solidFill>
+                                    <a:schemeClr val="accent2"/>
+                                  </a:solidFill>
+                                  <a:latin typeface="Cambria Math" panose="02040503050406030204" pitchFamily="18" charset="0"/>
+                                  <a:ea typeface="Cambria Math"/>
+                                </a:rPr>
+                              </m:ctrlPr>
+                            </m:sSubPr>
+                            <m:e>
+                              <m:r>
+                                <a:rPr lang="en-CA" sz="2800" i="1">
+                                  <a:solidFill>
+                                    <a:schemeClr val="accent2"/>
+                                  </a:solidFill>
+                                  <a:latin typeface="Cambria Math"/>
+                                  <a:ea typeface="Cambria Math"/>
+                                </a:rPr>
+                                <m:t>𝛼</m:t>
+                              </m:r>
+                            </m:e>
+                            <m:sub>
+                              <m:r>
+                                <a:rPr lang="en-CA" sz="2800" i="1">
+                                  <a:solidFill>
+                                    <a:schemeClr val="accent2"/>
+                                  </a:solidFill>
+                                  <a:latin typeface="Cambria Math"/>
+                                  <a:ea typeface="Cambria Math"/>
+                                </a:rPr>
+                                <m:t>𝑛</m:t>
+                              </m:r>
+                            </m:sub>
+                          </m:sSub>
+                        </m:e>
+                      </m:d>
+                      <m:r>
+                        <a:rPr lang="en-CA" sz="2800" b="0" i="1" smtClean="0">
+                          <a:solidFill>
+                            <a:schemeClr val="accent2"/>
+                          </a:solidFill>
+                          <a:latin typeface="Cambria Math"/>
+                        </a:rPr>
+                        <m:t> </m:t>
+                      </m:r>
+                      <m:sSub>
+                        <m:sSubPr>
+                          <m:ctrlPr>
+                            <a:rPr lang="en-CA" sz="2800" b="0" i="1" smtClean="0">
+                              <a:solidFill>
+                                <a:schemeClr val="accent2"/>
+                              </a:solidFill>
+                              <a:latin typeface="Cambria Math" panose="02040503050406030204" pitchFamily="18" charset="0"/>
+                            </a:rPr>
+                          </m:ctrlPr>
+                        </m:sSubPr>
+                        <m:e>
+                          <m:r>
+                            <a:rPr lang="en-CA" sz="2800" b="0" i="1" smtClean="0">
+                              <a:solidFill>
+                                <a:schemeClr val="accent2"/>
+                              </a:solidFill>
+                              <a:latin typeface="Cambria Math"/>
+                              <a:ea typeface="Cambria Math"/>
+                            </a:rPr>
+                            <m:t>∀</m:t>
+                          </m:r>
+                        </m:e>
+                        <m:sub>
+                          <m:r>
+                            <a:rPr lang="en-CA" sz="2800" b="0" i="1" smtClean="0">
+                              <a:solidFill>
+                                <a:schemeClr val="accent2"/>
+                              </a:solidFill>
+                              <a:latin typeface="Cambria Math"/>
+                            </a:rPr>
+                            <m:t>𝑖</m:t>
+                          </m:r>
+                        </m:sub>
+                      </m:sSub>
+                      <m:r>
+                        <a:rPr lang="en-CA" sz="2800" b="0" i="1" smtClean="0">
+                          <a:solidFill>
+                            <a:schemeClr val="accent2"/>
+                          </a:solidFill>
+                          <a:latin typeface="Cambria Math"/>
+                        </a:rPr>
+                        <m:t> </m:t>
+                      </m:r>
+                      <m:sSub>
+                        <m:sSubPr>
+                          <m:ctrlPr>
+                            <a:rPr lang="en-CA" sz="2800" b="0" i="1" smtClean="0">
+                              <a:solidFill>
+                                <a:schemeClr val="accent2"/>
+                              </a:solidFill>
+                              <a:latin typeface="Cambria Math" panose="02040503050406030204" pitchFamily="18" charset="0"/>
+                            </a:rPr>
+                          </m:ctrlPr>
+                        </m:sSubPr>
+                        <m:e>
+                          <m:r>
+                            <a:rPr lang="en-CA" sz="2800" b="0" i="1" smtClean="0">
+                              <a:solidFill>
+                                <a:schemeClr val="accent2"/>
+                              </a:solidFill>
+                              <a:latin typeface="Cambria Math"/>
+                              <a:ea typeface="Cambria Math"/>
+                            </a:rPr>
+                            <m:t>𝛼</m:t>
+                          </m:r>
+                        </m:e>
+                        <m:sub>
+                          <m:r>
+                            <a:rPr lang="en-CA" sz="2800" b="0" i="1" smtClean="0">
+                              <a:solidFill>
+                                <a:schemeClr val="accent2"/>
+                              </a:solidFill>
+                              <a:latin typeface="Cambria Math"/>
+                            </a:rPr>
+                            <m:t>𝑖</m:t>
+                          </m:r>
+                        </m:sub>
+                      </m:sSub>
+                      <m:r>
+                        <a:rPr lang="en-CA" sz="2800" b="0" i="1" smtClean="0">
+                          <a:solidFill>
+                            <a:schemeClr val="accent2"/>
+                          </a:solidFill>
+                          <a:latin typeface="Cambria Math"/>
+                          <a:ea typeface="Cambria Math"/>
+                        </a:rPr>
+                        <m:t>∈</m:t>
+                      </m:r>
+                      <m:r>
+                        <a:rPr lang="en-CA" sz="2800" b="0" i="1" smtClean="0">
+                          <a:solidFill>
+                            <a:schemeClr val="accent2"/>
+                          </a:solidFill>
+                          <a:latin typeface="Cambria Math"/>
+                          <a:ea typeface="Cambria Math"/>
+                        </a:rPr>
+                        <m:t>𝑇</m:t>
+                      </m:r>
+                      <m:r>
+                        <a:rPr lang="en-CA" sz="2800" b="0" i="1" smtClean="0">
+                          <a:solidFill>
+                            <a:schemeClr val="accent2"/>
+                          </a:solidFill>
+                          <a:latin typeface="Cambria Math"/>
+                          <a:ea typeface="Cambria Math"/>
+                        </a:rPr>
+                        <m:t> </m:t>
+                      </m:r>
+                      <m:r>
+                        <a:rPr lang="en-US" sz="2800" b="0" i="1" smtClean="0">
+                          <a:solidFill>
+                            <a:schemeClr val="accent2"/>
+                          </a:solidFill>
+                          <a:latin typeface="Cambria Math" panose="02040503050406030204" pitchFamily="18" charset="0"/>
+                          <a:ea typeface="Cambria Math"/>
+                        </a:rPr>
+                        <m:t>𝑎𝑛𝑑</m:t>
+                      </m:r>
+                      <m:r>
+                        <a:rPr lang="en-CA" sz="2800" b="0" i="1" smtClean="0">
+                          <a:solidFill>
+                            <a:schemeClr val="accent2"/>
+                          </a:solidFill>
+                          <a:latin typeface="Cambria Math"/>
+                          <a:ea typeface="Cambria Math"/>
+                        </a:rPr>
+                        <m:t> </m:t>
+                      </m:r>
+                      <m:r>
+                        <a:rPr lang="en-CA" sz="2800" b="0" i="1" smtClean="0">
+                          <a:solidFill>
+                            <a:schemeClr val="accent2"/>
+                          </a:solidFill>
+                          <a:latin typeface="Cambria Math"/>
+                          <a:ea typeface="Cambria Math"/>
+                        </a:rPr>
+                        <m:t>𝑆</m:t>
+                      </m:r>
+                      <m:sSup>
+                        <m:sSupPr>
+                          <m:ctrlPr>
+                            <a:rPr lang="en-CA" sz="2800" b="0" i="1" smtClean="0">
+                              <a:solidFill>
+                                <a:schemeClr val="accent2"/>
+                              </a:solidFill>
+                              <a:latin typeface="Cambria Math" panose="02040503050406030204" pitchFamily="18" charset="0"/>
+                              <a:ea typeface="Cambria Math"/>
+                            </a:rPr>
+                          </m:ctrlPr>
+                        </m:sSupPr>
+                        <m:e>
+                          <m:r>
+                            <m:rPr>
+                              <m:nor/>
+                            </m:rPr>
+                            <a:rPr lang="en-US" sz="2800" dirty="0">
+                              <a:sym typeface="Symbol" charset="2"/>
+                            </a:rPr>
+                            <m:t></m:t>
+                          </m:r>
+                        </m:e>
+                        <m:sup>
+                          <m:r>
+                            <a:rPr lang="en-CA" sz="2800" b="0" i="1" smtClean="0">
+                              <a:solidFill>
+                                <a:schemeClr val="accent2"/>
+                              </a:solidFill>
+                              <a:latin typeface="Cambria Math"/>
+                              <a:ea typeface="Cambria Math"/>
+                            </a:rPr>
+                            <m:t>∗</m:t>
+                          </m:r>
+                        </m:sup>
+                      </m:sSup>
+                      <m:r>
+                        <a:rPr lang="en-CA" sz="2800" b="0" i="1" smtClean="0">
+                          <a:solidFill>
+                            <a:schemeClr val="accent2"/>
+                          </a:solidFill>
+                          <a:latin typeface="Cambria Math"/>
+                          <a:ea typeface="Cambria Math"/>
+                        </a:rPr>
+                        <m:t> </m:t>
+                      </m:r>
+                      <m:sSub>
+                        <m:sSubPr>
+                          <m:ctrlPr>
+                            <a:rPr lang="en-CA" sz="2800" b="0" i="1" smtClean="0">
+                              <a:solidFill>
+                                <a:schemeClr val="accent2"/>
+                              </a:solidFill>
+                              <a:latin typeface="Cambria Math" panose="02040503050406030204" pitchFamily="18" charset="0"/>
+                              <a:ea typeface="Cambria Math"/>
+                            </a:rPr>
+                          </m:ctrlPr>
+                        </m:sSubPr>
+                        <m:e>
+                          <m:r>
+                            <a:rPr lang="en-CA" sz="2800" i="1">
+                              <a:solidFill>
+                                <a:schemeClr val="accent2"/>
+                              </a:solidFill>
+                              <a:latin typeface="Cambria Math"/>
+                              <a:ea typeface="Cambria Math"/>
+                            </a:rPr>
+                            <m:t>𝛼</m:t>
+                          </m:r>
+                        </m:e>
+                        <m:sub>
+                          <m:r>
+                            <a:rPr lang="en-CA" sz="2800" b="0" i="1" smtClean="0">
+                              <a:solidFill>
+                                <a:schemeClr val="accent2"/>
+                              </a:solidFill>
+                              <a:latin typeface="Cambria Math"/>
+                              <a:ea typeface="Cambria Math"/>
+                            </a:rPr>
+                            <m:t>1</m:t>
+                          </m:r>
+                        </m:sub>
+                      </m:sSub>
+                      <m:r>
+                        <a:rPr lang="en-CA" sz="2800" b="0" i="1" smtClean="0">
+                          <a:solidFill>
+                            <a:schemeClr val="accent2"/>
+                          </a:solidFill>
+                          <a:latin typeface="Cambria Math"/>
+                          <a:ea typeface="Cambria Math"/>
+                        </a:rPr>
+                        <m:t>…</m:t>
+                      </m:r>
+                      <m:sSub>
+                        <m:sSubPr>
+                          <m:ctrlPr>
+                            <a:rPr lang="en-CA" sz="2800" i="1">
+                              <a:solidFill>
+                                <a:schemeClr val="accent2"/>
+                              </a:solidFill>
+                              <a:latin typeface="Cambria Math" panose="02040503050406030204" pitchFamily="18" charset="0"/>
+                              <a:ea typeface="Cambria Math"/>
+                            </a:rPr>
+                          </m:ctrlPr>
+                        </m:sSubPr>
+                        <m:e>
+                          <m:r>
+                            <a:rPr lang="en-CA" sz="2800" i="1">
+                              <a:solidFill>
+                                <a:schemeClr val="accent2"/>
+                              </a:solidFill>
+                              <a:latin typeface="Cambria Math"/>
+                              <a:ea typeface="Cambria Math"/>
+                            </a:rPr>
+                            <m:t>𝛼</m:t>
+                          </m:r>
+                        </m:e>
+                        <m:sub>
+                          <m:r>
+                            <a:rPr lang="en-CA" sz="2800" b="0" i="1" smtClean="0">
+                              <a:solidFill>
+                                <a:schemeClr val="accent2"/>
+                              </a:solidFill>
+                              <a:latin typeface="Cambria Math"/>
+                              <a:ea typeface="Cambria Math"/>
+                            </a:rPr>
+                            <m:t>𝑛</m:t>
+                          </m:r>
+                        </m:sub>
+                      </m:sSub>
+                      <m:r>
+                        <a:rPr lang="en-CA" sz="2800" b="0" i="1" smtClean="0">
+                          <a:solidFill>
+                            <a:schemeClr val="accent2"/>
+                          </a:solidFill>
+                          <a:latin typeface="Cambria Math"/>
+                        </a:rPr>
+                        <m:t>}</m:t>
+                      </m:r>
+                    </m:oMath>
+                  </m:oMathPara>
+                </a14:m>
+                <a:endParaRPr lang="en-CA" sz="2800" dirty="0">
+                  <a:solidFill>
+                    <a:schemeClr val="accent2"/>
+                  </a:solidFill>
+                </a:endParaRPr>
+              </a:p>
+              <a:p>
+                <a:pPr marL="914400" lvl="2" indent="0">
+                  <a:buNone/>
+                </a:pPr>
+                <a:r>
+                  <a:rPr lang="en-CA" sz="2800" dirty="0">
+                    <a:solidFill>
+                      <a:schemeClr val="accent2"/>
+                    </a:solidFill>
+                  </a:rPr>
+                  <a:t>{</a:t>
+                </a:r>
+                <a:r>
+                  <a:rPr lang="el-GR" sz="2800" dirty="0">
+                    <a:solidFill>
+                      <a:schemeClr val="accent2"/>
+                    </a:solidFill>
+                  </a:rPr>
+                  <a:t>ε</a:t>
+                </a:r>
+                <a:r>
+                  <a:rPr lang="en-CA" sz="2800" dirty="0">
+                    <a:solidFill>
+                      <a:schemeClr val="accent2"/>
+                    </a:solidFill>
+                  </a:rPr>
+                  <a:t>, (), (()), ((())), …}</a:t>
+                </a:r>
+              </a:p>
+            </p:txBody>
+          </p:sp>
+        </mc:Choice>
+        <mc:Fallback>
+          <p:sp>
+            <p:nvSpPr>
+              <p:cNvPr id="3" name="Content Placeholder 2"/>
+              <p:cNvSpPr>
+                <a:spLocks noGrp="1" noRot="1" noChangeAspect="1" noMove="1" noResize="1" noEditPoints="1" noAdjustHandles="1" noChangeArrowheads="1" noChangeShapeType="1" noTextEdit="1"/>
+              </p:cNvSpPr>
+              <p:nvPr>
+                <p:ph idx="1"/>
+              </p:nvPr>
+            </p:nvSpPr>
+            <p:spPr>
+              <a:blipFill>
+                <a:blip r:embed="rId2"/>
+                <a:stretch>
+                  <a:fillRect l="-1958" t="-2160" r="-653"/>
+                </a:stretch>
+              </a:blipFill>
+            </p:spPr>
+            <p:txBody>
+              <a:bodyPr/>
+              <a:lstStyle/>
+              <a:p>
+                <a:r>
+                  <a:rPr lang="en-US">
+                    <a:noFill/>
+                  </a:rPr>
+                  <a:t> </a:t>
+                </a:r>
+              </a:p>
+            </p:txBody>
+          </p:sp>
+        </mc:Fallback>
+      </mc:AlternateContent>
+      <p:sp>
+        <p:nvSpPr>
+          <p:cNvPr id="5" name="Slide Number Placeholder 4"/>
+          <p:cNvSpPr>
+            <a:spLocks noGrp="1"/>
+          </p:cNvSpPr>
+          <p:nvPr>
+            <p:ph type="sldNum" sz="quarter" idx="12"/>
+          </p:nvPr>
+        </p:nvSpPr>
+        <p:spPr/>
+        <p:txBody>
+          <a:bodyPr/>
+          <a:lstStyle/>
+          <a:p>
+            <a:fld id="{D94201BD-6681-B946-ACD9-A8F6D28AC38D}" type="slidenum">
+              <a:rPr lang="en-US" smtClean="0"/>
+              <a:pPr/>
+              <a:t>9</a:t>
+            </a:fld>
+            <a:endParaRPr lang="en-US"/>
+          </a:p>
+        </p:txBody>
+      </p:sp>
+    </p:spTree>
+    <p:extLst>
+      <p:ext uri="{BB962C8B-B14F-4D97-AF65-F5344CB8AC3E}">
+        <p14:creationId xmlns:p14="http://schemas.microsoft.com/office/powerpoint/2010/main" val="75161417"/>
+      </p:ext>
+    </p:extLst>
+  </p:cSld>
+  <p:clrMapOvr>
+    <a:masterClrMapping/>
+  </p:clrMapOvr>
+  <p:timing>
+    <p:tnLst>
+      <p:par>
+        <p:cTn id="1" dur="indefinite" restart="never" nodeType="tmRoot">
+          <p:childTnLst>
+            <p:seq concurrent="1" nextAc="seek">
+              <p:cTn id="2" dur="indefinite" nodeType="mainSeq">
+                <p:childTnLst>
+                  <p:par>
+                    <p:cTn id="3" fill="hold">
+                      <p:stCondLst>
+                        <p:cond delay="indefinite"/>
+                      </p:stCondLst>
+                      <p:childTnLst>
+                        <p:par>
+                          <p:cTn id="4" fill="hold">
+                            <p:stCondLst>
+                              <p:cond delay="0"/>
+                            </p:stCondLst>
+                            <p:childTnLst>
+                              <p:par>
+                                <p:cTn id="5" presetID="1" presetClass="entr" presetSubtype="0" fill="hold" nodeType="clickEffect">
+                                  <p:stCondLst>
+                                    <p:cond delay="0"/>
+                                  </p:stCondLst>
+                                  <p:childTnLst>
+                                    <p:set>
+                                      <p:cBhvr>
+                                        <p:cTn id="6" dur="1" fill="hold">
+                                          <p:stCondLst>
+                                            <p:cond delay="0"/>
+                                          </p:stCondLst>
+                                        </p:cTn>
+                                        <p:tgtEl>
+                                          <p:spTgt spid="3">
+                                            <p:txEl>
+                                              <p:pRg st="0" end="0"/>
+                                            </p:txEl>
+                                          </p:spTgt>
+                                        </p:tgtEl>
+                                        <p:attrNameLst>
+                                          <p:attrName>style.visibility</p:attrName>
+                                        </p:attrNameLst>
+                                      </p:cBhvr>
+                                      <p:to>
+                                        <p:strVal val="visible"/>
+                                      </p:to>
+                                    </p:set>
+                                  </p:childTnLst>
+                                </p:cTn>
+                              </p:par>
+                            </p:childTnLst>
+                          </p:cTn>
+                        </p:par>
+                      </p:childTnLst>
+                    </p:cTn>
+                  </p:par>
+                  <p:par>
+                    <p:cTn id="7" fill="hold">
+                      <p:stCondLst>
+                        <p:cond delay="indefinite"/>
+                      </p:stCondLst>
+                      <p:childTnLst>
+                        <p:par>
+                          <p:cTn id="8" fill="hold">
+                            <p:stCondLst>
+                              <p:cond delay="0"/>
+                            </p:stCondLst>
+                            <p:childTnLst>
+                              <p:par>
+                                <p:cTn id="9" presetID="1" presetClass="entr" presetSubtype="0" fill="hold" nodeType="clickEffect">
+                                  <p:stCondLst>
+                                    <p:cond delay="0"/>
+                                  </p:stCondLst>
+                                  <p:childTnLst>
+                                    <p:set>
+                                      <p:cBhvr>
+                                        <p:cTn id="10" dur="1" fill="hold">
+                                          <p:stCondLst>
+                                            <p:cond delay="0"/>
+                                          </p:stCondLst>
+                                        </p:cTn>
+                                        <p:tgtEl>
+                                          <p:spTgt spid="3">
+                                            <p:txEl>
+                                              <p:pRg st="1" end="1"/>
+                                            </p:txEl>
+                                          </p:spTgt>
+                                        </p:tgtEl>
+                                        <p:attrNameLst>
+                                          <p:attrName>style.visibility</p:attrName>
+                                        </p:attrNameLst>
+                                      </p:cBhvr>
+                                      <p:to>
+                                        <p:strVal val="visible"/>
+                                      </p:to>
+                                    </p:set>
+                                  </p:childTnLst>
+                                </p:cTn>
+                              </p:par>
+                            </p:childTnLst>
+                          </p:cTn>
+                        </p:par>
+                      </p:childTnLst>
+                    </p:cTn>
+                  </p:par>
+                  <p:par>
+                    <p:cTn id="11" fill="hold">
+                      <p:stCondLst>
+                        <p:cond delay="indefinite"/>
+                      </p:stCondLst>
+                      <p:childTnLst>
+                        <p:par>
+                          <p:cTn id="12" fill="hold">
+                            <p:stCondLst>
+                              <p:cond delay="0"/>
+                            </p:stCondLst>
+                            <p:childTnLst>
+                              <p:par>
+                                <p:cTn id="13" presetID="1" presetClass="entr" presetSubtype="0" fill="hold" nodeType="clickEffect">
+                                  <p:stCondLst>
+                                    <p:cond delay="0"/>
+                                  </p:stCondLst>
+                                  <p:childTnLst>
+                                    <p:set>
+                                      <p:cBhvr>
+                                        <p:cTn id="14" dur="1" fill="hold">
+                                          <p:stCondLst>
+                                            <p:cond delay="0"/>
+                                          </p:stCondLst>
+                                        </p:cTn>
+                                        <p:tgtEl>
+                                          <p:spTgt spid="3">
+                                            <p:txEl>
+                                              <p:pRg st="3" end="3"/>
+                                            </p:txEl>
+                                          </p:spTgt>
+                                        </p:tgtEl>
+                                        <p:attrNameLst>
+                                          <p:attrName>style.visibility</p:attrName>
+                                        </p:attrNameLst>
+                                      </p:cBhvr>
+                                      <p:to>
+                                        <p:strVal val="visible"/>
+                                      </p:to>
+                                    </p:set>
+                                  </p:childTnLst>
+                                </p:cTn>
+                              </p:par>
+                            </p:childTnLst>
+                          </p:cTn>
+                        </p:par>
+                      </p:childTnLst>
+                    </p:cTn>
+                  </p:par>
+                  <p:par>
+                    <p:cTn id="15" fill="hold">
+                      <p:stCondLst>
+                        <p:cond delay="indefinite"/>
+                      </p:stCondLst>
+                      <p:childTnLst>
+                        <p:par>
+                          <p:cTn id="16" fill="hold">
+                            <p:stCondLst>
+                              <p:cond delay="0"/>
+                            </p:stCondLst>
+                            <p:childTnLst>
+                              <p:par>
+                                <p:cTn id="17" presetID="1" presetClass="entr" presetSubtype="0" fill="hold" nodeType="clickEffect">
+                                  <p:stCondLst>
+                                    <p:cond delay="0"/>
+                                  </p:stCondLst>
+                                  <p:childTnLst>
+                                    <p:set>
+                                      <p:cBhvr>
+                                        <p:cTn id="18" dur="1" fill="hold">
+                                          <p:stCondLst>
+                                            <p:cond delay="0"/>
+                                          </p:stCondLst>
+                                        </p:cTn>
+                                        <p:tgtEl>
+                                          <p:spTgt spid="3">
+                                            <p:txEl>
+                                              <p:pRg st="4" end="4"/>
+                                            </p:txEl>
+                                          </p:spTgt>
                                         </p:tgtEl>
                                         <p:attrNameLst>
                                           <p:attrName>style.visibility</p:attrName>

--- a/assets/ppt/cfg/cfg1-intro.pptx
+++ b/assets/ppt/cfg/cfg1-intro.pptx
@@ -6481,6 +6481,57 @@
           </a:p>
         </p:txBody>
       </p:sp>
+      <p:sp>
+        <p:nvSpPr>
+          <p:cNvPr id="2" name="TextBox 1">
+            <a:extLst>
+              <a:ext uri="{FF2B5EF4-FFF2-40B4-BE49-F238E27FC236}">
+                <a16:creationId xmlns:a16="http://schemas.microsoft.com/office/drawing/2014/main" id="{73A0F3C3-0A6B-9943-AE42-69A1C73E451A}"/>
+              </a:ext>
+            </a:extLst>
+          </p:cNvPr>
+          <p:cNvSpPr txBox="1"/>
+          <p:nvPr/>
+        </p:nvSpPr>
+        <p:spPr>
+          <a:xfrm>
+            <a:off x="785257" y="5478029"/>
+            <a:ext cx="2664296" cy="830997"/>
+          </a:xfrm>
+          <a:prstGeom prst="rect">
+            <a:avLst/>
+          </a:prstGeom>
+          <a:solidFill>
+            <a:schemeClr val="accent1"/>
+          </a:solidFill>
+        </p:spPr>
+        <p:txBody>
+          <a:bodyPr wrap="square" rtlCol="0">
+            <a:spAutoFit/>
+          </a:bodyPr>
+          <a:lstStyle/>
+          <a:p>
+            <a:r>
+              <a:rPr lang="en-US" dirty="0"/>
+              <a:t>Notation:</a:t>
+            </a:r>
+            <a:br>
+              <a:rPr lang="en-US" dirty="0"/>
+            </a:br>
+            <a:r>
+              <a:rPr lang="en-US" dirty="0"/>
+              <a:t>E </a:t>
+            </a:r>
+            <a:r>
+              <a:rPr lang="en-US" dirty="0">
+                <a:sym typeface="Symbol" charset="2"/>
+              </a:rPr>
+              <a:t>* id + id * id</a:t>
+            </a:r>
+            <a:endParaRPr lang="en-US" dirty="0"/>
+          </a:p>
+        </p:txBody>
+      </p:sp>
     </p:spTree>
     <p:extLst>
       <p:ext uri="{BB962C8B-B14F-4D97-AF65-F5344CB8AC3E}">
@@ -6918,6 +6969,51 @@
                       </p:childTnLst>
                     </p:cTn>
                   </p:par>
+                  <p:par>
+                    <p:cTn id="37" fill="hold">
+                      <p:stCondLst>
+                        <p:cond delay="indefinite"/>
+                      </p:stCondLst>
+                      <p:childTnLst>
+                        <p:par>
+                          <p:cTn id="38" fill="hold">
+                            <p:stCondLst>
+                              <p:cond delay="0"/>
+                            </p:stCondLst>
+                            <p:childTnLst>
+                              <p:par>
+                                <p:cTn id="39" presetID="1" presetClass="entr" presetSubtype="0" fill="hold" grpId="0" nodeType="clickEffect">
+                                  <p:stCondLst>
+                                    <p:cond delay="0"/>
+                                  </p:stCondLst>
+                                  <p:childTnLst>
+                                    <p:set>
+                                      <p:cBhvr>
+                                        <p:cTn id="40" dur="1" fill="hold">
+                                          <p:stCondLst>
+                                            <p:cond delay="0"/>
+                                          </p:stCondLst>
+                                        </p:cTn>
+                                        <p:tgtEl>
+                                          <p:spTgt spid="2"/>
+                                        </p:tgtEl>
+                                        <p:attrNameLst>
+                                          <p:attrName>style.visibility</p:attrName>
+                                        </p:attrNameLst>
+                                      </p:cBhvr>
+                                      <p:to>
+                                        <p:strVal val="visible"/>
+                                      </p:to>
+                                    </p:set>
+                                  </p:childTnLst>
+                                </p:cTn>
+                              </p:par>
+                            </p:childTnLst>
+                          </p:cTn>
+                        </p:par>
+                      </p:childTnLst>
+                    </p:cTn>
+                  </p:par>
                 </p:childTnLst>
               </p:cTn>
               <p:prevCondLst>
@@ -6942,6 +7038,7 @@
     <p:bldLst>
       <p:bldP spid="70659" grpId="0" build="p" autoUpdateAnimBg="0"/>
       <p:bldP spid="27" grpId="0" uiExpand="1" build="p" autoUpdateAnimBg="0"/>
+      <p:bldP spid="2" grpId="0" animBg="1"/>
     </p:bldLst>
   </p:timing>
 </p:sld>
@@ -16799,8 +16896,8 @@
           </a:p>
         </p:txBody>
       </p:sp>
-      <mc:AlternateContent xmlns:mc="http://schemas.openxmlformats.org/markup-compatibility/2006">
-        <mc:Choice xmlns:a14="http://schemas.microsoft.com/office/drawing/2010/main" Requires="a14">
+      <mc:AlternateContent xmlns:mc="http://schemas.openxmlformats.org/markup-compatibility/2006" xmlns:a14="http://schemas.microsoft.com/office/drawing/2010/main">
+        <mc:Choice Requires="a14">
           <p:sp>
             <p:nvSpPr>
               <p:cNvPr id="6" name="Rectangle 5"/>
@@ -16916,7 +17013,7 @@
             </p:txBody>
           </p:sp>
         </mc:Choice>
-        <mc:Fallback>
+        <mc:Fallback xmlns="">
           <p:sp>
             <p:nvSpPr>
               <p:cNvPr id="6" name="Rectangle 5"/>
@@ -17460,8 +17557,8 @@
           </a:p>
         </p:txBody>
       </p:sp>
-      <mc:AlternateContent xmlns:mc="http://schemas.openxmlformats.org/markup-compatibility/2006">
-        <mc:Choice xmlns:a14="http://schemas.microsoft.com/office/drawing/2010/main" Requires="a14">
+      <mc:AlternateContent xmlns:mc="http://schemas.openxmlformats.org/markup-compatibility/2006" xmlns:a14="http://schemas.microsoft.com/office/drawing/2010/main">
+        <mc:Choice Requires="a14">
           <p:sp>
             <p:nvSpPr>
               <p:cNvPr id="3" name="Content Placeholder 2"/>
@@ -17795,7 +17892,7 @@
             </p:txBody>
           </p:sp>
         </mc:Choice>
-        <mc:Fallback>
+        <mc:Fallback xmlns="">
           <p:sp>
             <p:nvSpPr>
               <p:cNvPr id="3" name="Content Placeholder 2"/>
@@ -18377,8 +18474,8 @@
           </a:p>
         </p:txBody>
       </p:sp>
-      <mc:AlternateContent xmlns:mc="http://schemas.openxmlformats.org/markup-compatibility/2006">
-        <mc:Choice xmlns:a14="http://schemas.microsoft.com/office/drawing/2010/main" Requires="a14">
+      <mc:AlternateContent xmlns:mc="http://schemas.openxmlformats.org/markup-compatibility/2006" xmlns:a14="http://schemas.microsoft.com/office/drawing/2010/main">
+        <mc:Choice Requires="a14">
           <p:sp>
             <p:nvSpPr>
               <p:cNvPr id="3" name="Content Placeholder 2"/>
@@ -18908,7 +19005,7 @@
             </p:txBody>
           </p:sp>
         </mc:Choice>
-        <mc:Fallback>
+        <mc:Fallback xmlns="">
           <p:sp>
             <p:nvSpPr>
               <p:cNvPr id="3" name="Content Placeholder 2"/>
